--- a/Week_2/Lectures/2.4_JavaScript_jQuery_and_AJAX.pptx
+++ b/Week_2/Lectures/2.4_JavaScript_jQuery_and_AJAX.pptx
@@ -1,32 +1,52 @@
 
 <file path=ppt/presentation.xml><?xml version="1.0" encoding="utf-8"?>
-<p:presentation xmlns:a="http://schemas.openxmlformats.org/drawingml/2006/main" xmlns:r="http://schemas.openxmlformats.org/officeDocument/2006/relationships" xmlns:p="http://schemas.openxmlformats.org/presentationml/2006/main" strictFirstAndLastChars="0" embedTrueTypeFonts="1" saveSubsetFonts="1" autoCompressPictures="0">
+<p:presentation xmlns:a="http://schemas.openxmlformats.org/drawingml/2006/main" xmlns:r="http://schemas.openxmlformats.org/officeDocument/2006/relationships" xmlns:mc="http://schemas.openxmlformats.org/markup-compatibility/2006" xmlns:mv="urn:schemas-microsoft-com:mac:vml" xmlns:p="http://schemas.openxmlformats.org/presentationml/2006/main" xmlns:c="http://schemas.openxmlformats.org/drawingml/2006/chart" xmlns:dgm="http://schemas.openxmlformats.org/drawingml/2006/diagram" xmlns:o="urn:schemas-microsoft-com:office:office" xmlns:v="urn:schemas-microsoft-com:vml" xmlns:pvml="urn:schemas-microsoft-com:office:powerpoint" xmlns:com="http://schemas.openxmlformats.org/drawingml/2006/compatibility" xmlns:p14="http://schemas.microsoft.com/office/powerpoint/2010/main" autoCompressPictures="0" embedTrueTypeFonts="1" strictFirstAndLastChars="0" saveSubsetFonts="1">
   <p:sldMasterIdLst>
-    <p:sldMasterId id="2147483659" r:id="rId1"/>
+    <p:sldMasterId id="2147483659" r:id="rId4"/>
   </p:sldMasterIdLst>
   <p:notesMasterIdLst>
-    <p:notesMasterId r:id="rId16"/>
+    <p:notesMasterId r:id="rId5"/>
   </p:notesMasterIdLst>
   <p:sldIdLst>
-    <p:sldId id="256" r:id="rId2"/>
-    <p:sldId id="257" r:id="rId3"/>
-    <p:sldId id="258" r:id="rId4"/>
-    <p:sldId id="259" r:id="rId5"/>
-    <p:sldId id="260" r:id="rId6"/>
-    <p:sldId id="261" r:id="rId7"/>
-    <p:sldId id="262" r:id="rId8"/>
-    <p:sldId id="263" r:id="rId9"/>
-    <p:sldId id="264" r:id="rId10"/>
-    <p:sldId id="265" r:id="rId11"/>
-    <p:sldId id="266" r:id="rId12"/>
-    <p:sldId id="267" r:id="rId13"/>
-    <p:sldId id="268" r:id="rId14"/>
-    <p:sldId id="269" r:id="rId15"/>
+    <p:sldId id="256" r:id="rId6"/>
+    <p:sldId id="257" r:id="rId7"/>
+    <p:sldId id="258" r:id="rId8"/>
+    <p:sldId id="259" r:id="rId9"/>
+    <p:sldId id="260" r:id="rId10"/>
+    <p:sldId id="261" r:id="rId11"/>
+    <p:sldId id="262" r:id="rId12"/>
+    <p:sldId id="263" r:id="rId13"/>
+    <p:sldId id="264" r:id="rId14"/>
+    <p:sldId id="265" r:id="rId15"/>
+    <p:sldId id="266" r:id="rId16"/>
+    <p:sldId id="267" r:id="rId17"/>
+    <p:sldId id="268" r:id="rId18"/>
+    <p:sldId id="269" r:id="rId19"/>
+    <p:sldId id="270" r:id="rId20"/>
   </p:sldIdLst>
-  <p:sldSz cx="9144000" cy="5143500" type="screen16x9"/>
+  <p:sldSz cy="5143500" cx="9144000"/>
   <p:notesSz cx="6858000" cy="9144000"/>
+  <p:embeddedFontLst>
+    <p:embeddedFont>
+      <p:font typeface="PT Sans Narrow"/>
+      <p:regular r:id="rId21"/>
+      <p:bold r:id="rId22"/>
+    </p:embeddedFont>
+    <p:embeddedFont>
+      <p:font typeface="Source Code Pro"/>
+      <p:regular r:id="rId23"/>
+      <p:bold r:id="rId24"/>
+    </p:embeddedFont>
+    <p:embeddedFont>
+      <p:font typeface="Open Sans"/>
+      <p:regular r:id="rId25"/>
+      <p:bold r:id="rId26"/>
+      <p:italic r:id="rId27"/>
+      <p:boldItalic r:id="rId28"/>
+    </p:embeddedFont>
+  </p:embeddedFontLst>
   <p:defaultTextStyle>
-    <a:defPPr marR="0" lvl="0" algn="l" rtl="0">
+    <a:defPPr lvl="0" marR="0" rtl="0" algn="l">
       <a:lnSpc>
         <a:spcPct val="100000"/>
       </a:lnSpc>
@@ -37,7 +57,7 @@
         <a:spcPts val="0"/>
       </a:spcAft>
     </a:defPPr>
-    <a:lvl1pPr marR="0" lvl="0" algn="l" rtl="0">
+    <a:lvl1pPr lvl="0" marR="0" rtl="0" algn="l">
       <a:lnSpc>
         <a:spcPct val="100000"/>
       </a:lnSpc>
@@ -48,7 +68,7 @@
         <a:spcPts val="0"/>
       </a:spcAft>
       <a:buNone/>
-      <a:defRPr sz="1400" b="0" i="0" u="none" strike="noStrike" cap="none">
+      <a:defRPr b="0" i="0" sz="1400" u="none" cap="none" strike="noStrike">
         <a:solidFill>
           <a:srgbClr val="000000"/>
         </a:solidFill>
@@ -58,7 +78,7 @@
         <a:sym typeface="Arial"/>
       </a:defRPr>
     </a:lvl1pPr>
-    <a:lvl2pPr marR="0" lvl="1" algn="l" rtl="0">
+    <a:lvl2pPr lvl="1" marR="0" rtl="0" algn="l">
       <a:lnSpc>
         <a:spcPct val="100000"/>
       </a:lnSpc>
@@ -69,7 +89,7 @@
         <a:spcPts val="0"/>
       </a:spcAft>
       <a:buNone/>
-      <a:defRPr sz="1400" b="0" i="0" u="none" strike="noStrike" cap="none">
+      <a:defRPr b="0" i="0" sz="1400" u="none" cap="none" strike="noStrike">
         <a:solidFill>
           <a:srgbClr val="000000"/>
         </a:solidFill>
@@ -79,7 +99,7 @@
         <a:sym typeface="Arial"/>
       </a:defRPr>
     </a:lvl2pPr>
-    <a:lvl3pPr marR="0" lvl="2" algn="l" rtl="0">
+    <a:lvl3pPr lvl="2" marR="0" rtl="0" algn="l">
       <a:lnSpc>
         <a:spcPct val="100000"/>
       </a:lnSpc>
@@ -90,7 +110,7 @@
         <a:spcPts val="0"/>
       </a:spcAft>
       <a:buNone/>
-      <a:defRPr sz="1400" b="0" i="0" u="none" strike="noStrike" cap="none">
+      <a:defRPr b="0" i="0" sz="1400" u="none" cap="none" strike="noStrike">
         <a:solidFill>
           <a:srgbClr val="000000"/>
         </a:solidFill>
@@ -100,7 +120,7 @@
         <a:sym typeface="Arial"/>
       </a:defRPr>
     </a:lvl3pPr>
-    <a:lvl4pPr marR="0" lvl="3" algn="l" rtl="0">
+    <a:lvl4pPr lvl="3" marR="0" rtl="0" algn="l">
       <a:lnSpc>
         <a:spcPct val="100000"/>
       </a:lnSpc>
@@ -111,7 +131,7 @@
         <a:spcPts val="0"/>
       </a:spcAft>
       <a:buNone/>
-      <a:defRPr sz="1400" b="0" i="0" u="none" strike="noStrike" cap="none">
+      <a:defRPr b="0" i="0" sz="1400" u="none" cap="none" strike="noStrike">
         <a:solidFill>
           <a:srgbClr val="000000"/>
         </a:solidFill>
@@ -121,7 +141,7 @@
         <a:sym typeface="Arial"/>
       </a:defRPr>
     </a:lvl4pPr>
-    <a:lvl5pPr marR="0" lvl="4" algn="l" rtl="0">
+    <a:lvl5pPr lvl="4" marR="0" rtl="0" algn="l">
       <a:lnSpc>
         <a:spcPct val="100000"/>
       </a:lnSpc>
@@ -132,7 +152,7 @@
         <a:spcPts val="0"/>
       </a:spcAft>
       <a:buNone/>
-      <a:defRPr sz="1400" b="0" i="0" u="none" strike="noStrike" cap="none">
+      <a:defRPr b="0" i="0" sz="1400" u="none" cap="none" strike="noStrike">
         <a:solidFill>
           <a:srgbClr val="000000"/>
         </a:solidFill>
@@ -142,7 +162,7 @@
         <a:sym typeface="Arial"/>
       </a:defRPr>
     </a:lvl5pPr>
-    <a:lvl6pPr marR="0" lvl="5" algn="l" rtl="0">
+    <a:lvl6pPr lvl="5" marR="0" rtl="0" algn="l">
       <a:lnSpc>
         <a:spcPct val="100000"/>
       </a:lnSpc>
@@ -153,7 +173,7 @@
         <a:spcPts val="0"/>
       </a:spcAft>
       <a:buNone/>
-      <a:defRPr sz="1400" b="0" i="0" u="none" strike="noStrike" cap="none">
+      <a:defRPr b="0" i="0" sz="1400" u="none" cap="none" strike="noStrike">
         <a:solidFill>
           <a:srgbClr val="000000"/>
         </a:solidFill>
@@ -163,7 +183,7 @@
         <a:sym typeface="Arial"/>
       </a:defRPr>
     </a:lvl6pPr>
-    <a:lvl7pPr marR="0" lvl="6" algn="l" rtl="0">
+    <a:lvl7pPr lvl="6" marR="0" rtl="0" algn="l">
       <a:lnSpc>
         <a:spcPct val="100000"/>
       </a:lnSpc>
@@ -174,7 +194,7 @@
         <a:spcPts val="0"/>
       </a:spcAft>
       <a:buNone/>
-      <a:defRPr sz="1400" b="0" i="0" u="none" strike="noStrike" cap="none">
+      <a:defRPr b="0" i="0" sz="1400" u="none" cap="none" strike="noStrike">
         <a:solidFill>
           <a:srgbClr val="000000"/>
         </a:solidFill>
@@ -184,7 +204,7 @@
         <a:sym typeface="Arial"/>
       </a:defRPr>
     </a:lvl7pPr>
-    <a:lvl8pPr marR="0" lvl="7" algn="l" rtl="0">
+    <a:lvl8pPr lvl="7" marR="0" rtl="0" algn="l">
       <a:lnSpc>
         <a:spcPct val="100000"/>
       </a:lnSpc>
@@ -195,7 +215,7 @@
         <a:spcPts val="0"/>
       </a:spcAft>
       <a:buNone/>
-      <a:defRPr sz="1400" b="0" i="0" u="none" strike="noStrike" cap="none">
+      <a:defRPr b="0" i="0" sz="1400" u="none" cap="none" strike="noStrike">
         <a:solidFill>
           <a:srgbClr val="000000"/>
         </a:solidFill>
@@ -205,7 +225,7 @@
         <a:sym typeface="Arial"/>
       </a:defRPr>
     </a:lvl8pPr>
-    <a:lvl9pPr marR="0" lvl="8" algn="l" rtl="0">
+    <a:lvl9pPr lvl="8" marR="0" rtl="0" algn="l">
       <a:lnSpc>
         <a:spcPct val="100000"/>
       </a:lnSpc>
@@ -216,7 +236,7 @@
         <a:spcPts val="0"/>
       </a:spcAft>
       <a:buNone/>
-      <a:defRPr sz="1400" b="0" i="0" u="none" strike="noStrike" cap="none">
+      <a:defRPr b="0" i="0" sz="1400" u="none" cap="none" strike="noStrike">
         <a:solidFill>
           <a:srgbClr val="000000"/>
         </a:solidFill>
@@ -231,16 +251,11 @@
 </file>
 
 <file path=ppt/notesMasters/notesMaster1.xml><?xml version="1.0" encoding="utf-8"?>
-<p:notesMaster xmlns:a="http://schemas.openxmlformats.org/drawingml/2006/main" xmlns:r="http://schemas.openxmlformats.org/officeDocument/2006/relationships" xmlns:p="http://schemas.openxmlformats.org/presentationml/2006/main">
+<p:notesMaster xmlns:a="http://schemas.openxmlformats.org/drawingml/2006/main" xmlns:r="http://schemas.openxmlformats.org/officeDocument/2006/relationships" xmlns:mc="http://schemas.openxmlformats.org/markup-compatibility/2006" xmlns:mv="urn:schemas-microsoft-com:mac:vml" xmlns:p="http://schemas.openxmlformats.org/presentationml/2006/main" xmlns:c="http://schemas.openxmlformats.org/drawingml/2006/chart" xmlns:dgm="http://schemas.openxmlformats.org/drawingml/2006/diagram" xmlns:o="urn:schemas-microsoft-com:office:office" xmlns:v="urn:schemas-microsoft-com:vml" xmlns:pvml="urn:schemas-microsoft-com:office:powerpoint" xmlns:com="http://schemas.openxmlformats.org/drawingml/2006/compatibility" xmlns:p14="http://schemas.microsoft.com/office/powerpoint/2010/main">
   <p:cSld>
-    <p:bg>
-      <p:bgRef idx="1001">
-        <a:schemeClr val="bg1"/>
-      </p:bgRef>
-    </p:bg>
     <p:spTree>
       <p:nvGrpSpPr>
-        <p:cNvPr id="1" name="Shape 2"/>
+        <p:cNvPr id="2" name="Shape 2"/>
         <p:cNvGrpSpPr/>
         <p:nvPr/>
       </p:nvGrpSpPr>
@@ -255,11 +270,9 @@
       <p:sp>
         <p:nvSpPr>
           <p:cNvPr id="3" name="Shape 3"/>
-          <p:cNvSpPr>
-            <a:spLocks noGrp="1" noRot="1" noChangeAspect="1"/>
-          </p:cNvSpPr>
+          <p:cNvSpPr/>
           <p:nvPr>
-            <p:ph type="sldImg" idx="2"/>
+            <p:ph idx="2" type="sldImg"/>
           </p:nvPr>
         </p:nvSpPr>
         <p:spPr>
@@ -268,13 +281,8 @@
             <a:ext cx="6096075" cy="3429000"/>
           </a:xfrm>
           <a:custGeom>
-            <a:avLst/>
-            <a:gdLst/>
-            <a:ahLst/>
-            <a:cxnLst/>
-            <a:rect l="0" t="0" r="0" b="0"/>
             <a:pathLst>
-              <a:path w="120000" h="120000" extrusionOk="0">
+              <a:path extrusionOk="0" h="120000" w="120000">
                 <a:moveTo>
                   <a:pt x="0" y="0"/>
                 </a:moveTo>
@@ -292,25 +300,23 @@
             </a:pathLst>
           </a:custGeom>
           <a:noFill/>
-          <a:ln w="9525" cap="flat" cmpd="sng">
+          <a:ln cap="flat" cmpd="sng" w="9525">
             <a:solidFill>
               <a:srgbClr val="000000"/>
             </a:solidFill>
             <a:prstDash val="solid"/>
             <a:round/>
-            <a:headEnd type="none" w="med" len="med"/>
-            <a:tailEnd type="none" w="med" len="med"/>
+            <a:headEnd len="med" w="med" type="none"/>
+            <a:tailEnd len="med" w="med" type="none"/>
           </a:ln>
         </p:spPr>
       </p:sp>
       <p:sp>
         <p:nvSpPr>
           <p:cNvPr id="4" name="Shape 4"/>
-          <p:cNvSpPr txBox="1">
-            <a:spLocks noGrp="1"/>
-          </p:cNvSpPr>
+          <p:cNvSpPr txBox="1"/>
           <p:nvPr>
-            <p:ph type="body" idx="1"/>
+            <p:ph idx="1" type="body"/>
           </p:nvPr>
         </p:nvSpPr>
         <p:spPr>
@@ -327,7 +333,7 @@
           </a:ln>
         </p:spPr>
         <p:txBody>
-          <a:bodyPr lIns="91425" tIns="91425" rIns="91425" bIns="91425" anchor="t" anchorCtr="0"/>
+          <a:bodyPr anchorCtr="0" anchor="t" bIns="91425" lIns="91425" rIns="91425" tIns="91425"/>
           <a:lstStyle>
             <a:lvl1pPr lvl="0">
               <a:spcBef>
@@ -384,120 +390,21 @@
               <a:defRPr sz="1100"/>
             </a:lvl9pPr>
           </a:lstStyle>
-          <a:p>
-            <a:endParaRPr/>
-          </a:p>
+          <a:p/>
         </p:txBody>
       </p:sp>
     </p:spTree>
-    <p:extLst>
-      <p:ext uri="{BB962C8B-B14F-4D97-AF65-F5344CB8AC3E}">
-        <p14:creationId xmlns:p14="http://schemas.microsoft.com/office/powerpoint/2010/main" val="4033772036"/>
-      </p:ext>
-    </p:extLst>
   </p:cSld>
-  <p:clrMap bg1="lt1" tx1="dk1" bg2="dk2" tx2="lt2" accent1="accent1" accent2="accent2" accent3="accent3" accent4="accent4" accent5="accent5" accent6="accent6" hlink="hlink" folHlink="folHlink"/>
-  <p:notesStyle>
-    <a:lvl1pPr marL="0" algn="l" defTabSz="457200" rtl="0" eaLnBrk="1" latinLnBrk="0" hangingPunct="1">
-      <a:defRPr sz="1200" kern="1200">
-        <a:solidFill>
-          <a:schemeClr val="tx1"/>
-        </a:solidFill>
-        <a:latin typeface="+mn-lt"/>
-        <a:ea typeface="+mn-ea"/>
-        <a:cs typeface="+mn-cs"/>
-      </a:defRPr>
-    </a:lvl1pPr>
-    <a:lvl2pPr marL="457200" algn="l" defTabSz="457200" rtl="0" eaLnBrk="1" latinLnBrk="0" hangingPunct="1">
-      <a:defRPr sz="1200" kern="1200">
-        <a:solidFill>
-          <a:schemeClr val="tx1"/>
-        </a:solidFill>
-        <a:latin typeface="+mn-lt"/>
-        <a:ea typeface="+mn-ea"/>
-        <a:cs typeface="+mn-cs"/>
-      </a:defRPr>
-    </a:lvl2pPr>
-    <a:lvl3pPr marL="914400" algn="l" defTabSz="457200" rtl="0" eaLnBrk="1" latinLnBrk="0" hangingPunct="1">
-      <a:defRPr sz="1200" kern="1200">
-        <a:solidFill>
-          <a:schemeClr val="tx1"/>
-        </a:solidFill>
-        <a:latin typeface="+mn-lt"/>
-        <a:ea typeface="+mn-ea"/>
-        <a:cs typeface="+mn-cs"/>
-      </a:defRPr>
-    </a:lvl3pPr>
-    <a:lvl4pPr marL="1371600" algn="l" defTabSz="457200" rtl="0" eaLnBrk="1" latinLnBrk="0" hangingPunct="1">
-      <a:defRPr sz="1200" kern="1200">
-        <a:solidFill>
-          <a:schemeClr val="tx1"/>
-        </a:solidFill>
-        <a:latin typeface="+mn-lt"/>
-        <a:ea typeface="+mn-ea"/>
-        <a:cs typeface="+mn-cs"/>
-      </a:defRPr>
-    </a:lvl4pPr>
-    <a:lvl5pPr marL="1828800" algn="l" defTabSz="457200" rtl="0" eaLnBrk="1" latinLnBrk="0" hangingPunct="1">
-      <a:defRPr sz="1200" kern="1200">
-        <a:solidFill>
-          <a:schemeClr val="tx1"/>
-        </a:solidFill>
-        <a:latin typeface="+mn-lt"/>
-        <a:ea typeface="+mn-ea"/>
-        <a:cs typeface="+mn-cs"/>
-      </a:defRPr>
-    </a:lvl5pPr>
-    <a:lvl6pPr marL="2286000" algn="l" defTabSz="457200" rtl="0" eaLnBrk="1" latinLnBrk="0" hangingPunct="1">
-      <a:defRPr sz="1200" kern="1200">
-        <a:solidFill>
-          <a:schemeClr val="tx1"/>
-        </a:solidFill>
-        <a:latin typeface="+mn-lt"/>
-        <a:ea typeface="+mn-ea"/>
-        <a:cs typeface="+mn-cs"/>
-      </a:defRPr>
-    </a:lvl6pPr>
-    <a:lvl7pPr marL="2743200" algn="l" defTabSz="457200" rtl="0" eaLnBrk="1" latinLnBrk="0" hangingPunct="1">
-      <a:defRPr sz="1200" kern="1200">
-        <a:solidFill>
-          <a:schemeClr val="tx1"/>
-        </a:solidFill>
-        <a:latin typeface="+mn-lt"/>
-        <a:ea typeface="+mn-ea"/>
-        <a:cs typeface="+mn-cs"/>
-      </a:defRPr>
-    </a:lvl7pPr>
-    <a:lvl8pPr marL="3200400" algn="l" defTabSz="457200" rtl="0" eaLnBrk="1" latinLnBrk="0" hangingPunct="1">
-      <a:defRPr sz="1200" kern="1200">
-        <a:solidFill>
-          <a:schemeClr val="tx1"/>
-        </a:solidFill>
-        <a:latin typeface="+mn-lt"/>
-        <a:ea typeface="+mn-ea"/>
-        <a:cs typeface="+mn-cs"/>
-      </a:defRPr>
-    </a:lvl8pPr>
-    <a:lvl9pPr marL="3657600" algn="l" defTabSz="457200" rtl="0" eaLnBrk="1" latinLnBrk="0" hangingPunct="1">
-      <a:defRPr sz="1200" kern="1200">
-        <a:solidFill>
-          <a:schemeClr val="tx1"/>
-        </a:solidFill>
-        <a:latin typeface="+mn-lt"/>
-        <a:ea typeface="+mn-ea"/>
-        <a:cs typeface="+mn-cs"/>
-      </a:defRPr>
-    </a:lvl9pPr>
-  </p:notesStyle>
+  <p:clrMap accent1="accent1" accent2="accent2" accent3="accent3" accent4="accent4" accent5="accent5" accent6="accent6" bg1="lt1" bg2="dk2" tx1="dk1" tx2="lt2" folHlink="folHlink" hlink="hlink"/>
 </p:notesMaster>
 </file>
 
 <file path=ppt/notesSlides/notesSlide1.xml><?xml version="1.0" encoding="utf-8"?>
-<p:notes xmlns:a="http://schemas.openxmlformats.org/drawingml/2006/main" xmlns:r="http://schemas.openxmlformats.org/officeDocument/2006/relationships" xmlns:p="http://schemas.openxmlformats.org/presentationml/2006/main" showMasterSp="0" showMasterPhAnim="0">
+<p:notes xmlns:a="http://schemas.openxmlformats.org/drawingml/2006/main" xmlns:r="http://schemas.openxmlformats.org/officeDocument/2006/relationships" xmlns:mc="http://schemas.openxmlformats.org/markup-compatibility/2006" xmlns:mv="urn:schemas-microsoft-com:mac:vml" xmlns:p="http://schemas.openxmlformats.org/presentationml/2006/main" xmlns:c="http://schemas.openxmlformats.org/drawingml/2006/chart" xmlns:dgm="http://schemas.openxmlformats.org/drawingml/2006/diagram" xmlns:o="urn:schemas-microsoft-com:office:office" xmlns:v="urn:schemas-microsoft-com:vml" xmlns:pvml="urn:schemas-microsoft-com:office:powerpoint" xmlns:com="http://schemas.openxmlformats.org/drawingml/2006/compatibility" xmlns:p14="http://schemas.microsoft.com/office/powerpoint/2010/main" showMasterPhAnim="0" showMasterSp="0">
   <p:cSld>
     <p:spTree>
       <p:nvGrpSpPr>
-        <p:cNvPr id="1" name="Shape 62"/>
+        <p:cNvPr id="62" name="Shape 62"/>
         <p:cNvGrpSpPr/>
         <p:nvPr/>
       </p:nvGrpSpPr>
@@ -512,11 +419,9 @@
       <p:sp>
         <p:nvSpPr>
           <p:cNvPr id="63" name="Shape 63"/>
-          <p:cNvSpPr>
-            <a:spLocks noGrp="1" noRot="1" noChangeAspect="1"/>
-          </p:cNvSpPr>
+          <p:cNvSpPr/>
           <p:nvPr>
-            <p:ph type="sldImg" idx="2"/>
+            <p:ph idx="2" type="sldImg"/>
           </p:nvPr>
         </p:nvSpPr>
         <p:spPr>
@@ -525,13 +430,8 @@
             <a:ext cx="6096075" cy="3429000"/>
           </a:xfrm>
           <a:custGeom>
-            <a:avLst/>
-            <a:gdLst/>
-            <a:ahLst/>
-            <a:cxnLst/>
-            <a:rect l="0" t="0" r="0" b="0"/>
             <a:pathLst>
-              <a:path w="120000" h="120000" extrusionOk="0">
+              <a:path extrusionOk="0" h="120000" w="120000">
                 <a:moveTo>
                   <a:pt x="0" y="0"/>
                 </a:moveTo>
@@ -553,11 +453,9 @@
       <p:sp>
         <p:nvSpPr>
           <p:cNvPr id="64" name="Shape 64"/>
-          <p:cNvSpPr txBox="1">
-            <a:spLocks noGrp="1"/>
-          </p:cNvSpPr>
+          <p:cNvSpPr txBox="1"/>
           <p:nvPr>
-            <p:ph type="body" idx="1"/>
+            <p:ph idx="1" type="body"/>
           </p:nvPr>
         </p:nvSpPr>
         <p:spPr>
@@ -570,7 +468,7 @@
           </a:prstGeom>
         </p:spPr>
         <p:txBody>
-          <a:bodyPr lIns="91425" tIns="91425" rIns="91425" bIns="91425" anchor="t" anchorCtr="0">
+          <a:bodyPr anchorCtr="0" anchor="t" bIns="91425" lIns="91425" rIns="91425" tIns="91425">
             <a:noAutofit/>
           </a:bodyPr>
           <a:lstStyle/>
@@ -581,6 +479,9 @@
               </a:spcBef>
               <a:buNone/>
             </a:pPr>
+            <a:r>
+              <a:t/>
+            </a:r>
             <a:endParaRPr/>
           </a:p>
         </p:txBody>
@@ -594,11 +495,11 @@
 </file>
 
 <file path=ppt/notesSlides/notesSlide10.xml><?xml version="1.0" encoding="utf-8"?>
-<p:notes xmlns:a="http://schemas.openxmlformats.org/drawingml/2006/main" xmlns:r="http://schemas.openxmlformats.org/officeDocument/2006/relationships" xmlns:p="http://schemas.openxmlformats.org/presentationml/2006/main" showMasterSp="0" showMasterPhAnim="0">
+<p:notes xmlns:a="http://schemas.openxmlformats.org/drawingml/2006/main" xmlns:r="http://schemas.openxmlformats.org/officeDocument/2006/relationships" xmlns:mc="http://schemas.openxmlformats.org/markup-compatibility/2006" xmlns:mv="urn:schemas-microsoft-com:mac:vml" xmlns:p="http://schemas.openxmlformats.org/presentationml/2006/main" xmlns:c="http://schemas.openxmlformats.org/drawingml/2006/chart" xmlns:dgm="http://schemas.openxmlformats.org/drawingml/2006/diagram" xmlns:o="urn:schemas-microsoft-com:office:office" xmlns:v="urn:schemas-microsoft-com:vml" xmlns:pvml="urn:schemas-microsoft-com:office:powerpoint" xmlns:com="http://schemas.openxmlformats.org/drawingml/2006/compatibility" xmlns:p14="http://schemas.microsoft.com/office/powerpoint/2010/main" showMasterPhAnim="0" showMasterSp="0">
   <p:cSld>
     <p:spTree>
       <p:nvGrpSpPr>
-        <p:cNvPr id="1" name="Shape 117"/>
+        <p:cNvPr id="116" name="Shape 116"/>
         <p:cNvGrpSpPr/>
         <p:nvPr/>
       </p:nvGrpSpPr>
@@ -612,27 +513,20 @@
       </p:grpSpPr>
       <p:sp>
         <p:nvSpPr>
-          <p:cNvPr id="118" name="Shape 118"/>
-          <p:cNvSpPr>
-            <a:spLocks noGrp="1" noRot="1" noChangeAspect="1"/>
-          </p:cNvSpPr>
+          <p:cNvPr id="117" name="Shape 117"/>
+          <p:cNvSpPr/>
           <p:nvPr>
-            <p:ph type="sldImg" idx="2"/>
+            <p:ph idx="2" type="sldImg"/>
           </p:nvPr>
         </p:nvSpPr>
         <p:spPr>
           <a:xfrm>
-            <a:off x="381000" y="685800"/>
+            <a:off x="381300" y="685800"/>
             <a:ext cx="6096000" cy="3429000"/>
           </a:xfrm>
           <a:custGeom>
-            <a:avLst/>
-            <a:gdLst/>
-            <a:ahLst/>
-            <a:cxnLst/>
-            <a:rect l="0" t="0" r="0" b="0"/>
             <a:pathLst>
-              <a:path w="120000" h="120000" extrusionOk="0">
+              <a:path extrusionOk="0" h="120000" w="120000">
                 <a:moveTo>
                   <a:pt x="0" y="0"/>
                 </a:moveTo>
@@ -653,12 +547,10 @@
       </p:sp>
       <p:sp>
         <p:nvSpPr>
-          <p:cNvPr id="119" name="Shape 119"/>
-          <p:cNvSpPr txBox="1">
-            <a:spLocks noGrp="1"/>
-          </p:cNvSpPr>
+          <p:cNvPr id="118" name="Shape 118"/>
+          <p:cNvSpPr txBox="1"/>
           <p:nvPr>
-            <p:ph type="body" idx="1"/>
+            <p:ph idx="1" type="body"/>
           </p:nvPr>
         </p:nvSpPr>
         <p:spPr>
@@ -671,18 +563,45 @@
           </a:prstGeom>
         </p:spPr>
         <p:txBody>
-          <a:bodyPr lIns="91425" tIns="91425" rIns="91425" bIns="91425" anchor="t" anchorCtr="0">
+          <a:bodyPr anchorCtr="0" anchor="t" bIns="91425" lIns="91425" rIns="91425" tIns="91425">
             <a:noAutofit/>
           </a:bodyPr>
           <a:lstStyle/>
           <a:p>
-            <a:pPr lvl="0">
-              <a:spcBef>
-                <a:spcPts val="0"/>
-              </a:spcBef>
-              <a:buNone/>
-            </a:pPr>
-            <a:endParaRPr/>
+            <a:pPr lvl="0" rtl="0">
+              <a:spcBef>
+                <a:spcPts val="0"/>
+              </a:spcBef>
+              <a:buNone/>
+            </a:pPr>
+            <a:r>
+              <a:rPr lang="en"/>
+              <a:t>Brackets params [ ] mean it’s optional</a:t>
+            </a:r>
+          </a:p>
+          <a:p>
+            <a:pPr lvl="0" rtl="0">
+              <a:spcBef>
+                <a:spcPts val="0"/>
+              </a:spcBef>
+              <a:buNone/>
+            </a:pPr>
+            <a:r>
+              <a:rPr lang="en"/>
+              <a:t>Url is like the endpoint you would have in form action</a:t>
+            </a:r>
+          </a:p>
+          <a:p>
+            <a:pPr lvl="0" rtl="0">
+              <a:spcBef>
+                <a:spcPts val="0"/>
+              </a:spcBef>
+              <a:buNone/>
+            </a:pPr>
+            <a:r>
+              <a:rPr lang="en"/>
+              <a:t>A callback function is the function that is called once the request finishes and returns.</a:t>
+            </a:r>
           </a:p>
         </p:txBody>
       </p:sp>
@@ -695,11 +614,11 @@
 </file>
 
 <file path=ppt/notesSlides/notesSlide11.xml><?xml version="1.0" encoding="utf-8"?>
-<p:notes xmlns:a="http://schemas.openxmlformats.org/drawingml/2006/main" xmlns:r="http://schemas.openxmlformats.org/officeDocument/2006/relationships" xmlns:p="http://schemas.openxmlformats.org/presentationml/2006/main" showMasterSp="0" showMasterPhAnim="0">
+<p:notes xmlns:a="http://schemas.openxmlformats.org/drawingml/2006/main" xmlns:r="http://schemas.openxmlformats.org/officeDocument/2006/relationships" xmlns:mc="http://schemas.openxmlformats.org/markup-compatibility/2006" xmlns:mv="urn:schemas-microsoft-com:mac:vml" xmlns:p="http://schemas.openxmlformats.org/presentationml/2006/main" xmlns:c="http://schemas.openxmlformats.org/drawingml/2006/chart" xmlns:dgm="http://schemas.openxmlformats.org/drawingml/2006/diagram" xmlns:o="urn:schemas-microsoft-com:office:office" xmlns:v="urn:schemas-microsoft-com:vml" xmlns:pvml="urn:schemas-microsoft-com:office:powerpoint" xmlns:com="http://schemas.openxmlformats.org/drawingml/2006/compatibility" xmlns:p14="http://schemas.microsoft.com/office/powerpoint/2010/main" showMasterPhAnim="0" showMasterSp="0">
   <p:cSld>
     <p:spTree>
       <p:nvGrpSpPr>
-        <p:cNvPr id="1" name="Shape 123"/>
+        <p:cNvPr id="123" name="Shape 123"/>
         <p:cNvGrpSpPr/>
         <p:nvPr/>
       </p:nvGrpSpPr>
@@ -714,26 +633,19 @@
       <p:sp>
         <p:nvSpPr>
           <p:cNvPr id="124" name="Shape 124"/>
-          <p:cNvSpPr>
-            <a:spLocks noGrp="1" noRot="1" noChangeAspect="1"/>
-          </p:cNvSpPr>
+          <p:cNvSpPr/>
           <p:nvPr>
-            <p:ph type="sldImg" idx="2"/>
+            <p:ph idx="2" type="sldImg"/>
           </p:nvPr>
         </p:nvSpPr>
         <p:spPr>
           <a:xfrm>
-            <a:off x="381000" y="685800"/>
+            <a:off x="381300" y="685800"/>
             <a:ext cx="6096000" cy="3429000"/>
           </a:xfrm>
           <a:custGeom>
-            <a:avLst/>
-            <a:gdLst/>
-            <a:ahLst/>
-            <a:cxnLst/>
-            <a:rect l="0" t="0" r="0" b="0"/>
             <a:pathLst>
-              <a:path w="120000" h="120000" extrusionOk="0">
+              <a:path extrusionOk="0" h="120000" w="120000">
                 <a:moveTo>
                   <a:pt x="0" y="0"/>
                 </a:moveTo>
@@ -755,11 +667,9 @@
       <p:sp>
         <p:nvSpPr>
           <p:cNvPr id="125" name="Shape 125"/>
-          <p:cNvSpPr txBox="1">
-            <a:spLocks noGrp="1"/>
-          </p:cNvSpPr>
+          <p:cNvSpPr txBox="1"/>
           <p:nvPr>
-            <p:ph type="body" idx="1"/>
+            <p:ph idx="1" type="body"/>
           </p:nvPr>
         </p:nvSpPr>
         <p:spPr>
@@ -772,7 +682,7 @@
           </a:prstGeom>
         </p:spPr>
         <p:txBody>
-          <a:bodyPr lIns="91425" tIns="91425" rIns="91425" bIns="91425" anchor="t" anchorCtr="0">
+          <a:bodyPr anchorCtr="0" anchor="t" bIns="91425" lIns="91425" rIns="91425" tIns="91425">
             <a:noAutofit/>
           </a:bodyPr>
           <a:lstStyle/>
@@ -783,6 +693,9 @@
               </a:spcBef>
               <a:buNone/>
             </a:pPr>
+            <a:r>
+              <a:t/>
+            </a:r>
             <a:endParaRPr/>
           </a:p>
         </p:txBody>
@@ -796,11 +709,11 @@
 </file>
 
 <file path=ppt/notesSlides/notesSlide12.xml><?xml version="1.0" encoding="utf-8"?>
-<p:notes xmlns:a="http://schemas.openxmlformats.org/drawingml/2006/main" xmlns:r="http://schemas.openxmlformats.org/officeDocument/2006/relationships" xmlns:p="http://schemas.openxmlformats.org/presentationml/2006/main" showMasterSp="0" showMasterPhAnim="0">
+<p:notes xmlns:a="http://schemas.openxmlformats.org/drawingml/2006/main" xmlns:r="http://schemas.openxmlformats.org/officeDocument/2006/relationships" xmlns:mc="http://schemas.openxmlformats.org/markup-compatibility/2006" xmlns:mv="urn:schemas-microsoft-com:mac:vml" xmlns:p="http://schemas.openxmlformats.org/presentationml/2006/main" xmlns:c="http://schemas.openxmlformats.org/drawingml/2006/chart" xmlns:dgm="http://schemas.openxmlformats.org/drawingml/2006/diagram" xmlns:o="urn:schemas-microsoft-com:office:office" xmlns:v="urn:schemas-microsoft-com:vml" xmlns:pvml="urn:schemas-microsoft-com:office:powerpoint" xmlns:com="http://schemas.openxmlformats.org/drawingml/2006/compatibility" xmlns:p14="http://schemas.microsoft.com/office/powerpoint/2010/main" showMasterPhAnim="0" showMasterSp="0">
   <p:cSld>
     <p:spTree>
       <p:nvGrpSpPr>
-        <p:cNvPr id="1" name="Shape 129"/>
+        <p:cNvPr id="129" name="Shape 129"/>
         <p:cNvGrpSpPr/>
         <p:nvPr/>
       </p:nvGrpSpPr>
@@ -815,11 +728,9 @@
       <p:sp>
         <p:nvSpPr>
           <p:cNvPr id="130" name="Shape 130"/>
-          <p:cNvSpPr>
-            <a:spLocks noGrp="1" noRot="1" noChangeAspect="1"/>
-          </p:cNvSpPr>
+          <p:cNvSpPr/>
           <p:nvPr>
-            <p:ph type="sldImg" idx="2"/>
+            <p:ph idx="2" type="sldImg"/>
           </p:nvPr>
         </p:nvSpPr>
         <p:spPr>
@@ -828,13 +739,8 @@
             <a:ext cx="6096000" cy="3429000"/>
           </a:xfrm>
           <a:custGeom>
-            <a:avLst/>
-            <a:gdLst/>
-            <a:ahLst/>
-            <a:cxnLst/>
-            <a:rect l="0" t="0" r="0" b="0"/>
             <a:pathLst>
-              <a:path w="120000" h="120000" extrusionOk="0">
+              <a:path extrusionOk="0" h="120000" w="120000">
                 <a:moveTo>
                   <a:pt x="0" y="0"/>
                 </a:moveTo>
@@ -856,11 +762,9 @@
       <p:sp>
         <p:nvSpPr>
           <p:cNvPr id="131" name="Shape 131"/>
-          <p:cNvSpPr txBox="1">
-            <a:spLocks noGrp="1"/>
-          </p:cNvSpPr>
+          <p:cNvSpPr txBox="1"/>
           <p:nvPr>
-            <p:ph type="body" idx="1"/>
+            <p:ph idx="1" type="body"/>
           </p:nvPr>
         </p:nvSpPr>
         <p:spPr>
@@ -873,7 +777,7 @@
           </a:prstGeom>
         </p:spPr>
         <p:txBody>
-          <a:bodyPr lIns="91425" tIns="91425" rIns="91425" bIns="91425" anchor="t" anchorCtr="0">
+          <a:bodyPr anchorCtr="0" anchor="t" bIns="91425" lIns="91425" rIns="91425" tIns="91425">
             <a:noAutofit/>
           </a:bodyPr>
           <a:lstStyle/>
@@ -884,7 +788,10 @@
               </a:spcBef>
               <a:buNone/>
             </a:pPr>
-            <a:endParaRPr/>
+            <a:r>
+              <a:rPr lang="en"/>
+              <a:t>The “always” callback is useful because sometimes there will be an intermediate state that gets introduced by the logic which needs to be cleaned up after the AJAX request regardless of whether it succeeded or failed.</a:t>
+            </a:r>
           </a:p>
         </p:txBody>
       </p:sp>
@@ -897,11 +804,11 @@
 </file>
 
 <file path=ppt/notesSlides/notesSlide13.xml><?xml version="1.0" encoding="utf-8"?>
-<p:notes xmlns:a="http://schemas.openxmlformats.org/drawingml/2006/main" xmlns:r="http://schemas.openxmlformats.org/officeDocument/2006/relationships" xmlns:p="http://schemas.openxmlformats.org/presentationml/2006/main" showMasterSp="0" showMasterPhAnim="0">
+<p:notes xmlns:a="http://schemas.openxmlformats.org/drawingml/2006/main" xmlns:r="http://schemas.openxmlformats.org/officeDocument/2006/relationships" xmlns:mc="http://schemas.openxmlformats.org/markup-compatibility/2006" xmlns:mv="urn:schemas-microsoft-com:mac:vml" xmlns:p="http://schemas.openxmlformats.org/presentationml/2006/main" xmlns:c="http://schemas.openxmlformats.org/drawingml/2006/chart" xmlns:dgm="http://schemas.openxmlformats.org/drawingml/2006/diagram" xmlns:o="urn:schemas-microsoft-com:office:office" xmlns:v="urn:schemas-microsoft-com:vml" xmlns:pvml="urn:schemas-microsoft-com:office:powerpoint" xmlns:com="http://schemas.openxmlformats.org/drawingml/2006/compatibility" xmlns:p14="http://schemas.microsoft.com/office/powerpoint/2010/main" showMasterPhAnim="0" showMasterSp="0">
   <p:cSld>
     <p:spTree>
       <p:nvGrpSpPr>
-        <p:cNvPr id="1" name="Shape 135"/>
+        <p:cNvPr id="135" name="Shape 135"/>
         <p:cNvGrpSpPr/>
         <p:nvPr/>
       </p:nvGrpSpPr>
@@ -916,11 +823,9 @@
       <p:sp>
         <p:nvSpPr>
           <p:cNvPr id="136" name="Shape 136"/>
-          <p:cNvSpPr>
-            <a:spLocks noGrp="1" noRot="1" noChangeAspect="1"/>
-          </p:cNvSpPr>
+          <p:cNvSpPr/>
           <p:nvPr>
-            <p:ph type="sldImg" idx="2"/>
+            <p:ph idx="2" type="sldImg"/>
           </p:nvPr>
         </p:nvSpPr>
         <p:spPr>
@@ -929,13 +834,8 @@
             <a:ext cx="6096000" cy="3429000"/>
           </a:xfrm>
           <a:custGeom>
-            <a:avLst/>
-            <a:gdLst/>
-            <a:ahLst/>
-            <a:cxnLst/>
-            <a:rect l="0" t="0" r="0" b="0"/>
             <a:pathLst>
-              <a:path w="120000" h="120000" extrusionOk="0">
+              <a:path extrusionOk="0" h="120000" w="120000">
                 <a:moveTo>
                   <a:pt x="0" y="0"/>
                 </a:moveTo>
@@ -957,11 +857,9 @@
       <p:sp>
         <p:nvSpPr>
           <p:cNvPr id="137" name="Shape 137"/>
-          <p:cNvSpPr txBox="1">
-            <a:spLocks noGrp="1"/>
-          </p:cNvSpPr>
+          <p:cNvSpPr txBox="1"/>
           <p:nvPr>
-            <p:ph type="body" idx="1"/>
+            <p:ph idx="1" type="body"/>
           </p:nvPr>
         </p:nvSpPr>
         <p:spPr>
@@ -974,18 +872,53 @@
           </a:prstGeom>
         </p:spPr>
         <p:txBody>
-          <a:bodyPr lIns="91425" tIns="91425" rIns="91425" bIns="91425" anchor="t" anchorCtr="0">
+          <a:bodyPr anchorCtr="0" anchor="t" bIns="91425" lIns="91425" rIns="91425" tIns="91425">
             <a:noAutofit/>
           </a:bodyPr>
           <a:lstStyle/>
           <a:p>
-            <a:pPr lvl="0">
-              <a:spcBef>
-                <a:spcPts val="0"/>
-              </a:spcBef>
-              <a:buNone/>
-            </a:pPr>
-            <a:endParaRPr/>
+            <a:pPr indent="-292100" lvl="0" marL="457200" rtl="0">
+              <a:lnSpc>
+                <a:spcPct val="115000"/>
+              </a:lnSpc>
+              <a:spcBef>
+                <a:spcPts val="0"/>
+              </a:spcBef>
+              <a:spcAft>
+                <a:spcPts val="1000"/>
+              </a:spcAft>
+              <a:buClr>
+                <a:srgbClr val="000000"/>
+              </a:buClr>
+              <a:buSzPct val="100000"/>
+              <a:buFont typeface="Arial"/>
+            </a:pPr>
+            <a:r>
+              <a:rPr lang="en" sz="1000"/>
+              <a:t>If a website has a bunch of different components that take varying amounts of time to load, you can just load the main piece and let the other components load separately. This way, the user feels like the page loaded more quickly than if we were to wait until everything was ready to load the page. (Ever seen a page that had spinners in a few places that filled in later?)</a:t>
+            </a:r>
+          </a:p>
+          <a:p>
+            <a:pPr indent="-292100" lvl="0" marL="457200" rtl="0">
+              <a:lnSpc>
+                <a:spcPct val="115000"/>
+              </a:lnSpc>
+              <a:spcBef>
+                <a:spcPts val="0"/>
+              </a:spcBef>
+              <a:spcAft>
+                <a:spcPts val="1000"/>
+              </a:spcAft>
+              <a:buClr>
+                <a:srgbClr val="000000"/>
+              </a:buClr>
+              <a:buSzPct val="100000"/>
+              <a:buFont typeface="Arial"/>
+            </a:pPr>
+            <a:r>
+              <a:rPr lang="en" sz="1000"/>
+              <a:t>Infinite scroll in news feeds (where the page automatically loads more content once you’re near the bottom of the page) is also done using AJAX</a:t>
+            </a:r>
           </a:p>
         </p:txBody>
       </p:sp>
@@ -998,11 +931,11 @@
 </file>
 
 <file path=ppt/notesSlides/notesSlide14.xml><?xml version="1.0" encoding="utf-8"?>
-<p:notes xmlns:a="http://schemas.openxmlformats.org/drawingml/2006/main" xmlns:r="http://schemas.openxmlformats.org/officeDocument/2006/relationships" xmlns:p="http://schemas.openxmlformats.org/presentationml/2006/main" showMasterSp="0" showMasterPhAnim="0">
+<p:notes xmlns:a="http://schemas.openxmlformats.org/drawingml/2006/main" xmlns:r="http://schemas.openxmlformats.org/officeDocument/2006/relationships" xmlns:mc="http://schemas.openxmlformats.org/markup-compatibility/2006" xmlns:mv="urn:schemas-microsoft-com:mac:vml" xmlns:p="http://schemas.openxmlformats.org/presentationml/2006/main" xmlns:c="http://schemas.openxmlformats.org/drawingml/2006/chart" xmlns:dgm="http://schemas.openxmlformats.org/drawingml/2006/diagram" xmlns:o="urn:schemas-microsoft-com:office:office" xmlns:v="urn:schemas-microsoft-com:vml" xmlns:pvml="urn:schemas-microsoft-com:office:powerpoint" xmlns:com="http://schemas.openxmlformats.org/drawingml/2006/compatibility" xmlns:p14="http://schemas.microsoft.com/office/powerpoint/2010/main" showMasterPhAnim="0" showMasterSp="0">
   <p:cSld>
     <p:spTree>
       <p:nvGrpSpPr>
-        <p:cNvPr id="1" name="Shape 141"/>
+        <p:cNvPr id="141" name="Shape 141"/>
         <p:cNvGrpSpPr/>
         <p:nvPr/>
       </p:nvGrpSpPr>
@@ -1017,11 +950,9 @@
       <p:sp>
         <p:nvSpPr>
           <p:cNvPr id="142" name="Shape 142"/>
-          <p:cNvSpPr>
-            <a:spLocks noGrp="1" noRot="1" noChangeAspect="1"/>
-          </p:cNvSpPr>
+          <p:cNvSpPr/>
           <p:nvPr>
-            <p:ph type="sldImg" idx="2"/>
+            <p:ph idx="2" type="sldImg"/>
           </p:nvPr>
         </p:nvSpPr>
         <p:spPr>
@@ -1030,13 +961,8 @@
             <a:ext cx="6096000" cy="3429000"/>
           </a:xfrm>
           <a:custGeom>
-            <a:avLst/>
-            <a:gdLst/>
-            <a:ahLst/>
-            <a:cxnLst/>
-            <a:rect l="0" t="0" r="0" b="0"/>
             <a:pathLst>
-              <a:path w="120000" h="120000" extrusionOk="0">
+              <a:path extrusionOk="0" h="120000" w="120000">
                 <a:moveTo>
                   <a:pt x="0" y="0"/>
                 </a:moveTo>
@@ -1058,11 +984,9 @@
       <p:sp>
         <p:nvSpPr>
           <p:cNvPr id="143" name="Shape 143"/>
-          <p:cNvSpPr txBox="1">
-            <a:spLocks noGrp="1"/>
-          </p:cNvSpPr>
+          <p:cNvSpPr txBox="1"/>
           <p:nvPr>
-            <p:ph type="body" idx="1"/>
+            <p:ph idx="1" type="body"/>
           </p:nvPr>
         </p:nvSpPr>
         <p:spPr>
@@ -1075,7 +999,7 @@
           </a:prstGeom>
         </p:spPr>
         <p:txBody>
-          <a:bodyPr lIns="91425" tIns="91425" rIns="91425" bIns="91425" anchor="t" anchorCtr="0">
+          <a:bodyPr anchorCtr="0" anchor="t" bIns="91425" lIns="91425" rIns="91425" tIns="91425">
             <a:noAutofit/>
           </a:bodyPr>
           <a:lstStyle/>
@@ -1086,6 +1010,104 @@
               </a:spcBef>
               <a:buNone/>
             </a:pPr>
+            <a:r>
+              <a:t/>
+            </a:r>
+            <a:endParaRPr/>
+          </a:p>
+        </p:txBody>
+      </p:sp>
+    </p:spTree>
+  </p:cSld>
+  <p:clrMapOvr>
+    <a:masterClrMapping/>
+  </p:clrMapOvr>
+</p:notes>
+</file>
+
+<file path=ppt/notesSlides/notesSlide15.xml><?xml version="1.0" encoding="utf-8"?>
+<p:notes xmlns:a="http://schemas.openxmlformats.org/drawingml/2006/main" xmlns:r="http://schemas.openxmlformats.org/officeDocument/2006/relationships" xmlns:mc="http://schemas.openxmlformats.org/markup-compatibility/2006" xmlns:mv="urn:schemas-microsoft-com:mac:vml" xmlns:p="http://schemas.openxmlformats.org/presentationml/2006/main" xmlns:c="http://schemas.openxmlformats.org/drawingml/2006/chart" xmlns:dgm="http://schemas.openxmlformats.org/drawingml/2006/diagram" xmlns:o="urn:schemas-microsoft-com:office:office" xmlns:v="urn:schemas-microsoft-com:vml" xmlns:pvml="urn:schemas-microsoft-com:office:powerpoint" xmlns:com="http://schemas.openxmlformats.org/drawingml/2006/compatibility" xmlns:p14="http://schemas.microsoft.com/office/powerpoint/2010/main" showMasterPhAnim="0" showMasterSp="0">
+  <p:cSld>
+    <p:spTree>
+      <p:nvGrpSpPr>
+        <p:cNvPr id="147" name="Shape 147"/>
+        <p:cNvGrpSpPr/>
+        <p:nvPr/>
+      </p:nvGrpSpPr>
+      <p:grpSpPr>
+        <a:xfrm>
+          <a:off x="0" y="0"/>
+          <a:ext cx="0" cy="0"/>
+          <a:chOff x="0" y="0"/>
+          <a:chExt cx="0" cy="0"/>
+        </a:xfrm>
+      </p:grpSpPr>
+      <p:sp>
+        <p:nvSpPr>
+          <p:cNvPr id="148" name="Shape 148"/>
+          <p:cNvSpPr/>
+          <p:nvPr>
+            <p:ph idx="2" type="sldImg"/>
+          </p:nvPr>
+        </p:nvSpPr>
+        <p:spPr>
+          <a:xfrm>
+            <a:off x="381300" y="685800"/>
+            <a:ext cx="6096000" cy="3429000"/>
+          </a:xfrm>
+          <a:custGeom>
+            <a:pathLst>
+              <a:path extrusionOk="0" h="120000" w="120000">
+                <a:moveTo>
+                  <a:pt x="0" y="0"/>
+                </a:moveTo>
+                <a:lnTo>
+                  <a:pt x="120000" y="0"/>
+                </a:lnTo>
+                <a:lnTo>
+                  <a:pt x="120000" y="120000"/>
+                </a:lnTo>
+                <a:lnTo>
+                  <a:pt x="0" y="120000"/>
+                </a:lnTo>
+                <a:close/>
+              </a:path>
+            </a:pathLst>
+          </a:custGeom>
+        </p:spPr>
+      </p:sp>
+      <p:sp>
+        <p:nvSpPr>
+          <p:cNvPr id="149" name="Shape 149"/>
+          <p:cNvSpPr txBox="1"/>
+          <p:nvPr>
+            <p:ph idx="1" type="body"/>
+          </p:nvPr>
+        </p:nvSpPr>
+        <p:spPr>
+          <a:xfrm>
+            <a:off x="685800" y="4343400"/>
+            <a:ext cx="5486400" cy="4114800"/>
+          </a:xfrm>
+          <a:prstGeom prst="rect">
+            <a:avLst/>
+          </a:prstGeom>
+        </p:spPr>
+        <p:txBody>
+          <a:bodyPr anchorCtr="0" anchor="t" bIns="91425" lIns="91425" rIns="91425" tIns="91425">
+            <a:noAutofit/>
+          </a:bodyPr>
+          <a:lstStyle/>
+          <a:p>
+            <a:pPr lvl="0">
+              <a:spcBef>
+                <a:spcPts val="0"/>
+              </a:spcBef>
+              <a:buNone/>
+            </a:pPr>
+            <a:r>
+              <a:t/>
+            </a:r>
             <a:endParaRPr/>
           </a:p>
         </p:txBody>
@@ -1099,11 +1121,11 @@
 </file>
 
 <file path=ppt/notesSlides/notesSlide2.xml><?xml version="1.0" encoding="utf-8"?>
-<p:notes xmlns:a="http://schemas.openxmlformats.org/drawingml/2006/main" xmlns:r="http://schemas.openxmlformats.org/officeDocument/2006/relationships" xmlns:p="http://schemas.openxmlformats.org/presentationml/2006/main" showMasterSp="0" showMasterPhAnim="0">
+<p:notes xmlns:a="http://schemas.openxmlformats.org/drawingml/2006/main" xmlns:r="http://schemas.openxmlformats.org/officeDocument/2006/relationships" xmlns:mc="http://schemas.openxmlformats.org/markup-compatibility/2006" xmlns:mv="urn:schemas-microsoft-com:mac:vml" xmlns:p="http://schemas.openxmlformats.org/presentationml/2006/main" xmlns:c="http://schemas.openxmlformats.org/drawingml/2006/chart" xmlns:dgm="http://schemas.openxmlformats.org/drawingml/2006/diagram" xmlns:o="urn:schemas-microsoft-com:office:office" xmlns:v="urn:schemas-microsoft-com:vml" xmlns:pvml="urn:schemas-microsoft-com:office:powerpoint" xmlns:com="http://schemas.openxmlformats.org/drawingml/2006/compatibility" xmlns:p14="http://schemas.microsoft.com/office/powerpoint/2010/main" showMasterPhAnim="0" showMasterSp="0">
   <p:cSld>
     <p:spTree>
       <p:nvGrpSpPr>
-        <p:cNvPr id="1" name="Shape 68"/>
+        <p:cNvPr id="68" name="Shape 68"/>
         <p:cNvGrpSpPr/>
         <p:nvPr/>
       </p:nvGrpSpPr>
@@ -1118,26 +1140,19 @@
       <p:sp>
         <p:nvSpPr>
           <p:cNvPr id="69" name="Shape 69"/>
-          <p:cNvSpPr>
-            <a:spLocks noGrp="1" noRot="1" noChangeAspect="1"/>
-          </p:cNvSpPr>
+          <p:cNvSpPr/>
           <p:nvPr>
-            <p:ph type="sldImg" idx="2"/>
+            <p:ph idx="2" type="sldImg"/>
           </p:nvPr>
         </p:nvSpPr>
         <p:spPr>
           <a:xfrm>
-            <a:off x="381000" y="685800"/>
+            <a:off x="381300" y="685800"/>
             <a:ext cx="6096000" cy="3429000"/>
           </a:xfrm>
           <a:custGeom>
-            <a:avLst/>
-            <a:gdLst/>
-            <a:ahLst/>
-            <a:cxnLst/>
-            <a:rect l="0" t="0" r="0" b="0"/>
             <a:pathLst>
-              <a:path w="120000" h="120000" extrusionOk="0">
+              <a:path extrusionOk="0" h="120000" w="120000">
                 <a:moveTo>
                   <a:pt x="0" y="0"/>
                 </a:moveTo>
@@ -1159,11 +1174,9 @@
       <p:sp>
         <p:nvSpPr>
           <p:cNvPr id="70" name="Shape 70"/>
-          <p:cNvSpPr txBox="1">
-            <a:spLocks noGrp="1"/>
-          </p:cNvSpPr>
+          <p:cNvSpPr txBox="1"/>
           <p:nvPr>
-            <p:ph type="body" idx="1"/>
+            <p:ph idx="1" type="body"/>
           </p:nvPr>
         </p:nvSpPr>
         <p:spPr>
@@ -1176,7 +1189,7 @@
           </a:prstGeom>
         </p:spPr>
         <p:txBody>
-          <a:bodyPr lIns="91425" tIns="91425" rIns="91425" bIns="91425" anchor="t" anchorCtr="0">
+          <a:bodyPr anchorCtr="0" anchor="t" bIns="91425" lIns="91425" rIns="91425" tIns="91425">
             <a:noAutofit/>
           </a:bodyPr>
           <a:lstStyle/>
@@ -1187,6 +1200,9 @@
               </a:spcBef>
               <a:buNone/>
             </a:pPr>
+            <a:r>
+              <a:t/>
+            </a:r>
             <a:endParaRPr/>
           </a:p>
         </p:txBody>
@@ -1200,11 +1216,11 @@
 </file>
 
 <file path=ppt/notesSlides/notesSlide3.xml><?xml version="1.0" encoding="utf-8"?>
-<p:notes xmlns:a="http://schemas.openxmlformats.org/drawingml/2006/main" xmlns:r="http://schemas.openxmlformats.org/officeDocument/2006/relationships" xmlns:p="http://schemas.openxmlformats.org/presentationml/2006/main" showMasterSp="0" showMasterPhAnim="0">
+<p:notes xmlns:a="http://schemas.openxmlformats.org/drawingml/2006/main" xmlns:r="http://schemas.openxmlformats.org/officeDocument/2006/relationships" xmlns:mc="http://schemas.openxmlformats.org/markup-compatibility/2006" xmlns:mv="urn:schemas-microsoft-com:mac:vml" xmlns:p="http://schemas.openxmlformats.org/presentationml/2006/main" xmlns:c="http://schemas.openxmlformats.org/drawingml/2006/chart" xmlns:dgm="http://schemas.openxmlformats.org/drawingml/2006/diagram" xmlns:o="urn:schemas-microsoft-com:office:office" xmlns:v="urn:schemas-microsoft-com:vml" xmlns:pvml="urn:schemas-microsoft-com:office:powerpoint" xmlns:com="http://schemas.openxmlformats.org/drawingml/2006/compatibility" xmlns:p14="http://schemas.microsoft.com/office/powerpoint/2010/main" showMasterPhAnim="0" showMasterSp="0">
   <p:cSld>
     <p:spTree>
       <p:nvGrpSpPr>
-        <p:cNvPr id="1" name="Shape 74"/>
+        <p:cNvPr id="74" name="Shape 74"/>
         <p:cNvGrpSpPr/>
         <p:nvPr/>
       </p:nvGrpSpPr>
@@ -1219,26 +1235,19 @@
       <p:sp>
         <p:nvSpPr>
           <p:cNvPr id="75" name="Shape 75"/>
-          <p:cNvSpPr>
-            <a:spLocks noGrp="1" noRot="1" noChangeAspect="1"/>
-          </p:cNvSpPr>
+          <p:cNvSpPr/>
           <p:nvPr>
-            <p:ph type="sldImg" idx="2"/>
+            <p:ph idx="2" type="sldImg"/>
           </p:nvPr>
         </p:nvSpPr>
         <p:spPr>
           <a:xfrm>
-            <a:off x="381000" y="685800"/>
+            <a:off x="381300" y="685800"/>
             <a:ext cx="6096000" cy="3429000"/>
           </a:xfrm>
           <a:custGeom>
-            <a:avLst/>
-            <a:gdLst/>
-            <a:ahLst/>
-            <a:cxnLst/>
-            <a:rect l="0" t="0" r="0" b="0"/>
             <a:pathLst>
-              <a:path w="120000" h="120000" extrusionOk="0">
+              <a:path extrusionOk="0" h="120000" w="120000">
                 <a:moveTo>
                   <a:pt x="0" y="0"/>
                 </a:moveTo>
@@ -1260,11 +1269,9 @@
       <p:sp>
         <p:nvSpPr>
           <p:cNvPr id="76" name="Shape 76"/>
-          <p:cNvSpPr txBox="1">
-            <a:spLocks noGrp="1"/>
-          </p:cNvSpPr>
+          <p:cNvSpPr txBox="1"/>
           <p:nvPr>
-            <p:ph type="body" idx="1"/>
+            <p:ph idx="1" type="body"/>
           </p:nvPr>
         </p:nvSpPr>
         <p:spPr>
@@ -1277,7 +1284,7 @@
           </a:prstGeom>
         </p:spPr>
         <p:txBody>
-          <a:bodyPr lIns="91425" tIns="91425" rIns="91425" bIns="91425" anchor="t" anchorCtr="0">
+          <a:bodyPr anchorCtr="0" anchor="t" bIns="91425" lIns="91425" rIns="91425" tIns="91425">
             <a:noAutofit/>
           </a:bodyPr>
           <a:lstStyle/>
@@ -1304,11 +1311,11 @@
 </file>
 
 <file path=ppt/notesSlides/notesSlide4.xml><?xml version="1.0" encoding="utf-8"?>
-<p:notes xmlns:a="http://schemas.openxmlformats.org/drawingml/2006/main" xmlns:r="http://schemas.openxmlformats.org/officeDocument/2006/relationships" xmlns:p="http://schemas.openxmlformats.org/presentationml/2006/main" showMasterSp="0" showMasterPhAnim="0">
+<p:notes xmlns:a="http://schemas.openxmlformats.org/drawingml/2006/main" xmlns:r="http://schemas.openxmlformats.org/officeDocument/2006/relationships" xmlns:mc="http://schemas.openxmlformats.org/markup-compatibility/2006" xmlns:mv="urn:schemas-microsoft-com:mac:vml" xmlns:p="http://schemas.openxmlformats.org/presentationml/2006/main" xmlns:c="http://schemas.openxmlformats.org/drawingml/2006/chart" xmlns:dgm="http://schemas.openxmlformats.org/drawingml/2006/diagram" xmlns:o="urn:schemas-microsoft-com:office:office" xmlns:v="urn:schemas-microsoft-com:vml" xmlns:pvml="urn:schemas-microsoft-com:office:powerpoint" xmlns:com="http://schemas.openxmlformats.org/drawingml/2006/compatibility" xmlns:p14="http://schemas.microsoft.com/office/powerpoint/2010/main" showMasterPhAnim="0" showMasterSp="0">
   <p:cSld>
     <p:spTree>
       <p:nvGrpSpPr>
-        <p:cNvPr id="1" name="Shape 80"/>
+        <p:cNvPr id="80" name="Shape 80"/>
         <p:cNvGrpSpPr/>
         <p:nvPr/>
       </p:nvGrpSpPr>
@@ -1323,26 +1330,19 @@
       <p:sp>
         <p:nvSpPr>
           <p:cNvPr id="81" name="Shape 81"/>
-          <p:cNvSpPr>
-            <a:spLocks noGrp="1" noRot="1" noChangeAspect="1"/>
-          </p:cNvSpPr>
+          <p:cNvSpPr/>
           <p:nvPr>
-            <p:ph type="sldImg" idx="2"/>
+            <p:ph idx="2" type="sldImg"/>
           </p:nvPr>
         </p:nvSpPr>
         <p:spPr>
           <a:xfrm>
-            <a:off x="381000" y="685800"/>
+            <a:off x="381300" y="685800"/>
             <a:ext cx="6096000" cy="3429000"/>
           </a:xfrm>
           <a:custGeom>
-            <a:avLst/>
-            <a:gdLst/>
-            <a:ahLst/>
-            <a:cxnLst/>
-            <a:rect l="0" t="0" r="0" b="0"/>
             <a:pathLst>
-              <a:path w="120000" h="120000" extrusionOk="0">
+              <a:path extrusionOk="0" h="120000" w="120000">
                 <a:moveTo>
                   <a:pt x="0" y="0"/>
                 </a:moveTo>
@@ -1364,11 +1364,9 @@
       <p:sp>
         <p:nvSpPr>
           <p:cNvPr id="82" name="Shape 82"/>
-          <p:cNvSpPr txBox="1">
-            <a:spLocks noGrp="1"/>
-          </p:cNvSpPr>
+          <p:cNvSpPr txBox="1"/>
           <p:nvPr>
-            <p:ph type="body" idx="1"/>
+            <p:ph idx="1" type="body"/>
           </p:nvPr>
         </p:nvSpPr>
         <p:spPr>
@@ -1381,7 +1379,7 @@
           </a:prstGeom>
         </p:spPr>
         <p:txBody>
-          <a:bodyPr lIns="91425" tIns="91425" rIns="91425" bIns="91425" anchor="t" anchorCtr="0">
+          <a:bodyPr anchorCtr="0" anchor="t" bIns="91425" lIns="91425" rIns="91425" tIns="91425">
             <a:noAutofit/>
           </a:bodyPr>
           <a:lstStyle/>
@@ -1392,6 +1390,9 @@
               </a:spcBef>
               <a:buNone/>
             </a:pPr>
+            <a:r>
+              <a:t/>
+            </a:r>
             <a:endParaRPr/>
           </a:p>
         </p:txBody>
@@ -1405,11 +1406,11 @@
 </file>
 
 <file path=ppt/notesSlides/notesSlide5.xml><?xml version="1.0" encoding="utf-8"?>
-<p:notes xmlns:a="http://schemas.openxmlformats.org/drawingml/2006/main" xmlns:r="http://schemas.openxmlformats.org/officeDocument/2006/relationships" xmlns:p="http://schemas.openxmlformats.org/presentationml/2006/main" showMasterSp="0" showMasterPhAnim="0">
+<p:notes xmlns:a="http://schemas.openxmlformats.org/drawingml/2006/main" xmlns:r="http://schemas.openxmlformats.org/officeDocument/2006/relationships" xmlns:mc="http://schemas.openxmlformats.org/markup-compatibility/2006" xmlns:mv="urn:schemas-microsoft-com:mac:vml" xmlns:p="http://schemas.openxmlformats.org/presentationml/2006/main" xmlns:c="http://schemas.openxmlformats.org/drawingml/2006/chart" xmlns:dgm="http://schemas.openxmlformats.org/drawingml/2006/diagram" xmlns:o="urn:schemas-microsoft-com:office:office" xmlns:v="urn:schemas-microsoft-com:vml" xmlns:pvml="urn:schemas-microsoft-com:office:powerpoint" xmlns:com="http://schemas.openxmlformats.org/drawingml/2006/compatibility" xmlns:p14="http://schemas.microsoft.com/office/powerpoint/2010/main" showMasterPhAnim="0" showMasterSp="0">
   <p:cSld>
     <p:spTree>
       <p:nvGrpSpPr>
-        <p:cNvPr id="1" name="Shape 86"/>
+        <p:cNvPr id="86" name="Shape 86"/>
         <p:cNvGrpSpPr/>
         <p:nvPr/>
       </p:nvGrpSpPr>
@@ -1424,11 +1425,9 @@
       <p:sp>
         <p:nvSpPr>
           <p:cNvPr id="87" name="Shape 87"/>
-          <p:cNvSpPr>
-            <a:spLocks noGrp="1" noRot="1" noChangeAspect="1"/>
-          </p:cNvSpPr>
+          <p:cNvSpPr/>
           <p:nvPr>
-            <p:ph type="sldImg" idx="2"/>
+            <p:ph idx="2" type="sldImg"/>
           </p:nvPr>
         </p:nvSpPr>
         <p:spPr>
@@ -1437,13 +1436,8 @@
             <a:ext cx="6096000" cy="3429000"/>
           </a:xfrm>
           <a:custGeom>
-            <a:avLst/>
-            <a:gdLst/>
-            <a:ahLst/>
-            <a:cxnLst/>
-            <a:rect l="0" t="0" r="0" b="0"/>
             <a:pathLst>
-              <a:path w="120000" h="120000" extrusionOk="0">
+              <a:path extrusionOk="0" h="120000" w="120000">
                 <a:moveTo>
                   <a:pt x="0" y="0"/>
                 </a:moveTo>
@@ -1465,11 +1459,9 @@
       <p:sp>
         <p:nvSpPr>
           <p:cNvPr id="88" name="Shape 88"/>
-          <p:cNvSpPr txBox="1">
-            <a:spLocks noGrp="1"/>
-          </p:cNvSpPr>
+          <p:cNvSpPr txBox="1"/>
           <p:nvPr>
-            <p:ph type="body" idx="1"/>
+            <p:ph idx="1" type="body"/>
           </p:nvPr>
         </p:nvSpPr>
         <p:spPr>
@@ -1482,7 +1474,7 @@
           </a:prstGeom>
         </p:spPr>
         <p:txBody>
-          <a:bodyPr lIns="91425" tIns="91425" rIns="91425" bIns="91425" anchor="t" anchorCtr="0">
+          <a:bodyPr anchorCtr="0" anchor="t" bIns="91425" lIns="91425" rIns="91425" tIns="91425">
             <a:noAutofit/>
           </a:bodyPr>
           <a:lstStyle/>
@@ -1493,6 +1485,9 @@
               </a:spcBef>
               <a:buNone/>
             </a:pPr>
+            <a:r>
+              <a:t/>
+            </a:r>
             <a:endParaRPr/>
           </a:p>
         </p:txBody>
@@ -1506,11 +1501,11 @@
 </file>
 
 <file path=ppt/notesSlides/notesSlide6.xml><?xml version="1.0" encoding="utf-8"?>
-<p:notes xmlns:a="http://schemas.openxmlformats.org/drawingml/2006/main" xmlns:r="http://schemas.openxmlformats.org/officeDocument/2006/relationships" xmlns:p="http://schemas.openxmlformats.org/presentationml/2006/main" showMasterSp="0" showMasterPhAnim="0">
+<p:notes xmlns:a="http://schemas.openxmlformats.org/drawingml/2006/main" xmlns:r="http://schemas.openxmlformats.org/officeDocument/2006/relationships" xmlns:mc="http://schemas.openxmlformats.org/markup-compatibility/2006" xmlns:mv="urn:schemas-microsoft-com:mac:vml" xmlns:p="http://schemas.openxmlformats.org/presentationml/2006/main" xmlns:c="http://schemas.openxmlformats.org/drawingml/2006/chart" xmlns:dgm="http://schemas.openxmlformats.org/drawingml/2006/diagram" xmlns:o="urn:schemas-microsoft-com:office:office" xmlns:v="urn:schemas-microsoft-com:vml" xmlns:pvml="urn:schemas-microsoft-com:office:powerpoint" xmlns:com="http://schemas.openxmlformats.org/drawingml/2006/compatibility" xmlns:p14="http://schemas.microsoft.com/office/powerpoint/2010/main" showMasterPhAnim="0" showMasterSp="0">
   <p:cSld>
     <p:spTree>
       <p:nvGrpSpPr>
-        <p:cNvPr id="1" name="Shape 92"/>
+        <p:cNvPr id="92" name="Shape 92"/>
         <p:cNvGrpSpPr/>
         <p:nvPr/>
       </p:nvGrpSpPr>
@@ -1525,26 +1520,19 @@
       <p:sp>
         <p:nvSpPr>
           <p:cNvPr id="93" name="Shape 93"/>
-          <p:cNvSpPr>
-            <a:spLocks noGrp="1" noRot="1" noChangeAspect="1"/>
-          </p:cNvSpPr>
+          <p:cNvSpPr/>
           <p:nvPr>
-            <p:ph type="sldImg" idx="2"/>
+            <p:ph idx="2" type="sldImg"/>
           </p:nvPr>
         </p:nvSpPr>
         <p:spPr>
           <a:xfrm>
-            <a:off x="381000" y="685800"/>
+            <a:off x="381300" y="685800"/>
             <a:ext cx="6096000" cy="3429000"/>
           </a:xfrm>
           <a:custGeom>
-            <a:avLst/>
-            <a:gdLst/>
-            <a:ahLst/>
-            <a:cxnLst/>
-            <a:rect l="0" t="0" r="0" b="0"/>
             <a:pathLst>
-              <a:path w="120000" h="120000" extrusionOk="0">
+              <a:path extrusionOk="0" h="120000" w="120000">
                 <a:moveTo>
                   <a:pt x="0" y="0"/>
                 </a:moveTo>
@@ -1566,11 +1554,9 @@
       <p:sp>
         <p:nvSpPr>
           <p:cNvPr id="94" name="Shape 94"/>
-          <p:cNvSpPr txBox="1">
-            <a:spLocks noGrp="1"/>
-          </p:cNvSpPr>
+          <p:cNvSpPr txBox="1"/>
           <p:nvPr>
-            <p:ph type="body" idx="1"/>
+            <p:ph idx="1" type="body"/>
           </p:nvPr>
         </p:nvSpPr>
         <p:spPr>
@@ -1583,7 +1569,7 @@
           </a:prstGeom>
         </p:spPr>
         <p:txBody>
-          <a:bodyPr lIns="91425" tIns="91425" rIns="91425" bIns="91425" anchor="t" anchorCtr="0">
+          <a:bodyPr anchorCtr="0" anchor="t" bIns="91425" lIns="91425" rIns="91425" tIns="91425">
             <a:noAutofit/>
           </a:bodyPr>
           <a:lstStyle/>
@@ -1596,7 +1582,7 @@
             </a:pPr>
             <a:r>
               <a:rPr lang="en"/>
-              <a:t>The second way is better since the file may already be cached in the user’s browser as other sites they’ve visited may have used this file as well. That means the page will potentially load faster than if you had downloaded the file and linked to your local version.</a:t>
+              <a:t>The second way (often called the CDN version) is better since the file may already be cached in the user’s browser as other sites they’ve visited may have used this file as well. That means the page will potentially load faster than if you had downloaded the file and linked to your local version.</a:t>
             </a:r>
           </a:p>
         </p:txBody>
@@ -1610,11 +1596,11 @@
 </file>
 
 <file path=ppt/notesSlides/notesSlide7.xml><?xml version="1.0" encoding="utf-8"?>
-<p:notes xmlns:a="http://schemas.openxmlformats.org/drawingml/2006/main" xmlns:r="http://schemas.openxmlformats.org/officeDocument/2006/relationships" xmlns:p="http://schemas.openxmlformats.org/presentationml/2006/main" showMasterSp="0" showMasterPhAnim="0">
+<p:notes xmlns:a="http://schemas.openxmlformats.org/drawingml/2006/main" xmlns:r="http://schemas.openxmlformats.org/officeDocument/2006/relationships" xmlns:mc="http://schemas.openxmlformats.org/markup-compatibility/2006" xmlns:mv="urn:schemas-microsoft-com:mac:vml" xmlns:p="http://schemas.openxmlformats.org/presentationml/2006/main" xmlns:c="http://schemas.openxmlformats.org/drawingml/2006/chart" xmlns:dgm="http://schemas.openxmlformats.org/drawingml/2006/diagram" xmlns:o="urn:schemas-microsoft-com:office:office" xmlns:v="urn:schemas-microsoft-com:vml" xmlns:pvml="urn:schemas-microsoft-com:office:powerpoint" xmlns:com="http://schemas.openxmlformats.org/drawingml/2006/compatibility" xmlns:p14="http://schemas.microsoft.com/office/powerpoint/2010/main" showMasterPhAnim="0" showMasterSp="0">
   <p:cSld>
     <p:spTree>
       <p:nvGrpSpPr>
-        <p:cNvPr id="1" name="Shape 98"/>
+        <p:cNvPr id="98" name="Shape 98"/>
         <p:cNvGrpSpPr/>
         <p:nvPr/>
       </p:nvGrpSpPr>
@@ -1629,11 +1615,9 @@
       <p:sp>
         <p:nvSpPr>
           <p:cNvPr id="99" name="Shape 99"/>
-          <p:cNvSpPr>
-            <a:spLocks noGrp="1" noRot="1" noChangeAspect="1"/>
-          </p:cNvSpPr>
+          <p:cNvSpPr/>
           <p:nvPr>
-            <p:ph type="sldImg" idx="2"/>
+            <p:ph idx="2" type="sldImg"/>
           </p:nvPr>
         </p:nvSpPr>
         <p:spPr>
@@ -1642,13 +1626,8 @@
             <a:ext cx="6096000" cy="3429000"/>
           </a:xfrm>
           <a:custGeom>
-            <a:avLst/>
-            <a:gdLst/>
-            <a:ahLst/>
-            <a:cxnLst/>
-            <a:rect l="0" t="0" r="0" b="0"/>
             <a:pathLst>
-              <a:path w="120000" h="120000" extrusionOk="0">
+              <a:path extrusionOk="0" h="120000" w="120000">
                 <a:moveTo>
                   <a:pt x="0" y="0"/>
                 </a:moveTo>
@@ -1670,11 +1649,9 @@
       <p:sp>
         <p:nvSpPr>
           <p:cNvPr id="100" name="Shape 100"/>
-          <p:cNvSpPr txBox="1">
-            <a:spLocks noGrp="1"/>
-          </p:cNvSpPr>
+          <p:cNvSpPr txBox="1"/>
           <p:nvPr>
-            <p:ph type="body" idx="1"/>
+            <p:ph idx="1" type="body"/>
           </p:nvPr>
         </p:nvSpPr>
         <p:spPr>
@@ -1687,7 +1664,7 @@
           </a:prstGeom>
         </p:spPr>
         <p:txBody>
-          <a:bodyPr lIns="91425" tIns="91425" rIns="91425" bIns="91425" anchor="t" anchorCtr="0">
+          <a:bodyPr anchorCtr="0" anchor="t" bIns="91425" lIns="91425" rIns="91425" tIns="91425">
             <a:noAutofit/>
           </a:bodyPr>
           <a:lstStyle/>
@@ -1698,6 +1675,9 @@
               </a:spcBef>
               <a:buNone/>
             </a:pPr>
+            <a:r>
+              <a:t/>
+            </a:r>
             <a:endParaRPr/>
           </a:p>
         </p:txBody>
@@ -1711,11 +1691,11 @@
 </file>
 
 <file path=ppt/notesSlides/notesSlide8.xml><?xml version="1.0" encoding="utf-8"?>
-<p:notes xmlns:a="http://schemas.openxmlformats.org/drawingml/2006/main" xmlns:r="http://schemas.openxmlformats.org/officeDocument/2006/relationships" xmlns:p="http://schemas.openxmlformats.org/presentationml/2006/main" showMasterSp="0" showMasterPhAnim="0">
+<p:notes xmlns:a="http://schemas.openxmlformats.org/drawingml/2006/main" xmlns:r="http://schemas.openxmlformats.org/officeDocument/2006/relationships" xmlns:mc="http://schemas.openxmlformats.org/markup-compatibility/2006" xmlns:mv="urn:schemas-microsoft-com:mac:vml" xmlns:p="http://schemas.openxmlformats.org/presentationml/2006/main" xmlns:c="http://schemas.openxmlformats.org/drawingml/2006/chart" xmlns:dgm="http://schemas.openxmlformats.org/drawingml/2006/diagram" xmlns:o="urn:schemas-microsoft-com:office:office" xmlns:v="urn:schemas-microsoft-com:vml" xmlns:pvml="urn:schemas-microsoft-com:office:powerpoint" xmlns:com="http://schemas.openxmlformats.org/drawingml/2006/compatibility" xmlns:p14="http://schemas.microsoft.com/office/powerpoint/2010/main" showMasterPhAnim="0" showMasterSp="0">
   <p:cSld>
     <p:spTree>
       <p:nvGrpSpPr>
-        <p:cNvPr id="1" name="Shape 104"/>
+        <p:cNvPr id="104" name="Shape 104"/>
         <p:cNvGrpSpPr/>
         <p:nvPr/>
       </p:nvGrpSpPr>
@@ -1730,11 +1710,9 @@
       <p:sp>
         <p:nvSpPr>
           <p:cNvPr id="105" name="Shape 105"/>
-          <p:cNvSpPr>
-            <a:spLocks noGrp="1" noRot="1" noChangeAspect="1"/>
-          </p:cNvSpPr>
+          <p:cNvSpPr/>
           <p:nvPr>
-            <p:ph type="sldImg" idx="2"/>
+            <p:ph idx="2" type="sldImg"/>
           </p:nvPr>
         </p:nvSpPr>
         <p:spPr>
@@ -1743,13 +1721,8 @@
             <a:ext cx="6096000" cy="3429000"/>
           </a:xfrm>
           <a:custGeom>
-            <a:avLst/>
-            <a:gdLst/>
-            <a:ahLst/>
-            <a:cxnLst/>
-            <a:rect l="0" t="0" r="0" b="0"/>
             <a:pathLst>
-              <a:path w="120000" h="120000" extrusionOk="0">
+              <a:path extrusionOk="0" h="120000" w="120000">
                 <a:moveTo>
                   <a:pt x="0" y="0"/>
                 </a:moveTo>
@@ -1771,11 +1744,9 @@
       <p:sp>
         <p:nvSpPr>
           <p:cNvPr id="106" name="Shape 106"/>
-          <p:cNvSpPr txBox="1">
-            <a:spLocks noGrp="1"/>
-          </p:cNvSpPr>
+          <p:cNvSpPr txBox="1"/>
           <p:nvPr>
-            <p:ph type="body" idx="1"/>
+            <p:ph idx="1" type="body"/>
           </p:nvPr>
         </p:nvSpPr>
         <p:spPr>
@@ -1788,7 +1759,7 @@
           </a:prstGeom>
         </p:spPr>
         <p:txBody>
-          <a:bodyPr lIns="91425" tIns="91425" rIns="91425" bIns="91425" anchor="t" anchorCtr="0">
+          <a:bodyPr anchorCtr="0" anchor="t" bIns="91425" lIns="91425" rIns="91425" tIns="91425">
             <a:noAutofit/>
           </a:bodyPr>
           <a:lstStyle/>
@@ -1815,11 +1786,11 @@
 </file>
 
 <file path=ppt/notesSlides/notesSlide9.xml><?xml version="1.0" encoding="utf-8"?>
-<p:notes xmlns:a="http://schemas.openxmlformats.org/drawingml/2006/main" xmlns:r="http://schemas.openxmlformats.org/officeDocument/2006/relationships" xmlns:p="http://schemas.openxmlformats.org/presentationml/2006/main" showMasterSp="0" showMasterPhAnim="0">
+<p:notes xmlns:a="http://schemas.openxmlformats.org/drawingml/2006/main" xmlns:r="http://schemas.openxmlformats.org/officeDocument/2006/relationships" xmlns:mc="http://schemas.openxmlformats.org/markup-compatibility/2006" xmlns:mv="urn:schemas-microsoft-com:mac:vml" xmlns:p="http://schemas.openxmlformats.org/presentationml/2006/main" xmlns:c="http://schemas.openxmlformats.org/drawingml/2006/chart" xmlns:dgm="http://schemas.openxmlformats.org/drawingml/2006/diagram" xmlns:o="urn:schemas-microsoft-com:office:office" xmlns:v="urn:schemas-microsoft-com:vml" xmlns:pvml="urn:schemas-microsoft-com:office:powerpoint" xmlns:com="http://schemas.openxmlformats.org/drawingml/2006/compatibility" xmlns:p14="http://schemas.microsoft.com/office/powerpoint/2010/main" showMasterPhAnim="0" showMasterSp="0">
   <p:cSld>
     <p:spTree>
       <p:nvGrpSpPr>
-        <p:cNvPr id="1" name="Shape 110"/>
+        <p:cNvPr id="110" name="Shape 110"/>
         <p:cNvGrpSpPr/>
         <p:nvPr/>
       </p:nvGrpSpPr>
@@ -1834,11 +1805,9 @@
       <p:sp>
         <p:nvSpPr>
           <p:cNvPr id="111" name="Shape 111"/>
-          <p:cNvSpPr>
-            <a:spLocks noGrp="1" noRot="1" noChangeAspect="1"/>
-          </p:cNvSpPr>
+          <p:cNvSpPr/>
           <p:nvPr>
-            <p:ph type="sldImg" idx="2"/>
+            <p:ph idx="2" type="sldImg"/>
           </p:nvPr>
         </p:nvSpPr>
         <p:spPr>
@@ -1847,13 +1816,8 @@
             <a:ext cx="6096000" cy="3429000"/>
           </a:xfrm>
           <a:custGeom>
-            <a:avLst/>
-            <a:gdLst/>
-            <a:ahLst/>
-            <a:cxnLst/>
-            <a:rect l="0" t="0" r="0" b="0"/>
             <a:pathLst>
-              <a:path w="120000" h="120000" extrusionOk="0">
+              <a:path extrusionOk="0" h="120000" w="120000">
                 <a:moveTo>
                   <a:pt x="0" y="0"/>
                 </a:moveTo>
@@ -1875,11 +1839,9 @@
       <p:sp>
         <p:nvSpPr>
           <p:cNvPr id="112" name="Shape 112"/>
-          <p:cNvSpPr txBox="1">
-            <a:spLocks noGrp="1"/>
-          </p:cNvSpPr>
+          <p:cNvSpPr txBox="1"/>
           <p:nvPr>
-            <p:ph type="body" idx="1"/>
+            <p:ph idx="1" type="body"/>
           </p:nvPr>
         </p:nvSpPr>
         <p:spPr>
@@ -1892,7 +1854,7 @@
           </a:prstGeom>
         </p:spPr>
         <p:txBody>
-          <a:bodyPr lIns="91425" tIns="91425" rIns="91425" bIns="91425" anchor="t" anchorCtr="0">
+          <a:bodyPr anchorCtr="0" anchor="t" bIns="91425" lIns="91425" rIns="91425" tIns="91425">
             <a:noAutofit/>
           </a:bodyPr>
           <a:lstStyle/>
@@ -1905,31 +1867,7 @@
             </a:pPr>
             <a:r>
               <a:rPr lang="en"/>
-              <a:t>Brackets params [ ] mean it’s optional</a:t>
-            </a:r>
-          </a:p>
-          <a:p>
-            <a:pPr lvl="0">
-              <a:spcBef>
-                <a:spcPts val="0"/>
-              </a:spcBef>
-              <a:buNone/>
-            </a:pPr>
-            <a:r>
-              <a:rPr lang="en"/>
-              <a:t>Url is like the endpoint you would have in form action</a:t>
-            </a:r>
-          </a:p>
-          <a:p>
-            <a:pPr lvl="0">
-              <a:spcBef>
-                <a:spcPts val="0"/>
-              </a:spcBef>
-              <a:buNone/>
-            </a:pPr>
-            <a:r>
-              <a:rPr lang="en"/>
-              <a:t>A callback function is the function that is called once the request finishes and returns.</a:t>
+              <a:t>Sourced from W3Schools</a:t>
             </a:r>
           </a:p>
         </p:txBody>
@@ -1943,11 +1881,11 @@
 </file>
 
 <file path=ppt/slideLayouts/slideLayout1.xml><?xml version="1.0" encoding="utf-8"?>
-<p:sldLayout xmlns:a="http://schemas.openxmlformats.org/drawingml/2006/main" xmlns:r="http://schemas.openxmlformats.org/officeDocument/2006/relationships" xmlns:p="http://schemas.openxmlformats.org/presentationml/2006/main" type="title">
+<p:sldLayout xmlns:a="http://schemas.openxmlformats.org/drawingml/2006/main" xmlns:r="http://schemas.openxmlformats.org/officeDocument/2006/relationships" xmlns:mc="http://schemas.openxmlformats.org/markup-compatibility/2006" xmlns:mv="urn:schemas-microsoft-com:mac:vml" xmlns:p="http://schemas.openxmlformats.org/presentationml/2006/main" xmlns:c="http://schemas.openxmlformats.org/drawingml/2006/chart" xmlns:dgm="http://schemas.openxmlformats.org/drawingml/2006/diagram" xmlns:o="urn:schemas-microsoft-com:office:office" xmlns:v="urn:schemas-microsoft-com:vml" xmlns:pvml="urn:schemas-microsoft-com:office:powerpoint" xmlns:com="http://schemas.openxmlformats.org/drawingml/2006/compatibility" xmlns:p14="http://schemas.microsoft.com/office/powerpoint/2010/main" type="title">
   <p:cSld name="Title slide">
     <p:spTree>
       <p:nvGrpSpPr>
-        <p:cNvPr id="1" name="Shape 9"/>
+        <p:cNvPr id="9" name="Shape 9"/>
         <p:cNvGrpSpPr/>
         <p:nvPr/>
       </p:nvGrpSpPr>
@@ -1974,14 +1912,14 @@
             <a:avLst/>
           </a:prstGeom>
           <a:noFill/>
-          <a:ln w="76200" cap="flat" cmpd="sng">
+          <a:ln cap="flat" cmpd="sng" w="76200">
             <a:solidFill>
               <a:schemeClr val="lt2"/>
             </a:solidFill>
             <a:prstDash val="solid"/>
             <a:round/>
-            <a:headEnd type="none" w="med" len="med"/>
-            <a:tailEnd type="none" w="med" len="med"/>
+            <a:headEnd len="med" w="med" type="none"/>
+            <a:tailEnd len="med" w="med" type="none"/>
           </a:ln>
         </p:spPr>
       </p:cxnSp>
@@ -2000,14 +1938,14 @@
             <a:avLst/>
           </a:prstGeom>
           <a:noFill/>
-          <a:ln w="76200" cap="flat" cmpd="sng">
+          <a:ln cap="flat" cmpd="sng" w="76200">
             <a:solidFill>
               <a:schemeClr val="lt2"/>
             </a:solidFill>
             <a:prstDash val="solid"/>
             <a:round/>
-            <a:headEnd type="none" w="med" len="med"/>
-            <a:tailEnd type="none" w="med" len="med"/>
+            <a:headEnd len="med" w="med" type="none"/>
+            <a:tailEnd len="med" w="med" type="none"/>
           </a:ln>
         </p:spPr>
       </p:cxnSp>
@@ -2040,14 +1978,14 @@
               <a:avLst/>
             </a:prstGeom>
             <a:noFill/>
-            <a:ln w="76200" cap="flat" cmpd="sng">
+            <a:ln cap="flat" cmpd="sng" w="76200">
               <a:solidFill>
                 <a:schemeClr val="accent3"/>
               </a:solidFill>
               <a:prstDash val="solid"/>
               <a:round/>
-              <a:headEnd type="none" w="med" len="med"/>
-              <a:tailEnd type="none" w="med" len="med"/>
+              <a:headEnd len="med" w="med" type="none"/>
+              <a:tailEnd len="med" w="med" type="none"/>
             </a:ln>
           </p:spPr>
         </p:cxnSp>
@@ -2066,14 +2004,14 @@
               <a:avLst/>
             </a:prstGeom>
             <a:noFill/>
-            <a:ln w="9525" cap="flat" cmpd="sng">
+            <a:ln cap="flat" cmpd="sng" w="9525">
               <a:solidFill>
                 <a:schemeClr val="accent3"/>
               </a:solidFill>
               <a:prstDash val="solid"/>
               <a:round/>
-              <a:headEnd type="none" w="med" len="med"/>
-              <a:tailEnd type="none" w="med" len="med"/>
+              <a:headEnd len="med" w="med" type="none"/>
+              <a:tailEnd len="med" w="med" type="none"/>
             </a:ln>
           </p:spPr>
         </p:cxnSp>
@@ -2107,14 +2045,14 @@
               <a:avLst/>
             </a:prstGeom>
             <a:noFill/>
-            <a:ln w="76200" cap="flat" cmpd="sng">
+            <a:ln cap="flat" cmpd="sng" w="76200">
               <a:solidFill>
                 <a:schemeClr val="accent3"/>
               </a:solidFill>
               <a:prstDash val="solid"/>
               <a:round/>
-              <a:headEnd type="none" w="med" len="med"/>
-              <a:tailEnd type="none" w="med" len="med"/>
+              <a:headEnd len="med" w="med" type="none"/>
+              <a:tailEnd len="med" w="med" type="none"/>
             </a:ln>
           </p:spPr>
         </p:cxnSp>
@@ -2133,14 +2071,14 @@
               <a:avLst/>
             </a:prstGeom>
             <a:noFill/>
-            <a:ln w="9525" cap="flat" cmpd="sng">
+            <a:ln cap="flat" cmpd="sng" w="9525">
               <a:solidFill>
                 <a:schemeClr val="accent3"/>
               </a:solidFill>
               <a:prstDash val="solid"/>
               <a:round/>
-              <a:headEnd type="none" w="med" len="med"/>
-              <a:tailEnd type="none" w="med" len="med"/>
+              <a:headEnd len="med" w="med" type="none"/>
+              <a:tailEnd len="med" w="med" type="none"/>
             </a:ln>
           </p:spPr>
         </p:cxnSp>
@@ -2148,9 +2086,7 @@
       <p:sp>
         <p:nvSpPr>
           <p:cNvPr id="18" name="Shape 18"/>
-          <p:cNvSpPr txBox="1">
-            <a:spLocks noGrp="1"/>
-          </p:cNvSpPr>
+          <p:cNvSpPr txBox="1"/>
           <p:nvPr>
             <p:ph type="ctrTitle"/>
           </p:nvPr>
@@ -2165,7 +2101,7 @@
           </a:prstGeom>
         </p:spPr>
         <p:txBody>
-          <a:bodyPr lIns="91425" tIns="91425" rIns="91425" bIns="91425" anchor="b" anchorCtr="0"/>
+          <a:bodyPr anchorCtr="0" anchor="b" bIns="91425" lIns="91425" rIns="91425" tIns="91425"/>
           <a:lstStyle>
             <a:lvl1pPr lvl="0" algn="ctr">
               <a:spcBef>
@@ -2231,19 +2167,15 @@
               <a:defRPr sz="5400"/>
             </a:lvl9pPr>
           </a:lstStyle>
-          <a:p>
-            <a:endParaRPr/>
-          </a:p>
+          <a:p/>
         </p:txBody>
       </p:sp>
       <p:sp>
         <p:nvSpPr>
           <p:cNvPr id="19" name="Shape 19"/>
-          <p:cNvSpPr txBox="1">
-            <a:spLocks noGrp="1"/>
-          </p:cNvSpPr>
+          <p:cNvSpPr txBox="1"/>
           <p:nvPr>
-            <p:ph type="subTitle" idx="1"/>
+            <p:ph idx="1" type="subTitle"/>
           </p:nvPr>
         </p:nvSpPr>
         <p:spPr>
@@ -2256,7 +2188,7 @@
           </a:prstGeom>
         </p:spPr>
         <p:txBody>
-          <a:bodyPr lIns="91425" tIns="91425" rIns="91425" bIns="91425" anchor="t" anchorCtr="0"/>
+          <a:bodyPr anchorCtr="0" anchor="t" bIns="91425" lIns="91425" rIns="91425" tIns="91425"/>
           <a:lstStyle>
             <a:lvl1pPr lvl="0" algn="ctr">
               <a:lnSpc>
@@ -2385,19 +2317,15 @@
               <a:defRPr sz="2400"/>
             </a:lvl9pPr>
           </a:lstStyle>
-          <a:p>
-            <a:endParaRPr/>
-          </a:p>
+          <a:p/>
         </p:txBody>
       </p:sp>
       <p:sp>
         <p:nvSpPr>
           <p:cNvPr id="20" name="Shape 20"/>
-          <p:cNvSpPr txBox="1">
-            <a:spLocks noGrp="1"/>
-          </p:cNvSpPr>
+          <p:cNvSpPr txBox="1"/>
           <p:nvPr>
-            <p:ph type="sldNum" idx="12"/>
+            <p:ph idx="12" type="sldNum"/>
           </p:nvPr>
         </p:nvSpPr>
         <p:spPr>
@@ -2410,7 +2338,7 @@
           </a:prstGeom>
         </p:spPr>
         <p:txBody>
-          <a:bodyPr lIns="91425" tIns="91425" rIns="91425" bIns="91425" anchor="ctr" anchorCtr="0">
+          <a:bodyPr anchorCtr="0" anchor="ctr" bIns="91425" lIns="91425" rIns="91425" tIns="91425">
             <a:noAutofit/>
           </a:bodyPr>
           <a:lstStyle/>
@@ -2425,7 +2353,6 @@
               <a:rPr lang="en"/>
               <a:t>‹#›</a:t>
             </a:fld>
-            <a:endParaRPr lang="en"/>
           </a:p>
         </p:txBody>
       </p:sp>
@@ -2438,11 +2365,11 @@
 </file>
 
 <file path=ppt/slideLayouts/slideLayout10.xml><?xml version="1.0" encoding="utf-8"?>
-<p:sldLayout xmlns:a="http://schemas.openxmlformats.org/drawingml/2006/main" xmlns:r="http://schemas.openxmlformats.org/officeDocument/2006/relationships" xmlns:p="http://schemas.openxmlformats.org/presentationml/2006/main">
+<p:sldLayout xmlns:a="http://schemas.openxmlformats.org/drawingml/2006/main" xmlns:r="http://schemas.openxmlformats.org/officeDocument/2006/relationships" xmlns:mc="http://schemas.openxmlformats.org/markup-compatibility/2006" xmlns:mv="urn:schemas-microsoft-com:mac:vml" xmlns:p="http://schemas.openxmlformats.org/presentationml/2006/main" xmlns:c="http://schemas.openxmlformats.org/drawingml/2006/chart" xmlns:dgm="http://schemas.openxmlformats.org/drawingml/2006/diagram" xmlns:o="urn:schemas-microsoft-com:office:office" xmlns:v="urn:schemas-microsoft-com:vml" xmlns:pvml="urn:schemas-microsoft-com:office:powerpoint" xmlns:com="http://schemas.openxmlformats.org/drawingml/2006/compatibility" xmlns:p14="http://schemas.microsoft.com/office/powerpoint/2010/main">
   <p:cSld name="Big number">
     <p:spTree>
       <p:nvGrpSpPr>
-        <p:cNvPr id="1" name="Shape 55"/>
+        <p:cNvPr id="55" name="Shape 55"/>
         <p:cNvGrpSpPr/>
         <p:nvPr/>
       </p:nvGrpSpPr>
@@ -2476,7 +2403,7 @@
           </a:ln>
         </p:spPr>
         <p:txBody>
-          <a:bodyPr lIns="91425" tIns="91425" rIns="91425" bIns="91425" anchor="ctr" anchorCtr="0">
+          <a:bodyPr anchorCtr="0" anchor="ctr" bIns="91425" lIns="91425" rIns="91425" tIns="91425">
             <a:noAutofit/>
           </a:bodyPr>
           <a:lstStyle/>
@@ -2487,6 +2414,9 @@
               </a:spcBef>
               <a:buNone/>
             </a:pPr>
+            <a:r>
+              <a:t/>
+            </a:r>
             <a:endParaRPr/>
           </a:p>
         </p:txBody>
@@ -2494,9 +2424,7 @@
       <p:sp>
         <p:nvSpPr>
           <p:cNvPr id="57" name="Shape 57"/>
-          <p:cNvSpPr txBox="1">
-            <a:spLocks noGrp="1"/>
-          </p:cNvSpPr>
+          <p:cNvSpPr txBox="1"/>
           <p:nvPr>
             <p:ph type="title"/>
           </p:nvPr>
@@ -2511,7 +2439,7 @@
           </a:prstGeom>
         </p:spPr>
         <p:txBody>
-          <a:bodyPr lIns="91425" tIns="91425" rIns="91425" bIns="91425" anchor="ctr" anchorCtr="0"/>
+          <a:bodyPr anchorCtr="0" anchor="ctr" bIns="91425" lIns="91425" rIns="91425" tIns="91425"/>
           <a:lstStyle>
             <a:lvl1pPr lvl="0" algn="ctr">
               <a:spcBef>
@@ -2640,19 +2568,15 @@
               </a:defRPr>
             </a:lvl9pPr>
           </a:lstStyle>
-          <a:p>
-            <a:endParaRPr/>
-          </a:p>
+          <a:p/>
         </p:txBody>
       </p:sp>
       <p:sp>
         <p:nvSpPr>
           <p:cNvPr id="58" name="Shape 58"/>
-          <p:cNvSpPr txBox="1">
-            <a:spLocks noGrp="1"/>
-          </p:cNvSpPr>
+          <p:cNvSpPr txBox="1"/>
           <p:nvPr>
-            <p:ph type="body" idx="1"/>
+            <p:ph idx="1" type="body"/>
           </p:nvPr>
         </p:nvSpPr>
         <p:spPr>
@@ -2665,7 +2589,7 @@
           </a:prstGeom>
         </p:spPr>
         <p:txBody>
-          <a:bodyPr lIns="91425" tIns="91425" rIns="91425" bIns="91425" anchor="t" anchorCtr="0"/>
+          <a:bodyPr anchorCtr="0" anchor="t" bIns="91425" lIns="91425" rIns="91425" tIns="91425"/>
           <a:lstStyle>
             <a:lvl1pPr lvl="0" algn="ctr">
               <a:spcBef>
@@ -2722,19 +2646,15 @@
               <a:defRPr/>
             </a:lvl9pPr>
           </a:lstStyle>
-          <a:p>
-            <a:endParaRPr/>
-          </a:p>
+          <a:p/>
         </p:txBody>
       </p:sp>
       <p:sp>
         <p:nvSpPr>
           <p:cNvPr id="59" name="Shape 59"/>
-          <p:cNvSpPr txBox="1">
-            <a:spLocks noGrp="1"/>
-          </p:cNvSpPr>
+          <p:cNvSpPr txBox="1"/>
           <p:nvPr>
-            <p:ph type="sldNum" idx="12"/>
+            <p:ph idx="12" type="sldNum"/>
           </p:nvPr>
         </p:nvSpPr>
         <p:spPr>
@@ -2747,7 +2667,7 @@
           </a:prstGeom>
         </p:spPr>
         <p:txBody>
-          <a:bodyPr lIns="91425" tIns="91425" rIns="91425" bIns="91425" anchor="ctr" anchorCtr="0">
+          <a:bodyPr anchorCtr="0" anchor="ctr" bIns="91425" lIns="91425" rIns="91425" tIns="91425">
             <a:noAutofit/>
           </a:bodyPr>
           <a:lstStyle/>
@@ -2762,7 +2682,6 @@
               <a:rPr lang="en"/>
               <a:t>‹#›</a:t>
             </a:fld>
-            <a:endParaRPr lang="en"/>
           </a:p>
         </p:txBody>
       </p:sp>
@@ -2775,11 +2694,11 @@
 </file>
 
 <file path=ppt/slideLayouts/slideLayout11.xml><?xml version="1.0" encoding="utf-8"?>
-<p:sldLayout xmlns:a="http://schemas.openxmlformats.org/drawingml/2006/main" xmlns:r="http://schemas.openxmlformats.org/officeDocument/2006/relationships" xmlns:p="http://schemas.openxmlformats.org/presentationml/2006/main" type="blank">
+<p:sldLayout xmlns:a="http://schemas.openxmlformats.org/drawingml/2006/main" xmlns:r="http://schemas.openxmlformats.org/officeDocument/2006/relationships" xmlns:mc="http://schemas.openxmlformats.org/markup-compatibility/2006" xmlns:mv="urn:schemas-microsoft-com:mac:vml" xmlns:p="http://schemas.openxmlformats.org/presentationml/2006/main" xmlns:c="http://schemas.openxmlformats.org/drawingml/2006/chart" xmlns:dgm="http://schemas.openxmlformats.org/drawingml/2006/diagram" xmlns:o="urn:schemas-microsoft-com:office:office" xmlns:v="urn:schemas-microsoft-com:vml" xmlns:pvml="urn:schemas-microsoft-com:office:powerpoint" xmlns:com="http://schemas.openxmlformats.org/drawingml/2006/compatibility" xmlns:p14="http://schemas.microsoft.com/office/powerpoint/2010/main" type="blank">
   <p:cSld name="Blank">
     <p:spTree>
       <p:nvGrpSpPr>
-        <p:cNvPr id="1" name="Shape 60"/>
+        <p:cNvPr id="60" name="Shape 60"/>
         <p:cNvGrpSpPr/>
         <p:nvPr/>
       </p:nvGrpSpPr>
@@ -2794,11 +2713,9 @@
       <p:sp>
         <p:nvSpPr>
           <p:cNvPr id="61" name="Shape 61"/>
-          <p:cNvSpPr txBox="1">
-            <a:spLocks noGrp="1"/>
-          </p:cNvSpPr>
+          <p:cNvSpPr txBox="1"/>
           <p:nvPr>
-            <p:ph type="sldNum" idx="12"/>
+            <p:ph idx="12" type="sldNum"/>
           </p:nvPr>
         </p:nvSpPr>
         <p:spPr>
@@ -2811,7 +2728,7 @@
           </a:prstGeom>
         </p:spPr>
         <p:txBody>
-          <a:bodyPr lIns="91425" tIns="91425" rIns="91425" bIns="91425" anchor="ctr" anchorCtr="0">
+          <a:bodyPr anchorCtr="0" anchor="ctr" bIns="91425" lIns="91425" rIns="91425" tIns="91425">
             <a:noAutofit/>
           </a:bodyPr>
           <a:lstStyle/>
@@ -2826,7 +2743,6 @@
               <a:rPr lang="en"/>
               <a:t>‹#›</a:t>
             </a:fld>
-            <a:endParaRPr lang="en"/>
           </a:p>
         </p:txBody>
       </p:sp>
@@ -2839,11 +2755,11 @@
 </file>
 
 <file path=ppt/slideLayouts/slideLayout2.xml><?xml version="1.0" encoding="utf-8"?>
-<p:sldLayout xmlns:a="http://schemas.openxmlformats.org/drawingml/2006/main" xmlns:r="http://schemas.openxmlformats.org/officeDocument/2006/relationships" xmlns:p="http://schemas.openxmlformats.org/presentationml/2006/main" type="secHead">
+<p:sldLayout xmlns:a="http://schemas.openxmlformats.org/drawingml/2006/main" xmlns:r="http://schemas.openxmlformats.org/officeDocument/2006/relationships" xmlns:mc="http://schemas.openxmlformats.org/markup-compatibility/2006" xmlns:mv="urn:schemas-microsoft-com:mac:vml" xmlns:p="http://schemas.openxmlformats.org/presentationml/2006/main" xmlns:c="http://schemas.openxmlformats.org/drawingml/2006/chart" xmlns:dgm="http://schemas.openxmlformats.org/drawingml/2006/diagram" xmlns:o="urn:schemas-microsoft-com:office:office" xmlns:v="urn:schemas-microsoft-com:vml" xmlns:pvml="urn:schemas-microsoft-com:office:powerpoint" xmlns:com="http://schemas.openxmlformats.org/drawingml/2006/compatibility" xmlns:p14="http://schemas.microsoft.com/office/powerpoint/2010/main" type="secHead">
   <p:cSld name="Section header">
     <p:spTree>
       <p:nvGrpSpPr>
-        <p:cNvPr id="1" name="Shape 21"/>
+        <p:cNvPr id="21" name="Shape 21"/>
         <p:cNvGrpSpPr/>
         <p:nvPr/>
       </p:nvGrpSpPr>
@@ -2877,7 +2793,7 @@
           </a:ln>
         </p:spPr>
         <p:txBody>
-          <a:bodyPr lIns="91425" tIns="91425" rIns="91425" bIns="91425" anchor="ctr" anchorCtr="0">
+          <a:bodyPr anchorCtr="0" anchor="ctr" bIns="91425" lIns="91425" rIns="91425" tIns="91425">
             <a:noAutofit/>
           </a:bodyPr>
           <a:lstStyle/>
@@ -2888,6 +2804,9 @@
               </a:spcBef>
               <a:buNone/>
             </a:pPr>
+            <a:r>
+              <a:t/>
+            </a:r>
             <a:endParaRPr/>
           </a:p>
         </p:txBody>
@@ -2895,9 +2814,7 @@
       <p:sp>
         <p:nvSpPr>
           <p:cNvPr id="23" name="Shape 23"/>
-          <p:cNvSpPr txBox="1">
-            <a:spLocks noGrp="1"/>
-          </p:cNvSpPr>
+          <p:cNvSpPr txBox="1"/>
           <p:nvPr>
             <p:ph type="title"/>
           </p:nvPr>
@@ -2912,7 +2829,7 @@
           </a:prstGeom>
         </p:spPr>
         <p:txBody>
-          <a:bodyPr lIns="91425" tIns="91425" rIns="91425" bIns="91425" anchor="ctr" anchorCtr="0"/>
+          <a:bodyPr anchorCtr="0" anchor="ctr" bIns="91425" lIns="91425" rIns="91425" tIns="91425"/>
           <a:lstStyle>
             <a:lvl1pPr lvl="0" algn="ctr">
               <a:spcBef>
@@ -2969,19 +2886,15 @@
               <a:defRPr/>
             </a:lvl9pPr>
           </a:lstStyle>
-          <a:p>
-            <a:endParaRPr/>
-          </a:p>
+          <a:p/>
         </p:txBody>
       </p:sp>
       <p:sp>
         <p:nvSpPr>
           <p:cNvPr id="24" name="Shape 24"/>
-          <p:cNvSpPr txBox="1">
-            <a:spLocks noGrp="1"/>
-          </p:cNvSpPr>
+          <p:cNvSpPr txBox="1"/>
           <p:nvPr>
-            <p:ph type="sldNum" idx="12"/>
+            <p:ph idx="12" type="sldNum"/>
           </p:nvPr>
         </p:nvSpPr>
         <p:spPr>
@@ -2994,7 +2907,7 @@
           </a:prstGeom>
         </p:spPr>
         <p:txBody>
-          <a:bodyPr lIns="91425" tIns="91425" rIns="91425" bIns="91425" anchor="ctr" anchorCtr="0">
+          <a:bodyPr anchorCtr="0" anchor="ctr" bIns="91425" lIns="91425" rIns="91425" tIns="91425">
             <a:noAutofit/>
           </a:bodyPr>
           <a:lstStyle/>
@@ -3013,11 +2926,6 @@
               </a:rPr>
               <a:t>‹#›</a:t>
             </a:fld>
-            <a:endParaRPr lang="en">
-              <a:solidFill>
-                <a:schemeClr val="lt1"/>
-              </a:solidFill>
-            </a:endParaRPr>
           </a:p>
         </p:txBody>
       </p:sp>
@@ -3030,11 +2938,11 @@
 </file>
 
 <file path=ppt/slideLayouts/slideLayout3.xml><?xml version="1.0" encoding="utf-8"?>
-<p:sldLayout xmlns:a="http://schemas.openxmlformats.org/drawingml/2006/main" xmlns:r="http://schemas.openxmlformats.org/officeDocument/2006/relationships" xmlns:p="http://schemas.openxmlformats.org/presentationml/2006/main" type="tx">
+<p:sldLayout xmlns:a="http://schemas.openxmlformats.org/drawingml/2006/main" xmlns:r="http://schemas.openxmlformats.org/officeDocument/2006/relationships" xmlns:mc="http://schemas.openxmlformats.org/markup-compatibility/2006" xmlns:mv="urn:schemas-microsoft-com:mac:vml" xmlns:p="http://schemas.openxmlformats.org/presentationml/2006/main" xmlns:c="http://schemas.openxmlformats.org/drawingml/2006/chart" xmlns:dgm="http://schemas.openxmlformats.org/drawingml/2006/diagram" xmlns:o="urn:schemas-microsoft-com:office:office" xmlns:v="urn:schemas-microsoft-com:vml" xmlns:pvml="urn:schemas-microsoft-com:office:powerpoint" xmlns:com="http://schemas.openxmlformats.org/drawingml/2006/compatibility" xmlns:p14="http://schemas.microsoft.com/office/powerpoint/2010/main" type="tx">
   <p:cSld name="Title and body">
     <p:spTree>
       <p:nvGrpSpPr>
-        <p:cNvPr id="1" name="Shape 25"/>
+        <p:cNvPr id="25" name="Shape 25"/>
         <p:cNvGrpSpPr/>
         <p:nvPr/>
       </p:nvGrpSpPr>
@@ -3068,7 +2976,7 @@
           </a:ln>
         </p:spPr>
         <p:txBody>
-          <a:bodyPr lIns="91425" tIns="91425" rIns="91425" bIns="91425" anchor="ctr" anchorCtr="0">
+          <a:bodyPr anchorCtr="0" anchor="ctr" bIns="91425" lIns="91425" rIns="91425" tIns="91425">
             <a:noAutofit/>
           </a:bodyPr>
           <a:lstStyle/>
@@ -3079,6 +2987,9 @@
               </a:spcBef>
               <a:buNone/>
             </a:pPr>
+            <a:r>
+              <a:t/>
+            </a:r>
             <a:endParaRPr/>
           </a:p>
         </p:txBody>
@@ -3086,9 +2997,7 @@
       <p:sp>
         <p:nvSpPr>
           <p:cNvPr id="27" name="Shape 27"/>
-          <p:cNvSpPr txBox="1">
-            <a:spLocks noGrp="1"/>
-          </p:cNvSpPr>
+          <p:cNvSpPr txBox="1"/>
           <p:nvPr>
             <p:ph type="title"/>
           </p:nvPr>
@@ -3103,7 +3012,7 @@
           </a:prstGeom>
         </p:spPr>
         <p:txBody>
-          <a:bodyPr lIns="91425" tIns="91425" rIns="91425" bIns="91425" anchor="t" anchorCtr="0"/>
+          <a:bodyPr anchorCtr="0" anchor="t" bIns="91425" lIns="91425" rIns="91425" tIns="91425"/>
           <a:lstStyle>
             <a:lvl1pPr lvl="0">
               <a:spcBef>
@@ -3160,19 +3069,15 @@
               <a:defRPr/>
             </a:lvl9pPr>
           </a:lstStyle>
-          <a:p>
-            <a:endParaRPr/>
-          </a:p>
+          <a:p/>
         </p:txBody>
       </p:sp>
       <p:sp>
         <p:nvSpPr>
           <p:cNvPr id="28" name="Shape 28"/>
-          <p:cNvSpPr txBox="1">
-            <a:spLocks noGrp="1"/>
-          </p:cNvSpPr>
+          <p:cNvSpPr txBox="1"/>
           <p:nvPr>
-            <p:ph type="body" idx="1"/>
+            <p:ph idx="1" type="body"/>
           </p:nvPr>
         </p:nvSpPr>
         <p:spPr>
@@ -3185,7 +3090,7 @@
           </a:prstGeom>
         </p:spPr>
         <p:txBody>
-          <a:bodyPr lIns="91425" tIns="91425" rIns="91425" bIns="91425" anchor="t" anchorCtr="0"/>
+          <a:bodyPr anchorCtr="0" anchor="t" bIns="91425" lIns="91425" rIns="91425" tIns="91425"/>
           <a:lstStyle>
             <a:lvl1pPr lvl="0">
               <a:spcBef>
@@ -3242,19 +3147,15 @@
               <a:defRPr/>
             </a:lvl9pPr>
           </a:lstStyle>
-          <a:p>
-            <a:endParaRPr/>
-          </a:p>
+          <a:p/>
         </p:txBody>
       </p:sp>
       <p:sp>
         <p:nvSpPr>
           <p:cNvPr id="29" name="Shape 29"/>
-          <p:cNvSpPr txBox="1">
-            <a:spLocks noGrp="1"/>
-          </p:cNvSpPr>
+          <p:cNvSpPr txBox="1"/>
           <p:nvPr>
-            <p:ph type="sldNum" idx="12"/>
+            <p:ph idx="12" type="sldNum"/>
           </p:nvPr>
         </p:nvSpPr>
         <p:spPr>
@@ -3267,7 +3168,7 @@
           </a:prstGeom>
         </p:spPr>
         <p:txBody>
-          <a:bodyPr lIns="91425" tIns="91425" rIns="91425" bIns="91425" anchor="ctr" anchorCtr="0">
+          <a:bodyPr anchorCtr="0" anchor="ctr" bIns="91425" lIns="91425" rIns="91425" tIns="91425">
             <a:noAutofit/>
           </a:bodyPr>
           <a:lstStyle/>
@@ -3282,7 +3183,6 @@
               <a:rPr lang="en"/>
               <a:t>‹#›</a:t>
             </a:fld>
-            <a:endParaRPr lang="en"/>
           </a:p>
         </p:txBody>
       </p:sp>
@@ -3295,11 +3195,11 @@
 </file>
 
 <file path=ppt/slideLayouts/slideLayout4.xml><?xml version="1.0" encoding="utf-8"?>
-<p:sldLayout xmlns:a="http://schemas.openxmlformats.org/drawingml/2006/main" xmlns:r="http://schemas.openxmlformats.org/officeDocument/2006/relationships" xmlns:p="http://schemas.openxmlformats.org/presentationml/2006/main" type="twoColTx">
+<p:sldLayout xmlns:a="http://schemas.openxmlformats.org/drawingml/2006/main" xmlns:r="http://schemas.openxmlformats.org/officeDocument/2006/relationships" xmlns:mc="http://schemas.openxmlformats.org/markup-compatibility/2006" xmlns:mv="urn:schemas-microsoft-com:mac:vml" xmlns:p="http://schemas.openxmlformats.org/presentationml/2006/main" xmlns:c="http://schemas.openxmlformats.org/drawingml/2006/chart" xmlns:dgm="http://schemas.openxmlformats.org/drawingml/2006/diagram" xmlns:o="urn:schemas-microsoft-com:office:office" xmlns:v="urn:schemas-microsoft-com:vml" xmlns:pvml="urn:schemas-microsoft-com:office:powerpoint" xmlns:com="http://schemas.openxmlformats.org/drawingml/2006/compatibility" xmlns:p14="http://schemas.microsoft.com/office/powerpoint/2010/main" type="twoColTx">
   <p:cSld name="Title and two columns">
     <p:spTree>
       <p:nvGrpSpPr>
-        <p:cNvPr id="1" name="Shape 30"/>
+        <p:cNvPr id="30" name="Shape 30"/>
         <p:cNvGrpSpPr/>
         <p:nvPr/>
       </p:nvGrpSpPr>
@@ -3314,9 +3214,7 @@
       <p:sp>
         <p:nvSpPr>
           <p:cNvPr id="31" name="Shape 31"/>
-          <p:cNvSpPr txBox="1">
-            <a:spLocks noGrp="1"/>
-          </p:cNvSpPr>
+          <p:cNvSpPr txBox="1"/>
           <p:nvPr>
             <p:ph type="title"/>
           </p:nvPr>
@@ -3331,7 +3229,7 @@
           </a:prstGeom>
         </p:spPr>
         <p:txBody>
-          <a:bodyPr lIns="91425" tIns="91425" rIns="91425" bIns="91425" anchor="t" anchorCtr="0"/>
+          <a:bodyPr anchorCtr="0" anchor="t" bIns="91425" lIns="91425" rIns="91425" tIns="91425"/>
           <a:lstStyle>
             <a:lvl1pPr lvl="0">
               <a:spcBef>
@@ -3388,19 +3286,15 @@
               <a:defRPr/>
             </a:lvl9pPr>
           </a:lstStyle>
-          <a:p>
-            <a:endParaRPr/>
-          </a:p>
+          <a:p/>
         </p:txBody>
       </p:sp>
       <p:sp>
         <p:nvSpPr>
           <p:cNvPr id="32" name="Shape 32"/>
-          <p:cNvSpPr txBox="1">
-            <a:spLocks noGrp="1"/>
-          </p:cNvSpPr>
+          <p:cNvSpPr txBox="1"/>
           <p:nvPr>
-            <p:ph type="body" idx="1"/>
+            <p:ph idx="1" type="body"/>
           </p:nvPr>
         </p:nvSpPr>
         <p:spPr>
@@ -3413,7 +3307,7 @@
           </a:prstGeom>
         </p:spPr>
         <p:txBody>
-          <a:bodyPr lIns="91425" tIns="91425" rIns="91425" bIns="91425" anchor="t" anchorCtr="0"/>
+          <a:bodyPr anchorCtr="0" anchor="t" bIns="91425" lIns="91425" rIns="91425" tIns="91425"/>
           <a:lstStyle>
             <a:lvl1pPr lvl="0">
               <a:spcBef>
@@ -3479,19 +3373,15 @@
               <a:defRPr sz="1200"/>
             </a:lvl9pPr>
           </a:lstStyle>
-          <a:p>
-            <a:endParaRPr/>
-          </a:p>
+          <a:p/>
         </p:txBody>
       </p:sp>
       <p:sp>
         <p:nvSpPr>
           <p:cNvPr id="33" name="Shape 33"/>
-          <p:cNvSpPr txBox="1">
-            <a:spLocks noGrp="1"/>
-          </p:cNvSpPr>
+          <p:cNvSpPr txBox="1"/>
           <p:nvPr>
-            <p:ph type="body" idx="2"/>
+            <p:ph idx="2" type="body"/>
           </p:nvPr>
         </p:nvSpPr>
         <p:spPr>
@@ -3504,7 +3394,7 @@
           </a:prstGeom>
         </p:spPr>
         <p:txBody>
-          <a:bodyPr lIns="91425" tIns="91425" rIns="91425" bIns="91425" anchor="t" anchorCtr="0"/>
+          <a:bodyPr anchorCtr="0" anchor="t" bIns="91425" lIns="91425" rIns="91425" tIns="91425"/>
           <a:lstStyle>
             <a:lvl1pPr lvl="0">
               <a:spcBef>
@@ -3570,19 +3460,15 @@
               <a:defRPr sz="1200"/>
             </a:lvl9pPr>
           </a:lstStyle>
-          <a:p>
-            <a:endParaRPr/>
-          </a:p>
+          <a:p/>
         </p:txBody>
       </p:sp>
       <p:sp>
         <p:nvSpPr>
           <p:cNvPr id="34" name="Shape 34"/>
-          <p:cNvSpPr txBox="1">
-            <a:spLocks noGrp="1"/>
-          </p:cNvSpPr>
+          <p:cNvSpPr txBox="1"/>
           <p:nvPr>
-            <p:ph type="sldNum" idx="12"/>
+            <p:ph idx="12" type="sldNum"/>
           </p:nvPr>
         </p:nvSpPr>
         <p:spPr>
@@ -3595,7 +3481,7 @@
           </a:prstGeom>
         </p:spPr>
         <p:txBody>
-          <a:bodyPr lIns="91425" tIns="91425" rIns="91425" bIns="91425" anchor="ctr" anchorCtr="0">
+          <a:bodyPr anchorCtr="0" anchor="ctr" bIns="91425" lIns="91425" rIns="91425" tIns="91425">
             <a:noAutofit/>
           </a:bodyPr>
           <a:lstStyle/>
@@ -3610,7 +3496,6 @@
               <a:rPr lang="en"/>
               <a:t>‹#›</a:t>
             </a:fld>
-            <a:endParaRPr lang="en"/>
           </a:p>
         </p:txBody>
       </p:sp>
@@ -3623,11 +3508,11 @@
 </file>
 
 <file path=ppt/slideLayouts/slideLayout5.xml><?xml version="1.0" encoding="utf-8"?>
-<p:sldLayout xmlns:a="http://schemas.openxmlformats.org/drawingml/2006/main" xmlns:r="http://schemas.openxmlformats.org/officeDocument/2006/relationships" xmlns:p="http://schemas.openxmlformats.org/presentationml/2006/main" type="titleOnly">
+<p:sldLayout xmlns:a="http://schemas.openxmlformats.org/drawingml/2006/main" xmlns:r="http://schemas.openxmlformats.org/officeDocument/2006/relationships" xmlns:mc="http://schemas.openxmlformats.org/markup-compatibility/2006" xmlns:mv="urn:schemas-microsoft-com:mac:vml" xmlns:p="http://schemas.openxmlformats.org/presentationml/2006/main" xmlns:c="http://schemas.openxmlformats.org/drawingml/2006/chart" xmlns:dgm="http://schemas.openxmlformats.org/drawingml/2006/diagram" xmlns:o="urn:schemas-microsoft-com:office:office" xmlns:v="urn:schemas-microsoft-com:vml" xmlns:pvml="urn:schemas-microsoft-com:office:powerpoint" xmlns:com="http://schemas.openxmlformats.org/drawingml/2006/compatibility" xmlns:p14="http://schemas.microsoft.com/office/powerpoint/2010/main" type="titleOnly">
   <p:cSld name="Title only">
     <p:spTree>
       <p:nvGrpSpPr>
-        <p:cNvPr id="1" name="Shape 35"/>
+        <p:cNvPr id="35" name="Shape 35"/>
         <p:cNvGrpSpPr/>
         <p:nvPr/>
       </p:nvGrpSpPr>
@@ -3642,9 +3527,7 @@
       <p:sp>
         <p:nvSpPr>
           <p:cNvPr id="36" name="Shape 36"/>
-          <p:cNvSpPr txBox="1">
-            <a:spLocks noGrp="1"/>
-          </p:cNvSpPr>
+          <p:cNvSpPr txBox="1"/>
           <p:nvPr>
             <p:ph type="title"/>
           </p:nvPr>
@@ -3659,7 +3542,7 @@
           </a:prstGeom>
         </p:spPr>
         <p:txBody>
-          <a:bodyPr lIns="91425" tIns="91425" rIns="91425" bIns="91425" anchor="t" anchorCtr="0"/>
+          <a:bodyPr anchorCtr="0" anchor="t" bIns="91425" lIns="91425" rIns="91425" tIns="91425"/>
           <a:lstStyle>
             <a:lvl1pPr lvl="0">
               <a:spcBef>
@@ -3716,19 +3599,15 @@
               <a:defRPr/>
             </a:lvl9pPr>
           </a:lstStyle>
-          <a:p>
-            <a:endParaRPr/>
-          </a:p>
+          <a:p/>
         </p:txBody>
       </p:sp>
       <p:sp>
         <p:nvSpPr>
           <p:cNvPr id="37" name="Shape 37"/>
-          <p:cNvSpPr txBox="1">
-            <a:spLocks noGrp="1"/>
-          </p:cNvSpPr>
+          <p:cNvSpPr txBox="1"/>
           <p:nvPr>
-            <p:ph type="sldNum" idx="12"/>
+            <p:ph idx="12" type="sldNum"/>
           </p:nvPr>
         </p:nvSpPr>
         <p:spPr>
@@ -3741,7 +3620,7 @@
           </a:prstGeom>
         </p:spPr>
         <p:txBody>
-          <a:bodyPr lIns="91425" tIns="91425" rIns="91425" bIns="91425" anchor="ctr" anchorCtr="0">
+          <a:bodyPr anchorCtr="0" anchor="ctr" bIns="91425" lIns="91425" rIns="91425" tIns="91425">
             <a:noAutofit/>
           </a:bodyPr>
           <a:lstStyle/>
@@ -3756,7 +3635,6 @@
               <a:rPr lang="en"/>
               <a:t>‹#›</a:t>
             </a:fld>
-            <a:endParaRPr lang="en"/>
           </a:p>
         </p:txBody>
       </p:sp>
@@ -3769,11 +3647,11 @@
 </file>
 
 <file path=ppt/slideLayouts/slideLayout6.xml><?xml version="1.0" encoding="utf-8"?>
-<p:sldLayout xmlns:a="http://schemas.openxmlformats.org/drawingml/2006/main" xmlns:r="http://schemas.openxmlformats.org/officeDocument/2006/relationships" xmlns:p="http://schemas.openxmlformats.org/presentationml/2006/main">
+<p:sldLayout xmlns:a="http://schemas.openxmlformats.org/drawingml/2006/main" xmlns:r="http://schemas.openxmlformats.org/officeDocument/2006/relationships" xmlns:mc="http://schemas.openxmlformats.org/markup-compatibility/2006" xmlns:mv="urn:schemas-microsoft-com:mac:vml" xmlns:p="http://schemas.openxmlformats.org/presentationml/2006/main" xmlns:c="http://schemas.openxmlformats.org/drawingml/2006/chart" xmlns:dgm="http://schemas.openxmlformats.org/drawingml/2006/diagram" xmlns:o="urn:schemas-microsoft-com:office:office" xmlns:v="urn:schemas-microsoft-com:vml" xmlns:pvml="urn:schemas-microsoft-com:office:powerpoint" xmlns:com="http://schemas.openxmlformats.org/drawingml/2006/compatibility" xmlns:p14="http://schemas.microsoft.com/office/powerpoint/2010/main">
   <p:cSld name="One column text">
     <p:spTree>
       <p:nvGrpSpPr>
-        <p:cNvPr id="1" name="Shape 38"/>
+        <p:cNvPr id="38" name="Shape 38"/>
         <p:cNvGrpSpPr/>
         <p:nvPr/>
       </p:nvGrpSpPr>
@@ -3788,9 +3666,7 @@
       <p:sp>
         <p:nvSpPr>
           <p:cNvPr id="39" name="Shape 39"/>
-          <p:cNvSpPr txBox="1">
-            <a:spLocks noGrp="1"/>
-          </p:cNvSpPr>
+          <p:cNvSpPr txBox="1"/>
           <p:nvPr>
             <p:ph type="title"/>
           </p:nvPr>
@@ -3805,7 +3681,7 @@
           </a:prstGeom>
         </p:spPr>
         <p:txBody>
-          <a:bodyPr lIns="91425" tIns="91425" rIns="91425" bIns="91425" anchor="b" anchorCtr="0"/>
+          <a:bodyPr anchorCtr="0" anchor="b" bIns="91425" lIns="91425" rIns="91425" tIns="91425"/>
           <a:lstStyle>
             <a:lvl1pPr lvl="0">
               <a:spcBef>
@@ -3871,19 +3747,15 @@
               <a:defRPr sz="2400"/>
             </a:lvl9pPr>
           </a:lstStyle>
-          <a:p>
-            <a:endParaRPr/>
-          </a:p>
+          <a:p/>
         </p:txBody>
       </p:sp>
       <p:sp>
         <p:nvSpPr>
           <p:cNvPr id="40" name="Shape 40"/>
-          <p:cNvSpPr txBox="1">
-            <a:spLocks noGrp="1"/>
-          </p:cNvSpPr>
+          <p:cNvSpPr txBox="1"/>
           <p:nvPr>
-            <p:ph type="body" idx="1"/>
+            <p:ph idx="1" type="body"/>
           </p:nvPr>
         </p:nvSpPr>
         <p:spPr>
@@ -3896,7 +3768,7 @@
           </a:prstGeom>
         </p:spPr>
         <p:txBody>
-          <a:bodyPr lIns="91425" tIns="91425" rIns="91425" bIns="91425" anchor="t" anchorCtr="0"/>
+          <a:bodyPr anchorCtr="0" anchor="t" bIns="91425" lIns="91425" rIns="91425" tIns="91425"/>
           <a:lstStyle>
             <a:lvl1pPr lvl="0">
               <a:spcBef>
@@ -3962,19 +3834,15 @@
               <a:defRPr sz="1200"/>
             </a:lvl9pPr>
           </a:lstStyle>
-          <a:p>
-            <a:endParaRPr/>
-          </a:p>
+          <a:p/>
         </p:txBody>
       </p:sp>
       <p:sp>
         <p:nvSpPr>
           <p:cNvPr id="41" name="Shape 41"/>
-          <p:cNvSpPr txBox="1">
-            <a:spLocks noGrp="1"/>
-          </p:cNvSpPr>
+          <p:cNvSpPr txBox="1"/>
           <p:nvPr>
-            <p:ph type="sldNum" idx="12"/>
+            <p:ph idx="12" type="sldNum"/>
           </p:nvPr>
         </p:nvSpPr>
         <p:spPr>
@@ -3987,7 +3855,7 @@
           </a:prstGeom>
         </p:spPr>
         <p:txBody>
-          <a:bodyPr lIns="91425" tIns="91425" rIns="91425" bIns="91425" anchor="ctr" anchorCtr="0">
+          <a:bodyPr anchorCtr="0" anchor="ctr" bIns="91425" lIns="91425" rIns="91425" tIns="91425">
             <a:noAutofit/>
           </a:bodyPr>
           <a:lstStyle/>
@@ -4002,7 +3870,6 @@
               <a:rPr lang="en"/>
               <a:t>‹#›</a:t>
             </a:fld>
-            <a:endParaRPr lang="en"/>
           </a:p>
         </p:txBody>
       </p:sp>
@@ -4015,19 +3882,18 @@
 </file>
 
 <file path=ppt/slideLayouts/slideLayout7.xml><?xml version="1.0" encoding="utf-8"?>
-<p:sldLayout xmlns:a="http://schemas.openxmlformats.org/drawingml/2006/main" xmlns:r="http://schemas.openxmlformats.org/officeDocument/2006/relationships" xmlns:p="http://schemas.openxmlformats.org/presentationml/2006/main">
+<p:sldLayout xmlns:a="http://schemas.openxmlformats.org/drawingml/2006/main" xmlns:r="http://schemas.openxmlformats.org/officeDocument/2006/relationships" xmlns:mc="http://schemas.openxmlformats.org/markup-compatibility/2006" xmlns:mv="urn:schemas-microsoft-com:mac:vml" xmlns:p="http://schemas.openxmlformats.org/presentationml/2006/main" xmlns:c="http://schemas.openxmlformats.org/drawingml/2006/chart" xmlns:dgm="http://schemas.openxmlformats.org/drawingml/2006/diagram" xmlns:o="urn:schemas-microsoft-com:office:office" xmlns:v="urn:schemas-microsoft-com:vml" xmlns:pvml="urn:schemas-microsoft-com:office:powerpoint" xmlns:com="http://schemas.openxmlformats.org/drawingml/2006/compatibility" xmlns:p14="http://schemas.microsoft.com/office/powerpoint/2010/main">
   <p:cSld name="Main point">
     <p:bg>
       <p:bgPr>
         <a:solidFill>
           <a:schemeClr val="accent6"/>
         </a:solidFill>
-        <a:effectLst/>
       </p:bgPr>
     </p:bg>
     <p:spTree>
       <p:nvGrpSpPr>
-        <p:cNvPr id="1" name="Shape 42"/>
+        <p:cNvPr id="42" name="Shape 42"/>
         <p:cNvGrpSpPr/>
         <p:nvPr/>
       </p:nvGrpSpPr>
@@ -4042,9 +3908,7 @@
       <p:sp>
         <p:nvSpPr>
           <p:cNvPr id="43" name="Shape 43"/>
-          <p:cNvSpPr txBox="1">
-            <a:spLocks noGrp="1"/>
-          </p:cNvSpPr>
+          <p:cNvSpPr txBox="1"/>
           <p:nvPr>
             <p:ph type="title"/>
           </p:nvPr>
@@ -4059,7 +3923,7 @@
           </a:prstGeom>
         </p:spPr>
         <p:txBody>
-          <a:bodyPr lIns="91425" tIns="91425" rIns="91425" bIns="91425" anchor="ctr" anchorCtr="0"/>
+          <a:bodyPr anchorCtr="0" anchor="ctr" bIns="91425" lIns="91425" rIns="91425" tIns="91425"/>
           <a:lstStyle>
             <a:lvl1pPr lvl="0">
               <a:spcBef>
@@ -4069,7 +3933,7 @@
                 <a:schemeClr val="dk2"/>
               </a:buClr>
               <a:buSzPct val="100000"/>
-              <a:defRPr sz="5400" b="0">
+              <a:defRPr b="0" sz="5400">
                 <a:solidFill>
                   <a:schemeClr val="dk2"/>
                 </a:solidFill>
@@ -4083,7 +3947,7 @@
                 <a:schemeClr val="dk2"/>
               </a:buClr>
               <a:buSzPct val="100000"/>
-              <a:defRPr sz="5400" b="0">
+              <a:defRPr b="0" sz="5400">
                 <a:solidFill>
                   <a:schemeClr val="dk2"/>
                 </a:solidFill>
@@ -4097,7 +3961,7 @@
                 <a:schemeClr val="dk2"/>
               </a:buClr>
               <a:buSzPct val="100000"/>
-              <a:defRPr sz="5400" b="0">
+              <a:defRPr b="0" sz="5400">
                 <a:solidFill>
                   <a:schemeClr val="dk2"/>
                 </a:solidFill>
@@ -4111,7 +3975,7 @@
                 <a:schemeClr val="dk2"/>
               </a:buClr>
               <a:buSzPct val="100000"/>
-              <a:defRPr sz="5400" b="0">
+              <a:defRPr b="0" sz="5400">
                 <a:solidFill>
                   <a:schemeClr val="dk2"/>
                 </a:solidFill>
@@ -4125,7 +3989,7 @@
                 <a:schemeClr val="dk2"/>
               </a:buClr>
               <a:buSzPct val="100000"/>
-              <a:defRPr sz="5400" b="0">
+              <a:defRPr b="0" sz="5400">
                 <a:solidFill>
                   <a:schemeClr val="dk2"/>
                 </a:solidFill>
@@ -4139,7 +4003,7 @@
                 <a:schemeClr val="dk2"/>
               </a:buClr>
               <a:buSzPct val="100000"/>
-              <a:defRPr sz="5400" b="0">
+              <a:defRPr b="0" sz="5400">
                 <a:solidFill>
                   <a:schemeClr val="dk2"/>
                 </a:solidFill>
@@ -4153,7 +4017,7 @@
                 <a:schemeClr val="dk2"/>
               </a:buClr>
               <a:buSzPct val="100000"/>
-              <a:defRPr sz="5400" b="0">
+              <a:defRPr b="0" sz="5400">
                 <a:solidFill>
                   <a:schemeClr val="dk2"/>
                 </a:solidFill>
@@ -4167,7 +4031,7 @@
                 <a:schemeClr val="dk2"/>
               </a:buClr>
               <a:buSzPct val="100000"/>
-              <a:defRPr sz="5400" b="0">
+              <a:defRPr b="0" sz="5400">
                 <a:solidFill>
                   <a:schemeClr val="dk2"/>
                 </a:solidFill>
@@ -4181,26 +4045,22 @@
                 <a:schemeClr val="dk2"/>
               </a:buClr>
               <a:buSzPct val="100000"/>
-              <a:defRPr sz="5400" b="0">
+              <a:defRPr b="0" sz="5400">
                 <a:solidFill>
                   <a:schemeClr val="dk2"/>
                 </a:solidFill>
               </a:defRPr>
             </a:lvl9pPr>
           </a:lstStyle>
-          <a:p>
-            <a:endParaRPr/>
-          </a:p>
+          <a:p/>
         </p:txBody>
       </p:sp>
       <p:sp>
         <p:nvSpPr>
           <p:cNvPr id="44" name="Shape 44"/>
-          <p:cNvSpPr txBox="1">
-            <a:spLocks noGrp="1"/>
-          </p:cNvSpPr>
+          <p:cNvSpPr txBox="1"/>
           <p:nvPr>
-            <p:ph type="sldNum" idx="12"/>
+            <p:ph idx="12" type="sldNum"/>
           </p:nvPr>
         </p:nvSpPr>
         <p:spPr>
@@ -4213,7 +4073,7 @@
           </a:prstGeom>
         </p:spPr>
         <p:txBody>
-          <a:bodyPr lIns="91425" tIns="91425" rIns="91425" bIns="91425" anchor="ctr" anchorCtr="0">
+          <a:bodyPr anchorCtr="0" anchor="ctr" bIns="91425" lIns="91425" rIns="91425" tIns="91425">
             <a:noAutofit/>
           </a:bodyPr>
           <a:lstStyle/>
@@ -4228,7 +4088,6 @@
               <a:rPr lang="en"/>
               <a:t>‹#›</a:t>
             </a:fld>
-            <a:endParaRPr lang="en"/>
           </a:p>
         </p:txBody>
       </p:sp>
@@ -4241,11 +4100,11 @@
 </file>
 
 <file path=ppt/slideLayouts/slideLayout8.xml><?xml version="1.0" encoding="utf-8"?>
-<p:sldLayout xmlns:a="http://schemas.openxmlformats.org/drawingml/2006/main" xmlns:r="http://schemas.openxmlformats.org/officeDocument/2006/relationships" xmlns:p="http://schemas.openxmlformats.org/presentationml/2006/main">
+<p:sldLayout xmlns:a="http://schemas.openxmlformats.org/drawingml/2006/main" xmlns:r="http://schemas.openxmlformats.org/officeDocument/2006/relationships" xmlns:mc="http://schemas.openxmlformats.org/markup-compatibility/2006" xmlns:mv="urn:schemas-microsoft-com:mac:vml" xmlns:p="http://schemas.openxmlformats.org/presentationml/2006/main" xmlns:c="http://schemas.openxmlformats.org/drawingml/2006/chart" xmlns:dgm="http://schemas.openxmlformats.org/drawingml/2006/diagram" xmlns:o="urn:schemas-microsoft-com:office:office" xmlns:v="urn:schemas-microsoft-com:vml" xmlns:pvml="urn:schemas-microsoft-com:office:powerpoint" xmlns:com="http://schemas.openxmlformats.org/drawingml/2006/compatibility" xmlns:p14="http://schemas.microsoft.com/office/powerpoint/2010/main">
   <p:cSld name="Section title and description">
     <p:spTree>
       <p:nvGrpSpPr>
-        <p:cNvPr id="1" name="Shape 45"/>
+        <p:cNvPr id="45" name="Shape 45"/>
         <p:cNvGrpSpPr/>
         <p:nvPr/>
       </p:nvGrpSpPr>
@@ -4279,7 +4138,7 @@
           </a:ln>
         </p:spPr>
         <p:txBody>
-          <a:bodyPr lIns="91425" tIns="91425" rIns="91425" bIns="91425" anchor="ctr" anchorCtr="0">
+          <a:bodyPr anchorCtr="0" anchor="ctr" bIns="91425" lIns="91425" rIns="91425" tIns="91425">
             <a:noAutofit/>
           </a:bodyPr>
           <a:lstStyle/>
@@ -4290,6 +4149,9 @@
               </a:spcBef>
               <a:buNone/>
             </a:pPr>
+            <a:r>
+              <a:t/>
+            </a:r>
             <a:endParaRPr/>
           </a:p>
         </p:txBody>
@@ -4309,23 +4171,21 @@
             <a:avLst/>
           </a:prstGeom>
           <a:noFill/>
-          <a:ln w="19050" cap="flat" cmpd="sng">
+          <a:ln cap="flat" cmpd="sng" w="19050">
             <a:solidFill>
               <a:schemeClr val="lt1"/>
             </a:solidFill>
             <a:prstDash val="solid"/>
             <a:round/>
-            <a:headEnd type="none" w="med" len="med"/>
-            <a:tailEnd type="none" w="med" len="med"/>
+            <a:headEnd len="med" w="med" type="none"/>
+            <a:tailEnd len="med" w="med" type="none"/>
           </a:ln>
         </p:spPr>
       </p:cxnSp>
       <p:sp>
         <p:nvSpPr>
           <p:cNvPr id="48" name="Shape 48"/>
-          <p:cNvSpPr txBox="1">
-            <a:spLocks noGrp="1"/>
-          </p:cNvSpPr>
+          <p:cNvSpPr txBox="1"/>
           <p:nvPr>
             <p:ph type="title"/>
           </p:nvPr>
@@ -4340,7 +4200,7 @@
           </a:prstGeom>
         </p:spPr>
         <p:txBody>
-          <a:bodyPr lIns="91425" tIns="91425" rIns="91425" bIns="91425" anchor="b" anchorCtr="0"/>
+          <a:bodyPr anchorCtr="0" anchor="b" bIns="91425" lIns="91425" rIns="91425" tIns="91425"/>
           <a:lstStyle>
             <a:lvl1pPr lvl="0" algn="ctr">
               <a:spcBef>
@@ -4406,19 +4266,15 @@
               <a:defRPr sz="4200"/>
             </a:lvl9pPr>
           </a:lstStyle>
-          <a:p>
-            <a:endParaRPr/>
-          </a:p>
+          <a:p/>
         </p:txBody>
       </p:sp>
       <p:sp>
         <p:nvSpPr>
           <p:cNvPr id="49" name="Shape 49"/>
-          <p:cNvSpPr txBox="1">
-            <a:spLocks noGrp="1"/>
-          </p:cNvSpPr>
+          <p:cNvSpPr txBox="1"/>
           <p:nvPr>
-            <p:ph type="subTitle" idx="1"/>
+            <p:ph idx="1" type="subTitle"/>
           </p:nvPr>
         </p:nvSpPr>
         <p:spPr>
@@ -4431,7 +4287,7 @@
           </a:prstGeom>
         </p:spPr>
         <p:txBody>
-          <a:bodyPr lIns="91425" tIns="91425" rIns="91425" bIns="91425" anchor="t" anchorCtr="0"/>
+          <a:bodyPr anchorCtr="0" anchor="t" bIns="91425" lIns="91425" rIns="91425" tIns="91425"/>
           <a:lstStyle>
             <a:lvl1pPr lvl="0" algn="ctr">
               <a:lnSpc>
@@ -4560,19 +4416,15 @@
               <a:defRPr sz="2100"/>
             </a:lvl9pPr>
           </a:lstStyle>
-          <a:p>
-            <a:endParaRPr/>
-          </a:p>
+          <a:p/>
         </p:txBody>
       </p:sp>
       <p:sp>
         <p:nvSpPr>
           <p:cNvPr id="50" name="Shape 50"/>
-          <p:cNvSpPr txBox="1">
-            <a:spLocks noGrp="1"/>
-          </p:cNvSpPr>
+          <p:cNvSpPr txBox="1"/>
           <p:nvPr>
-            <p:ph type="body" idx="2"/>
+            <p:ph idx="2" type="body"/>
           </p:nvPr>
         </p:nvSpPr>
         <p:spPr>
@@ -4585,7 +4437,7 @@
           </a:prstGeom>
         </p:spPr>
         <p:txBody>
-          <a:bodyPr lIns="91425" tIns="91425" rIns="91425" bIns="91425" anchor="ctr" anchorCtr="0"/>
+          <a:bodyPr anchorCtr="0" anchor="ctr" bIns="91425" lIns="91425" rIns="91425" tIns="91425"/>
           <a:lstStyle>
             <a:lvl1pPr lvl="0">
               <a:spcBef>
@@ -4705,19 +4557,15 @@
               </a:defRPr>
             </a:lvl9pPr>
           </a:lstStyle>
-          <a:p>
-            <a:endParaRPr/>
-          </a:p>
+          <a:p/>
         </p:txBody>
       </p:sp>
       <p:sp>
         <p:nvSpPr>
           <p:cNvPr id="51" name="Shape 51"/>
-          <p:cNvSpPr txBox="1">
-            <a:spLocks noGrp="1"/>
-          </p:cNvSpPr>
+          <p:cNvSpPr txBox="1"/>
           <p:nvPr>
-            <p:ph type="sldNum" idx="12"/>
+            <p:ph idx="12" type="sldNum"/>
           </p:nvPr>
         </p:nvSpPr>
         <p:spPr>
@@ -4730,7 +4578,7 @@
           </a:prstGeom>
         </p:spPr>
         <p:txBody>
-          <a:bodyPr lIns="91425" tIns="91425" rIns="91425" bIns="91425" anchor="ctr" anchorCtr="0">
+          <a:bodyPr anchorCtr="0" anchor="ctr" bIns="91425" lIns="91425" rIns="91425" tIns="91425">
             <a:noAutofit/>
           </a:bodyPr>
           <a:lstStyle/>
@@ -4749,11 +4597,6 @@
               </a:rPr>
               <a:t>‹#›</a:t>
             </a:fld>
-            <a:endParaRPr lang="en">
-              <a:solidFill>
-                <a:schemeClr val="lt1"/>
-              </a:solidFill>
-            </a:endParaRPr>
           </a:p>
         </p:txBody>
       </p:sp>
@@ -4766,11 +4609,11 @@
 </file>
 
 <file path=ppt/slideLayouts/slideLayout9.xml><?xml version="1.0" encoding="utf-8"?>
-<p:sldLayout xmlns:a="http://schemas.openxmlformats.org/drawingml/2006/main" xmlns:r="http://schemas.openxmlformats.org/officeDocument/2006/relationships" xmlns:p="http://schemas.openxmlformats.org/presentationml/2006/main">
+<p:sldLayout xmlns:a="http://schemas.openxmlformats.org/drawingml/2006/main" xmlns:r="http://schemas.openxmlformats.org/officeDocument/2006/relationships" xmlns:mc="http://schemas.openxmlformats.org/markup-compatibility/2006" xmlns:mv="urn:schemas-microsoft-com:mac:vml" xmlns:p="http://schemas.openxmlformats.org/presentationml/2006/main" xmlns:c="http://schemas.openxmlformats.org/drawingml/2006/chart" xmlns:dgm="http://schemas.openxmlformats.org/drawingml/2006/diagram" xmlns:o="urn:schemas-microsoft-com:office:office" xmlns:v="urn:schemas-microsoft-com:vml" xmlns:pvml="urn:schemas-microsoft-com:office:powerpoint" xmlns:com="http://schemas.openxmlformats.org/drawingml/2006/compatibility" xmlns:p14="http://schemas.microsoft.com/office/powerpoint/2010/main">
   <p:cSld name="Caption">
     <p:spTree>
       <p:nvGrpSpPr>
-        <p:cNvPr id="1" name="Shape 52"/>
+        <p:cNvPr id="52" name="Shape 52"/>
         <p:cNvGrpSpPr/>
         <p:nvPr/>
       </p:nvGrpSpPr>
@@ -4785,11 +4628,9 @@
       <p:sp>
         <p:nvSpPr>
           <p:cNvPr id="53" name="Shape 53"/>
-          <p:cNvSpPr txBox="1">
-            <a:spLocks noGrp="1"/>
-          </p:cNvSpPr>
+          <p:cNvSpPr txBox="1"/>
           <p:nvPr>
-            <p:ph type="body" idx="1"/>
+            <p:ph idx="1" type="body"/>
           </p:nvPr>
         </p:nvSpPr>
         <p:spPr>
@@ -4802,7 +4643,7 @@
           </a:prstGeom>
         </p:spPr>
         <p:txBody>
-          <a:bodyPr lIns="91425" tIns="91425" rIns="91425" bIns="91425" anchor="ctr" anchorCtr="0"/>
+          <a:bodyPr anchorCtr="0" anchor="ctr" bIns="91425" lIns="91425" rIns="91425" tIns="91425"/>
           <a:lstStyle>
             <a:lvl1pPr lvl="0">
               <a:lnSpc>
@@ -4825,19 +4666,15 @@
               </a:defRPr>
             </a:lvl1pPr>
           </a:lstStyle>
-          <a:p>
-            <a:endParaRPr/>
-          </a:p>
+          <a:p/>
         </p:txBody>
       </p:sp>
       <p:sp>
         <p:nvSpPr>
           <p:cNvPr id="54" name="Shape 54"/>
-          <p:cNvSpPr txBox="1">
-            <a:spLocks noGrp="1"/>
-          </p:cNvSpPr>
+          <p:cNvSpPr txBox="1"/>
           <p:nvPr>
-            <p:ph type="sldNum" idx="12"/>
+            <p:ph idx="12" type="sldNum"/>
           </p:nvPr>
         </p:nvSpPr>
         <p:spPr>
@@ -4850,7 +4687,7 @@
           </a:prstGeom>
         </p:spPr>
         <p:txBody>
-          <a:bodyPr lIns="91425" tIns="91425" rIns="91425" bIns="91425" anchor="ctr" anchorCtr="0">
+          <a:bodyPr anchorCtr="0" anchor="ctr" bIns="91425" lIns="91425" rIns="91425" tIns="91425">
             <a:noAutofit/>
           </a:bodyPr>
           <a:lstStyle/>
@@ -4865,7 +4702,6 @@
               <a:rPr lang="en"/>
               <a:t>‹#›</a:t>
             </a:fld>
-            <a:endParaRPr lang="en"/>
           </a:p>
         </p:txBody>
       </p:sp>
@@ -4878,19 +4714,18 @@
 </file>
 
 <file path=ppt/slideMasters/slideMaster1.xml><?xml version="1.0" encoding="utf-8"?>
-<p:sldMaster xmlns:a="http://schemas.openxmlformats.org/drawingml/2006/main" xmlns:r="http://schemas.openxmlformats.org/officeDocument/2006/relationships" xmlns:p="http://schemas.openxmlformats.org/presentationml/2006/main">
+<p:sldMaster xmlns:a="http://schemas.openxmlformats.org/drawingml/2006/main" xmlns:r="http://schemas.openxmlformats.org/officeDocument/2006/relationships" xmlns:mc="http://schemas.openxmlformats.org/markup-compatibility/2006" xmlns:mv="urn:schemas-microsoft-com:mac:vml" xmlns:p="http://schemas.openxmlformats.org/presentationml/2006/main" xmlns:c="http://schemas.openxmlformats.org/drawingml/2006/chart" xmlns:dgm="http://schemas.openxmlformats.org/drawingml/2006/diagram" xmlns:o="urn:schemas-microsoft-com:office:office" xmlns:v="urn:schemas-microsoft-com:vml" xmlns:pvml="urn:schemas-microsoft-com:office:powerpoint" xmlns:com="http://schemas.openxmlformats.org/drawingml/2006/compatibility" xmlns:p14="http://schemas.microsoft.com/office/powerpoint/2010/main">
   <p:cSld>
     <p:bg>
       <p:bgPr>
         <a:solidFill>
           <a:schemeClr val="lt1"/>
         </a:solidFill>
-        <a:effectLst/>
       </p:bgPr>
     </p:bg>
     <p:spTree>
       <p:nvGrpSpPr>
-        <p:cNvPr id="1" name="Shape 5"/>
+        <p:cNvPr id="5" name="Shape 5"/>
         <p:cNvGrpSpPr/>
         <p:nvPr/>
       </p:nvGrpSpPr>
@@ -4905,9 +4740,7 @@
       <p:sp>
         <p:nvSpPr>
           <p:cNvPr id="6" name="Shape 6"/>
-          <p:cNvSpPr txBox="1">
-            <a:spLocks noGrp="1"/>
-          </p:cNvSpPr>
+          <p:cNvSpPr txBox="1"/>
           <p:nvPr>
             <p:ph type="title"/>
           </p:nvPr>
@@ -4926,7 +4759,7 @@
           </a:ln>
         </p:spPr>
         <p:txBody>
-          <a:bodyPr lIns="91425" tIns="91425" rIns="91425" bIns="91425" anchor="t" anchorCtr="0"/>
+          <a:bodyPr anchorCtr="0" anchor="t" bIns="91425" lIns="91425" rIns="91425" tIns="91425"/>
           <a:lstStyle>
             <a:lvl1pPr lvl="0">
               <a:spcBef>
@@ -4938,7 +4771,7 @@
               <a:buSzPct val="100000"/>
               <a:buFont typeface="PT Sans Narrow"/>
               <a:buNone/>
-              <a:defRPr sz="3600" b="1">
+              <a:defRPr b="1" sz="3600">
                 <a:solidFill>
                   <a:schemeClr val="accent1"/>
                 </a:solidFill>
@@ -4958,7 +4791,7 @@
               <a:buSzPct val="100000"/>
               <a:buFont typeface="PT Sans Narrow"/>
               <a:buNone/>
-              <a:defRPr sz="3600" b="1">
+              <a:defRPr b="1" sz="3600">
                 <a:solidFill>
                   <a:schemeClr val="accent1"/>
                 </a:solidFill>
@@ -4978,7 +4811,7 @@
               <a:buSzPct val="100000"/>
               <a:buFont typeface="PT Sans Narrow"/>
               <a:buNone/>
-              <a:defRPr sz="3600" b="1">
+              <a:defRPr b="1" sz="3600">
                 <a:solidFill>
                   <a:schemeClr val="accent1"/>
                 </a:solidFill>
@@ -4998,7 +4831,7 @@
               <a:buSzPct val="100000"/>
               <a:buFont typeface="PT Sans Narrow"/>
               <a:buNone/>
-              <a:defRPr sz="3600" b="1">
+              <a:defRPr b="1" sz="3600">
                 <a:solidFill>
                   <a:schemeClr val="accent1"/>
                 </a:solidFill>
@@ -5018,7 +4851,7 @@
               <a:buSzPct val="100000"/>
               <a:buFont typeface="PT Sans Narrow"/>
               <a:buNone/>
-              <a:defRPr sz="3600" b="1">
+              <a:defRPr b="1" sz="3600">
                 <a:solidFill>
                   <a:schemeClr val="accent1"/>
                 </a:solidFill>
@@ -5038,7 +4871,7 @@
               <a:buSzPct val="100000"/>
               <a:buFont typeface="PT Sans Narrow"/>
               <a:buNone/>
-              <a:defRPr sz="3600" b="1">
+              <a:defRPr b="1" sz="3600">
                 <a:solidFill>
                   <a:schemeClr val="accent1"/>
                 </a:solidFill>
@@ -5058,7 +4891,7 @@
               <a:buSzPct val="100000"/>
               <a:buFont typeface="PT Sans Narrow"/>
               <a:buNone/>
-              <a:defRPr sz="3600" b="1">
+              <a:defRPr b="1" sz="3600">
                 <a:solidFill>
                   <a:schemeClr val="accent1"/>
                 </a:solidFill>
@@ -5078,7 +4911,7 @@
               <a:buSzPct val="100000"/>
               <a:buFont typeface="PT Sans Narrow"/>
               <a:buNone/>
-              <a:defRPr sz="3600" b="1">
+              <a:defRPr b="1" sz="3600">
                 <a:solidFill>
                   <a:schemeClr val="accent1"/>
                 </a:solidFill>
@@ -5098,7 +4931,7 @@
               <a:buSzPct val="100000"/>
               <a:buFont typeface="PT Sans Narrow"/>
               <a:buNone/>
-              <a:defRPr sz="3600" b="1">
+              <a:defRPr b="1" sz="3600">
                 <a:solidFill>
                   <a:schemeClr val="accent1"/>
                 </a:solidFill>
@@ -5109,19 +4942,15 @@
               </a:defRPr>
             </a:lvl9pPr>
           </a:lstStyle>
-          <a:p>
-            <a:endParaRPr/>
-          </a:p>
+          <a:p/>
         </p:txBody>
       </p:sp>
       <p:sp>
         <p:nvSpPr>
           <p:cNvPr id="7" name="Shape 7"/>
-          <p:cNvSpPr txBox="1">
-            <a:spLocks noGrp="1"/>
-          </p:cNvSpPr>
+          <p:cNvSpPr txBox="1"/>
           <p:nvPr>
-            <p:ph type="body" idx="1"/>
+            <p:ph idx="1" type="body"/>
           </p:nvPr>
         </p:nvSpPr>
         <p:spPr>
@@ -5138,7 +4967,7 @@
           </a:ln>
         </p:spPr>
         <p:txBody>
-          <a:bodyPr lIns="91425" tIns="91425" rIns="91425" bIns="91425" anchor="t" anchorCtr="0"/>
+          <a:bodyPr anchorCtr="0" anchor="t" bIns="91425" lIns="91425" rIns="91425" tIns="91425"/>
           <a:lstStyle>
             <a:lvl1pPr lvl="0">
               <a:lnSpc>
@@ -5358,19 +5187,15 @@
               </a:defRPr>
             </a:lvl9pPr>
           </a:lstStyle>
-          <a:p>
-            <a:endParaRPr/>
-          </a:p>
+          <a:p/>
         </p:txBody>
       </p:sp>
       <p:sp>
         <p:nvSpPr>
           <p:cNvPr id="8" name="Shape 8"/>
-          <p:cNvSpPr txBox="1">
-            <a:spLocks noGrp="1"/>
-          </p:cNvSpPr>
+          <p:cNvSpPr txBox="1"/>
           <p:nvPr>
-            <p:ph type="sldNum" idx="12"/>
+            <p:ph idx="12" type="sldNum"/>
           </p:nvPr>
         </p:nvSpPr>
         <p:spPr>
@@ -5387,7 +5212,7 @@
           </a:ln>
         </p:spPr>
         <p:txBody>
-          <a:bodyPr lIns="91425" tIns="91425" rIns="91425" bIns="91425" anchor="ctr" anchorCtr="0">
+          <a:bodyPr anchorCtr="0" anchor="ctr" bIns="91425" lIns="91425" rIns="91425" tIns="91425">
             <a:noAutofit/>
           </a:bodyPr>
           <a:lstStyle/>
@@ -5410,21 +5235,12 @@
               </a:rPr>
               <a:t>‹#›</a:t>
             </a:fld>
-            <a:endParaRPr lang="en" sz="1000">
-              <a:solidFill>
-                <a:schemeClr val="dk2"/>
-              </a:solidFill>
-              <a:latin typeface="Open Sans"/>
-              <a:ea typeface="Open Sans"/>
-              <a:cs typeface="Open Sans"/>
-              <a:sym typeface="Open Sans"/>
-            </a:endParaRPr>
           </a:p>
         </p:txBody>
       </p:sp>
     </p:spTree>
   </p:cSld>
-  <p:clrMap bg1="lt1" tx1="dk1" bg2="dk2" tx2="lt2" accent1="accent1" accent2="accent2" accent3="accent3" accent4="accent4" accent5="accent5" accent6="accent6" hlink="hlink" folHlink="folHlink"/>
+  <p:clrMap accent1="accent1" accent2="accent2" accent3="accent3" accent4="accent4" accent5="accent5" accent6="accent6" bg1="lt1" bg2="dk2" tx1="dk1" tx2="lt2" folHlink="folHlink" hlink="hlink"/>
   <p:sldLayoutIdLst>
     <p:sldLayoutId id="2147483648" r:id="rId1"/>
     <p:sldLayoutId id="2147483649" r:id="rId2"/>
@@ -5438,10 +5254,10 @@
     <p:sldLayoutId id="2147483657" r:id="rId10"/>
     <p:sldLayoutId id="2147483658" r:id="rId11"/>
   </p:sldLayoutIdLst>
-  <p:hf sldNum="0" hdr="0" ftr="0" dt="0"/>
+  <p:hf dt="0" ftr="0" hdr="0" sldNum="0"/>
   <p:txStyles>
     <p:titleStyle>
-      <a:defPPr marR="0" lvl="0" algn="l" rtl="0">
+      <a:defPPr lvl="0" marR="0" rtl="0" algn="l">
         <a:lnSpc>
           <a:spcPct val="100000"/>
         </a:lnSpc>
@@ -5452,7 +5268,7 @@
           <a:spcPts val="0"/>
         </a:spcAft>
       </a:defPPr>
-      <a:lvl1pPr marR="0" lvl="0" algn="l" rtl="0">
+      <a:lvl1pPr lvl="0" marR="0" rtl="0" algn="l">
         <a:lnSpc>
           <a:spcPct val="100000"/>
         </a:lnSpc>
@@ -5463,7 +5279,7 @@
           <a:spcPts val="0"/>
         </a:spcAft>
         <a:buNone/>
-        <a:defRPr sz="1400" b="0" i="0" u="none" strike="noStrike" cap="none">
+        <a:defRPr b="0" i="0" sz="1400" u="none" cap="none" strike="noStrike">
           <a:solidFill>
             <a:srgbClr val="000000"/>
           </a:solidFill>
@@ -5475,7 +5291,7 @@
       </a:lvl1pPr>
     </p:titleStyle>
     <p:bodyStyle>
-      <a:defPPr marR="0" lvl="0" algn="l" rtl="0">
+      <a:defPPr lvl="0" marR="0" rtl="0" algn="l">
         <a:lnSpc>
           <a:spcPct val="100000"/>
         </a:lnSpc>
@@ -5486,7 +5302,7 @@
           <a:spcPts val="0"/>
         </a:spcAft>
       </a:defPPr>
-      <a:lvl1pPr marR="0" lvl="0" algn="l" rtl="0">
+      <a:lvl1pPr lvl="0" marR="0" rtl="0" algn="l">
         <a:lnSpc>
           <a:spcPct val="100000"/>
         </a:lnSpc>
@@ -5497,7 +5313,7 @@
           <a:spcPts val="0"/>
         </a:spcAft>
         <a:buNone/>
-        <a:defRPr sz="1400" b="0" i="0" u="none" strike="noStrike" cap="none">
+        <a:defRPr b="0" i="0" sz="1400" u="none" cap="none" strike="noStrike">
           <a:solidFill>
             <a:srgbClr val="000000"/>
           </a:solidFill>
@@ -5507,7 +5323,7 @@
           <a:sym typeface="Arial"/>
         </a:defRPr>
       </a:lvl1pPr>
-      <a:lvl2pPr marR="0" lvl="1" algn="l" rtl="0">
+      <a:lvl2pPr lvl="1" marR="0" rtl="0" algn="l">
         <a:lnSpc>
           <a:spcPct val="100000"/>
         </a:lnSpc>
@@ -5518,7 +5334,7 @@
           <a:spcPts val="0"/>
         </a:spcAft>
         <a:buNone/>
-        <a:defRPr sz="1400" b="0" i="0" u="none" strike="noStrike" cap="none">
+        <a:defRPr b="0" i="0" sz="1400" u="none" cap="none" strike="noStrike">
           <a:solidFill>
             <a:srgbClr val="000000"/>
           </a:solidFill>
@@ -5528,7 +5344,7 @@
           <a:sym typeface="Arial"/>
         </a:defRPr>
       </a:lvl2pPr>
-      <a:lvl3pPr marR="0" lvl="2" algn="l" rtl="0">
+      <a:lvl3pPr lvl="2" marR="0" rtl="0" algn="l">
         <a:lnSpc>
           <a:spcPct val="100000"/>
         </a:lnSpc>
@@ -5539,7 +5355,7 @@
           <a:spcPts val="0"/>
         </a:spcAft>
         <a:buNone/>
-        <a:defRPr sz="1400" b="0" i="0" u="none" strike="noStrike" cap="none">
+        <a:defRPr b="0" i="0" sz="1400" u="none" cap="none" strike="noStrike">
           <a:solidFill>
             <a:srgbClr val="000000"/>
           </a:solidFill>
@@ -5549,7 +5365,7 @@
           <a:sym typeface="Arial"/>
         </a:defRPr>
       </a:lvl3pPr>
-      <a:lvl4pPr marR="0" lvl="3" algn="l" rtl="0">
+      <a:lvl4pPr lvl="3" marR="0" rtl="0" algn="l">
         <a:lnSpc>
           <a:spcPct val="100000"/>
         </a:lnSpc>
@@ -5560,7 +5376,7 @@
           <a:spcPts val="0"/>
         </a:spcAft>
         <a:buNone/>
-        <a:defRPr sz="1400" b="0" i="0" u="none" strike="noStrike" cap="none">
+        <a:defRPr b="0" i="0" sz="1400" u="none" cap="none" strike="noStrike">
           <a:solidFill>
             <a:srgbClr val="000000"/>
           </a:solidFill>
@@ -5570,7 +5386,7 @@
           <a:sym typeface="Arial"/>
         </a:defRPr>
       </a:lvl4pPr>
-      <a:lvl5pPr marR="0" lvl="4" algn="l" rtl="0">
+      <a:lvl5pPr lvl="4" marR="0" rtl="0" algn="l">
         <a:lnSpc>
           <a:spcPct val="100000"/>
         </a:lnSpc>
@@ -5581,7 +5397,7 @@
           <a:spcPts val="0"/>
         </a:spcAft>
         <a:buNone/>
-        <a:defRPr sz="1400" b="0" i="0" u="none" strike="noStrike" cap="none">
+        <a:defRPr b="0" i="0" sz="1400" u="none" cap="none" strike="noStrike">
           <a:solidFill>
             <a:srgbClr val="000000"/>
           </a:solidFill>
@@ -5591,7 +5407,7 @@
           <a:sym typeface="Arial"/>
         </a:defRPr>
       </a:lvl5pPr>
-      <a:lvl6pPr marR="0" lvl="5" algn="l" rtl="0">
+      <a:lvl6pPr lvl="5" marR="0" rtl="0" algn="l">
         <a:lnSpc>
           <a:spcPct val="100000"/>
         </a:lnSpc>
@@ -5602,7 +5418,7 @@
           <a:spcPts val="0"/>
         </a:spcAft>
         <a:buNone/>
-        <a:defRPr sz="1400" b="0" i="0" u="none" strike="noStrike" cap="none">
+        <a:defRPr b="0" i="0" sz="1400" u="none" cap="none" strike="noStrike">
           <a:solidFill>
             <a:srgbClr val="000000"/>
           </a:solidFill>
@@ -5612,7 +5428,7 @@
           <a:sym typeface="Arial"/>
         </a:defRPr>
       </a:lvl6pPr>
-      <a:lvl7pPr marR="0" lvl="6" algn="l" rtl="0">
+      <a:lvl7pPr lvl="6" marR="0" rtl="0" algn="l">
         <a:lnSpc>
           <a:spcPct val="100000"/>
         </a:lnSpc>
@@ -5623,7 +5439,7 @@
           <a:spcPts val="0"/>
         </a:spcAft>
         <a:buNone/>
-        <a:defRPr sz="1400" b="0" i="0" u="none" strike="noStrike" cap="none">
+        <a:defRPr b="0" i="0" sz="1400" u="none" cap="none" strike="noStrike">
           <a:solidFill>
             <a:srgbClr val="000000"/>
           </a:solidFill>
@@ -5633,7 +5449,7 @@
           <a:sym typeface="Arial"/>
         </a:defRPr>
       </a:lvl7pPr>
-      <a:lvl8pPr marR="0" lvl="7" algn="l" rtl="0">
+      <a:lvl8pPr lvl="7" marR="0" rtl="0" algn="l">
         <a:lnSpc>
           <a:spcPct val="100000"/>
         </a:lnSpc>
@@ -5644,7 +5460,7 @@
           <a:spcPts val="0"/>
         </a:spcAft>
         <a:buNone/>
-        <a:defRPr sz="1400" b="0" i="0" u="none" strike="noStrike" cap="none">
+        <a:defRPr b="0" i="0" sz="1400" u="none" cap="none" strike="noStrike">
           <a:solidFill>
             <a:srgbClr val="000000"/>
           </a:solidFill>
@@ -5654,7 +5470,7 @@
           <a:sym typeface="Arial"/>
         </a:defRPr>
       </a:lvl8pPr>
-      <a:lvl9pPr marR="0" lvl="8" algn="l" rtl="0">
+      <a:lvl9pPr lvl="8" marR="0" rtl="0" algn="l">
         <a:lnSpc>
           <a:spcPct val="100000"/>
         </a:lnSpc>
@@ -5665,7 +5481,7 @@
           <a:spcPts val="0"/>
         </a:spcAft>
         <a:buNone/>
-        <a:defRPr sz="1400" b="0" i="0" u="none" strike="noStrike" cap="none">
+        <a:defRPr b="0" i="0" sz="1400" u="none" cap="none" strike="noStrike">
           <a:solidFill>
             <a:srgbClr val="000000"/>
           </a:solidFill>
@@ -5677,7 +5493,7 @@
       </a:lvl9pPr>
     </p:bodyStyle>
     <p:otherStyle>
-      <a:defPPr marR="0" lvl="0" algn="l" rtl="0">
+      <a:defPPr lvl="0" marR="0" rtl="0" algn="l">
         <a:lnSpc>
           <a:spcPct val="100000"/>
         </a:lnSpc>
@@ -5688,7 +5504,7 @@
           <a:spcPts val="0"/>
         </a:spcAft>
       </a:defPPr>
-      <a:lvl1pPr marR="0" lvl="0" algn="l" rtl="0">
+      <a:lvl1pPr lvl="0" marR="0" rtl="0" algn="l">
         <a:lnSpc>
           <a:spcPct val="100000"/>
         </a:lnSpc>
@@ -5699,7 +5515,7 @@
           <a:spcPts val="0"/>
         </a:spcAft>
         <a:buNone/>
-        <a:defRPr sz="1400" b="0" i="0" u="none" strike="noStrike" cap="none">
+        <a:defRPr b="0" i="0" sz="1400" u="none" cap="none" strike="noStrike">
           <a:solidFill>
             <a:srgbClr val="000000"/>
           </a:solidFill>
@@ -5709,7 +5525,7 @@
           <a:sym typeface="Arial"/>
         </a:defRPr>
       </a:lvl1pPr>
-      <a:lvl2pPr marR="0" lvl="1" algn="l" rtl="0">
+      <a:lvl2pPr lvl="1" marR="0" rtl="0" algn="l">
         <a:lnSpc>
           <a:spcPct val="100000"/>
         </a:lnSpc>
@@ -5720,7 +5536,7 @@
           <a:spcPts val="0"/>
         </a:spcAft>
         <a:buNone/>
-        <a:defRPr sz="1400" b="0" i="0" u="none" strike="noStrike" cap="none">
+        <a:defRPr b="0" i="0" sz="1400" u="none" cap="none" strike="noStrike">
           <a:solidFill>
             <a:srgbClr val="000000"/>
           </a:solidFill>
@@ -5730,7 +5546,7 @@
           <a:sym typeface="Arial"/>
         </a:defRPr>
       </a:lvl2pPr>
-      <a:lvl3pPr marR="0" lvl="2" algn="l" rtl="0">
+      <a:lvl3pPr lvl="2" marR="0" rtl="0" algn="l">
         <a:lnSpc>
           <a:spcPct val="100000"/>
         </a:lnSpc>
@@ -5741,7 +5557,7 @@
           <a:spcPts val="0"/>
         </a:spcAft>
         <a:buNone/>
-        <a:defRPr sz="1400" b="0" i="0" u="none" strike="noStrike" cap="none">
+        <a:defRPr b="0" i="0" sz="1400" u="none" cap="none" strike="noStrike">
           <a:solidFill>
             <a:srgbClr val="000000"/>
           </a:solidFill>
@@ -5751,7 +5567,7 @@
           <a:sym typeface="Arial"/>
         </a:defRPr>
       </a:lvl3pPr>
-      <a:lvl4pPr marR="0" lvl="3" algn="l" rtl="0">
+      <a:lvl4pPr lvl="3" marR="0" rtl="0" algn="l">
         <a:lnSpc>
           <a:spcPct val="100000"/>
         </a:lnSpc>
@@ -5762,7 +5578,7 @@
           <a:spcPts val="0"/>
         </a:spcAft>
         <a:buNone/>
-        <a:defRPr sz="1400" b="0" i="0" u="none" strike="noStrike" cap="none">
+        <a:defRPr b="0" i="0" sz="1400" u="none" cap="none" strike="noStrike">
           <a:solidFill>
             <a:srgbClr val="000000"/>
           </a:solidFill>
@@ -5772,7 +5588,7 @@
           <a:sym typeface="Arial"/>
         </a:defRPr>
       </a:lvl4pPr>
-      <a:lvl5pPr marR="0" lvl="4" algn="l" rtl="0">
+      <a:lvl5pPr lvl="4" marR="0" rtl="0" algn="l">
         <a:lnSpc>
           <a:spcPct val="100000"/>
         </a:lnSpc>
@@ -5783,7 +5599,7 @@
           <a:spcPts val="0"/>
         </a:spcAft>
         <a:buNone/>
-        <a:defRPr sz="1400" b="0" i="0" u="none" strike="noStrike" cap="none">
+        <a:defRPr b="0" i="0" sz="1400" u="none" cap="none" strike="noStrike">
           <a:solidFill>
             <a:srgbClr val="000000"/>
           </a:solidFill>
@@ -5793,7 +5609,7 @@
           <a:sym typeface="Arial"/>
         </a:defRPr>
       </a:lvl5pPr>
-      <a:lvl6pPr marR="0" lvl="5" algn="l" rtl="0">
+      <a:lvl6pPr lvl="5" marR="0" rtl="0" algn="l">
         <a:lnSpc>
           <a:spcPct val="100000"/>
         </a:lnSpc>
@@ -5804,7 +5620,7 @@
           <a:spcPts val="0"/>
         </a:spcAft>
         <a:buNone/>
-        <a:defRPr sz="1400" b="0" i="0" u="none" strike="noStrike" cap="none">
+        <a:defRPr b="0" i="0" sz="1400" u="none" cap="none" strike="noStrike">
           <a:solidFill>
             <a:srgbClr val="000000"/>
           </a:solidFill>
@@ -5814,7 +5630,7 @@
           <a:sym typeface="Arial"/>
         </a:defRPr>
       </a:lvl6pPr>
-      <a:lvl7pPr marR="0" lvl="6" algn="l" rtl="0">
+      <a:lvl7pPr lvl="6" marR="0" rtl="0" algn="l">
         <a:lnSpc>
           <a:spcPct val="100000"/>
         </a:lnSpc>
@@ -5825,7 +5641,7 @@
           <a:spcPts val="0"/>
         </a:spcAft>
         <a:buNone/>
-        <a:defRPr sz="1400" b="0" i="0" u="none" strike="noStrike" cap="none">
+        <a:defRPr b="0" i="0" sz="1400" u="none" cap="none" strike="noStrike">
           <a:solidFill>
             <a:srgbClr val="000000"/>
           </a:solidFill>
@@ -5835,7 +5651,7 @@
           <a:sym typeface="Arial"/>
         </a:defRPr>
       </a:lvl7pPr>
-      <a:lvl8pPr marR="0" lvl="7" algn="l" rtl="0">
+      <a:lvl8pPr lvl="7" marR="0" rtl="0" algn="l">
         <a:lnSpc>
           <a:spcPct val="100000"/>
         </a:lnSpc>
@@ -5846,7 +5662,7 @@
           <a:spcPts val="0"/>
         </a:spcAft>
         <a:buNone/>
-        <a:defRPr sz="1400" b="0" i="0" u="none" strike="noStrike" cap="none">
+        <a:defRPr b="0" i="0" sz="1400" u="none" cap="none" strike="noStrike">
           <a:solidFill>
             <a:srgbClr val="000000"/>
           </a:solidFill>
@@ -5856,7 +5672,7 @@
           <a:sym typeface="Arial"/>
         </a:defRPr>
       </a:lvl8pPr>
-      <a:lvl9pPr marR="0" lvl="8" algn="l" rtl="0">
+      <a:lvl9pPr lvl="8" marR="0" rtl="0" algn="l">
         <a:lnSpc>
           <a:spcPct val="100000"/>
         </a:lnSpc>
@@ -5867,7 +5683,7 @@
           <a:spcPts val="0"/>
         </a:spcAft>
         <a:buNone/>
-        <a:defRPr sz="1400" b="0" i="0" u="none" strike="noStrike" cap="none">
+        <a:defRPr b="0" i="0" sz="1400" u="none" cap="none" strike="noStrike">
           <a:solidFill>
             <a:srgbClr val="000000"/>
           </a:solidFill>
@@ -5883,11 +5699,11 @@
 </file>
 
 <file path=ppt/slides/slide1.xml><?xml version="1.0" encoding="utf-8"?>
-<p:sld xmlns:a="http://schemas.openxmlformats.org/drawingml/2006/main" xmlns:r="http://schemas.openxmlformats.org/officeDocument/2006/relationships" xmlns:p="http://schemas.openxmlformats.org/presentationml/2006/main">
+<p:sld xmlns:a="http://schemas.openxmlformats.org/drawingml/2006/main" xmlns:r="http://schemas.openxmlformats.org/officeDocument/2006/relationships" xmlns:mc="http://schemas.openxmlformats.org/markup-compatibility/2006" xmlns:mv="urn:schemas-microsoft-com:mac:vml" xmlns:p="http://schemas.openxmlformats.org/presentationml/2006/main" xmlns:c="http://schemas.openxmlformats.org/drawingml/2006/chart" xmlns:dgm="http://schemas.openxmlformats.org/drawingml/2006/diagram" xmlns:o="urn:schemas-microsoft-com:office:office" xmlns:v="urn:schemas-microsoft-com:vml" xmlns:pvml="urn:schemas-microsoft-com:office:powerpoint" xmlns:com="http://schemas.openxmlformats.org/drawingml/2006/compatibility" xmlns:p14="http://schemas.microsoft.com/office/powerpoint/2010/main">
   <p:cSld>
     <p:spTree>
       <p:nvGrpSpPr>
-        <p:cNvPr id="1" name="Shape 65"/>
+        <p:cNvPr id="65" name="Shape 65"/>
         <p:cNvGrpSpPr/>
         <p:nvPr/>
       </p:nvGrpSpPr>
@@ -5902,9 +5718,7 @@
       <p:sp>
         <p:nvSpPr>
           <p:cNvPr id="66" name="Shape 66"/>
-          <p:cNvSpPr txBox="1">
-            <a:spLocks noGrp="1"/>
-          </p:cNvSpPr>
+          <p:cNvSpPr txBox="1"/>
           <p:nvPr>
             <p:ph type="ctrTitle"/>
           </p:nvPr>
@@ -5919,7 +5733,7 @@
           </a:prstGeom>
         </p:spPr>
         <p:txBody>
-          <a:bodyPr lIns="91425" tIns="91425" rIns="91425" bIns="91425" anchor="b" anchorCtr="0">
+          <a:bodyPr anchorCtr="0" anchor="b" bIns="91425" lIns="91425" rIns="91425" tIns="91425">
             <a:noAutofit/>
           </a:bodyPr>
           <a:lstStyle/>
@@ -5940,11 +5754,9 @@
       <p:sp>
         <p:nvSpPr>
           <p:cNvPr id="67" name="Shape 67"/>
-          <p:cNvSpPr txBox="1">
-            <a:spLocks noGrp="1"/>
-          </p:cNvSpPr>
+          <p:cNvSpPr txBox="1"/>
           <p:nvPr>
-            <p:ph type="subTitle" idx="1"/>
+            <p:ph idx="1" type="subTitle"/>
           </p:nvPr>
         </p:nvSpPr>
         <p:spPr>
@@ -5957,7 +5769,7 @@
           </a:prstGeom>
         </p:spPr>
         <p:txBody>
-          <a:bodyPr lIns="91425" tIns="91425" rIns="91425" bIns="91425" anchor="t" anchorCtr="0">
+          <a:bodyPr anchorCtr="0" anchor="t" bIns="91425" lIns="91425" rIns="91425" tIns="91425">
             <a:noAutofit/>
           </a:bodyPr>
           <a:lstStyle/>
@@ -5984,11 +5796,11 @@
 </file>
 
 <file path=ppt/slides/slide10.xml><?xml version="1.0" encoding="utf-8"?>
-<p:sld xmlns:a="http://schemas.openxmlformats.org/drawingml/2006/main" xmlns:r="http://schemas.openxmlformats.org/officeDocument/2006/relationships" xmlns:p="http://schemas.openxmlformats.org/presentationml/2006/main">
+<p:sld xmlns:a="http://schemas.openxmlformats.org/drawingml/2006/main" xmlns:r="http://schemas.openxmlformats.org/officeDocument/2006/relationships" xmlns:mc="http://schemas.openxmlformats.org/markup-compatibility/2006" xmlns:mv="urn:schemas-microsoft-com:mac:vml" xmlns:p="http://schemas.openxmlformats.org/presentationml/2006/main" xmlns:c="http://schemas.openxmlformats.org/drawingml/2006/chart" xmlns:dgm="http://schemas.openxmlformats.org/drawingml/2006/diagram" xmlns:o="urn:schemas-microsoft-com:office:office" xmlns:v="urn:schemas-microsoft-com:vml" xmlns:pvml="urn:schemas-microsoft-com:office:powerpoint" xmlns:com="http://schemas.openxmlformats.org/drawingml/2006/compatibility" xmlns:p14="http://schemas.microsoft.com/office/powerpoint/2010/main">
   <p:cSld>
     <p:spTree>
       <p:nvGrpSpPr>
-        <p:cNvPr id="1" name="Shape 120"/>
+        <p:cNvPr id="119" name="Shape 119"/>
         <p:cNvGrpSpPr/>
         <p:nvPr/>
       </p:nvGrpSpPr>
@@ -6002,10 +5814,8 @@
       </p:grpSpPr>
       <p:sp>
         <p:nvSpPr>
-          <p:cNvPr id="121" name="Shape 121"/>
-          <p:cNvSpPr txBox="1">
-            <a:spLocks noGrp="1"/>
-          </p:cNvSpPr>
+          <p:cNvPr id="120" name="Shape 120"/>
+          <p:cNvSpPr txBox="1"/>
           <p:nvPr>
             <p:ph type="title"/>
           </p:nvPr>
@@ -6020,12 +5830,12 @@
           </a:prstGeom>
         </p:spPr>
         <p:txBody>
-          <a:bodyPr lIns="91425" tIns="91425" rIns="91425" bIns="91425" anchor="t" anchorCtr="0">
+          <a:bodyPr anchorCtr="0" anchor="t" bIns="91425" lIns="91425" rIns="91425" tIns="91425">
             <a:noAutofit/>
           </a:bodyPr>
           <a:lstStyle/>
           <a:p>
-            <a:pPr lvl="0">
+            <a:pPr lvl="0" rtl="0">
               <a:spcBef>
                 <a:spcPts val="0"/>
               </a:spcBef>
@@ -6033,69 +5843,56 @@
             </a:pPr>
             <a:r>
               <a:rPr lang="en"/>
-              <a:t>Error handling</a:t>
+              <a:t>Let’s see an example: jQuery</a:t>
             </a:r>
           </a:p>
         </p:txBody>
       </p:sp>
       <p:sp>
         <p:nvSpPr>
-          <p:cNvPr id="122" name="Shape 122"/>
-          <p:cNvSpPr txBox="1">
-            <a:spLocks noGrp="1"/>
-          </p:cNvSpPr>
+          <p:cNvPr id="121" name="Shape 121"/>
+          <p:cNvSpPr txBox="1"/>
           <p:nvPr>
-            <p:ph type="body" idx="1"/>
+            <p:ph idx="1" type="body"/>
           </p:nvPr>
         </p:nvSpPr>
         <p:spPr>
           <a:xfrm>
-            <a:off x="311700" y="1266325"/>
-            <a:ext cx="8520600" cy="3302700"/>
+            <a:off x="311700" y="1266175"/>
+            <a:ext cx="3999900" cy="3302700"/>
           </a:xfrm>
           <a:prstGeom prst="rect">
             <a:avLst/>
           </a:prstGeom>
         </p:spPr>
         <p:txBody>
-          <a:bodyPr lIns="91425" tIns="91425" rIns="91425" bIns="91425" anchor="t" anchorCtr="0">
+          <a:bodyPr anchorCtr="0" anchor="t" bIns="91425" lIns="91425" rIns="91425" tIns="91425">
             <a:noAutofit/>
           </a:bodyPr>
           <a:lstStyle/>
           <a:p>
-            <a:pPr marL="457200" lvl="0" indent="-228600">
-              <a:spcBef>
-                <a:spcPts val="0"/>
-              </a:spcBef>
-            </a:pPr>
-            <a:r>
-              <a:rPr lang="en" dirty="0"/>
-              <a:t>AJAX requests may not always succeed, so in addition to the success callback, you can (and should) also define a failure callback</a:t>
-            </a:r>
-          </a:p>
-          <a:p>
-            <a:pPr lvl="0">
-              <a:spcBef>
-                <a:spcPts val="0"/>
-              </a:spcBef>
-              <a:buNone/>
-            </a:pPr>
-            <a:r>
-              <a:rPr lang="en" sz="1400" dirty="0">
-                <a:solidFill>
-                  <a:srgbClr val="0000FF"/>
-                </a:solidFill>
-                <a:latin typeface="Source Code Pro"/>
-                <a:ea typeface="Source Code Pro"/>
-                <a:cs typeface="Source Code Pro"/>
-                <a:sym typeface="Source Code Pro"/>
-              </a:rPr>
-              <a:t>var data = $.get("/getSomeData", function() {</a:t>
+            <a:pPr lvl="0" rtl="0">
+              <a:spcBef>
+                <a:spcPts val="0"/>
+              </a:spcBef>
+              <a:buNone/>
+            </a:pPr>
+            <a:r>
+              <a:rPr lang="en" sz="1100">
+                <a:solidFill>
+                  <a:srgbClr val="000000"/>
+                </a:solidFill>
+                <a:latin typeface="Source Code Pro"/>
+                <a:ea typeface="Source Code Pro"/>
+                <a:cs typeface="Source Code Pro"/>
+                <a:sym typeface="Source Code Pro"/>
+              </a:rPr>
+              <a:t>$.post("/submitForm",</a:t>
             </a:r>
             <a:br>
-              <a:rPr lang="en" sz="1400" dirty="0">
-                <a:solidFill>
-                  <a:srgbClr val="0000FF"/>
+              <a:rPr lang="en" sz="1100">
+                <a:solidFill>
+                  <a:srgbClr val="000000"/>
                 </a:solidFill>
                 <a:latin typeface="Source Code Pro"/>
                 <a:ea typeface="Source Code Pro"/>
@@ -6104,21 +5901,21 @@
               </a:rPr>
             </a:br>
             <a:r>
-              <a:rPr lang="en" sz="1400" dirty="0">
-                <a:solidFill>
-                  <a:srgbClr val="0000FF"/>
-                </a:solidFill>
-                <a:latin typeface="Source Code Pro"/>
-                <a:ea typeface="Source Code Pro"/>
-                <a:cs typeface="Source Code Pro"/>
-                <a:sym typeface="Source Code Pro"/>
-              </a:rPr>
-              <a:t>    alert("this will alert if the request succeeded");</a:t>
+              <a:rPr lang="en" sz="1100">
+                <a:solidFill>
+                  <a:srgbClr val="000000"/>
+                </a:solidFill>
+                <a:latin typeface="Source Code Pro"/>
+                <a:ea typeface="Source Code Pro"/>
+                <a:cs typeface="Source Code Pro"/>
+                <a:sym typeface="Source Code Pro"/>
+              </a:rPr>
+              <a:t>  {“username”: “nicole”, “age”: 25},</a:t>
             </a:r>
             <a:br>
-              <a:rPr lang="en" sz="1400" dirty="0">
-                <a:solidFill>
-                  <a:srgbClr val="0000FF"/>
+              <a:rPr lang="en" sz="1100">
+                <a:solidFill>
+                  <a:srgbClr val="000000"/>
                 </a:solidFill>
                 <a:latin typeface="Source Code Pro"/>
                 <a:ea typeface="Source Code Pro"/>
@@ -6127,21 +5924,21 @@
               </a:rPr>
             </a:br>
             <a:r>
-              <a:rPr lang="en" sz="1400" dirty="0">
-                <a:solidFill>
-                  <a:srgbClr val="0000FF"/>
-                </a:solidFill>
-                <a:latin typeface="Source Code Pro"/>
-                <a:ea typeface="Source Code Pro"/>
-                <a:cs typeface="Source Code Pro"/>
-                <a:sym typeface="Source Code Pro"/>
-              </a:rPr>
-              <a:t>})</a:t>
+              <a:rPr lang="en" sz="1100">
+                <a:solidFill>
+                  <a:srgbClr val="000000"/>
+                </a:solidFill>
+                <a:latin typeface="Source Code Pro"/>
+                <a:ea typeface="Source Code Pro"/>
+                <a:cs typeface="Source Code Pro"/>
+                <a:sym typeface="Source Code Pro"/>
+              </a:rPr>
+              <a:t>  function(data, status) {</a:t>
             </a:r>
             <a:br>
-              <a:rPr lang="en" sz="1400" dirty="0">
-                <a:solidFill>
-                  <a:srgbClr val="0000FF"/>
+              <a:rPr lang="en" sz="1100">
+                <a:solidFill>
+                  <a:srgbClr val="000000"/>
                 </a:solidFill>
                 <a:latin typeface="Source Code Pro"/>
                 <a:ea typeface="Source Code Pro"/>
@@ -6150,21 +5947,21 @@
               </a:rPr>
             </a:br>
             <a:r>
-              <a:rPr lang="en" sz="1400" dirty="0">
-                <a:solidFill>
-                  <a:srgbClr val="0000FF"/>
-                </a:solidFill>
-                <a:latin typeface="Source Code Pro"/>
-                <a:ea typeface="Source Code Pro"/>
-                <a:cs typeface="Source Code Pro"/>
-                <a:sym typeface="Source Code Pro"/>
-              </a:rPr>
-              <a:t>.fail(function() {</a:t>
+              <a:rPr lang="en" sz="1100">
+                <a:solidFill>
+                  <a:srgbClr val="000000"/>
+                </a:solidFill>
+                <a:latin typeface="Source Code Pro"/>
+                <a:ea typeface="Source Code Pro"/>
+                <a:cs typeface="Source Code Pro"/>
+                <a:sym typeface="Source Code Pro"/>
+              </a:rPr>
+              <a:t>    console.log(data + " status: " + status);</a:t>
             </a:r>
             <a:br>
-              <a:rPr lang="en" sz="1400" dirty="0">
-                <a:solidFill>
-                  <a:srgbClr val="0000FF"/>
+              <a:rPr lang="en" sz="1100">
+                <a:solidFill>
+                  <a:srgbClr val="000000"/>
                 </a:solidFill>
                 <a:latin typeface="Source Code Pro"/>
                 <a:ea typeface="Source Code Pro"/>
@@ -6173,21 +5970,21 @@
               </a:rPr>
             </a:br>
             <a:r>
-              <a:rPr lang="en" sz="1400" dirty="0">
-                <a:solidFill>
-                  <a:srgbClr val="0000FF"/>
-                </a:solidFill>
-                <a:latin typeface="Source Code Pro"/>
-                <a:ea typeface="Source Code Pro"/>
-                <a:cs typeface="Source Code Pro"/>
-                <a:sym typeface="Source Code Pro"/>
-              </a:rPr>
-              <a:t>    alert(“this will alert if the request failed");</a:t>
+              <a:rPr lang="en" sz="1100">
+                <a:solidFill>
+                  <a:srgbClr val="000000"/>
+                </a:solidFill>
+                <a:latin typeface="Source Code Pro"/>
+                <a:ea typeface="Source Code Pro"/>
+                <a:cs typeface="Source Code Pro"/>
+                <a:sym typeface="Source Code Pro"/>
+              </a:rPr>
+              <a:t>  },</a:t>
             </a:r>
             <a:br>
-              <a:rPr lang="en" sz="1400" dirty="0">
-                <a:solidFill>
-                  <a:srgbClr val="0000FF"/>
+              <a:rPr lang="en" sz="1100">
+                <a:solidFill>
+                  <a:srgbClr val="000000"/>
                 </a:solidFill>
                 <a:latin typeface="Source Code Pro"/>
                 <a:ea typeface="Source Code Pro"/>
@@ -6196,9 +5993,967 @@
               </a:rPr>
             </a:br>
             <a:r>
-              <a:rPr lang="en" sz="1400" dirty="0">
-                <a:solidFill>
-                  <a:srgbClr val="0000FF"/>
+              <a:rPr lang="en" sz="1100">
+                <a:solidFill>
+                  <a:srgbClr val="000000"/>
+                </a:solidFill>
+                <a:latin typeface="Source Code Pro"/>
+                <a:ea typeface="Source Code Pro"/>
+                <a:cs typeface="Source Code Pro"/>
+                <a:sym typeface="Source Code Pro"/>
+              </a:rPr>
+              <a:t>  “json”</a:t>
+            </a:r>
+            <a:br>
+              <a:rPr lang="en" sz="1100">
+                <a:solidFill>
+                  <a:srgbClr val="000000"/>
+                </a:solidFill>
+                <a:latin typeface="Source Code Pro"/>
+                <a:ea typeface="Source Code Pro"/>
+                <a:cs typeface="Source Code Pro"/>
+                <a:sym typeface="Source Code Pro"/>
+              </a:rPr>
+            </a:br>
+            <a:r>
+              <a:rPr lang="en" sz="1100">
+                <a:solidFill>
+                  <a:srgbClr val="000000"/>
+                </a:solidFill>
+                <a:latin typeface="Source Code Pro"/>
+                <a:ea typeface="Source Code Pro"/>
+                <a:cs typeface="Source Code Pro"/>
+                <a:sym typeface="Source Code Pro"/>
+              </a:rPr>
+              <a:t>);</a:t>
+            </a:r>
+            <a:br>
+              <a:rPr lang="en" sz="1200"/>
+            </a:br>
+            <a:r>
+              <a:rPr lang="en" sz="1200"/>
+              <a:t>             Or, equivalently but more clearly:</a:t>
+            </a:r>
+            <a:br>
+              <a:rPr lang="en" sz="1200"/>
+            </a:br>
+            <a:r>
+              <a:rPr lang="en" sz="1100">
+                <a:solidFill>
+                  <a:srgbClr val="000000"/>
+                </a:solidFill>
+                <a:latin typeface="Source Code Pro"/>
+                <a:ea typeface="Source Code Pro"/>
+                <a:cs typeface="Source Code Pro"/>
+                <a:sym typeface="Source Code Pro"/>
+              </a:rPr>
+              <a:t>$.ajax({</a:t>
+            </a:r>
+            <a:br>
+              <a:rPr lang="en" sz="1100">
+                <a:solidFill>
+                  <a:srgbClr val="000000"/>
+                </a:solidFill>
+                <a:latin typeface="Source Code Pro"/>
+                <a:ea typeface="Source Code Pro"/>
+                <a:cs typeface="Source Code Pro"/>
+                <a:sym typeface="Source Code Pro"/>
+              </a:rPr>
+            </a:br>
+            <a:r>
+              <a:rPr lang="en" sz="1100">
+                <a:solidFill>
+                  <a:srgbClr val="000000"/>
+                </a:solidFill>
+                <a:latin typeface="Source Code Pro"/>
+                <a:ea typeface="Source Code Pro"/>
+                <a:cs typeface="Source Code Pro"/>
+                <a:sym typeface="Source Code Pro"/>
+              </a:rPr>
+              <a:t>  type: "POST",</a:t>
+            </a:r>
+            <a:br>
+              <a:rPr lang="en" sz="1100">
+                <a:solidFill>
+                  <a:srgbClr val="000000"/>
+                </a:solidFill>
+                <a:latin typeface="Source Code Pro"/>
+                <a:ea typeface="Source Code Pro"/>
+                <a:cs typeface="Source Code Pro"/>
+                <a:sym typeface="Source Code Pro"/>
+              </a:rPr>
+            </a:br>
+            <a:r>
+              <a:rPr lang="en" sz="1100">
+                <a:solidFill>
+                  <a:srgbClr val="000000"/>
+                </a:solidFill>
+                <a:latin typeface="Source Code Pro"/>
+                <a:ea typeface="Source Code Pro"/>
+                <a:cs typeface="Source Code Pro"/>
+                <a:sym typeface="Source Code Pro"/>
+              </a:rPr>
+              <a:t>  url: “/submitForm”,</a:t>
+            </a:r>
+            <a:br>
+              <a:rPr lang="en" sz="1100">
+                <a:solidFill>
+                  <a:srgbClr val="000000"/>
+                </a:solidFill>
+                <a:latin typeface="Source Code Pro"/>
+                <a:ea typeface="Source Code Pro"/>
+                <a:cs typeface="Source Code Pro"/>
+                <a:sym typeface="Source Code Pro"/>
+              </a:rPr>
+            </a:br>
+            <a:r>
+              <a:rPr lang="en" sz="1100">
+                <a:solidFill>
+                  <a:srgbClr val="000000"/>
+                </a:solidFill>
+                <a:latin typeface="Source Code Pro"/>
+                <a:ea typeface="Source Code Pro"/>
+                <a:cs typeface="Source Code Pro"/>
+                <a:sym typeface="Source Code Pro"/>
+              </a:rPr>
+              <a:t>  data: {“username”: “nicole”, “age”: 25},</a:t>
+            </a:r>
+            <a:br>
+              <a:rPr lang="en" sz="1100">
+                <a:solidFill>
+                  <a:srgbClr val="000000"/>
+                </a:solidFill>
+                <a:latin typeface="Source Code Pro"/>
+                <a:ea typeface="Source Code Pro"/>
+                <a:cs typeface="Source Code Pro"/>
+                <a:sym typeface="Source Code Pro"/>
+              </a:rPr>
+            </a:br>
+            <a:r>
+              <a:rPr lang="en" sz="1100">
+                <a:solidFill>
+                  <a:srgbClr val="000000"/>
+                </a:solidFill>
+                <a:latin typeface="Source Code Pro"/>
+                <a:ea typeface="Source Code Pro"/>
+                <a:cs typeface="Source Code Pro"/>
+                <a:sym typeface="Source Code Pro"/>
+              </a:rPr>
+              <a:t>  success: function(data, status) {</a:t>
+            </a:r>
+            <a:br>
+              <a:rPr lang="en" sz="1100">
+                <a:solidFill>
+                  <a:srgbClr val="000000"/>
+                </a:solidFill>
+                <a:latin typeface="Source Code Pro"/>
+                <a:ea typeface="Source Code Pro"/>
+                <a:cs typeface="Source Code Pro"/>
+                <a:sym typeface="Source Code Pro"/>
+              </a:rPr>
+            </a:br>
+            <a:r>
+              <a:rPr lang="en" sz="1100">
+                <a:solidFill>
+                  <a:srgbClr val="000000"/>
+                </a:solidFill>
+                <a:latin typeface="Source Code Pro"/>
+                <a:ea typeface="Source Code Pro"/>
+                <a:cs typeface="Source Code Pro"/>
+                <a:sym typeface="Source Code Pro"/>
+              </a:rPr>
+              <a:t>    console.log(data + " status: " + status);</a:t>
+            </a:r>
+            <a:br>
+              <a:rPr lang="en" sz="1100">
+                <a:solidFill>
+                  <a:srgbClr val="000000"/>
+                </a:solidFill>
+                <a:latin typeface="Source Code Pro"/>
+                <a:ea typeface="Source Code Pro"/>
+                <a:cs typeface="Source Code Pro"/>
+                <a:sym typeface="Source Code Pro"/>
+              </a:rPr>
+            </a:br>
+            <a:r>
+              <a:rPr lang="en" sz="1100">
+                <a:solidFill>
+                  <a:srgbClr val="000000"/>
+                </a:solidFill>
+                <a:latin typeface="Source Code Pro"/>
+                <a:ea typeface="Source Code Pro"/>
+                <a:cs typeface="Source Code Pro"/>
+                <a:sym typeface="Source Code Pro"/>
+              </a:rPr>
+              <a:t>  },</a:t>
+            </a:r>
+            <a:br>
+              <a:rPr lang="en" sz="1100">
+                <a:solidFill>
+                  <a:srgbClr val="000000"/>
+                </a:solidFill>
+                <a:latin typeface="Source Code Pro"/>
+                <a:ea typeface="Source Code Pro"/>
+                <a:cs typeface="Source Code Pro"/>
+                <a:sym typeface="Source Code Pro"/>
+              </a:rPr>
+            </a:br>
+            <a:r>
+              <a:rPr lang="en" sz="1100">
+                <a:solidFill>
+                  <a:srgbClr val="000000"/>
+                </a:solidFill>
+                <a:latin typeface="Source Code Pro"/>
+                <a:ea typeface="Source Code Pro"/>
+                <a:cs typeface="Source Code Pro"/>
+                <a:sym typeface="Source Code Pro"/>
+              </a:rPr>
+              <a:t>  dataType: “json”</a:t>
+            </a:r>
+            <a:br>
+              <a:rPr lang="en" sz="1100">
+                <a:solidFill>
+                  <a:srgbClr val="000000"/>
+                </a:solidFill>
+                <a:latin typeface="Source Code Pro"/>
+                <a:ea typeface="Source Code Pro"/>
+                <a:cs typeface="Source Code Pro"/>
+                <a:sym typeface="Source Code Pro"/>
+              </a:rPr>
+            </a:br>
+            <a:r>
+              <a:rPr lang="en" sz="1100">
+                <a:solidFill>
+                  <a:srgbClr val="000000"/>
+                </a:solidFill>
+                <a:latin typeface="Source Code Pro"/>
+                <a:ea typeface="Source Code Pro"/>
+                <a:cs typeface="Source Code Pro"/>
+                <a:sym typeface="Source Code Pro"/>
+              </a:rPr>
+              <a:t>});</a:t>
+            </a:r>
+          </a:p>
+          <a:p>
+            <a:pPr lvl="0" rtl="0">
+              <a:spcBef>
+                <a:spcPts val="0"/>
+              </a:spcBef>
+              <a:buNone/>
+            </a:pPr>
+            <a:r>
+              <a:t/>
+            </a:r>
+            <a:endParaRPr sz="1200"/>
+          </a:p>
+        </p:txBody>
+      </p:sp>
+      <p:sp>
+        <p:nvSpPr>
+          <p:cNvPr id="122" name="Shape 122"/>
+          <p:cNvSpPr txBox="1"/>
+          <p:nvPr>
+            <p:ph idx="2" type="body"/>
+          </p:nvPr>
+        </p:nvSpPr>
+        <p:spPr>
+          <a:xfrm>
+            <a:off x="4395350" y="1266175"/>
+            <a:ext cx="4584300" cy="3302700"/>
+          </a:xfrm>
+          <a:prstGeom prst="rect">
+            <a:avLst/>
+          </a:prstGeom>
+        </p:spPr>
+        <p:txBody>
+          <a:bodyPr anchorCtr="0" anchor="t" bIns="91425" lIns="91425" rIns="91425" tIns="91425">
+            <a:noAutofit/>
+          </a:bodyPr>
+          <a:lstStyle/>
+          <a:p>
+            <a:pPr lvl="0" rtl="0">
+              <a:spcBef>
+                <a:spcPts val="0"/>
+              </a:spcBef>
+              <a:buNone/>
+            </a:pPr>
+            <a:r>
+              <a:rPr lang="en" sz="1100">
+                <a:solidFill>
+                  <a:srgbClr val="000000"/>
+                </a:solidFill>
+                <a:latin typeface="Source Code Pro"/>
+                <a:ea typeface="Source Code Pro"/>
+                <a:cs typeface="Source Code Pro"/>
+                <a:sym typeface="Source Code Pro"/>
+              </a:rPr>
+              <a:t>$.post(</a:t>
+            </a:r>
+            <a:br>
+              <a:rPr lang="en" sz="1100">
+                <a:solidFill>
+                  <a:srgbClr val="000000"/>
+                </a:solidFill>
+                <a:latin typeface="Source Code Pro"/>
+                <a:ea typeface="Source Code Pro"/>
+                <a:cs typeface="Source Code Pro"/>
+                <a:sym typeface="Source Code Pro"/>
+              </a:rPr>
+            </a:br>
+            <a:r>
+              <a:rPr lang="en" sz="1100">
+                <a:solidFill>
+                  <a:srgbClr val="000000"/>
+                </a:solidFill>
+                <a:latin typeface="Source Code Pro"/>
+                <a:ea typeface="Source Code Pro"/>
+                <a:cs typeface="Source Code Pro"/>
+                <a:sym typeface="Source Code Pro"/>
+              </a:rPr>
+              <a:t>  </a:t>
+            </a:r>
+            <a:r>
+              <a:rPr i="1" lang="en" sz="1100">
+                <a:solidFill>
+                  <a:srgbClr val="000000"/>
+                </a:solidFill>
+                <a:latin typeface="Source Code Pro"/>
+                <a:ea typeface="Source Code Pro"/>
+                <a:cs typeface="Source Code Pro"/>
+                <a:sym typeface="Source Code Pro"/>
+              </a:rPr>
+              <a:t>url</a:t>
+            </a:r>
+            <a:r>
+              <a:rPr lang="en" sz="1100">
+                <a:solidFill>
+                  <a:srgbClr val="000000"/>
+                </a:solidFill>
+                <a:latin typeface="Source Code Pro"/>
+                <a:ea typeface="Source Code Pro"/>
+                <a:cs typeface="Source Code Pro"/>
+                <a:sym typeface="Source Code Pro"/>
+              </a:rPr>
+              <a:t>,  	</a:t>
+            </a:r>
+            <a:r>
+              <a:rPr lang="en" sz="1100">
+                <a:solidFill>
+                  <a:srgbClr val="999999"/>
+                </a:solidFill>
+                <a:latin typeface="Source Code Pro"/>
+                <a:ea typeface="Source Code Pro"/>
+                <a:cs typeface="Source Code Pro"/>
+                <a:sym typeface="Source Code Pro"/>
+              </a:rPr>
+              <a:t>// endpoint on server to submit data to</a:t>
+            </a:r>
+            <a:br>
+              <a:rPr lang="en" sz="1100">
+                <a:solidFill>
+                  <a:srgbClr val="000000"/>
+                </a:solidFill>
+                <a:latin typeface="Source Code Pro"/>
+                <a:ea typeface="Source Code Pro"/>
+                <a:cs typeface="Source Code Pro"/>
+                <a:sym typeface="Source Code Pro"/>
+              </a:rPr>
+            </a:br>
+            <a:r>
+              <a:rPr lang="en" sz="1100">
+                <a:solidFill>
+                  <a:srgbClr val="000000"/>
+                </a:solidFill>
+                <a:latin typeface="Source Code Pro"/>
+                <a:ea typeface="Source Code Pro"/>
+                <a:cs typeface="Source Code Pro"/>
+                <a:sym typeface="Source Code Pro"/>
+              </a:rPr>
+              <a:t>  </a:t>
+            </a:r>
+            <a:r>
+              <a:rPr i="1" lang="en" sz="1100">
+                <a:solidFill>
+                  <a:srgbClr val="000000"/>
+                </a:solidFill>
+                <a:latin typeface="Source Code Pro"/>
+                <a:ea typeface="Source Code Pro"/>
+                <a:cs typeface="Source Code Pro"/>
+                <a:sym typeface="Source Code Pro"/>
+              </a:rPr>
+              <a:t>[data]</a:t>
+            </a:r>
+            <a:r>
+              <a:rPr lang="en" sz="1100">
+                <a:solidFill>
+                  <a:srgbClr val="000000"/>
+                </a:solidFill>
+                <a:latin typeface="Source Code Pro"/>
+                <a:ea typeface="Source Code Pro"/>
+                <a:cs typeface="Source Code Pro"/>
+                <a:sym typeface="Source Code Pro"/>
+              </a:rPr>
+              <a:t>,	 </a:t>
+            </a:r>
+            <a:r>
+              <a:rPr lang="en" sz="1100">
+                <a:solidFill>
+                  <a:srgbClr val="999999"/>
+                </a:solidFill>
+                <a:latin typeface="Source Code Pro"/>
+                <a:ea typeface="Source Code Pro"/>
+                <a:cs typeface="Source Code Pro"/>
+                <a:sym typeface="Source Code Pro"/>
+              </a:rPr>
+              <a:t>// data to pass over</a:t>
+            </a:r>
+            <a:br>
+              <a:rPr lang="en" sz="1100">
+                <a:solidFill>
+                  <a:srgbClr val="000000"/>
+                </a:solidFill>
+                <a:latin typeface="Source Code Pro"/>
+                <a:ea typeface="Source Code Pro"/>
+                <a:cs typeface="Source Code Pro"/>
+                <a:sym typeface="Source Code Pro"/>
+              </a:rPr>
+            </a:br>
+            <a:r>
+              <a:rPr lang="en" sz="1100">
+                <a:solidFill>
+                  <a:srgbClr val="000000"/>
+                </a:solidFill>
+                <a:latin typeface="Source Code Pro"/>
+                <a:ea typeface="Source Code Pro"/>
+                <a:cs typeface="Source Code Pro"/>
+                <a:sym typeface="Source Code Pro"/>
+              </a:rPr>
+              <a:t>  </a:t>
+            </a:r>
+            <a:r>
+              <a:rPr i="1" lang="en" sz="1100">
+                <a:solidFill>
+                  <a:srgbClr val="000000"/>
+                </a:solidFill>
+                <a:latin typeface="Source Code Pro"/>
+                <a:ea typeface="Source Code Pro"/>
+                <a:cs typeface="Source Code Pro"/>
+                <a:sym typeface="Source Code Pro"/>
+              </a:rPr>
+              <a:t>[success]</a:t>
+            </a:r>
+            <a:r>
+              <a:rPr lang="en" sz="1100">
+                <a:solidFill>
+                  <a:srgbClr val="000000"/>
+                </a:solidFill>
+                <a:latin typeface="Source Code Pro"/>
+                <a:ea typeface="Source Code Pro"/>
+                <a:cs typeface="Source Code Pro"/>
+                <a:sym typeface="Source Code Pro"/>
+              </a:rPr>
+              <a:t>,   </a:t>
+            </a:r>
+            <a:r>
+              <a:rPr lang="en" sz="1100">
+                <a:solidFill>
+                  <a:srgbClr val="999999"/>
+                </a:solidFill>
+                <a:latin typeface="Source Code Pro"/>
+                <a:ea typeface="Source Code Pro"/>
+                <a:cs typeface="Source Code Pro"/>
+                <a:sym typeface="Source Code Pro"/>
+              </a:rPr>
+              <a:t>// callback function</a:t>
+            </a:r>
+            <a:br>
+              <a:rPr lang="en" sz="1100">
+                <a:solidFill>
+                  <a:srgbClr val="000000"/>
+                </a:solidFill>
+                <a:latin typeface="Source Code Pro"/>
+                <a:ea typeface="Source Code Pro"/>
+                <a:cs typeface="Source Code Pro"/>
+                <a:sym typeface="Source Code Pro"/>
+              </a:rPr>
+            </a:br>
+            <a:r>
+              <a:rPr lang="en" sz="1100">
+                <a:solidFill>
+                  <a:srgbClr val="000000"/>
+                </a:solidFill>
+                <a:latin typeface="Source Code Pro"/>
+                <a:ea typeface="Source Code Pro"/>
+                <a:cs typeface="Source Code Pro"/>
+                <a:sym typeface="Source Code Pro"/>
+              </a:rPr>
+              <a:t>  </a:t>
+            </a:r>
+            <a:r>
+              <a:rPr i="1" lang="en" sz="1100">
+                <a:solidFill>
+                  <a:srgbClr val="000000"/>
+                </a:solidFill>
+                <a:latin typeface="Source Code Pro"/>
+                <a:ea typeface="Source Code Pro"/>
+                <a:cs typeface="Source Code Pro"/>
+                <a:sym typeface="Source Code Pro"/>
+              </a:rPr>
+              <a:t>[dataType]</a:t>
+            </a:r>
+            <a:r>
+              <a:rPr lang="en" sz="1100">
+                <a:solidFill>
+                  <a:srgbClr val="000000"/>
+                </a:solidFill>
+                <a:latin typeface="Source Code Pro"/>
+                <a:ea typeface="Source Code Pro"/>
+                <a:cs typeface="Source Code Pro"/>
+                <a:sym typeface="Source Code Pro"/>
+              </a:rPr>
+              <a:t> </a:t>
+            </a:r>
+            <a:r>
+              <a:rPr lang="en" sz="1100">
+                <a:solidFill>
+                  <a:srgbClr val="999999"/>
+                </a:solidFill>
+                <a:latin typeface="Source Code Pro"/>
+                <a:ea typeface="Source Code Pro"/>
+                <a:cs typeface="Source Code Pro"/>
+                <a:sym typeface="Source Code Pro"/>
+              </a:rPr>
+              <a:t>// type of data expected back</a:t>
+            </a:r>
+            <a:br>
+              <a:rPr lang="en" sz="1100">
+                <a:solidFill>
+                  <a:srgbClr val="000000"/>
+                </a:solidFill>
+                <a:latin typeface="Source Code Pro"/>
+                <a:ea typeface="Source Code Pro"/>
+                <a:cs typeface="Source Code Pro"/>
+                <a:sym typeface="Source Code Pro"/>
+              </a:rPr>
+            </a:br>
+            <a:r>
+              <a:rPr lang="en" sz="1100">
+                <a:solidFill>
+                  <a:srgbClr val="000000"/>
+                </a:solidFill>
+                <a:latin typeface="Source Code Pro"/>
+                <a:ea typeface="Source Code Pro"/>
+                <a:cs typeface="Source Code Pro"/>
+                <a:sym typeface="Source Code Pro"/>
+              </a:rPr>
+              <a:t>);</a:t>
+            </a:r>
+            <a:br>
+              <a:rPr lang="en" sz="1100">
+                <a:solidFill>
+                  <a:srgbClr val="000000"/>
+                </a:solidFill>
+                <a:latin typeface="Source Code Pro"/>
+                <a:ea typeface="Source Code Pro"/>
+                <a:cs typeface="Source Code Pro"/>
+                <a:sym typeface="Source Code Pro"/>
+              </a:rPr>
+            </a:br>
+            <a:br>
+              <a:rPr lang="en" sz="1200"/>
+            </a:br>
+            <a:r>
+              <a:rPr lang="en" sz="1200"/>
+              <a:t>                   Or, equivalently but more clearly:</a:t>
+            </a:r>
+            <a:br>
+              <a:rPr lang="en" sz="1200"/>
+            </a:br>
+            <a:br>
+              <a:rPr lang="en" sz="1200"/>
+            </a:br>
+            <a:r>
+              <a:rPr lang="en" sz="1100">
+                <a:solidFill>
+                  <a:srgbClr val="000000"/>
+                </a:solidFill>
+                <a:latin typeface="Source Code Pro"/>
+                <a:ea typeface="Source Code Pro"/>
+                <a:cs typeface="Source Code Pro"/>
+                <a:sym typeface="Source Code Pro"/>
+              </a:rPr>
+              <a:t>$.ajax({</a:t>
+            </a:r>
+            <a:br>
+              <a:rPr lang="en" sz="1100">
+                <a:solidFill>
+                  <a:srgbClr val="000000"/>
+                </a:solidFill>
+                <a:latin typeface="Source Code Pro"/>
+                <a:ea typeface="Source Code Pro"/>
+                <a:cs typeface="Source Code Pro"/>
+                <a:sym typeface="Source Code Pro"/>
+              </a:rPr>
+            </a:br>
+            <a:r>
+              <a:rPr lang="en" sz="1100">
+                <a:solidFill>
+                  <a:srgbClr val="000000"/>
+                </a:solidFill>
+                <a:latin typeface="Source Code Pro"/>
+                <a:ea typeface="Source Code Pro"/>
+                <a:cs typeface="Source Code Pro"/>
+                <a:sym typeface="Source Code Pro"/>
+              </a:rPr>
+              <a:t>  type: </a:t>
+            </a:r>
+            <a:r>
+              <a:rPr i="1" lang="en" sz="1100">
+                <a:solidFill>
+                  <a:srgbClr val="000000"/>
+                </a:solidFill>
+                <a:latin typeface="Source Code Pro"/>
+                <a:ea typeface="Source Code Pro"/>
+                <a:cs typeface="Source Code Pro"/>
+                <a:sym typeface="Source Code Pro"/>
+              </a:rPr>
+              <a:t>type</a:t>
+            </a:r>
+            <a:r>
+              <a:rPr lang="en" sz="1100">
+                <a:solidFill>
+                  <a:srgbClr val="000000"/>
+                </a:solidFill>
+                <a:latin typeface="Source Code Pro"/>
+                <a:ea typeface="Source Code Pro"/>
+                <a:cs typeface="Source Code Pro"/>
+                <a:sym typeface="Source Code Pro"/>
+              </a:rPr>
+              <a:t>,   </a:t>
+            </a:r>
+            <a:r>
+              <a:rPr lang="en" sz="1100">
+                <a:solidFill>
+                  <a:srgbClr val="999999"/>
+                </a:solidFill>
+                <a:latin typeface="Source Code Pro"/>
+                <a:ea typeface="Source Code Pro"/>
+                <a:cs typeface="Source Code Pro"/>
+                <a:sym typeface="Source Code Pro"/>
+              </a:rPr>
+              <a:t>// HTTP method, e.g., GET or POST</a:t>
+            </a:r>
+            <a:br>
+              <a:rPr lang="en" sz="1100">
+                <a:solidFill>
+                  <a:srgbClr val="000000"/>
+                </a:solidFill>
+                <a:latin typeface="Source Code Pro"/>
+                <a:ea typeface="Source Code Pro"/>
+                <a:cs typeface="Source Code Pro"/>
+                <a:sym typeface="Source Code Pro"/>
+              </a:rPr>
+            </a:br>
+            <a:r>
+              <a:rPr lang="en" sz="1100">
+                <a:solidFill>
+                  <a:srgbClr val="000000"/>
+                </a:solidFill>
+                <a:latin typeface="Source Code Pro"/>
+                <a:ea typeface="Source Code Pro"/>
+                <a:cs typeface="Source Code Pro"/>
+                <a:sym typeface="Source Code Pro"/>
+              </a:rPr>
+              <a:t>  url: </a:t>
+            </a:r>
+            <a:r>
+              <a:rPr i="1" lang="en" sz="1100">
+                <a:solidFill>
+                  <a:srgbClr val="000000"/>
+                </a:solidFill>
+                <a:latin typeface="Source Code Pro"/>
+                <a:ea typeface="Source Code Pro"/>
+                <a:cs typeface="Source Code Pro"/>
+                <a:sym typeface="Source Code Pro"/>
+              </a:rPr>
+              <a:t>url</a:t>
+            </a:r>
+            <a:r>
+              <a:rPr lang="en" sz="1100">
+                <a:solidFill>
+                  <a:srgbClr val="000000"/>
+                </a:solidFill>
+                <a:latin typeface="Source Code Pro"/>
+                <a:ea typeface="Source Code Pro"/>
+                <a:cs typeface="Source Code Pro"/>
+                <a:sym typeface="Source Code Pro"/>
+              </a:rPr>
+              <a:t>,     </a:t>
+            </a:r>
+            <a:r>
+              <a:rPr lang="en" sz="1100">
+                <a:solidFill>
+                  <a:srgbClr val="999999"/>
+                </a:solidFill>
+                <a:latin typeface="Source Code Pro"/>
+                <a:ea typeface="Source Code Pro"/>
+                <a:cs typeface="Source Code Pro"/>
+                <a:sym typeface="Source Code Pro"/>
+              </a:rPr>
+              <a:t>// endpoint on server to submit to</a:t>
+            </a:r>
+            <a:br>
+              <a:rPr lang="en" sz="1100">
+                <a:solidFill>
+                  <a:srgbClr val="000000"/>
+                </a:solidFill>
+                <a:latin typeface="Source Code Pro"/>
+                <a:ea typeface="Source Code Pro"/>
+                <a:cs typeface="Source Code Pro"/>
+                <a:sym typeface="Source Code Pro"/>
+              </a:rPr>
+            </a:br>
+            <a:r>
+              <a:rPr lang="en" sz="1100">
+                <a:solidFill>
+                  <a:srgbClr val="000000"/>
+                </a:solidFill>
+                <a:latin typeface="Source Code Pro"/>
+                <a:ea typeface="Source Code Pro"/>
+                <a:cs typeface="Source Code Pro"/>
+                <a:sym typeface="Source Code Pro"/>
+              </a:rPr>
+              <a:t>  </a:t>
+            </a:r>
+            <a:r>
+              <a:rPr i="1" lang="en" sz="1100">
+                <a:solidFill>
+                  <a:srgbClr val="000000"/>
+                </a:solidFill>
+                <a:latin typeface="Source Code Pro"/>
+                <a:ea typeface="Source Code Pro"/>
+                <a:cs typeface="Source Code Pro"/>
+                <a:sym typeface="Source Code Pro"/>
+              </a:rPr>
+              <a:t>[</a:t>
+            </a:r>
+            <a:r>
+              <a:rPr lang="en" sz="1100">
+                <a:solidFill>
+                  <a:srgbClr val="000000"/>
+                </a:solidFill>
+                <a:latin typeface="Source Code Pro"/>
+                <a:ea typeface="Source Code Pro"/>
+                <a:cs typeface="Source Code Pro"/>
+                <a:sym typeface="Source Code Pro"/>
+              </a:rPr>
+              <a:t>data: </a:t>
+            </a:r>
+            <a:r>
+              <a:rPr i="1" lang="en" sz="1100">
+                <a:solidFill>
+                  <a:srgbClr val="000000"/>
+                </a:solidFill>
+                <a:latin typeface="Source Code Pro"/>
+                <a:ea typeface="Source Code Pro"/>
+                <a:cs typeface="Source Code Pro"/>
+                <a:sym typeface="Source Code Pro"/>
+              </a:rPr>
+              <a:t>data]</a:t>
+            </a:r>
+            <a:r>
+              <a:rPr lang="en" sz="1100">
+                <a:solidFill>
+                  <a:srgbClr val="000000"/>
+                </a:solidFill>
+                <a:latin typeface="Source Code Pro"/>
+                <a:ea typeface="Source Code Pro"/>
+                <a:cs typeface="Source Code Pro"/>
+                <a:sym typeface="Source Code Pro"/>
+              </a:rPr>
+              <a:t>, </a:t>
+            </a:r>
+            <a:r>
+              <a:rPr lang="en" sz="1100">
+                <a:solidFill>
+                  <a:srgbClr val="999999"/>
+                </a:solidFill>
+                <a:latin typeface="Source Code Pro"/>
+                <a:ea typeface="Source Code Pro"/>
+                <a:cs typeface="Source Code Pro"/>
+                <a:sym typeface="Source Code Pro"/>
+              </a:rPr>
+              <a:t>// data to pass over</a:t>
+            </a:r>
+            <a:br>
+              <a:rPr lang="en" sz="1100">
+                <a:solidFill>
+                  <a:srgbClr val="000000"/>
+                </a:solidFill>
+                <a:latin typeface="Source Code Pro"/>
+                <a:ea typeface="Source Code Pro"/>
+                <a:cs typeface="Source Code Pro"/>
+                <a:sym typeface="Source Code Pro"/>
+              </a:rPr>
+            </a:br>
+            <a:r>
+              <a:rPr lang="en" sz="1100">
+                <a:solidFill>
+                  <a:srgbClr val="000000"/>
+                </a:solidFill>
+                <a:latin typeface="Source Code Pro"/>
+                <a:ea typeface="Source Code Pro"/>
+                <a:cs typeface="Source Code Pro"/>
+                <a:sym typeface="Source Code Pro"/>
+              </a:rPr>
+              <a:t>  </a:t>
+            </a:r>
+            <a:r>
+              <a:rPr i="1" lang="en" sz="1100">
+                <a:solidFill>
+                  <a:srgbClr val="000000"/>
+                </a:solidFill>
+                <a:latin typeface="Source Code Pro"/>
+                <a:ea typeface="Source Code Pro"/>
+                <a:cs typeface="Source Code Pro"/>
+                <a:sym typeface="Source Code Pro"/>
+              </a:rPr>
+              <a:t>[</a:t>
+            </a:r>
+            <a:r>
+              <a:rPr lang="en" sz="1100">
+                <a:solidFill>
+                  <a:srgbClr val="000000"/>
+                </a:solidFill>
+                <a:latin typeface="Source Code Pro"/>
+                <a:ea typeface="Source Code Pro"/>
+                <a:cs typeface="Source Code Pro"/>
+                <a:sym typeface="Source Code Pro"/>
+              </a:rPr>
+              <a:t>success: </a:t>
+            </a:r>
+            <a:r>
+              <a:rPr i="1" lang="en" sz="1100">
+                <a:solidFill>
+                  <a:srgbClr val="000000"/>
+                </a:solidFill>
+                <a:latin typeface="Source Code Pro"/>
+                <a:ea typeface="Source Code Pro"/>
+                <a:cs typeface="Source Code Pro"/>
+                <a:sym typeface="Source Code Pro"/>
+              </a:rPr>
+              <a:t>success]</a:t>
+            </a:r>
+            <a:r>
+              <a:rPr lang="en" sz="1100">
+                <a:solidFill>
+                  <a:srgbClr val="000000"/>
+                </a:solidFill>
+                <a:latin typeface="Source Code Pro"/>
+                <a:ea typeface="Source Code Pro"/>
+                <a:cs typeface="Source Code Pro"/>
+                <a:sym typeface="Source Code Pro"/>
+              </a:rPr>
+              <a:t>,	 </a:t>
+            </a:r>
+            <a:r>
+              <a:rPr lang="en" sz="1100">
+                <a:solidFill>
+                  <a:srgbClr val="999999"/>
+                </a:solidFill>
+                <a:latin typeface="Source Code Pro"/>
+                <a:ea typeface="Source Code Pro"/>
+                <a:cs typeface="Source Code Pro"/>
+                <a:sym typeface="Source Code Pro"/>
+              </a:rPr>
+              <a:t>// callback function</a:t>
+            </a:r>
+            <a:br>
+              <a:rPr lang="en" sz="1100">
+                <a:solidFill>
+                  <a:srgbClr val="000000"/>
+                </a:solidFill>
+                <a:latin typeface="Source Code Pro"/>
+                <a:ea typeface="Source Code Pro"/>
+                <a:cs typeface="Source Code Pro"/>
+                <a:sym typeface="Source Code Pro"/>
+              </a:rPr>
+            </a:br>
+            <a:r>
+              <a:rPr lang="en" sz="1100">
+                <a:solidFill>
+                  <a:srgbClr val="000000"/>
+                </a:solidFill>
+                <a:latin typeface="Source Code Pro"/>
+                <a:ea typeface="Source Code Pro"/>
+                <a:cs typeface="Source Code Pro"/>
+                <a:sym typeface="Source Code Pro"/>
+              </a:rPr>
+              <a:t>  </a:t>
+            </a:r>
+            <a:r>
+              <a:rPr i="1" lang="en" sz="1100">
+                <a:solidFill>
+                  <a:srgbClr val="000000"/>
+                </a:solidFill>
+                <a:latin typeface="Source Code Pro"/>
+                <a:ea typeface="Source Code Pro"/>
+                <a:cs typeface="Source Code Pro"/>
+                <a:sym typeface="Source Code Pro"/>
+              </a:rPr>
+              <a:t>[</a:t>
+            </a:r>
+            <a:r>
+              <a:rPr lang="en" sz="1100">
+                <a:solidFill>
+                  <a:srgbClr val="000000"/>
+                </a:solidFill>
+                <a:latin typeface="Source Code Pro"/>
+                <a:ea typeface="Source Code Pro"/>
+                <a:cs typeface="Source Code Pro"/>
+                <a:sym typeface="Source Code Pro"/>
+              </a:rPr>
+              <a:t>dataType: </a:t>
+            </a:r>
+            <a:r>
+              <a:rPr i="1" lang="en" sz="1100">
+                <a:solidFill>
+                  <a:srgbClr val="000000"/>
+                </a:solidFill>
+                <a:latin typeface="Source Code Pro"/>
+                <a:ea typeface="Source Code Pro"/>
+                <a:cs typeface="Source Code Pro"/>
+                <a:sym typeface="Source Code Pro"/>
+              </a:rPr>
+              <a:t>dataType] </a:t>
+            </a:r>
+            <a:r>
+              <a:rPr lang="en" sz="1100">
+                <a:solidFill>
+                  <a:srgbClr val="999999"/>
+                </a:solidFill>
+                <a:latin typeface="Source Code Pro"/>
+                <a:ea typeface="Source Code Pro"/>
+                <a:cs typeface="Source Code Pro"/>
+                <a:sym typeface="Source Code Pro"/>
+              </a:rPr>
+              <a:t>// type of data expected back</a:t>
+            </a:r>
+            <a:br>
+              <a:rPr lang="en" sz="1100">
+                <a:solidFill>
+                  <a:srgbClr val="999999"/>
+                </a:solidFill>
+                <a:latin typeface="Source Code Pro"/>
+                <a:ea typeface="Source Code Pro"/>
+                <a:cs typeface="Source Code Pro"/>
+                <a:sym typeface="Source Code Pro"/>
+              </a:rPr>
+            </a:br>
+            <a:r>
+              <a:rPr lang="en" sz="1100">
+                <a:solidFill>
+                  <a:srgbClr val="000000"/>
                 </a:solidFill>
                 <a:latin typeface="Source Code Pro"/>
                 <a:ea typeface="Source Code Pro"/>
@@ -6219,11 +6974,11 @@
 </file>
 
 <file path=ppt/slides/slide11.xml><?xml version="1.0" encoding="utf-8"?>
-<p:sld xmlns:a="http://schemas.openxmlformats.org/drawingml/2006/main" xmlns:r="http://schemas.openxmlformats.org/officeDocument/2006/relationships" xmlns:p="http://schemas.openxmlformats.org/presentationml/2006/main">
+<p:sld xmlns:a="http://schemas.openxmlformats.org/drawingml/2006/main" xmlns:r="http://schemas.openxmlformats.org/officeDocument/2006/relationships" xmlns:mc="http://schemas.openxmlformats.org/markup-compatibility/2006" xmlns:mv="urn:schemas-microsoft-com:mac:vml" xmlns:p="http://schemas.openxmlformats.org/presentationml/2006/main" xmlns:c="http://schemas.openxmlformats.org/drawingml/2006/chart" xmlns:dgm="http://schemas.openxmlformats.org/drawingml/2006/diagram" xmlns:o="urn:schemas-microsoft-com:office:office" xmlns:v="urn:schemas-microsoft-com:vml" xmlns:pvml="urn:schemas-microsoft-com:office:powerpoint" xmlns:com="http://schemas.openxmlformats.org/drawingml/2006/compatibility" xmlns:p14="http://schemas.microsoft.com/office/powerpoint/2010/main">
   <p:cSld>
     <p:spTree>
       <p:nvGrpSpPr>
-        <p:cNvPr id="1" name="Shape 126"/>
+        <p:cNvPr id="126" name="Shape 126"/>
         <p:cNvGrpSpPr/>
         <p:nvPr/>
       </p:nvGrpSpPr>
@@ -6238,9 +6993,7 @@
       <p:sp>
         <p:nvSpPr>
           <p:cNvPr id="127" name="Shape 127"/>
-          <p:cNvSpPr txBox="1">
-            <a:spLocks noGrp="1"/>
-          </p:cNvSpPr>
+          <p:cNvSpPr txBox="1"/>
           <p:nvPr>
             <p:ph type="title"/>
           </p:nvPr>
@@ -6255,7 +7008,7 @@
           </a:prstGeom>
         </p:spPr>
         <p:txBody>
-          <a:bodyPr lIns="91425" tIns="91425" rIns="91425" bIns="91425" anchor="t" anchorCtr="0">
+          <a:bodyPr anchorCtr="0" anchor="t" bIns="91425" lIns="91425" rIns="91425" tIns="91425">
             <a:noAutofit/>
           </a:bodyPr>
           <a:lstStyle/>
@@ -6268,7 +7021,7 @@
             </a:pPr>
             <a:r>
               <a:rPr lang="en"/>
-              <a:t>More error handling</a:t>
+              <a:t>Error handling</a:t>
             </a:r>
           </a:p>
         </p:txBody>
@@ -6276,11 +7029,9 @@
       <p:sp>
         <p:nvSpPr>
           <p:cNvPr id="128" name="Shape 128"/>
-          <p:cNvSpPr txBox="1">
-            <a:spLocks noGrp="1"/>
-          </p:cNvSpPr>
+          <p:cNvSpPr txBox="1"/>
           <p:nvPr>
-            <p:ph type="body" idx="1"/>
+            <p:ph idx="1" type="body"/>
           </p:nvPr>
         </p:nvSpPr>
         <p:spPr>
@@ -6293,11 +7044,22 @@
           </a:prstGeom>
         </p:spPr>
         <p:txBody>
-          <a:bodyPr lIns="91425" tIns="91425" rIns="91425" bIns="91425" anchor="t" anchorCtr="0">
+          <a:bodyPr anchorCtr="0" anchor="t" bIns="91425" lIns="91425" rIns="91425" tIns="91425">
             <a:noAutofit/>
           </a:bodyPr>
           <a:lstStyle/>
           <a:p>
+            <a:pPr indent="-228600" lvl="0" marL="457200">
+              <a:spcBef>
+                <a:spcPts val="0"/>
+              </a:spcBef>
+            </a:pPr>
+            <a:r>
+              <a:rPr lang="en"/>
+              <a:t>AJAX requests may not always succeed, so in addition to the success callback, you can (and should) also define a failure callback</a:t>
+            </a:r>
+          </a:p>
+          <a:p>
             <a:pPr lvl="0">
               <a:spcBef>
                 <a:spcPts val="0"/>
@@ -6305,21 +7067,9 @@
               <a:buNone/>
             </a:pPr>
             <a:r>
-              <a:rPr lang="en" dirty="0"/>
-              <a:t>You can also define a callback that gets called no matter if the request succeeded or failed</a:t>
-            </a:r>
-          </a:p>
-          <a:p>
-            <a:pPr lvl="0">
-              <a:spcBef>
-                <a:spcPts val="0"/>
-              </a:spcBef>
-              <a:buNone/>
-            </a:pPr>
-            <a:r>
-              <a:rPr lang="en" sz="1400" dirty="0">
-                <a:solidFill>
-                  <a:srgbClr val="0000FF"/>
+              <a:rPr lang="en" sz="1400">
+                <a:solidFill>
+                  <a:srgbClr val="000000"/>
                 </a:solidFill>
                 <a:latin typeface="Source Code Pro"/>
                 <a:ea typeface="Source Code Pro"/>
@@ -6329,9 +7079,9 @@
               <a:t>var data = $.get("/getSomeData", function() {</a:t>
             </a:r>
             <a:br>
-              <a:rPr lang="en" sz="1400" dirty="0">
-                <a:solidFill>
-                  <a:srgbClr val="0000FF"/>
+              <a:rPr lang="en" sz="1400">
+                <a:solidFill>
+                  <a:srgbClr val="000000"/>
                 </a:solidFill>
                 <a:latin typeface="Source Code Pro"/>
                 <a:ea typeface="Source Code Pro"/>
@@ -6340,21 +7090,21 @@
               </a:rPr>
             </a:br>
             <a:r>
-              <a:rPr lang="en" sz="1400" dirty="0">
-                <a:solidFill>
-                  <a:srgbClr val="0000FF"/>
-                </a:solidFill>
-                <a:latin typeface="Source Code Pro"/>
-                <a:ea typeface="Source Code Pro"/>
-                <a:cs typeface="Source Code Pro"/>
-                <a:sym typeface="Source Code Pro"/>
-              </a:rPr>
-              <a:t>    alert("this will alert if the request succeeded");</a:t>
+              <a:rPr lang="en" sz="1400">
+                <a:solidFill>
+                  <a:srgbClr val="000000"/>
+                </a:solidFill>
+                <a:latin typeface="Source Code Pro"/>
+                <a:ea typeface="Source Code Pro"/>
+                <a:cs typeface="Source Code Pro"/>
+                <a:sym typeface="Source Code Pro"/>
+              </a:rPr>
+              <a:t>    console.log("this will be logged if the request succeeded");</a:t>
             </a:r>
             <a:br>
-              <a:rPr lang="en" sz="1400" dirty="0">
-                <a:solidFill>
-                  <a:srgbClr val="0000FF"/>
+              <a:rPr lang="en" sz="1400">
+                <a:solidFill>
+                  <a:srgbClr val="000000"/>
                 </a:solidFill>
                 <a:latin typeface="Source Code Pro"/>
                 <a:ea typeface="Source Code Pro"/>
@@ -6363,9 +7113,9 @@
               </a:rPr>
             </a:br>
             <a:r>
-              <a:rPr lang="en" sz="1400" dirty="0">
-                <a:solidFill>
-                  <a:srgbClr val="0000FF"/>
+              <a:rPr lang="en" sz="1400">
+                <a:solidFill>
+                  <a:srgbClr val="000000"/>
                 </a:solidFill>
                 <a:latin typeface="Source Code Pro"/>
                 <a:ea typeface="Source Code Pro"/>
@@ -6375,9 +7125,9 @@
               <a:t>})</a:t>
             </a:r>
             <a:br>
-              <a:rPr lang="en" sz="1400" dirty="0">
-                <a:solidFill>
-                  <a:srgbClr val="0000FF"/>
+              <a:rPr lang="en" sz="1400">
+                <a:solidFill>
+                  <a:srgbClr val="000000"/>
                 </a:solidFill>
                 <a:latin typeface="Source Code Pro"/>
                 <a:ea typeface="Source Code Pro"/>
@@ -6386,9 +7136,9 @@
               </a:rPr>
             </a:br>
             <a:r>
-              <a:rPr lang="en" sz="1400" dirty="0">
-                <a:solidFill>
-                  <a:srgbClr val="0000FF"/>
+              <a:rPr lang="en" sz="1400">
+                <a:solidFill>
+                  <a:srgbClr val="000000"/>
                 </a:solidFill>
                 <a:latin typeface="Source Code Pro"/>
                 <a:ea typeface="Source Code Pro"/>
@@ -6398,9 +7148,9 @@
               <a:t>.fail(function() {</a:t>
             </a:r>
             <a:br>
-              <a:rPr lang="en" sz="1400" dirty="0">
-                <a:solidFill>
-                  <a:srgbClr val="0000FF"/>
+              <a:rPr lang="en" sz="1400">
+                <a:solidFill>
+                  <a:srgbClr val="000000"/>
                 </a:solidFill>
                 <a:latin typeface="Source Code Pro"/>
                 <a:ea typeface="Source Code Pro"/>
@@ -6409,21 +7159,21 @@
               </a:rPr>
             </a:br>
             <a:r>
-              <a:rPr lang="en" sz="1400" dirty="0">
-                <a:solidFill>
-                  <a:srgbClr val="0000FF"/>
-                </a:solidFill>
-                <a:latin typeface="Source Code Pro"/>
-                <a:ea typeface="Source Code Pro"/>
-                <a:cs typeface="Source Code Pro"/>
-                <a:sym typeface="Source Code Pro"/>
-              </a:rPr>
-              <a:t>    alert("this will alert if the request failed");</a:t>
+              <a:rPr lang="en" sz="1400">
+                <a:solidFill>
+                  <a:srgbClr val="000000"/>
+                </a:solidFill>
+                <a:latin typeface="Source Code Pro"/>
+                <a:ea typeface="Source Code Pro"/>
+                <a:cs typeface="Source Code Pro"/>
+                <a:sym typeface="Source Code Pro"/>
+              </a:rPr>
+              <a:t>    console.log("this will be logged if the request failed");</a:t>
             </a:r>
             <a:br>
-              <a:rPr lang="en" sz="1400" dirty="0">
-                <a:solidFill>
-                  <a:srgbClr val="0000FF"/>
+              <a:rPr lang="en" sz="1400">
+                <a:solidFill>
+                  <a:srgbClr val="000000"/>
                 </a:solidFill>
                 <a:latin typeface="Source Code Pro"/>
                 <a:ea typeface="Source Code Pro"/>
@@ -6432,78 +7182,9 @@
               </a:rPr>
             </a:br>
             <a:r>
-              <a:rPr lang="en" sz="1400" dirty="0">
-                <a:solidFill>
-                  <a:srgbClr val="0000FF"/>
-                </a:solidFill>
-                <a:latin typeface="Source Code Pro"/>
-                <a:ea typeface="Source Code Pro"/>
-                <a:cs typeface="Source Code Pro"/>
-                <a:sym typeface="Source Code Pro"/>
-              </a:rPr>
-              <a:t>})</a:t>
-            </a:r>
-            <a:br>
-              <a:rPr lang="en" sz="1400" dirty="0">
-                <a:solidFill>
-                  <a:srgbClr val="0000FF"/>
-                </a:solidFill>
-                <a:latin typeface="Source Code Pro"/>
-                <a:ea typeface="Source Code Pro"/>
-                <a:cs typeface="Source Code Pro"/>
-                <a:sym typeface="Source Code Pro"/>
-              </a:rPr>
-            </a:br>
-            <a:r>
-              <a:rPr lang="en" sz="1400" dirty="0">
-                <a:solidFill>
-                  <a:srgbClr val="0000FF"/>
-                </a:solidFill>
-                <a:latin typeface="Source Code Pro"/>
-                <a:ea typeface="Source Code Pro"/>
-                <a:cs typeface="Source Code Pro"/>
-                <a:sym typeface="Source Code Pro"/>
-              </a:rPr>
-              <a:t>.always(function() {</a:t>
-            </a:r>
-            <a:br>
-              <a:rPr lang="en" sz="1400" dirty="0">
-                <a:solidFill>
-                  <a:srgbClr val="0000FF"/>
-                </a:solidFill>
-                <a:latin typeface="Source Code Pro"/>
-                <a:ea typeface="Source Code Pro"/>
-                <a:cs typeface="Source Code Pro"/>
-                <a:sym typeface="Source Code Pro"/>
-              </a:rPr>
-            </a:br>
-            <a:r>
-              <a:rPr lang="en" sz="1400" dirty="0">
-                <a:solidFill>
-                  <a:srgbClr val="0000FF"/>
-                </a:solidFill>
-                <a:latin typeface="Source Code Pro"/>
-                <a:ea typeface="Source Code Pro"/>
-                <a:cs typeface="Source Code Pro"/>
-                <a:sym typeface="Source Code Pro"/>
-              </a:rPr>
-              <a:t>    alert("this will alert regardless of whether the request succeeded or failed");</a:t>
-            </a:r>
-            <a:br>
-              <a:rPr lang="en" sz="1400" dirty="0">
-                <a:solidFill>
-                  <a:srgbClr val="0000FF"/>
-                </a:solidFill>
-                <a:latin typeface="Source Code Pro"/>
-                <a:ea typeface="Source Code Pro"/>
-                <a:cs typeface="Source Code Pro"/>
-                <a:sym typeface="Source Code Pro"/>
-              </a:rPr>
-            </a:br>
-            <a:r>
-              <a:rPr lang="en" sz="1400" dirty="0">
-                <a:solidFill>
-                  <a:srgbClr val="0000FF"/>
+              <a:rPr lang="en" sz="1400">
+                <a:solidFill>
+                  <a:srgbClr val="000000"/>
                 </a:solidFill>
                 <a:latin typeface="Source Code Pro"/>
                 <a:ea typeface="Source Code Pro"/>
@@ -6524,11 +7205,11 @@
 </file>
 
 <file path=ppt/slides/slide12.xml><?xml version="1.0" encoding="utf-8"?>
-<p:sld xmlns:a="http://schemas.openxmlformats.org/drawingml/2006/main" xmlns:r="http://schemas.openxmlformats.org/officeDocument/2006/relationships" xmlns:p="http://schemas.openxmlformats.org/presentationml/2006/main">
+<p:sld xmlns:a="http://schemas.openxmlformats.org/drawingml/2006/main" xmlns:r="http://schemas.openxmlformats.org/officeDocument/2006/relationships" xmlns:mc="http://schemas.openxmlformats.org/markup-compatibility/2006" xmlns:mv="urn:schemas-microsoft-com:mac:vml" xmlns:p="http://schemas.openxmlformats.org/presentationml/2006/main" xmlns:c="http://schemas.openxmlformats.org/drawingml/2006/chart" xmlns:dgm="http://schemas.openxmlformats.org/drawingml/2006/diagram" xmlns:o="urn:schemas-microsoft-com:office:office" xmlns:v="urn:schemas-microsoft-com:vml" xmlns:pvml="urn:schemas-microsoft-com:office:powerpoint" xmlns:com="http://schemas.openxmlformats.org/drawingml/2006/compatibility" xmlns:p14="http://schemas.microsoft.com/office/powerpoint/2010/main">
   <p:cSld>
     <p:spTree>
       <p:nvGrpSpPr>
-        <p:cNvPr id="1" name="Shape 132"/>
+        <p:cNvPr id="132" name="Shape 132"/>
         <p:cNvGrpSpPr/>
         <p:nvPr/>
       </p:nvGrpSpPr>
@@ -6543,9 +7224,7 @@
       <p:sp>
         <p:nvSpPr>
           <p:cNvPr id="133" name="Shape 133"/>
-          <p:cNvSpPr txBox="1">
-            <a:spLocks noGrp="1"/>
-          </p:cNvSpPr>
+          <p:cNvSpPr txBox="1"/>
           <p:nvPr>
             <p:ph type="title"/>
           </p:nvPr>
@@ -6560,7 +7239,7 @@
           </a:prstGeom>
         </p:spPr>
         <p:txBody>
-          <a:bodyPr lIns="91425" tIns="91425" rIns="91425" bIns="91425" anchor="t" anchorCtr="0">
+          <a:bodyPr anchorCtr="0" anchor="t" bIns="91425" lIns="91425" rIns="91425" tIns="91425">
             <a:noAutofit/>
           </a:bodyPr>
           <a:lstStyle/>
@@ -6573,7 +7252,7 @@
             </a:pPr>
             <a:r>
               <a:rPr lang="en"/>
-              <a:t>More use cases</a:t>
+              <a:t>More error handling</a:t>
             </a:r>
           </a:p>
         </p:txBody>
@@ -6581,11 +7260,9 @@
       <p:sp>
         <p:nvSpPr>
           <p:cNvPr id="134" name="Shape 134"/>
-          <p:cNvSpPr txBox="1">
-            <a:spLocks noGrp="1"/>
-          </p:cNvSpPr>
+          <p:cNvSpPr txBox="1"/>
           <p:nvPr>
-            <p:ph type="body" idx="1"/>
+            <p:ph idx="1" type="body"/>
           </p:nvPr>
         </p:nvSpPr>
         <p:spPr>
@@ -6598,7 +7275,7 @@
           </a:prstGeom>
         </p:spPr>
         <p:txBody>
-          <a:bodyPr lIns="91425" tIns="91425" rIns="91425" bIns="91425" anchor="t" anchorCtr="0">
+          <a:bodyPr anchorCtr="0" anchor="t" bIns="91425" lIns="91425" rIns="91425" tIns="91425">
             <a:noAutofit/>
           </a:bodyPr>
           <a:lstStyle/>
@@ -6611,52 +7288,211 @@
             </a:pPr>
             <a:r>
               <a:rPr lang="en"/>
-              <a:t>What else might we use AJAX for?</a:t>
-            </a:r>
-          </a:p>
-          <a:p>
-            <a:pPr marL="457200" lvl="0" indent="-317500" rtl="0">
-              <a:spcBef>
-                <a:spcPts val="0"/>
-              </a:spcBef>
-              <a:spcAft>
-                <a:spcPts val="1000"/>
-              </a:spcAft>
-              <a:buSzPct val="100000"/>
-            </a:pPr>
-            <a:r>
-              <a:rPr lang="en" sz="1400"/>
-              <a:t>If a website has a bunch of different components that take varying amounts of time to load, you can just load the main piece and let the other components load separately. This way, the user feels like the page loaded more quickly than if we were to wait until everything was ready to load the page. (Ever seen a page that had spinners in a few places that filled in later?)</a:t>
-            </a:r>
-          </a:p>
-          <a:p>
-            <a:pPr marL="457200" lvl="0" indent="-317500" rtl="0">
-              <a:spcBef>
-                <a:spcPts val="0"/>
-              </a:spcBef>
-              <a:spcAft>
-                <a:spcPts val="1000"/>
-              </a:spcAft>
-              <a:buSzPct val="100000"/>
-            </a:pPr>
-            <a:r>
-              <a:rPr lang="en" sz="1400"/>
-              <a:t>You forgot your password, so you fill out the form to have the website send you a temporary password. Imagine if the page made you wait until the email is sent for you to be able to navigate away! The much better experience is to immediately tell the user that they’ll be receiving an email shortly and let them continue on their way, while handling the process of sending the email separately.</a:t>
-            </a:r>
-          </a:p>
-          <a:p>
-            <a:pPr marL="457200" lvl="0" indent="-317500" rtl="0">
-              <a:spcBef>
-                <a:spcPts val="0"/>
-              </a:spcBef>
-              <a:spcAft>
-                <a:spcPts val="1000"/>
-              </a:spcAft>
-              <a:buSzPct val="100000"/>
-            </a:pPr>
-            <a:r>
-              <a:rPr lang="en" sz="1400"/>
-              <a:t>Infinite scroll in news feeds (where the page automatically loads more content once you’re near the bottom of the page) is also done using AJAX</a:t>
+              <a:t>You can also define a callback that gets called no matter if the request succeeded or failed</a:t>
+            </a:r>
+          </a:p>
+          <a:p>
+            <a:pPr lvl="0">
+              <a:spcBef>
+                <a:spcPts val="0"/>
+              </a:spcBef>
+              <a:buNone/>
+            </a:pPr>
+            <a:r>
+              <a:rPr lang="en" sz="1400">
+                <a:solidFill>
+                  <a:srgbClr val="000000"/>
+                </a:solidFill>
+                <a:latin typeface="Source Code Pro"/>
+                <a:ea typeface="Source Code Pro"/>
+                <a:cs typeface="Source Code Pro"/>
+                <a:sym typeface="Source Code Pro"/>
+              </a:rPr>
+              <a:t>var data = $.get("/getSomeData", function() {</a:t>
+            </a:r>
+            <a:br>
+              <a:rPr lang="en" sz="1400">
+                <a:solidFill>
+                  <a:srgbClr val="000000"/>
+                </a:solidFill>
+                <a:latin typeface="Source Code Pro"/>
+                <a:ea typeface="Source Code Pro"/>
+                <a:cs typeface="Source Code Pro"/>
+                <a:sym typeface="Source Code Pro"/>
+              </a:rPr>
+            </a:br>
+            <a:r>
+              <a:rPr lang="en" sz="1400">
+                <a:solidFill>
+                  <a:srgbClr val="000000"/>
+                </a:solidFill>
+                <a:latin typeface="Source Code Pro"/>
+                <a:ea typeface="Source Code Pro"/>
+                <a:cs typeface="Source Code Pro"/>
+                <a:sym typeface="Source Code Pro"/>
+              </a:rPr>
+              <a:t>    console.log("this will be logged if the request succeeded");</a:t>
+            </a:r>
+            <a:br>
+              <a:rPr lang="en" sz="1400">
+                <a:solidFill>
+                  <a:srgbClr val="000000"/>
+                </a:solidFill>
+                <a:latin typeface="Source Code Pro"/>
+                <a:ea typeface="Source Code Pro"/>
+                <a:cs typeface="Source Code Pro"/>
+                <a:sym typeface="Source Code Pro"/>
+              </a:rPr>
+            </a:br>
+            <a:r>
+              <a:rPr lang="en" sz="1400">
+                <a:solidFill>
+                  <a:srgbClr val="000000"/>
+                </a:solidFill>
+                <a:latin typeface="Source Code Pro"/>
+                <a:ea typeface="Source Code Pro"/>
+                <a:cs typeface="Source Code Pro"/>
+                <a:sym typeface="Source Code Pro"/>
+              </a:rPr>
+              <a:t>})</a:t>
+            </a:r>
+            <a:br>
+              <a:rPr lang="en" sz="1400">
+                <a:solidFill>
+                  <a:srgbClr val="000000"/>
+                </a:solidFill>
+                <a:latin typeface="Source Code Pro"/>
+                <a:ea typeface="Source Code Pro"/>
+                <a:cs typeface="Source Code Pro"/>
+                <a:sym typeface="Source Code Pro"/>
+              </a:rPr>
+            </a:br>
+            <a:r>
+              <a:rPr lang="en" sz="1400">
+                <a:solidFill>
+                  <a:srgbClr val="000000"/>
+                </a:solidFill>
+                <a:latin typeface="Source Code Pro"/>
+                <a:ea typeface="Source Code Pro"/>
+                <a:cs typeface="Source Code Pro"/>
+                <a:sym typeface="Source Code Pro"/>
+              </a:rPr>
+              <a:t>.fail(function() {</a:t>
+            </a:r>
+            <a:br>
+              <a:rPr lang="en" sz="1400">
+                <a:solidFill>
+                  <a:srgbClr val="000000"/>
+                </a:solidFill>
+                <a:latin typeface="Source Code Pro"/>
+                <a:ea typeface="Source Code Pro"/>
+                <a:cs typeface="Source Code Pro"/>
+                <a:sym typeface="Source Code Pro"/>
+              </a:rPr>
+            </a:br>
+            <a:r>
+              <a:rPr lang="en" sz="1400">
+                <a:solidFill>
+                  <a:srgbClr val="000000"/>
+                </a:solidFill>
+                <a:latin typeface="Source Code Pro"/>
+                <a:ea typeface="Source Code Pro"/>
+                <a:cs typeface="Source Code Pro"/>
+                <a:sym typeface="Source Code Pro"/>
+              </a:rPr>
+              <a:t>    console.log("this will be logged if the request failed");</a:t>
+            </a:r>
+            <a:br>
+              <a:rPr lang="en" sz="1400">
+                <a:solidFill>
+                  <a:srgbClr val="000000"/>
+                </a:solidFill>
+                <a:latin typeface="Source Code Pro"/>
+                <a:ea typeface="Source Code Pro"/>
+                <a:cs typeface="Source Code Pro"/>
+                <a:sym typeface="Source Code Pro"/>
+              </a:rPr>
+            </a:br>
+            <a:r>
+              <a:rPr lang="en" sz="1400">
+                <a:solidFill>
+                  <a:srgbClr val="000000"/>
+                </a:solidFill>
+                <a:latin typeface="Source Code Pro"/>
+                <a:ea typeface="Source Code Pro"/>
+                <a:cs typeface="Source Code Pro"/>
+                <a:sym typeface="Source Code Pro"/>
+              </a:rPr>
+              <a:t>})</a:t>
+            </a:r>
+            <a:br>
+              <a:rPr lang="en" sz="1400">
+                <a:solidFill>
+                  <a:srgbClr val="000000"/>
+                </a:solidFill>
+                <a:latin typeface="Source Code Pro"/>
+                <a:ea typeface="Source Code Pro"/>
+                <a:cs typeface="Source Code Pro"/>
+                <a:sym typeface="Source Code Pro"/>
+              </a:rPr>
+            </a:br>
+            <a:r>
+              <a:rPr lang="en" sz="1400">
+                <a:solidFill>
+                  <a:srgbClr val="000000"/>
+                </a:solidFill>
+                <a:latin typeface="Source Code Pro"/>
+                <a:ea typeface="Source Code Pro"/>
+                <a:cs typeface="Source Code Pro"/>
+                <a:sym typeface="Source Code Pro"/>
+              </a:rPr>
+              <a:t>.always(function() {</a:t>
+            </a:r>
+            <a:br>
+              <a:rPr lang="en" sz="1400">
+                <a:solidFill>
+                  <a:srgbClr val="000000"/>
+                </a:solidFill>
+                <a:latin typeface="Source Code Pro"/>
+                <a:ea typeface="Source Code Pro"/>
+                <a:cs typeface="Source Code Pro"/>
+                <a:sym typeface="Source Code Pro"/>
+              </a:rPr>
+            </a:br>
+            <a:r>
+              <a:rPr lang="en" sz="1400">
+                <a:solidFill>
+                  <a:srgbClr val="000000"/>
+                </a:solidFill>
+                <a:latin typeface="Source Code Pro"/>
+                <a:ea typeface="Source Code Pro"/>
+                <a:cs typeface="Source Code Pro"/>
+                <a:sym typeface="Source Code Pro"/>
+              </a:rPr>
+              <a:t>    console.log("this will be logged regardless of whether the request succeeded or failed");</a:t>
+            </a:r>
+            <a:br>
+              <a:rPr lang="en" sz="1400">
+                <a:solidFill>
+                  <a:srgbClr val="000000"/>
+                </a:solidFill>
+                <a:latin typeface="Source Code Pro"/>
+                <a:ea typeface="Source Code Pro"/>
+                <a:cs typeface="Source Code Pro"/>
+                <a:sym typeface="Source Code Pro"/>
+              </a:rPr>
+            </a:br>
+            <a:r>
+              <a:rPr lang="en" sz="1400">
+                <a:solidFill>
+                  <a:srgbClr val="000000"/>
+                </a:solidFill>
+                <a:latin typeface="Source Code Pro"/>
+                <a:ea typeface="Source Code Pro"/>
+                <a:cs typeface="Source Code Pro"/>
+                <a:sym typeface="Source Code Pro"/>
+              </a:rPr>
+              <a:t>});</a:t>
             </a:r>
           </a:p>
         </p:txBody>
@@ -6670,11 +7506,11 @@
 </file>
 
 <file path=ppt/slides/slide13.xml><?xml version="1.0" encoding="utf-8"?>
-<p:sld xmlns:a="http://schemas.openxmlformats.org/drawingml/2006/main" xmlns:r="http://schemas.openxmlformats.org/officeDocument/2006/relationships" xmlns:p="http://schemas.openxmlformats.org/presentationml/2006/main">
+<p:sld xmlns:a="http://schemas.openxmlformats.org/drawingml/2006/main" xmlns:r="http://schemas.openxmlformats.org/officeDocument/2006/relationships" xmlns:mc="http://schemas.openxmlformats.org/markup-compatibility/2006" xmlns:mv="urn:schemas-microsoft-com:mac:vml" xmlns:p="http://schemas.openxmlformats.org/presentationml/2006/main" xmlns:c="http://schemas.openxmlformats.org/drawingml/2006/chart" xmlns:dgm="http://schemas.openxmlformats.org/drawingml/2006/diagram" xmlns:o="urn:schemas-microsoft-com:office:office" xmlns:v="urn:schemas-microsoft-com:vml" xmlns:pvml="urn:schemas-microsoft-com:office:powerpoint" xmlns:com="http://schemas.openxmlformats.org/drawingml/2006/compatibility" xmlns:p14="http://schemas.microsoft.com/office/powerpoint/2010/main">
   <p:cSld>
     <p:spTree>
       <p:nvGrpSpPr>
-        <p:cNvPr id="1" name="Shape 138"/>
+        <p:cNvPr id="138" name="Shape 138"/>
         <p:cNvGrpSpPr/>
         <p:nvPr/>
       </p:nvGrpSpPr>
@@ -6689,9 +7525,146 @@
       <p:sp>
         <p:nvSpPr>
           <p:cNvPr id="139" name="Shape 139"/>
-          <p:cNvSpPr txBox="1">
-            <a:spLocks noGrp="1"/>
-          </p:cNvSpPr>
+          <p:cNvSpPr txBox="1"/>
+          <p:nvPr>
+            <p:ph type="title"/>
+          </p:nvPr>
+        </p:nvSpPr>
+        <p:spPr>
+          <a:xfrm>
+            <a:off x="311700" y="445025"/>
+            <a:ext cx="8520600" cy="707400"/>
+          </a:xfrm>
+          <a:prstGeom prst="rect">
+            <a:avLst/>
+          </a:prstGeom>
+        </p:spPr>
+        <p:txBody>
+          <a:bodyPr anchorCtr="0" anchor="t" bIns="91425" lIns="91425" rIns="91425" tIns="91425">
+            <a:noAutofit/>
+          </a:bodyPr>
+          <a:lstStyle/>
+          <a:p>
+            <a:pPr lvl="0">
+              <a:spcBef>
+                <a:spcPts val="0"/>
+              </a:spcBef>
+              <a:buNone/>
+            </a:pPr>
+            <a:r>
+              <a:rPr lang="en"/>
+              <a:t>More use cases</a:t>
+            </a:r>
+          </a:p>
+        </p:txBody>
+      </p:sp>
+      <p:sp>
+        <p:nvSpPr>
+          <p:cNvPr id="140" name="Shape 140"/>
+          <p:cNvSpPr txBox="1"/>
+          <p:nvPr>
+            <p:ph idx="1" type="body"/>
+          </p:nvPr>
+        </p:nvSpPr>
+        <p:spPr>
+          <a:xfrm>
+            <a:off x="311700" y="1266325"/>
+            <a:ext cx="8520600" cy="3302700"/>
+          </a:xfrm>
+          <a:prstGeom prst="rect">
+            <a:avLst/>
+          </a:prstGeom>
+        </p:spPr>
+        <p:txBody>
+          <a:bodyPr anchorCtr="0" anchor="t" bIns="91425" lIns="91425" rIns="91425" tIns="91425">
+            <a:noAutofit/>
+          </a:bodyPr>
+          <a:lstStyle/>
+          <a:p>
+            <a:pPr lvl="0">
+              <a:spcBef>
+                <a:spcPts val="0"/>
+              </a:spcBef>
+              <a:buNone/>
+            </a:pPr>
+            <a:r>
+              <a:rPr lang="en"/>
+              <a:t>What else might we use AJAX for?</a:t>
+            </a:r>
+          </a:p>
+          <a:p>
+            <a:pPr indent="-228600" lvl="0" marL="457200" rtl="0">
+              <a:spcBef>
+                <a:spcPts val="0"/>
+              </a:spcBef>
+              <a:spcAft>
+                <a:spcPts val="1000"/>
+              </a:spcAft>
+            </a:pPr>
+            <a:r>
+              <a:rPr lang="en"/>
+              <a:t>A website that has a bunch of different components that take varying amounts of time to load</a:t>
+            </a:r>
+          </a:p>
+          <a:p>
+            <a:pPr indent="-228600" lvl="0" marL="457200" rtl="0">
+              <a:spcBef>
+                <a:spcPts val="0"/>
+              </a:spcBef>
+              <a:spcAft>
+                <a:spcPts val="1000"/>
+              </a:spcAft>
+            </a:pPr>
+            <a:r>
+              <a:rPr lang="en"/>
+              <a:t>Infinite scroll in news feeds (where the page automatically loads more content once you’re near the bottom of the page)</a:t>
+            </a:r>
+          </a:p>
+          <a:p>
+            <a:pPr indent="-228600" lvl="0" marL="457200" rtl="0">
+              <a:spcBef>
+                <a:spcPts val="0"/>
+              </a:spcBef>
+              <a:spcAft>
+                <a:spcPts val="1000"/>
+              </a:spcAft>
+            </a:pPr>
+            <a:r>
+              <a:rPr lang="en"/>
+              <a:t>Autocomplete</a:t>
+            </a:r>
+          </a:p>
+        </p:txBody>
+      </p:sp>
+    </p:spTree>
+  </p:cSld>
+  <p:clrMapOvr>
+    <a:masterClrMapping/>
+  </p:clrMapOvr>
+</p:sld>
+</file>
+
+<file path=ppt/slides/slide14.xml><?xml version="1.0" encoding="utf-8"?>
+<p:sld xmlns:a="http://schemas.openxmlformats.org/drawingml/2006/main" xmlns:r="http://schemas.openxmlformats.org/officeDocument/2006/relationships" xmlns:mc="http://schemas.openxmlformats.org/markup-compatibility/2006" xmlns:mv="urn:schemas-microsoft-com:mac:vml" xmlns:p="http://schemas.openxmlformats.org/presentationml/2006/main" xmlns:c="http://schemas.openxmlformats.org/drawingml/2006/chart" xmlns:dgm="http://schemas.openxmlformats.org/drawingml/2006/diagram" xmlns:o="urn:schemas-microsoft-com:office:office" xmlns:v="urn:schemas-microsoft-com:vml" xmlns:pvml="urn:schemas-microsoft-com:office:powerpoint" xmlns:com="http://schemas.openxmlformats.org/drawingml/2006/compatibility" xmlns:p14="http://schemas.microsoft.com/office/powerpoint/2010/main">
+  <p:cSld>
+    <p:spTree>
+      <p:nvGrpSpPr>
+        <p:cNvPr id="144" name="Shape 144"/>
+        <p:cNvGrpSpPr/>
+        <p:nvPr/>
+      </p:nvGrpSpPr>
+      <p:grpSpPr>
+        <a:xfrm>
+          <a:off x="0" y="0"/>
+          <a:ext cx="0" cy="0"/>
+          <a:chOff x="0" y="0"/>
+          <a:chExt cx="0" cy="0"/>
+        </a:xfrm>
+      </p:grpSpPr>
+      <p:sp>
+        <p:nvSpPr>
+          <p:cNvPr id="145" name="Shape 145"/>
+          <p:cNvSpPr txBox="1"/>
           <p:nvPr>
             <p:ph type="title"/>
           </p:nvPr>
@@ -6706,7 +7679,7 @@
           </a:prstGeom>
         </p:spPr>
         <p:txBody>
-          <a:bodyPr lIns="91425" tIns="91425" rIns="91425" bIns="91425" anchor="ctr" anchorCtr="0">
+          <a:bodyPr anchorCtr="0" anchor="ctr" bIns="91425" lIns="91425" rIns="91425" tIns="91425">
             <a:noAutofit/>
           </a:bodyPr>
           <a:lstStyle/>
@@ -6726,12 +7699,10 @@
       </p:sp>
       <p:sp>
         <p:nvSpPr>
-          <p:cNvPr id="140" name="Shape 140"/>
-          <p:cNvSpPr txBox="1">
-            <a:spLocks noGrp="1"/>
-          </p:cNvSpPr>
+          <p:cNvPr id="146" name="Shape 146"/>
+          <p:cNvSpPr txBox="1"/>
           <p:nvPr>
-            <p:ph type="body" idx="4294967295"/>
+            <p:ph idx="4294967295" type="body"/>
           </p:nvPr>
         </p:nvSpPr>
         <p:spPr>
@@ -6744,7 +7715,7 @@
           </a:prstGeom>
         </p:spPr>
         <p:txBody>
-          <a:bodyPr lIns="91425" tIns="91425" rIns="91425" bIns="91425" anchor="ctr" anchorCtr="0">
+          <a:bodyPr anchorCtr="0" anchor="ctr" bIns="91425" lIns="91425" rIns="91425" tIns="91425">
             <a:noAutofit/>
           </a:bodyPr>
           <a:lstStyle/>
@@ -6774,12 +7745,12 @@
 </p:sld>
 </file>
 
-<file path=ppt/slides/slide14.xml><?xml version="1.0" encoding="utf-8"?>
-<p:sld xmlns:a="http://schemas.openxmlformats.org/drawingml/2006/main" xmlns:r="http://schemas.openxmlformats.org/officeDocument/2006/relationships" xmlns:p="http://schemas.openxmlformats.org/presentationml/2006/main">
+<file path=ppt/slides/slide15.xml><?xml version="1.0" encoding="utf-8"?>
+<p:sld xmlns:a="http://schemas.openxmlformats.org/drawingml/2006/main" xmlns:r="http://schemas.openxmlformats.org/officeDocument/2006/relationships" xmlns:mc="http://schemas.openxmlformats.org/markup-compatibility/2006" xmlns:mv="urn:schemas-microsoft-com:mac:vml" xmlns:p="http://schemas.openxmlformats.org/presentationml/2006/main" xmlns:c="http://schemas.openxmlformats.org/drawingml/2006/chart" xmlns:dgm="http://schemas.openxmlformats.org/drawingml/2006/diagram" xmlns:o="urn:schemas-microsoft-com:office:office" xmlns:v="urn:schemas-microsoft-com:vml" xmlns:pvml="urn:schemas-microsoft-com:office:powerpoint" xmlns:com="http://schemas.openxmlformats.org/drawingml/2006/compatibility" xmlns:p14="http://schemas.microsoft.com/office/powerpoint/2010/main">
   <p:cSld>
     <p:spTree>
       <p:nvGrpSpPr>
-        <p:cNvPr id="1" name="Shape 144"/>
+        <p:cNvPr id="150" name="Shape 150"/>
         <p:cNvGrpSpPr/>
         <p:nvPr/>
       </p:nvGrpSpPr>
@@ -6793,10 +7764,8 @@
       </p:grpSpPr>
       <p:sp>
         <p:nvSpPr>
-          <p:cNvPr id="145" name="Shape 145"/>
-          <p:cNvSpPr txBox="1">
-            <a:spLocks noGrp="1"/>
-          </p:cNvSpPr>
+          <p:cNvPr id="151" name="Shape 151"/>
+          <p:cNvSpPr txBox="1"/>
           <p:nvPr>
             <p:ph type="title"/>
           </p:nvPr>
@@ -6811,7 +7780,7 @@
           </a:prstGeom>
         </p:spPr>
         <p:txBody>
-          <a:bodyPr lIns="91425" tIns="91425" rIns="91425" bIns="91425" anchor="t" anchorCtr="0">
+          <a:bodyPr anchorCtr="0" anchor="t" bIns="91425" lIns="91425" rIns="91425" tIns="91425">
             <a:noAutofit/>
           </a:bodyPr>
           <a:lstStyle/>
@@ -6831,12 +7800,10 @@
       </p:sp>
       <p:sp>
         <p:nvSpPr>
-          <p:cNvPr id="146" name="Shape 146"/>
-          <p:cNvSpPr txBox="1">
-            <a:spLocks noGrp="1"/>
-          </p:cNvSpPr>
+          <p:cNvPr id="152" name="Shape 152"/>
+          <p:cNvSpPr txBox="1"/>
           <p:nvPr>
-            <p:ph type="body" idx="1"/>
+            <p:ph idx="1" type="body"/>
           </p:nvPr>
         </p:nvSpPr>
         <p:spPr>
@@ -6849,7 +7816,7 @@
           </a:prstGeom>
         </p:spPr>
         <p:txBody>
-          <a:bodyPr lIns="91425" tIns="91425" rIns="91425" bIns="91425" anchor="t" anchorCtr="0">
+          <a:bodyPr anchorCtr="0" anchor="t" bIns="91425" lIns="91425" rIns="91425" tIns="91425">
             <a:noAutofit/>
           </a:bodyPr>
           <a:lstStyle/>
@@ -6945,6 +7912,9 @@
               </a:spcBef>
               <a:buNone/>
             </a:pPr>
+            <a:r>
+              <a:t/>
+            </a:r>
             <a:endParaRPr/>
           </a:p>
           <a:p>
@@ -6954,6 +7924,9 @@
               </a:spcBef>
               <a:buNone/>
             </a:pPr>
+            <a:r>
+              <a:t/>
+            </a:r>
             <a:endParaRPr/>
           </a:p>
           <a:p>
@@ -6963,6 +7936,9 @@
               </a:spcBef>
               <a:buNone/>
             </a:pPr>
+            <a:r>
+              <a:t/>
+            </a:r>
             <a:endParaRPr/>
           </a:p>
         </p:txBody>
@@ -6976,11 +7952,11 @@
 </file>
 
 <file path=ppt/slides/slide2.xml><?xml version="1.0" encoding="utf-8"?>
-<p:sld xmlns:a="http://schemas.openxmlformats.org/drawingml/2006/main" xmlns:r="http://schemas.openxmlformats.org/officeDocument/2006/relationships" xmlns:p="http://schemas.openxmlformats.org/presentationml/2006/main">
+<p:sld xmlns:a="http://schemas.openxmlformats.org/drawingml/2006/main" xmlns:r="http://schemas.openxmlformats.org/officeDocument/2006/relationships" xmlns:mc="http://schemas.openxmlformats.org/markup-compatibility/2006" xmlns:mv="urn:schemas-microsoft-com:mac:vml" xmlns:p="http://schemas.openxmlformats.org/presentationml/2006/main" xmlns:c="http://schemas.openxmlformats.org/drawingml/2006/chart" xmlns:dgm="http://schemas.openxmlformats.org/drawingml/2006/diagram" xmlns:o="urn:schemas-microsoft-com:office:office" xmlns:v="urn:schemas-microsoft-com:vml" xmlns:pvml="urn:schemas-microsoft-com:office:powerpoint" xmlns:com="http://schemas.openxmlformats.org/drawingml/2006/compatibility" xmlns:p14="http://schemas.microsoft.com/office/powerpoint/2010/main">
   <p:cSld>
     <p:spTree>
       <p:nvGrpSpPr>
-        <p:cNvPr id="1" name="Shape 71"/>
+        <p:cNvPr id="71" name="Shape 71"/>
         <p:cNvGrpSpPr/>
         <p:nvPr/>
       </p:nvGrpSpPr>
@@ -6995,9 +7971,7 @@
       <p:sp>
         <p:nvSpPr>
           <p:cNvPr id="72" name="Shape 72"/>
-          <p:cNvSpPr txBox="1">
-            <a:spLocks noGrp="1"/>
-          </p:cNvSpPr>
+          <p:cNvSpPr txBox="1"/>
           <p:nvPr>
             <p:ph type="title"/>
           </p:nvPr>
@@ -7012,7 +7986,7 @@
           </a:prstGeom>
         </p:spPr>
         <p:txBody>
-          <a:bodyPr lIns="91425" tIns="91425" rIns="91425" bIns="91425" anchor="t" anchorCtr="0">
+          <a:bodyPr anchorCtr="0" anchor="t" bIns="91425" lIns="91425" rIns="91425" tIns="91425">
             <a:noAutofit/>
           </a:bodyPr>
           <a:lstStyle/>
@@ -7033,11 +8007,9 @@
       <p:sp>
         <p:nvSpPr>
           <p:cNvPr id="73" name="Shape 73"/>
-          <p:cNvSpPr txBox="1">
-            <a:spLocks noGrp="1"/>
-          </p:cNvSpPr>
+          <p:cNvSpPr txBox="1"/>
           <p:nvPr>
-            <p:ph type="body" idx="1"/>
+            <p:ph idx="1" type="body"/>
           </p:nvPr>
         </p:nvSpPr>
         <p:spPr>
@@ -7050,12 +8022,12 @@
           </a:prstGeom>
         </p:spPr>
         <p:txBody>
-          <a:bodyPr lIns="91425" tIns="91425" rIns="91425" bIns="91425" anchor="t" anchorCtr="0">
+          <a:bodyPr anchorCtr="0" anchor="t" bIns="91425" lIns="91425" rIns="91425" tIns="91425">
             <a:noAutofit/>
           </a:bodyPr>
           <a:lstStyle/>
           <a:p>
-            <a:pPr marL="457200" lvl="0" indent="-228600">
+            <a:pPr indent="-228600" lvl="0" marL="457200">
               <a:spcBef>
                 <a:spcPts val="0"/>
               </a:spcBef>
@@ -7064,12 +8036,12 @@
               </a:spcAft>
             </a:pPr>
             <a:r>
-              <a:rPr lang="en" dirty="0"/>
-              <a:t>Is a JavaScript library that makes writing JavaScript a lot easier</a:t>
-            </a:r>
-          </a:p>
-          <a:p>
-            <a:pPr marL="457200" lvl="0" indent="-228600">
+              <a:rPr lang="en"/>
+              <a:t>Is a DOM manipulation library that makes writing JavaScript a lot easier</a:t>
+            </a:r>
+          </a:p>
+          <a:p>
+            <a:pPr indent="-228600" lvl="0" marL="457200">
               <a:spcBef>
                 <a:spcPts val="0"/>
               </a:spcBef>
@@ -7078,12 +8050,12 @@
               </a:spcAft>
             </a:pPr>
             <a:r>
-              <a:rPr lang="en" dirty="0"/>
+              <a:rPr lang="en"/>
               <a:t>For example:</a:t>
             </a:r>
           </a:p>
           <a:p>
-            <a:pPr lvl="0">
+            <a:pPr indent="457200" lvl="0">
               <a:spcBef>
                 <a:spcPts val="0"/>
               </a:spcBef>
@@ -7093,10 +8065,31 @@
               <a:buNone/>
             </a:pPr>
             <a:r>
-              <a:rPr lang="en-US" sz="1400" dirty="0" smtClean="0">
-                <a:solidFill>
-                  <a:srgbClr val="000000"/>
-                </a:solidFill>
+              <a:rPr lang="en" sz="1400">
+                <a:solidFill>
+                  <a:srgbClr val="000000"/>
+                </a:solidFill>
+                <a:latin typeface="Source Code Pro"/>
+                <a:ea typeface="Source Code Pro"/>
+                <a:cs typeface="Source Code Pro"/>
+                <a:sym typeface="Source Code Pro"/>
+              </a:rPr>
+              <a:t>v</a:t>
+            </a:r>
+            <a:r>
+              <a:rPr lang="en" sz="1400">
+                <a:solidFill>
+                  <a:srgbClr val="000000"/>
+                </a:solidFill>
+                <a:latin typeface="Source Code Pro"/>
+                <a:ea typeface="Source Code Pro"/>
+                <a:cs typeface="Source Code Pro"/>
+                <a:sym typeface="Source Code Pro"/>
+              </a:rPr>
+              <a:t>ar el = document.getElementById(“input”)</a:t>
+            </a:r>
+            <a:r>
+              <a:rPr lang="en" sz="1400">
                 <a:latin typeface="Source Code Pro"/>
                 <a:ea typeface="Source Code Pro"/>
                 <a:cs typeface="Source Code Pro"/>
@@ -7105,40 +8098,7 @@
               <a:t>	</a:t>
             </a:r>
             <a:r>
-              <a:rPr lang="en" sz="1400" dirty="0" smtClean="0">
-                <a:solidFill>
-                  <a:srgbClr val="000000"/>
-                </a:solidFill>
-                <a:latin typeface="Source Code Pro"/>
-                <a:ea typeface="Source Code Pro"/>
-                <a:cs typeface="Source Code Pro"/>
-                <a:sym typeface="Source Code Pro"/>
-              </a:rPr>
-              <a:t>var </a:t>
-            </a:r>
-            <a:r>
-              <a:rPr lang="en" sz="1400" dirty="0">
-                <a:solidFill>
-                  <a:srgbClr val="000000"/>
-                </a:solidFill>
-                <a:latin typeface="Source Code Pro"/>
-                <a:ea typeface="Source Code Pro"/>
-                <a:cs typeface="Source Code Pro"/>
-                <a:sym typeface="Source Code Pro"/>
-              </a:rPr>
-              <a:t>el = document.getElementById(“input”)</a:t>
-            </a:r>
-            <a:r>
-              <a:rPr lang="en" sz="1400" dirty="0">
-                <a:latin typeface="Source Code Pro"/>
-                <a:ea typeface="Source Code Pro"/>
-                <a:cs typeface="Source Code Pro"/>
-                <a:sym typeface="Source Code Pro"/>
-              </a:rPr>
-              <a:t>	</a:t>
-            </a:r>
-            <a:r>
-              <a:rPr lang="en" sz="1400" dirty="0">
+              <a:rPr lang="en" sz="1400">
                 <a:solidFill>
                   <a:srgbClr val="999999"/>
                 </a:solidFill>
@@ -7151,7 +8111,7 @@
             </a:r>
           </a:p>
           <a:p>
-            <a:pPr lvl="0">
+            <a:pPr indent="457200" lvl="0" marL="1371600">
               <a:spcBef>
                 <a:spcPts val="0"/>
               </a:spcBef>
@@ -7161,17 +8121,12 @@
               <a:buNone/>
             </a:pPr>
             <a:r>
-              <a:rPr lang="en-US" dirty="0" smtClean="0"/>
-              <a:t>	</a:t>
-            </a:r>
-            <a:r>
-              <a:rPr lang="en" dirty="0" smtClean="0"/>
+              <a:rPr lang="en"/>
               <a:t>versus</a:t>
             </a:r>
-            <a:endParaRPr lang="en" dirty="0"/>
-          </a:p>
-          <a:p>
-            <a:pPr lvl="0">
+          </a:p>
+          <a:p>
+            <a:pPr indent="457200" lvl="0">
               <a:spcBef>
                 <a:spcPts val="0"/>
               </a:spcBef>
@@ -7181,47 +8136,23 @@
               <a:buNone/>
             </a:pPr>
             <a:r>
-              <a:rPr lang="en-US" sz="1400" dirty="0" smtClean="0">
-                <a:solidFill>
-                  <a:srgbClr val="000000"/>
-                </a:solidFill>
-                <a:latin typeface="Source Code Pro"/>
-                <a:ea typeface="Source Code Pro"/>
-                <a:cs typeface="Source Code Pro"/>
-                <a:sym typeface="Source Code Pro"/>
-              </a:rPr>
+              <a:rPr lang="en" sz="1400">
+                <a:solidFill>
+                  <a:srgbClr val="000000"/>
+                </a:solidFill>
+                <a:latin typeface="Source Code Pro"/>
+                <a:ea typeface="Source Code Pro"/>
+                <a:cs typeface="Source Code Pro"/>
+                <a:sym typeface="Source Code Pro"/>
+              </a:rPr>
+              <a:t>var el = $(“#input”)	</a:t>
+            </a:r>
+            <a:r>
+              <a:rPr lang="en" sz="1400"/>
               <a:t>	</a:t>
             </a:r>
             <a:r>
-              <a:rPr lang="en" sz="1400" dirty="0" smtClean="0">
-                <a:solidFill>
-                  <a:srgbClr val="000000"/>
-                </a:solidFill>
-                <a:latin typeface="Source Code Pro"/>
-                <a:ea typeface="Source Code Pro"/>
-                <a:cs typeface="Source Code Pro"/>
-                <a:sym typeface="Source Code Pro"/>
-              </a:rPr>
-              <a:t>var </a:t>
-            </a:r>
-            <a:r>
-              <a:rPr lang="en" sz="1400" dirty="0">
-                <a:solidFill>
-                  <a:srgbClr val="000000"/>
-                </a:solidFill>
-                <a:latin typeface="Source Code Pro"/>
-                <a:ea typeface="Source Code Pro"/>
-                <a:cs typeface="Source Code Pro"/>
-                <a:sym typeface="Source Code Pro"/>
-              </a:rPr>
-              <a:t>el = $(“#input”)	</a:t>
-            </a:r>
-            <a:r>
-              <a:rPr lang="en" sz="1400" dirty="0"/>
-              <a:t>	</a:t>
-            </a:r>
-            <a:r>
-              <a:rPr lang="en" sz="1400" dirty="0">
+              <a:rPr lang="en" sz="1400">
                 <a:solidFill>
                   <a:srgbClr val="999999"/>
                 </a:solidFill>
@@ -7236,7 +8167,10 @@
               </a:spcBef>
               <a:buNone/>
             </a:pPr>
-            <a:endParaRPr dirty="0"/>
+            <a:r>
+              <a:t/>
+            </a:r>
+            <a:endParaRPr/>
           </a:p>
           <a:p>
             <a:pPr lvl="0">
@@ -7246,7 +8180,7 @@
               <a:buNone/>
             </a:pPr>
             <a:r>
-              <a:rPr lang="en" dirty="0"/>
+              <a:rPr lang="en"/>
               <a:t>Much more succinct!</a:t>
             </a:r>
           </a:p>
@@ -7261,11 +8195,11 @@
 </file>
 
 <file path=ppt/slides/slide3.xml><?xml version="1.0" encoding="utf-8"?>
-<p:sld xmlns:a="http://schemas.openxmlformats.org/drawingml/2006/main" xmlns:r="http://schemas.openxmlformats.org/officeDocument/2006/relationships" xmlns:p="http://schemas.openxmlformats.org/presentationml/2006/main">
+<p:sld xmlns:a="http://schemas.openxmlformats.org/drawingml/2006/main" xmlns:r="http://schemas.openxmlformats.org/officeDocument/2006/relationships" xmlns:mc="http://schemas.openxmlformats.org/markup-compatibility/2006" xmlns:mv="urn:schemas-microsoft-com:mac:vml" xmlns:p="http://schemas.openxmlformats.org/presentationml/2006/main" xmlns:c="http://schemas.openxmlformats.org/drawingml/2006/chart" xmlns:dgm="http://schemas.openxmlformats.org/drawingml/2006/diagram" xmlns:o="urn:schemas-microsoft-com:office:office" xmlns:v="urn:schemas-microsoft-com:vml" xmlns:pvml="urn:schemas-microsoft-com:office:powerpoint" xmlns:com="http://schemas.openxmlformats.org/drawingml/2006/compatibility" xmlns:p14="http://schemas.microsoft.com/office/powerpoint/2010/main">
   <p:cSld>
     <p:spTree>
       <p:nvGrpSpPr>
-        <p:cNvPr id="1" name="Shape 77"/>
+        <p:cNvPr id="77" name="Shape 77"/>
         <p:cNvGrpSpPr/>
         <p:nvPr/>
       </p:nvGrpSpPr>
@@ -7280,9 +8214,7 @@
       <p:sp>
         <p:nvSpPr>
           <p:cNvPr id="78" name="Shape 78"/>
-          <p:cNvSpPr txBox="1">
-            <a:spLocks noGrp="1"/>
-          </p:cNvSpPr>
+          <p:cNvSpPr txBox="1"/>
           <p:nvPr>
             <p:ph type="title"/>
           </p:nvPr>
@@ -7297,7 +8229,7 @@
           </a:prstGeom>
         </p:spPr>
         <p:txBody>
-          <a:bodyPr lIns="91425" tIns="91425" rIns="91425" bIns="91425" anchor="t" anchorCtr="0">
+          <a:bodyPr anchorCtr="0" anchor="t" bIns="91425" lIns="91425" rIns="91425" tIns="91425">
             <a:noAutofit/>
           </a:bodyPr>
           <a:lstStyle/>
@@ -7318,11 +8250,9 @@
       <p:sp>
         <p:nvSpPr>
           <p:cNvPr id="79" name="Shape 79"/>
-          <p:cNvSpPr txBox="1">
-            <a:spLocks noGrp="1"/>
-          </p:cNvSpPr>
+          <p:cNvSpPr txBox="1"/>
           <p:nvPr>
-            <p:ph type="body" idx="1"/>
+            <p:ph idx="1" type="body"/>
           </p:nvPr>
         </p:nvSpPr>
         <p:spPr>
@@ -7335,7 +8265,7 @@
           </a:prstGeom>
         </p:spPr>
         <p:txBody>
-          <a:bodyPr lIns="91425" tIns="91425" rIns="91425" bIns="91425" anchor="t" anchorCtr="0">
+          <a:bodyPr anchorCtr="0" anchor="t" bIns="91425" lIns="91425" rIns="91425" tIns="91425">
             <a:noAutofit/>
           </a:bodyPr>
           <a:lstStyle/>
@@ -7347,11 +8277,11 @@
               <a:buNone/>
             </a:pPr>
             <a:r>
-              <a:rPr lang="en" dirty="0"/>
+              <a:rPr lang="en"/>
               <a:t>Basic syntax is: </a:t>
             </a:r>
             <a:r>
-              <a:rPr lang="en" dirty="0">
+              <a:rPr lang="en">
                 <a:solidFill>
                   <a:srgbClr val="000000"/>
                 </a:solidFill>
@@ -7363,7 +8293,7 @@
               <a:t>$(</a:t>
             </a:r>
             <a:r>
-              <a:rPr lang="en" i="1" dirty="0">
+              <a:rPr i="1" lang="en">
                 <a:solidFill>
                   <a:srgbClr val="000000"/>
                 </a:solidFill>
@@ -7375,7 +8305,7 @@
               <a:t>selector</a:t>
             </a:r>
             <a:r>
-              <a:rPr lang="en" dirty="0">
+              <a:rPr lang="en">
                 <a:solidFill>
                   <a:srgbClr val="000000"/>
                 </a:solidFill>
@@ -7387,7 +8317,7 @@
               <a:t>).</a:t>
             </a:r>
             <a:r>
-              <a:rPr lang="en" i="1" dirty="0">
+              <a:rPr i="1" lang="en">
                 <a:solidFill>
                   <a:srgbClr val="000000"/>
                 </a:solidFill>
@@ -7399,7 +8329,7 @@
               <a:t>action</a:t>
             </a:r>
             <a:r>
-              <a:rPr lang="en" dirty="0">
+              <a:rPr lang="en">
                 <a:solidFill>
                   <a:srgbClr val="000000"/>
                 </a:solidFill>
@@ -7412,38 +8342,38 @@
             </a:r>
           </a:p>
           <a:p>
-            <a:pPr marL="457200" lvl="0" indent="-317500" rtl="0">
+            <a:pPr indent="-317500" lvl="0" marL="457200" rtl="0">
               <a:spcBef>
                 <a:spcPts val="0"/>
               </a:spcBef>
               <a:buSzPct val="100000"/>
             </a:pPr>
             <a:r>
-              <a:rPr lang="en" sz="1400" dirty="0"/>
+              <a:rPr lang="en" sz="1400"/>
               <a:t>A $ symbol to define/access jQuery</a:t>
             </a:r>
           </a:p>
           <a:p>
-            <a:pPr marL="457200" lvl="0" indent="-317500" rtl="0">
+            <a:pPr indent="-317500" lvl="0" marL="457200" rtl="0">
               <a:spcBef>
                 <a:spcPts val="0"/>
               </a:spcBef>
               <a:buSzPct val="100000"/>
             </a:pPr>
             <a:r>
-              <a:rPr lang="en" sz="1400" dirty="0"/>
-              <a:t>A selector to capture specific HTML elements</a:t>
-            </a:r>
-          </a:p>
-          <a:p>
-            <a:pPr marL="457200" lvl="0" indent="-317500" rtl="0">
+              <a:rPr lang="en" sz="1400"/>
+              <a:t>A CSS selector to capture specific HTML element(s)</a:t>
+            </a:r>
+          </a:p>
+          <a:p>
+            <a:pPr indent="-317500" lvl="0" marL="457200" rtl="0">
               <a:spcBef>
                 <a:spcPts val="0"/>
               </a:spcBef>
               <a:buSzPct val="100000"/>
             </a:pPr>
             <a:r>
-              <a:rPr lang="en" sz="1400" dirty="0"/>
+              <a:rPr lang="en" sz="1400"/>
               <a:t>A jQuery action to be performed on the element(s)</a:t>
             </a:r>
           </a:p>
@@ -7455,12 +8385,12 @@
               <a:buNone/>
             </a:pPr>
             <a:r>
-              <a:rPr lang="en" dirty="0"/>
+              <a:rPr lang="en"/>
               <a:t>Examples:</a:t>
             </a:r>
           </a:p>
           <a:p>
-            <a:pPr marL="457200" lvl="0" indent="-317500">
+            <a:pPr indent="-317500" lvl="0" marL="457200">
               <a:spcBef>
                 <a:spcPts val="0"/>
               </a:spcBef>
@@ -7474,19 +8404,19 @@
               <a:buFont typeface="Source Code Pro"/>
             </a:pPr>
             <a:r>
-              <a:rPr lang="en" sz="1400" dirty="0">
-                <a:solidFill>
-                  <a:srgbClr val="000000"/>
-                </a:solidFill>
-                <a:latin typeface="Source Code Pro"/>
-                <a:ea typeface="Source Code Pro"/>
-                <a:cs typeface="Source Code Pro"/>
-                <a:sym typeface="Source Code Pro"/>
-              </a:rPr>
-              <a:t>$(this).hide() 	</a:t>
-            </a:r>
-            <a:r>
-              <a:rPr lang="en" sz="1400" dirty="0" smtClean="0">
+              <a:rPr lang="en" sz="1400">
+                <a:solidFill>
+                  <a:srgbClr val="000000"/>
+                </a:solidFill>
+                <a:latin typeface="Source Code Pro"/>
+                <a:ea typeface="Source Code Pro"/>
+                <a:cs typeface="Source Code Pro"/>
+                <a:sym typeface="Source Code Pro"/>
+              </a:rPr>
+              <a:t>$("div").hide() 		</a:t>
+            </a:r>
+            <a:r>
+              <a:rPr lang="en" sz="1400">
                 <a:solidFill>
                   <a:srgbClr val="999999"/>
                 </a:solidFill>
@@ -7495,23 +8425,11 @@
                 <a:cs typeface="Source Code Pro"/>
                 <a:sym typeface="Source Code Pro"/>
               </a:rPr>
-              <a:t>// </a:t>
-            </a:r>
-            <a:r>
-              <a:rPr lang="en" sz="1400" dirty="0">
-                <a:solidFill>
-                  <a:srgbClr val="999999"/>
-                </a:solidFill>
-                <a:latin typeface="Source Code Pro"/>
-                <a:ea typeface="Source Code Pro"/>
-                <a:cs typeface="Source Code Pro"/>
-                <a:sym typeface="Source Code Pro"/>
-              </a:rPr>
-              <a:t>hides the current element</a:t>
-            </a:r>
-          </a:p>
-          <a:p>
-            <a:pPr marL="457200" lvl="0" indent="-317500">
+              <a:t>// hides all &lt;div&gt; elements</a:t>
+            </a:r>
+          </a:p>
+          <a:p>
+            <a:pPr indent="-317500" lvl="0" marL="457200">
               <a:spcBef>
                 <a:spcPts val="0"/>
               </a:spcBef>
@@ -7525,19 +8443,19 @@
               <a:buFont typeface="Source Code Pro"/>
             </a:pPr>
             <a:r>
-              <a:rPr lang="en" sz="1400" dirty="0">
-                <a:solidFill>
-                  <a:srgbClr val="000000"/>
-                </a:solidFill>
-                <a:latin typeface="Source Code Pro"/>
-                <a:ea typeface="Source Code Pro"/>
-                <a:cs typeface="Source Code Pro"/>
-                <a:sym typeface="Source Code Pro"/>
-              </a:rPr>
-              <a:t>$("p").hide() 	</a:t>
-            </a:r>
-            <a:r>
-              <a:rPr lang="en" sz="1400" dirty="0" smtClean="0">
+              <a:rPr lang="en" sz="1400">
+                <a:solidFill>
+                  <a:srgbClr val="000000"/>
+                </a:solidFill>
+                <a:latin typeface="Source Code Pro"/>
+                <a:ea typeface="Source Code Pro"/>
+                <a:cs typeface="Source Code Pro"/>
+                <a:sym typeface="Source Code Pro"/>
+              </a:rPr>
+              <a:t>$("p").hide() 		</a:t>
+            </a:r>
+            <a:r>
+              <a:rPr lang="en" sz="1400">
                 <a:solidFill>
                   <a:srgbClr val="999999"/>
                 </a:solidFill>
@@ -7546,23 +8464,11 @@
                 <a:cs typeface="Source Code Pro"/>
                 <a:sym typeface="Source Code Pro"/>
               </a:rPr>
-              <a:t>// </a:t>
-            </a:r>
-            <a:r>
-              <a:rPr lang="en" sz="1400" dirty="0">
-                <a:solidFill>
-                  <a:srgbClr val="999999"/>
-                </a:solidFill>
-                <a:latin typeface="Source Code Pro"/>
-                <a:ea typeface="Source Code Pro"/>
-                <a:cs typeface="Source Code Pro"/>
-                <a:sym typeface="Source Code Pro"/>
-              </a:rPr>
-              <a:t>hides all &lt;p&gt; elements</a:t>
-            </a:r>
-          </a:p>
-          <a:p>
-            <a:pPr marL="457200" lvl="0" indent="-317500">
+              <a:t>// hides all &lt;p&gt; elements</a:t>
+            </a:r>
+          </a:p>
+          <a:p>
+            <a:pPr indent="-317500" lvl="0" marL="457200">
               <a:spcBef>
                 <a:spcPts val="0"/>
               </a:spcBef>
@@ -7576,7 +8482,7 @@
               <a:buFont typeface="Source Code Pro"/>
             </a:pPr>
             <a:r>
-              <a:rPr lang="en" sz="1400" dirty="0">
+              <a:rPr lang="en" sz="1400">
                 <a:solidFill>
                   <a:srgbClr val="000000"/>
                 </a:solidFill>
@@ -7588,7 +8494,7 @@
               <a:t>$(".test").hide() 	</a:t>
             </a:r>
             <a:r>
-              <a:rPr lang="en" sz="1400" dirty="0">
+              <a:rPr lang="en" sz="1400">
                 <a:solidFill>
                   <a:srgbClr val="999999"/>
                 </a:solidFill>
@@ -7601,7 +8507,7 @@
             </a:r>
           </a:p>
           <a:p>
-            <a:pPr marL="457200" lvl="0" indent="-317500">
+            <a:pPr indent="-317500" lvl="0" marL="457200">
               <a:spcBef>
                 <a:spcPts val="0"/>
               </a:spcBef>
@@ -7615,7 +8521,7 @@
               <a:buFont typeface="Source Code Pro"/>
             </a:pPr>
             <a:r>
-              <a:rPr lang="en" sz="1400" dirty="0">
+              <a:rPr lang="en" sz="1400">
                 <a:solidFill>
                   <a:srgbClr val="000000"/>
                 </a:solidFill>
@@ -7627,7 +8533,7 @@
               <a:t>$("#test").hide() 	</a:t>
             </a:r>
             <a:r>
-              <a:rPr lang="en" sz="1400" dirty="0">
+              <a:rPr lang="en" sz="1400">
                 <a:solidFill>
                   <a:srgbClr val="999999"/>
                 </a:solidFill>
@@ -7650,11 +8556,11 @@
 </file>
 
 <file path=ppt/slides/slide4.xml><?xml version="1.0" encoding="utf-8"?>
-<p:sld xmlns:a="http://schemas.openxmlformats.org/drawingml/2006/main" xmlns:r="http://schemas.openxmlformats.org/officeDocument/2006/relationships" xmlns:p="http://schemas.openxmlformats.org/presentationml/2006/main">
+<p:sld xmlns:a="http://schemas.openxmlformats.org/drawingml/2006/main" xmlns:r="http://schemas.openxmlformats.org/officeDocument/2006/relationships" xmlns:mc="http://schemas.openxmlformats.org/markup-compatibility/2006" xmlns:mv="urn:schemas-microsoft-com:mac:vml" xmlns:p="http://schemas.openxmlformats.org/presentationml/2006/main" xmlns:c="http://schemas.openxmlformats.org/drawingml/2006/chart" xmlns:dgm="http://schemas.openxmlformats.org/drawingml/2006/diagram" xmlns:o="urn:schemas-microsoft-com:office:office" xmlns:v="urn:schemas-microsoft-com:vml" xmlns:pvml="urn:schemas-microsoft-com:office:powerpoint" xmlns:com="http://schemas.openxmlformats.org/drawingml/2006/compatibility" xmlns:p14="http://schemas.microsoft.com/office/powerpoint/2010/main">
   <p:cSld>
     <p:spTree>
       <p:nvGrpSpPr>
-        <p:cNvPr id="1" name="Shape 83"/>
+        <p:cNvPr id="83" name="Shape 83"/>
         <p:cNvGrpSpPr/>
         <p:nvPr/>
       </p:nvGrpSpPr>
@@ -7669,9 +8575,7 @@
       <p:sp>
         <p:nvSpPr>
           <p:cNvPr id="84" name="Shape 84"/>
-          <p:cNvSpPr txBox="1">
-            <a:spLocks noGrp="1"/>
-          </p:cNvSpPr>
+          <p:cNvSpPr txBox="1"/>
           <p:nvPr>
             <p:ph type="title"/>
           </p:nvPr>
@@ -7686,7 +8590,7 @@
           </a:prstGeom>
         </p:spPr>
         <p:txBody>
-          <a:bodyPr lIns="91425" tIns="91425" rIns="91425" bIns="91425" anchor="t" anchorCtr="0">
+          <a:bodyPr anchorCtr="0" anchor="t" bIns="91425" lIns="91425" rIns="91425" tIns="91425">
             <a:noAutofit/>
           </a:bodyPr>
           <a:lstStyle/>
@@ -7708,34 +8612,30 @@
         <p:nvGraphicFramePr>
           <p:cNvPr id="85" name="Shape 85"/>
           <p:cNvGraphicFramePr/>
-          <p:nvPr>
-            <p:extLst>
-              <p:ext uri="{D42A27DB-BD31-4B8C-83A1-F6EECF244321}">
-                <p14:modId xmlns:p14="http://schemas.microsoft.com/office/powerpoint/2010/main" val="3694343041"/>
-              </p:ext>
-            </p:extLst>
-          </p:nvPr>
+          <p:nvPr/>
         </p:nvGraphicFramePr>
         <p:xfrm>
           <a:off x="311700" y="1152425"/>
-          <a:ext cx="8574000" cy="3378888"/>
+          <a:ext cx="3000000" cy="3000000"/>
         </p:xfrm>
         <a:graphic>
           <a:graphicData uri="http://schemas.openxmlformats.org/drawingml/2006/table">
             <a:tbl>
               <a:tblPr>
                 <a:noFill/>
-                <a:tableStyleId>{3773D411-FE64-455C-8B96-035AD9ACF128}</a:tableStyleId>
+                <a:tableStyleId>{2B9772BE-AF49-49A6-BC06-1BAAF9C4A202}</a:tableStyleId>
               </a:tblPr>
               <a:tblGrid>
-                <a:gridCol w="1787300"/>
-                <a:gridCol w="4245250"/>
-                <a:gridCol w="2541450"/>
+                <a:gridCol w="1545400"/>
+                <a:gridCol w="4266250"/>
+                <a:gridCol w="2762350"/>
               </a:tblGrid>
               <a:tr h="368000">
                 <a:tc>
                   <a:txBody>
-                    <a:bodyPr/>
+                    <a:bodyPr>
+                      <a:noAutofit/>
+                    </a:bodyPr>
                     <a:lstStyle/>
                     <a:p>
                       <a:pPr lvl="0">
@@ -7745,7 +8645,7 @@
                         <a:buNone/>
                       </a:pPr>
                       <a:r>
-                        <a:rPr lang="en" b="1">
+                        <a:rPr b="1" lang="en">
                           <a:solidFill>
                             <a:schemeClr val="dk2"/>
                           </a:solidFill>
@@ -7754,11 +8654,13 @@
                       </a:r>
                     </a:p>
                   </a:txBody>
-                  <a:tcPr marL="91425" marR="91425" marT="91425" marB="91425"/>
+                  <a:tcPr marT="91425" marB="91425" marR="91425" marL="91425"/>
                 </a:tc>
                 <a:tc>
                   <a:txBody>
-                    <a:bodyPr/>
+                    <a:bodyPr>
+                      <a:noAutofit/>
+                    </a:bodyPr>
                     <a:lstStyle/>
                     <a:p>
                       <a:pPr lvl="0">
@@ -7768,7 +8670,7 @@
                         <a:buNone/>
                       </a:pPr>
                       <a:r>
-                        <a:rPr lang="en" b="1">
+                        <a:rPr b="1" lang="en">
                           <a:solidFill>
                             <a:schemeClr val="dk2"/>
                           </a:solidFill>
@@ -7777,11 +8679,13 @@
                       </a:r>
                     </a:p>
                   </a:txBody>
-                  <a:tcPr marL="91425" marR="91425" marT="91425" marB="91425"/>
+                  <a:tcPr marT="91425" marB="91425" marR="91425" marL="91425"/>
                 </a:tc>
                 <a:tc>
                   <a:txBody>
-                    <a:bodyPr/>
+                    <a:bodyPr>
+                      <a:noAutofit/>
+                    </a:bodyPr>
                     <a:lstStyle/>
                     <a:p>
                       <a:pPr lvl="0">
@@ -7791,7 +8695,7 @@
                         <a:buNone/>
                       </a:pPr>
                       <a:r>
-                        <a:rPr lang="en" b="1">
+                        <a:rPr b="1" lang="en">
                           <a:solidFill>
                             <a:schemeClr val="dk2"/>
                           </a:solidFill>
@@ -7800,13 +8704,15 @@
                       </a:r>
                     </a:p>
                   </a:txBody>
-                  <a:tcPr marL="91425" marR="91425" marT="91425" marB="91425"/>
+                  <a:tcPr marT="91425" marB="91425" marR="91425" marL="91425"/>
                 </a:tc>
               </a:tr>
               <a:tr h="860725">
                 <a:tc>
                   <a:txBody>
-                    <a:bodyPr/>
+                    <a:bodyPr>
+                      <a:noAutofit/>
+                    </a:bodyPr>
                     <a:lstStyle/>
                     <a:p>
                       <a:pPr lvl="0">
@@ -7825,11 +8731,13 @@
                       </a:r>
                     </a:p>
                   </a:txBody>
-                  <a:tcPr marL="91425" marR="91425" marT="91425" marB="91425"/>
+                  <a:tcPr marT="91425" marB="91425" marR="91425" marL="91425"/>
                 </a:tc>
                 <a:tc>
                   <a:txBody>
-                    <a:bodyPr/>
+                    <a:bodyPr>
+                      <a:noAutofit/>
+                    </a:bodyPr>
                     <a:lstStyle/>
                     <a:p>
                       <a:pPr lvl="0" rtl="0">
@@ -7842,10 +8750,7 @@
                         <a:buNone/>
                       </a:pPr>
                       <a:r>
-                        <a:rPr lang="en" sz="1100" dirty="0">
-                          <a:solidFill>
-                            <a:srgbClr val="0000FF"/>
-                          </a:solidFill>
+                        <a:rPr lang="en" sz="1100">
                           <a:latin typeface="Source Code Pro"/>
                           <a:ea typeface="Source Code Pro"/>
                           <a:cs typeface="Source Code Pro"/>
@@ -7854,10 +8759,7 @@
                         <a:t>var btn = document.getElementById(“my-btn”);</a:t>
                       </a:r>
                       <a:br>
-                        <a:rPr lang="en" sz="1100" dirty="0">
-                          <a:solidFill>
-                            <a:srgbClr val="0000FF"/>
-                          </a:solidFill>
+                        <a:rPr lang="en" sz="1100">
                           <a:latin typeface="Source Code Pro"/>
                           <a:ea typeface="Source Code Pro"/>
                           <a:cs typeface="Source Code Pro"/>
@@ -7865,10 +8767,7 @@
                         </a:rPr>
                       </a:br>
                       <a:r>
-                        <a:rPr lang="en" sz="1100" dirty="0">
-                          <a:solidFill>
-                            <a:srgbClr val="0000FF"/>
-                          </a:solidFill>
+                        <a:rPr lang="en" sz="1100">
                           <a:latin typeface="Source Code Pro"/>
                           <a:ea typeface="Source Code Pro"/>
                           <a:cs typeface="Source Code Pro"/>
@@ -7877,10 +8776,7 @@
                         <a:t>btn.addEventListener("click", function() {</a:t>
                       </a:r>
                       <a:br>
-                        <a:rPr lang="en" sz="1100" dirty="0">
-                          <a:solidFill>
-                            <a:srgbClr val="0000FF"/>
-                          </a:solidFill>
+                        <a:rPr lang="en" sz="1100">
                           <a:latin typeface="Source Code Pro"/>
                           <a:ea typeface="Source Code Pro"/>
                           <a:cs typeface="Source Code Pro"/>
@@ -7888,7 +8784,7 @@
                         </a:rPr>
                       </a:br>
                       <a:r>
-                        <a:rPr lang="en" sz="1100" dirty="0">
+                        <a:rPr lang="en" sz="1100">
                           <a:latin typeface="Source Code Pro"/>
                           <a:ea typeface="Source Code Pro"/>
                           <a:cs typeface="Source Code Pro"/>
@@ -7897,7 +8793,7 @@
                         <a:t>    </a:t>
                       </a:r>
                       <a:r>
-                        <a:rPr lang="en" sz="1100" dirty="0">
+                        <a:rPr lang="en" sz="1100">
                           <a:solidFill>
                             <a:srgbClr val="999999"/>
                           </a:solidFill>
@@ -7920,10 +8816,7 @@
                         <a:buNone/>
                       </a:pPr>
                       <a:r>
-                        <a:rPr lang="en" sz="1100" dirty="0">
-                          <a:solidFill>
-                            <a:srgbClr val="0000FF"/>
-                          </a:solidFill>
+                        <a:rPr lang="en" sz="1100">
                           <a:latin typeface="Source Code Pro"/>
                           <a:ea typeface="Source Code Pro"/>
                           <a:cs typeface="Source Code Pro"/>
@@ -7933,14 +8826,16 @@
                       </a:r>
                     </a:p>
                   </a:txBody>
-                  <a:tcPr marL="91425" marR="91425" marT="91425" marB="91425"/>
+                  <a:tcPr marT="91425" marB="91425" marR="91425" marL="91425"/>
                 </a:tc>
                 <a:tc>
                   <a:txBody>
-                    <a:bodyPr/>
+                    <a:bodyPr>
+                      <a:noAutofit/>
+                    </a:bodyPr>
                     <a:lstStyle/>
                     <a:p>
-                      <a:pPr marL="0" lvl="0" indent="0" rtl="0">
+                      <a:pPr indent="0" lvl="0" marL="0" rtl="0">
                         <a:lnSpc>
                           <a:spcPct val="115000"/>
                         </a:lnSpc>
@@ -7953,28 +8848,16 @@
                         <a:buNone/>
                       </a:pPr>
                       <a:r>
-                        <a:rPr lang="en" sz="1100" dirty="0">
-                          <a:solidFill>
-                            <a:srgbClr val="0000FF"/>
-                          </a:solidFill>
+                        <a:rPr lang="en" sz="1100">
                           <a:latin typeface="Source Code Pro"/>
                           <a:ea typeface="Source Code Pro"/>
                           <a:cs typeface="Source Code Pro"/>
                           <a:sym typeface="Source Code Pro"/>
                         </a:rPr>
-                        <a:t>$("#my-btn").click(function() {</a:t>
-                      </a:r>
-                      <a:r>
-                        <a:rPr lang="en" sz="1100" dirty="0">
-                          <a:latin typeface="Source Code Pro"/>
-                          <a:ea typeface="Source Code Pro"/>
-                          <a:cs typeface="Source Code Pro"/>
-                          <a:sym typeface="Source Code Pro"/>
-                        </a:rPr>
-                        <a:t/>
+                        <a:t>var btn = $("#my-btn");</a:t>
                       </a:r>
                       <a:br>
-                        <a:rPr lang="en" sz="1100" dirty="0">
+                        <a:rPr lang="en" sz="1100">
                           <a:latin typeface="Source Code Pro"/>
                           <a:ea typeface="Source Code Pro"/>
                           <a:cs typeface="Source Code Pro"/>
@@ -7982,7 +8865,24 @@
                         </a:rPr>
                       </a:br>
                       <a:r>
-                        <a:rPr lang="en" sz="1100" dirty="0">
+                        <a:rPr lang="en" sz="1100">
+                          <a:latin typeface="Source Code Pro"/>
+                          <a:ea typeface="Source Code Pro"/>
+                          <a:cs typeface="Source Code Pro"/>
+                          <a:sym typeface="Source Code Pro"/>
+                        </a:rPr>
+                        <a:t>btn.click(function() {</a:t>
+                      </a:r>
+                      <a:br>
+                        <a:rPr lang="en" sz="1100">
+                          <a:latin typeface="Source Code Pro"/>
+                          <a:ea typeface="Source Code Pro"/>
+                          <a:cs typeface="Source Code Pro"/>
+                          <a:sym typeface="Source Code Pro"/>
+                        </a:rPr>
+                      </a:br>
+                      <a:r>
+                        <a:rPr lang="en" sz="1100">
                           <a:latin typeface="Source Code Pro"/>
                           <a:ea typeface="Source Code Pro"/>
                           <a:cs typeface="Source Code Pro"/>
@@ -7991,7 +8891,7 @@
                         <a:t>    </a:t>
                       </a:r>
                       <a:r>
-                        <a:rPr lang="en" sz="1100" dirty="0">
+                        <a:rPr lang="en" sz="1100">
                           <a:solidFill>
                             <a:srgbClr val="999999"/>
                           </a:solidFill>
@@ -8002,17 +8902,8 @@
                         </a:rPr>
                         <a:t>// do stuff</a:t>
                       </a:r>
-                      <a:r>
-                        <a:rPr lang="en" sz="1100" dirty="0">
-                          <a:latin typeface="Source Code Pro"/>
-                          <a:ea typeface="Source Code Pro"/>
-                          <a:cs typeface="Source Code Pro"/>
-                          <a:sym typeface="Source Code Pro"/>
-                        </a:rPr>
-                        <a:t/>
-                      </a:r>
                       <a:br>
-                        <a:rPr lang="en" sz="1100" dirty="0">
+                        <a:rPr lang="en" sz="1100">
                           <a:latin typeface="Source Code Pro"/>
                           <a:ea typeface="Source Code Pro"/>
                           <a:cs typeface="Source Code Pro"/>
@@ -8020,10 +8911,7 @@
                         </a:rPr>
                       </a:br>
                       <a:r>
-                        <a:rPr lang="en" sz="1100" dirty="0">
-                          <a:solidFill>
-                            <a:srgbClr val="0000FF"/>
-                          </a:solidFill>
+                        <a:rPr lang="en" sz="1100">
                           <a:latin typeface="Source Code Pro"/>
                           <a:ea typeface="Source Code Pro"/>
                           <a:cs typeface="Source Code Pro"/>
@@ -8033,13 +8921,15 @@
                       </a:r>
                     </a:p>
                   </a:txBody>
-                  <a:tcPr marL="91425" marR="91425" marT="91425" marB="91425"/>
+                  <a:tcPr marT="91425" marB="91425" marR="91425" marL="91425"/>
                 </a:tc>
               </a:tr>
               <a:tr h="313000">
                 <a:tc>
                   <a:txBody>
-                    <a:bodyPr/>
+                    <a:bodyPr>
+                      <a:noAutofit/>
+                    </a:bodyPr>
                     <a:lstStyle/>
                     <a:p>
                       <a:pPr lvl="0">
@@ -8054,15 +8944,17 @@
                             <a:schemeClr val="dk2"/>
                           </a:solidFill>
                         </a:rPr>
-                        <a:t>Reading input value</a:t>
+                        <a:t>Reading values</a:t>
                       </a:r>
                     </a:p>
                   </a:txBody>
-                  <a:tcPr marL="91425" marR="91425" marT="91425" marB="91425"/>
+                  <a:tcPr marT="91425" marB="91425" marR="91425" marL="91425"/>
                 </a:tc>
                 <a:tc>
                   <a:txBody>
-                    <a:bodyPr/>
+                    <a:bodyPr>
+                      <a:noAutofit/>
+                    </a:bodyPr>
                     <a:lstStyle/>
                     <a:p>
                       <a:pPr lvl="0">
@@ -8072,10 +8964,7 @@
                         <a:buNone/>
                       </a:pPr>
                       <a:r>
-                        <a:rPr lang="en" sz="1100" dirty="0">
-                          <a:solidFill>
-                            <a:srgbClr val="0000FF"/>
-                          </a:solidFill>
+                        <a:rPr lang="en" sz="1100">
                           <a:latin typeface="Source Code Pro"/>
                           <a:ea typeface="Source Code Pro"/>
                           <a:cs typeface="Source Code Pro"/>
@@ -8085,14 +8974,16 @@
                       </a:r>
                     </a:p>
                   </a:txBody>
-                  <a:tcPr marL="91425" marR="91425" marT="91425" marB="91425"/>
+                  <a:tcPr marT="91425" marB="91425" marR="91425" marL="91425"/>
                 </a:tc>
                 <a:tc>
                   <a:txBody>
-                    <a:bodyPr/>
+                    <a:bodyPr>
+                      <a:noAutofit/>
+                    </a:bodyPr>
                     <a:lstStyle/>
                     <a:p>
-                      <a:pPr marL="0" lvl="0" indent="0" rtl="0">
+                      <a:pPr indent="0" lvl="0" marL="0" rtl="0">
                         <a:lnSpc>
                           <a:spcPct val="115000"/>
                         </a:lnSpc>
@@ -8105,10 +8996,7 @@
                         <a:buNone/>
                       </a:pPr>
                       <a:r>
-                        <a:rPr lang="en" sz="1100" dirty="0">
-                          <a:solidFill>
-                            <a:srgbClr val="0000FF"/>
-                          </a:solidFill>
+                        <a:rPr lang="en" sz="1100">
                           <a:latin typeface="Source Code Pro"/>
                           <a:ea typeface="Source Code Pro"/>
                           <a:cs typeface="Source Code Pro"/>
@@ -8118,13 +9006,15 @@
                       </a:r>
                     </a:p>
                   </a:txBody>
-                  <a:tcPr marL="91425" marR="91425" marT="91425" marB="91425"/>
+                  <a:tcPr marT="91425" marB="91425" marR="91425" marL="91425"/>
                 </a:tc>
               </a:tr>
               <a:tr h="957600">
                 <a:tc>
                   <a:txBody>
-                    <a:bodyPr/>
+                    <a:bodyPr>
+                      <a:noAutofit/>
+                    </a:bodyPr>
                     <a:lstStyle/>
                     <a:p>
                       <a:pPr lvl="0">
@@ -8143,11 +9033,13 @@
                       </a:r>
                     </a:p>
                   </a:txBody>
-                  <a:tcPr marL="91425" marR="91425" marT="91425" marB="91425"/>
+                  <a:tcPr marT="91425" marB="91425" marR="91425" marL="91425"/>
                 </a:tc>
                 <a:tc>
                   <a:txBody>
-                    <a:bodyPr/>
+                    <a:bodyPr>
+                      <a:noAutofit/>
+                    </a:bodyPr>
                     <a:lstStyle/>
                     <a:p>
                       <a:pPr lvl="0" rtl="0">
@@ -8160,22 +9052,16 @@
                         <a:buNone/>
                       </a:pPr>
                       <a:r>
-                        <a:rPr lang="en" sz="1100" dirty="0">
-                          <a:solidFill>
-                            <a:srgbClr val="0000FF"/>
-                          </a:solidFill>
+                        <a:rPr lang="en" sz="1100">
                           <a:latin typeface="Source Code Pro"/>
                           <a:ea typeface="Source Code Pro"/>
                           <a:cs typeface="Source Code Pro"/>
                           <a:sym typeface="Source Code Pro"/>
                         </a:rPr>
-                        <a:t>document.getElementById(“el1”).innerText = “Hello!”</a:t>
+                        <a:t>document.getElementById(“el1”).innerText = “Hi!”</a:t>
                       </a:r>
                       <a:br>
-                        <a:rPr lang="en" sz="1100" dirty="0">
-                          <a:solidFill>
-                            <a:srgbClr val="0000FF"/>
-                          </a:solidFill>
+                        <a:rPr lang="en" sz="1100">
                           <a:latin typeface="Source Code Pro"/>
                           <a:ea typeface="Source Code Pro"/>
                           <a:cs typeface="Source Code Pro"/>
@@ -8183,16 +9069,13 @@
                         </a:rPr>
                       </a:br>
                       <a:r>
-                        <a:rPr lang="en" sz="1100" dirty="0">
-                          <a:solidFill>
-                            <a:srgbClr val="0000FF"/>
-                          </a:solidFill>
+                        <a:rPr lang="en" sz="1100">
                           <a:latin typeface="Source Code Pro"/>
                           <a:ea typeface="Source Code Pro"/>
                           <a:cs typeface="Source Code Pro"/>
                           <a:sym typeface="Source Code Pro"/>
                         </a:rPr>
-                        <a:t>document.getElementById(“el2”).innerHTML = “&lt;b&gt;Hello!&lt;/b&gt;”</a:t>
+                        <a:t>document.getElementById(“el2”).innerHTML = “&lt;b&gt;Hi!&lt;/b&gt;”</a:t>
                       </a:r>
                     </a:p>
                     <a:p>
@@ -8206,24 +9089,23 @@
                         <a:buNone/>
                       </a:pPr>
                       <a:r>
-                        <a:rPr lang="en" sz="1100" dirty="0">
-                          <a:solidFill>
-                            <a:srgbClr val="0000FF"/>
-                          </a:solidFill>
+                        <a:rPr lang="en" sz="1100">
                           <a:latin typeface="Source Code Pro"/>
                           <a:ea typeface="Source Code Pro"/>
                           <a:cs typeface="Source Code Pro"/>
                           <a:sym typeface="Source Code Pro"/>
                         </a:rPr>
-                        <a:t>document.getElementById(“el3”).value = “Hello”;</a:t>
+                        <a:t>document.getElementById(“el3”).value = “Hi”;</a:t>
                       </a:r>
                     </a:p>
                   </a:txBody>
-                  <a:tcPr marL="91425" marR="91425" marT="91425" marB="91425"/>
+                  <a:tcPr marT="91425" marB="91425" marR="91425" marL="91425"/>
                 </a:tc>
                 <a:tc>
                   <a:txBody>
-                    <a:bodyPr/>
+                    <a:bodyPr>
+                      <a:noAutofit/>
+                    </a:bodyPr>
                     <a:lstStyle/>
                     <a:p>
                       <a:pPr lvl="0">
@@ -8236,16 +9118,13 @@
                         <a:buNone/>
                       </a:pPr>
                       <a:r>
-                        <a:rPr lang="en" sz="1100" dirty="0">
-                          <a:solidFill>
-                            <a:srgbClr val="0000FF"/>
-                          </a:solidFill>
+                        <a:rPr lang="en" sz="1100">
                           <a:latin typeface="Source Code Pro"/>
                           <a:ea typeface="Source Code Pro"/>
                           <a:cs typeface="Source Code Pro"/>
                           <a:sym typeface="Source Code Pro"/>
                         </a:rPr>
-                        <a:t>$("#el1").text("Hello!");</a:t>
+                        <a:t>$("#el1").text("Hi!");</a:t>
                       </a:r>
                     </a:p>
                     <a:p>
@@ -8259,16 +9138,13 @@
                         <a:buNone/>
                       </a:pPr>
                       <a:r>
-                        <a:rPr lang="en" sz="1100" dirty="0">
-                          <a:solidFill>
-                            <a:srgbClr val="0000FF"/>
-                          </a:solidFill>
+                        <a:rPr lang="en" sz="1100">
                           <a:latin typeface="Source Code Pro"/>
                           <a:ea typeface="Source Code Pro"/>
                           <a:cs typeface="Source Code Pro"/>
                           <a:sym typeface="Source Code Pro"/>
                         </a:rPr>
-                        <a:t>$("#el2").html("&lt;b&gt;Hello!&lt;/b&gt;");</a:t>
+                        <a:t>$("#el2").html("&lt;b&gt;Hi!&lt;/b&gt;");</a:t>
                       </a:r>
                     </a:p>
                     <a:p>
@@ -8282,26 +9158,25 @@
                         <a:buNone/>
                       </a:pPr>
                       <a:r>
-                        <a:rPr lang="en" sz="1100" dirty="0">
-                          <a:solidFill>
-                            <a:srgbClr val="0000FF"/>
-                          </a:solidFill>
+                        <a:rPr lang="en" sz="1100">
                           <a:latin typeface="Source Code Pro"/>
                           <a:ea typeface="Source Code Pro"/>
                           <a:cs typeface="Source Code Pro"/>
                           <a:sym typeface="Source Code Pro"/>
                         </a:rPr>
-                        <a:t>$("#el3").val("Hello");</a:t>
+                        <a:t>$("#el3").val("Hi");</a:t>
                       </a:r>
                     </a:p>
                   </a:txBody>
-                  <a:tcPr marL="91425" marR="91425" marT="91425" marB="91425"/>
+                  <a:tcPr marT="91425" marB="91425" marR="91425" marL="91425"/>
                 </a:tc>
               </a:tr>
               <a:tr h="674875">
                 <a:tc>
                   <a:txBody>
-                    <a:bodyPr/>
+                    <a:bodyPr>
+                      <a:noAutofit/>
+                    </a:bodyPr>
                     <a:lstStyle/>
                     <a:p>
                       <a:pPr lvl="0" rtl="0">
@@ -8320,11 +9195,13 @@
                       </a:r>
                     </a:p>
                   </a:txBody>
-                  <a:tcPr marL="91425" marR="91425" marT="91425" marB="91425"/>
+                  <a:tcPr marT="91425" marB="91425" marR="91425" marL="91425"/>
                 </a:tc>
                 <a:tc>
                   <a:txBody>
-                    <a:bodyPr/>
+                    <a:bodyPr>
+                      <a:noAutofit/>
+                    </a:bodyPr>
                     <a:lstStyle/>
                     <a:p>
                       <a:pPr lvl="0" rtl="0">
@@ -8337,10 +9214,7 @@
                         <a:buNone/>
                       </a:pPr>
                       <a:r>
-                        <a:rPr lang="en" sz="1100" dirty="0">
-                          <a:solidFill>
-                            <a:srgbClr val="0000FF"/>
-                          </a:solidFill>
+                        <a:rPr lang="en" sz="1100">
                           <a:latin typeface="Source Code Pro"/>
                           <a:ea typeface="Source Code Pro"/>
                           <a:cs typeface="Source Code Pro"/>
@@ -8349,10 +9223,7 @@
                         <a:t>var el = document.getElementById(“el”);</a:t>
                       </a:r>
                       <a:br>
-                        <a:rPr lang="en" sz="1100" dirty="0">
-                          <a:solidFill>
-                            <a:srgbClr val="0000FF"/>
-                          </a:solidFill>
+                        <a:rPr lang="en" sz="1100">
                           <a:latin typeface="Source Code Pro"/>
                           <a:ea typeface="Source Code Pro"/>
                           <a:cs typeface="Source Code Pro"/>
@@ -8360,10 +9231,7 @@
                         </a:rPr>
                       </a:br>
                       <a:r>
-                        <a:rPr lang="en" sz="1100" dirty="0">
-                          <a:solidFill>
-                            <a:srgbClr val="0000FF"/>
-                          </a:solidFill>
+                        <a:rPr lang="en" sz="1100">
                           <a:latin typeface="Source Code Pro"/>
                           <a:ea typeface="Source Code Pro"/>
                           <a:cs typeface="Source Code Pro"/>
@@ -8373,11 +9241,13 @@
                       </a:r>
                     </a:p>
                   </a:txBody>
-                  <a:tcPr marL="91425" marR="91425" marT="91425" marB="91425"/>
+                  <a:tcPr marT="91425" marB="91425" marR="91425" marL="91425"/>
                 </a:tc>
                 <a:tc>
                   <a:txBody>
-                    <a:bodyPr/>
+                    <a:bodyPr>
+                      <a:noAutofit/>
+                    </a:bodyPr>
                     <a:lstStyle/>
                     <a:p>
                       <a:pPr lvl="0" rtl="0">
@@ -8387,20 +9257,34 @@
                         <a:buNone/>
                       </a:pPr>
                       <a:r>
-                        <a:rPr lang="en" sz="1100" dirty="0">
-                          <a:solidFill>
-                            <a:srgbClr val="0000FF"/>
-                          </a:solidFill>
+                        <a:rPr lang="en" sz="1100">
                           <a:latin typeface="Source Code Pro"/>
                           <a:ea typeface="Source Code Pro"/>
                           <a:cs typeface="Source Code Pro"/>
                           <a:sym typeface="Source Code Pro"/>
                         </a:rPr>
-                        <a:t>$("#el").css("color", "blue");</a:t>
+                        <a:t>var el = $(#el);</a:t>
+                      </a:r>
+                      <a:br>
+                        <a:rPr lang="en" sz="1100">
+                          <a:latin typeface="Source Code Pro"/>
+                          <a:ea typeface="Source Code Pro"/>
+                          <a:cs typeface="Source Code Pro"/>
+                          <a:sym typeface="Source Code Pro"/>
+                        </a:rPr>
+                      </a:br>
+                      <a:r>
+                        <a:rPr lang="en" sz="1100">
+                          <a:latin typeface="Source Code Pro"/>
+                          <a:ea typeface="Source Code Pro"/>
+                          <a:cs typeface="Source Code Pro"/>
+                          <a:sym typeface="Source Code Pro"/>
+                        </a:rPr>
+                        <a:t>el.css("color", "blue");</a:t>
                       </a:r>
                     </a:p>
                   </a:txBody>
-                  <a:tcPr marL="91425" marR="91425" marT="91425" marB="91425"/>
+                  <a:tcPr marT="91425" marB="91425" marR="91425" marL="91425"/>
                 </a:tc>
               </a:tr>
             </a:tbl>
@@ -8416,11 +9300,11 @@
 </file>
 
 <file path=ppt/slides/slide5.xml><?xml version="1.0" encoding="utf-8"?>
-<p:sld xmlns:a="http://schemas.openxmlformats.org/drawingml/2006/main" xmlns:r="http://schemas.openxmlformats.org/officeDocument/2006/relationships" xmlns:p="http://schemas.openxmlformats.org/presentationml/2006/main">
+<p:sld xmlns:a="http://schemas.openxmlformats.org/drawingml/2006/main" xmlns:r="http://schemas.openxmlformats.org/officeDocument/2006/relationships" xmlns:mc="http://schemas.openxmlformats.org/markup-compatibility/2006" xmlns:mv="urn:schemas-microsoft-com:mac:vml" xmlns:p="http://schemas.openxmlformats.org/presentationml/2006/main" xmlns:c="http://schemas.openxmlformats.org/drawingml/2006/chart" xmlns:dgm="http://schemas.openxmlformats.org/drawingml/2006/diagram" xmlns:o="urn:schemas-microsoft-com:office:office" xmlns:v="urn:schemas-microsoft-com:vml" xmlns:pvml="urn:schemas-microsoft-com:office:powerpoint" xmlns:com="http://schemas.openxmlformats.org/drawingml/2006/compatibility" xmlns:p14="http://schemas.microsoft.com/office/powerpoint/2010/main">
   <p:cSld>
     <p:spTree>
       <p:nvGrpSpPr>
-        <p:cNvPr id="1" name="Shape 89"/>
+        <p:cNvPr id="89" name="Shape 89"/>
         <p:cNvGrpSpPr/>
         <p:nvPr/>
       </p:nvGrpSpPr>
@@ -8435,9 +9319,7 @@
       <p:sp>
         <p:nvSpPr>
           <p:cNvPr id="90" name="Shape 90"/>
-          <p:cNvSpPr txBox="1">
-            <a:spLocks noGrp="1"/>
-          </p:cNvSpPr>
+          <p:cNvSpPr txBox="1"/>
           <p:nvPr>
             <p:ph type="title"/>
           </p:nvPr>
@@ -8452,7 +9334,7 @@
           </a:prstGeom>
         </p:spPr>
         <p:txBody>
-          <a:bodyPr lIns="91425" tIns="91425" rIns="91425" bIns="91425" anchor="t" anchorCtr="0">
+          <a:bodyPr anchorCtr="0" anchor="t" bIns="91425" lIns="91425" rIns="91425" tIns="91425">
             <a:noAutofit/>
           </a:bodyPr>
           <a:lstStyle/>
@@ -8473,11 +9355,9 @@
       <p:sp>
         <p:nvSpPr>
           <p:cNvPr id="91" name="Shape 91"/>
-          <p:cNvSpPr txBox="1">
-            <a:spLocks noGrp="1"/>
-          </p:cNvSpPr>
+          <p:cNvSpPr txBox="1"/>
           <p:nvPr>
-            <p:ph type="body" idx="1"/>
+            <p:ph idx="1" type="body"/>
           </p:nvPr>
         </p:nvSpPr>
         <p:spPr>
@@ -8490,12 +9370,12 @@
           </a:prstGeom>
         </p:spPr>
         <p:txBody>
-          <a:bodyPr lIns="91425" tIns="91425" rIns="91425" bIns="91425" anchor="t" anchorCtr="0">
+          <a:bodyPr anchorCtr="0" anchor="t" bIns="91425" lIns="91425" rIns="91425" tIns="91425">
             <a:noAutofit/>
           </a:bodyPr>
           <a:lstStyle/>
           <a:p>
-            <a:pPr marL="457200" lvl="0" indent="-228600">
+            <a:pPr indent="-228600" lvl="0" marL="457200" rtl="0">
               <a:spcBef>
                 <a:spcPts val="0"/>
               </a:spcBef>
@@ -8508,7 +9388,7 @@
               <a:t>jQuery is a </a:t>
             </a:r>
             <a:r>
-              <a:rPr lang="en" i="1"/>
+              <a:rPr i="1" lang="en"/>
               <a:t>library</a:t>
             </a:r>
             <a:r>
@@ -8517,7 +9397,7 @@
             </a:r>
           </a:p>
           <a:p>
-            <a:pPr marL="457200" lvl="0" indent="-228600">
+            <a:pPr indent="-228600" lvl="0" marL="457200">
               <a:spcBef>
                 <a:spcPts val="0"/>
               </a:spcBef>
@@ -8527,35 +9407,7 @@
             </a:pPr>
             <a:r>
               <a:rPr lang="en"/>
-              <a:t>You can mix jQuery and plain JavaScript and nothing will break; it makes your code more confusing to read, but nothing will break</a:t>
-            </a:r>
-          </a:p>
-          <a:p>
-            <a:pPr marL="457200" lvl="0" indent="-228600">
-              <a:spcBef>
-                <a:spcPts val="0"/>
-              </a:spcBef>
-              <a:spcAft>
-                <a:spcPts val="1000"/>
-              </a:spcAft>
-            </a:pPr>
-            <a:r>
-              <a:rPr lang="en"/>
-              <a:t>For most JavaScript developers, using jQuery is a given -- plain JavaScript is just too cumbersome to develop in</a:t>
-            </a:r>
-          </a:p>
-          <a:p>
-            <a:pPr marL="457200" lvl="0" indent="-228600">
-              <a:spcBef>
-                <a:spcPts val="0"/>
-              </a:spcBef>
-              <a:spcAft>
-                <a:spcPts val="1000"/>
-              </a:spcAft>
-            </a:pPr>
-            <a:r>
-              <a:rPr lang="en"/>
-              <a:t>There are plenty of other JavaScript libraries and frameworks, jQuery is just one of the most popular ones</a:t>
+              <a:t>There are plenty of other JavaScript libraries and frameworks, jQuery is just one of the most popular ones because it’s easy to use and has great documentation</a:t>
             </a:r>
           </a:p>
         </p:txBody>
@@ -8569,11 +9421,11 @@
 </file>
 
 <file path=ppt/slides/slide6.xml><?xml version="1.0" encoding="utf-8"?>
-<p:sld xmlns:a="http://schemas.openxmlformats.org/drawingml/2006/main" xmlns:r="http://schemas.openxmlformats.org/officeDocument/2006/relationships" xmlns:p="http://schemas.openxmlformats.org/presentationml/2006/main">
+<p:sld xmlns:a="http://schemas.openxmlformats.org/drawingml/2006/main" xmlns:r="http://schemas.openxmlformats.org/officeDocument/2006/relationships" xmlns:mc="http://schemas.openxmlformats.org/markup-compatibility/2006" xmlns:mv="urn:schemas-microsoft-com:mac:vml" xmlns:p="http://schemas.openxmlformats.org/presentationml/2006/main" xmlns:c="http://schemas.openxmlformats.org/drawingml/2006/chart" xmlns:dgm="http://schemas.openxmlformats.org/drawingml/2006/diagram" xmlns:o="urn:schemas-microsoft-com:office:office" xmlns:v="urn:schemas-microsoft-com:vml" xmlns:pvml="urn:schemas-microsoft-com:office:powerpoint" xmlns:com="http://schemas.openxmlformats.org/drawingml/2006/compatibility" xmlns:p14="http://schemas.microsoft.com/office/powerpoint/2010/main">
   <p:cSld>
     <p:spTree>
       <p:nvGrpSpPr>
-        <p:cNvPr id="1" name="Shape 95"/>
+        <p:cNvPr id="95" name="Shape 95"/>
         <p:cNvGrpSpPr/>
         <p:nvPr/>
       </p:nvGrpSpPr>
@@ -8588,9 +9440,7 @@
       <p:sp>
         <p:nvSpPr>
           <p:cNvPr id="96" name="Shape 96"/>
-          <p:cNvSpPr txBox="1">
-            <a:spLocks noGrp="1"/>
-          </p:cNvSpPr>
+          <p:cNvSpPr txBox="1"/>
           <p:nvPr>
             <p:ph type="title"/>
           </p:nvPr>
@@ -8605,7 +9455,7 @@
           </a:prstGeom>
         </p:spPr>
         <p:txBody>
-          <a:bodyPr lIns="91425" tIns="91425" rIns="91425" bIns="91425" anchor="t" anchorCtr="0">
+          <a:bodyPr anchorCtr="0" anchor="t" bIns="91425" lIns="91425" rIns="91425" tIns="91425">
             <a:noAutofit/>
           </a:bodyPr>
           <a:lstStyle/>
@@ -8626,11 +9476,9 @@
       <p:sp>
         <p:nvSpPr>
           <p:cNvPr id="97" name="Shape 97"/>
-          <p:cNvSpPr txBox="1">
-            <a:spLocks noGrp="1"/>
-          </p:cNvSpPr>
+          <p:cNvSpPr txBox="1"/>
           <p:nvPr>
-            <p:ph type="body" idx="1"/>
+            <p:ph idx="1" type="body"/>
           </p:nvPr>
         </p:nvSpPr>
         <p:spPr>
@@ -8643,7 +9491,7 @@
           </a:prstGeom>
         </p:spPr>
         <p:txBody>
-          <a:bodyPr lIns="91425" tIns="91425" rIns="91425" bIns="91425" anchor="t" anchorCtr="0">
+          <a:bodyPr anchorCtr="0" anchor="t" bIns="91425" lIns="91425" rIns="91425" tIns="91425">
             <a:noAutofit/>
           </a:bodyPr>
           <a:lstStyle/>
@@ -8655,12 +9503,12 @@
               <a:buNone/>
             </a:pPr>
             <a:r>
-              <a:rPr lang="en" dirty="0"/>
+              <a:rPr lang="en"/>
               <a:t>You can either:</a:t>
             </a:r>
           </a:p>
           <a:p>
-            <a:pPr marL="457200" lvl="0" indent="-228600" rtl="0">
+            <a:pPr indent="-228600" lvl="0" marL="457200" rtl="0">
               <a:spcBef>
                 <a:spcPts val="0"/>
               </a:spcBef>
@@ -8670,7 +9518,7 @@
               <a:buAutoNum type="arabicPeriod"/>
             </a:pPr>
             <a:r>
-              <a:rPr lang="en" dirty="0"/>
+              <a:rPr lang="en"/>
               <a:t>download it from jQuery’s website (it’ll be a .js file, nothing special) and include it in your HTML as you would include any JavaScript file</a:t>
             </a:r>
           </a:p>
@@ -8684,10 +9532,13 @@
               </a:spcAft>
               <a:buNone/>
             </a:pPr>
-            <a:endParaRPr dirty="0"/>
-          </a:p>
-          <a:p>
-            <a:pPr marL="457200" lvl="0" indent="-228600" rtl="0">
+            <a:r>
+              <a:t/>
+            </a:r>
+            <a:endParaRPr/>
+          </a:p>
+          <a:p>
+            <a:pPr indent="-228600" lvl="0" marL="457200" rtl="0">
               <a:spcBef>
                 <a:spcPts val="0"/>
               </a:spcBef>
@@ -8697,12 +9548,12 @@
               <a:buAutoNum type="arabicPeriod"/>
             </a:pPr>
             <a:r>
-              <a:rPr lang="en" dirty="0"/>
-              <a:t>include the version hosted in Google or Microsoft directly in your HTML file:</a:t>
-            </a:r>
-          </a:p>
-          <a:p>
-            <a:pPr lvl="0" indent="457200" rtl="0">
+              <a:rPr lang="en"/>
+              <a:t>include the version hosted in Google/Microsoft/somewhere else directly in your HTML file:</a:t>
+            </a:r>
+          </a:p>
+          <a:p>
+            <a:pPr indent="457200" lvl="0" rtl="0">
               <a:spcBef>
                 <a:spcPts val="0"/>
               </a:spcBef>
@@ -8712,7 +9563,7 @@
               <a:buNone/>
             </a:pPr>
             <a:r>
-              <a:rPr lang="en" sz="1200" dirty="0">
+              <a:rPr lang="en" sz="1200">
                 <a:solidFill>
                   <a:srgbClr val="000000"/>
                 </a:solidFill>
@@ -8724,7 +9575,7 @@
               <a:t>&lt;head&gt;</a:t>
             </a:r>
             <a:br>
-              <a:rPr lang="en" sz="1200" dirty="0">
+              <a:rPr lang="en" sz="1200">
                 <a:solidFill>
                   <a:srgbClr val="000000"/>
                 </a:solidFill>
@@ -8735,43 +9586,19 @@
               </a:rPr>
             </a:br>
             <a:r>
-              <a:rPr lang="en-US" sz="1200" dirty="0" smtClean="0">
-                <a:solidFill>
-                  <a:srgbClr val="000000"/>
-                </a:solidFill>
-                <a:latin typeface="Source Code Pro"/>
-                <a:ea typeface="Source Code Pro"/>
-                <a:cs typeface="Source Code Pro"/>
-                <a:sym typeface="Source Code Pro"/>
-              </a:rPr>
-              <a:t>	</a:t>
-            </a:r>
-            <a:r>
-              <a:rPr lang="en" sz="1200" dirty="0" smtClean="0">
-                <a:solidFill>
-                  <a:srgbClr val="000000"/>
-                </a:solidFill>
-                <a:latin typeface="Source Code Pro"/>
-                <a:ea typeface="Source Code Pro"/>
-                <a:cs typeface="Source Code Pro"/>
-                <a:sym typeface="Source Code Pro"/>
-              </a:rPr>
-              <a:t>&lt;</a:t>
-            </a:r>
-            <a:r>
-              <a:rPr lang="en" sz="1200" dirty="0">
-                <a:solidFill>
-                  <a:srgbClr val="000000"/>
-                </a:solidFill>
-                <a:latin typeface="Source Code Pro"/>
-                <a:ea typeface="Source Code Pro"/>
-                <a:cs typeface="Source Code Pro"/>
-                <a:sym typeface="Source Code Pro"/>
-              </a:rPr>
-              <a:t>script src="https://ajax.googleapis.com/ajax/libs/jquery/3.1.1/jquery.min.js"&gt;&lt;/script&gt;</a:t>
+              <a:rPr lang="en" sz="1200">
+                <a:solidFill>
+                  <a:srgbClr val="000000"/>
+                </a:solidFill>
+                <a:latin typeface="Source Code Pro"/>
+                <a:ea typeface="Source Code Pro"/>
+                <a:cs typeface="Source Code Pro"/>
+                <a:sym typeface="Source Code Pro"/>
+              </a:rPr>
+              <a:t>	  &lt;script  src="https://ajax.googleapis.com/ajax/libs/jquery/3.1.1/jquery.min.js"&gt;&lt;/script&gt;</a:t>
             </a:r>
             <a:br>
-              <a:rPr lang="en" sz="1200" dirty="0">
+              <a:rPr lang="en" sz="1200">
                 <a:solidFill>
                   <a:srgbClr val="000000"/>
                 </a:solidFill>
@@ -8782,40 +9609,16 @@
               </a:rPr>
             </a:br>
             <a:r>
-              <a:rPr lang="en-US" sz="1200" dirty="0" smtClean="0">
-                <a:solidFill>
-                  <a:srgbClr val="000000"/>
-                </a:solidFill>
-                <a:latin typeface="Source Code Pro"/>
-                <a:ea typeface="Source Code Pro"/>
-                <a:cs typeface="Source Code Pro"/>
-                <a:sym typeface="Source Code Pro"/>
-              </a:rPr>
-              <a:t>          </a:t>
-            </a:r>
-            <a:r>
-              <a:rPr lang="en" sz="1200" dirty="0" smtClean="0">
-                <a:solidFill>
-                  <a:srgbClr val="000000"/>
-                </a:solidFill>
-                <a:latin typeface="Source Code Pro"/>
-                <a:ea typeface="Source Code Pro"/>
-                <a:cs typeface="Source Code Pro"/>
-                <a:sym typeface="Source Code Pro"/>
-              </a:rPr>
-              <a:t>&lt;/</a:t>
-            </a:r>
-            <a:r>
-              <a:rPr lang="en" sz="1200" dirty="0">
-                <a:solidFill>
-                  <a:srgbClr val="000000"/>
-                </a:solidFill>
-                <a:latin typeface="Source Code Pro"/>
-                <a:ea typeface="Source Code Pro"/>
-                <a:cs typeface="Source Code Pro"/>
-                <a:sym typeface="Source Code Pro"/>
-              </a:rPr>
-              <a:t>head&gt;</a:t>
+              <a:rPr lang="en" sz="1200">
+                <a:solidFill>
+                  <a:srgbClr val="000000"/>
+                </a:solidFill>
+                <a:latin typeface="Source Code Pro"/>
+                <a:ea typeface="Source Code Pro"/>
+                <a:cs typeface="Source Code Pro"/>
+                <a:sym typeface="Source Code Pro"/>
+              </a:rPr>
+              <a:t>	&lt;/head&gt;</a:t>
             </a:r>
           </a:p>
         </p:txBody>
@@ -8829,11 +9632,11 @@
 </file>
 
 <file path=ppt/slides/slide7.xml><?xml version="1.0" encoding="utf-8"?>
-<p:sld xmlns:a="http://schemas.openxmlformats.org/drawingml/2006/main" xmlns:r="http://schemas.openxmlformats.org/officeDocument/2006/relationships" xmlns:p="http://schemas.openxmlformats.org/presentationml/2006/main">
+<p:sld xmlns:a="http://schemas.openxmlformats.org/drawingml/2006/main" xmlns:r="http://schemas.openxmlformats.org/officeDocument/2006/relationships" xmlns:mc="http://schemas.openxmlformats.org/markup-compatibility/2006" xmlns:mv="urn:schemas-microsoft-com:mac:vml" xmlns:p="http://schemas.openxmlformats.org/presentationml/2006/main" xmlns:c="http://schemas.openxmlformats.org/drawingml/2006/chart" xmlns:dgm="http://schemas.openxmlformats.org/drawingml/2006/diagram" xmlns:o="urn:schemas-microsoft-com:office:office" xmlns:v="urn:schemas-microsoft-com:vml" xmlns:pvml="urn:schemas-microsoft-com:office:powerpoint" xmlns:com="http://schemas.openxmlformats.org/drawingml/2006/compatibility" xmlns:p14="http://schemas.microsoft.com/office/powerpoint/2010/main">
   <p:cSld>
     <p:spTree>
       <p:nvGrpSpPr>
-        <p:cNvPr id="1" name="Shape 101"/>
+        <p:cNvPr id="101" name="Shape 101"/>
         <p:cNvGrpSpPr/>
         <p:nvPr/>
       </p:nvGrpSpPr>
@@ -8848,9 +9651,7 @@
       <p:sp>
         <p:nvSpPr>
           <p:cNvPr id="102" name="Shape 102"/>
-          <p:cNvSpPr txBox="1">
-            <a:spLocks noGrp="1"/>
-          </p:cNvSpPr>
+          <p:cNvSpPr txBox="1"/>
           <p:nvPr>
             <p:ph type="title"/>
           </p:nvPr>
@@ -8865,7 +9666,7 @@
           </a:prstGeom>
         </p:spPr>
         <p:txBody>
-          <a:bodyPr lIns="91425" tIns="91425" rIns="91425" bIns="91425" anchor="ctr" anchorCtr="0">
+          <a:bodyPr anchorCtr="0" anchor="ctr" bIns="91425" lIns="91425" rIns="91425" tIns="91425">
             <a:noAutofit/>
           </a:bodyPr>
           <a:lstStyle/>
@@ -8886,11 +9687,9 @@
       <p:sp>
         <p:nvSpPr>
           <p:cNvPr id="103" name="Shape 103"/>
-          <p:cNvSpPr txBox="1">
-            <a:spLocks noGrp="1"/>
-          </p:cNvSpPr>
+          <p:cNvSpPr txBox="1"/>
           <p:nvPr>
-            <p:ph type="body" idx="4294967295"/>
+            <p:ph idx="4294967295" type="body"/>
           </p:nvPr>
         </p:nvSpPr>
         <p:spPr>
@@ -8901,9 +9700,12 @@
           <a:prstGeom prst="rect">
             <a:avLst/>
           </a:prstGeom>
+          <a:ln>
+            <a:noFill/>
+          </a:ln>
         </p:spPr>
         <p:txBody>
-          <a:bodyPr lIns="91425" tIns="91425" rIns="91425" bIns="91425" anchor="ctr" anchorCtr="0">
+          <a:bodyPr anchorCtr="0" anchor="ctr" bIns="91425" lIns="91425" rIns="91425" tIns="91425">
             <a:noAutofit/>
           </a:bodyPr>
           <a:lstStyle/>
@@ -8934,11 +9736,11 @@
 </file>
 
 <file path=ppt/slides/slide8.xml><?xml version="1.0" encoding="utf-8"?>
-<p:sld xmlns:a="http://schemas.openxmlformats.org/drawingml/2006/main" xmlns:r="http://schemas.openxmlformats.org/officeDocument/2006/relationships" xmlns:p="http://schemas.openxmlformats.org/presentationml/2006/main">
+<p:sld xmlns:a="http://schemas.openxmlformats.org/drawingml/2006/main" xmlns:r="http://schemas.openxmlformats.org/officeDocument/2006/relationships" xmlns:mc="http://schemas.openxmlformats.org/markup-compatibility/2006" xmlns:mv="urn:schemas-microsoft-com:mac:vml" xmlns:p="http://schemas.openxmlformats.org/presentationml/2006/main" xmlns:c="http://schemas.openxmlformats.org/drawingml/2006/chart" xmlns:dgm="http://schemas.openxmlformats.org/drawingml/2006/diagram" xmlns:o="urn:schemas-microsoft-com:office:office" xmlns:v="urn:schemas-microsoft-com:vml" xmlns:pvml="urn:schemas-microsoft-com:office:powerpoint" xmlns:com="http://schemas.openxmlformats.org/drawingml/2006/compatibility" xmlns:p14="http://schemas.microsoft.com/office/powerpoint/2010/main">
   <p:cSld>
     <p:spTree>
       <p:nvGrpSpPr>
-        <p:cNvPr id="1" name="Shape 107"/>
+        <p:cNvPr id="107" name="Shape 107"/>
         <p:cNvGrpSpPr/>
         <p:nvPr/>
       </p:nvGrpSpPr>
@@ -8953,9 +9755,7 @@
       <p:sp>
         <p:nvSpPr>
           <p:cNvPr id="108" name="Shape 108"/>
-          <p:cNvSpPr txBox="1">
-            <a:spLocks noGrp="1"/>
-          </p:cNvSpPr>
+          <p:cNvSpPr txBox="1"/>
           <p:nvPr>
             <p:ph type="title"/>
           </p:nvPr>
@@ -8970,7 +9770,7 @@
           </a:prstGeom>
         </p:spPr>
         <p:txBody>
-          <a:bodyPr lIns="91425" tIns="91425" rIns="91425" bIns="91425" anchor="t" anchorCtr="0">
+          <a:bodyPr anchorCtr="0" anchor="t" bIns="91425" lIns="91425" rIns="91425" tIns="91425">
             <a:noAutofit/>
           </a:bodyPr>
           <a:lstStyle/>
@@ -8991,11 +9791,9 @@
       <p:sp>
         <p:nvSpPr>
           <p:cNvPr id="109" name="Shape 109"/>
-          <p:cNvSpPr txBox="1">
-            <a:spLocks noGrp="1"/>
-          </p:cNvSpPr>
+          <p:cNvSpPr txBox="1"/>
           <p:nvPr>
-            <p:ph type="body" idx="1"/>
+            <p:ph idx="1" type="body"/>
           </p:nvPr>
         </p:nvSpPr>
         <p:spPr>
@@ -9008,12 +9806,12 @@
           </a:prstGeom>
         </p:spPr>
         <p:txBody>
-          <a:bodyPr lIns="91425" tIns="91425" rIns="91425" bIns="91425" anchor="t" anchorCtr="0">
+          <a:bodyPr anchorCtr="0" anchor="t" bIns="91425" lIns="91425" rIns="91425" tIns="91425">
             <a:noAutofit/>
           </a:bodyPr>
           <a:lstStyle/>
           <a:p>
-            <a:pPr marL="457200" lvl="0" indent="-228600">
+            <a:pPr indent="-228600" lvl="0" marL="457200">
               <a:spcBef>
                 <a:spcPts val="0"/>
               </a:spcBef>
@@ -9023,11 +9821,11 @@
             </a:pPr>
             <a:r>
               <a:rPr lang="en"/>
-              <a:t>Stands for Asynchronous JavaScript and XML</a:t>
-            </a:r>
-          </a:p>
-          <a:p>
-            <a:pPr marL="457200" lvl="0" indent="-228600">
+              <a:t>Stands for Asynchronous JavaScript And XML</a:t>
+            </a:r>
+          </a:p>
+          <a:p>
+            <a:pPr indent="-228600" lvl="0" marL="457200">
               <a:spcBef>
                 <a:spcPts val="0"/>
               </a:spcBef>
@@ -9041,7 +9839,7 @@
             </a:r>
           </a:p>
           <a:p>
-            <a:pPr marL="457200" lvl="0" indent="-228600">
+            <a:pPr indent="-228600" lvl="0" marL="457200">
               <a:spcBef>
                 <a:spcPts val="0"/>
               </a:spcBef>
@@ -9055,7 +9853,7 @@
             </a:r>
           </a:p>
           <a:p>
-            <a:pPr marL="457200" lvl="0" indent="-228600">
+            <a:pPr indent="-228600" lvl="0" marL="457200">
               <a:spcBef>
                 <a:spcPts val="0"/>
               </a:spcBef>
@@ -9069,7 +9867,7 @@
             </a:r>
           </a:p>
           <a:p>
-            <a:pPr lvl="0" indent="457200">
+            <a:pPr indent="457200" lvl="0">
               <a:spcBef>
                 <a:spcPts val="0"/>
               </a:spcBef>
@@ -9091,11 +9889,11 @@
 </file>
 
 <file path=ppt/slides/slide9.xml><?xml version="1.0" encoding="utf-8"?>
-<p:sld xmlns:a="http://schemas.openxmlformats.org/drawingml/2006/main" xmlns:r="http://schemas.openxmlformats.org/officeDocument/2006/relationships" xmlns:p="http://schemas.openxmlformats.org/presentationml/2006/main">
+<p:sld xmlns:a="http://schemas.openxmlformats.org/drawingml/2006/main" xmlns:r="http://schemas.openxmlformats.org/officeDocument/2006/relationships" xmlns:mc="http://schemas.openxmlformats.org/markup-compatibility/2006" xmlns:mv="urn:schemas-microsoft-com:mac:vml" xmlns:p="http://schemas.openxmlformats.org/presentationml/2006/main" xmlns:c="http://schemas.openxmlformats.org/drawingml/2006/chart" xmlns:dgm="http://schemas.openxmlformats.org/drawingml/2006/diagram" xmlns:o="urn:schemas-microsoft-com:office:office" xmlns:v="urn:schemas-microsoft-com:vml" xmlns:pvml="urn:schemas-microsoft-com:office:powerpoint" xmlns:com="http://schemas.openxmlformats.org/drawingml/2006/compatibility" xmlns:p14="http://schemas.microsoft.com/office/powerpoint/2010/main">
   <p:cSld>
     <p:spTree>
       <p:nvGrpSpPr>
-        <p:cNvPr id="1" name="Shape 113"/>
+        <p:cNvPr id="113" name="Shape 113"/>
         <p:cNvGrpSpPr/>
         <p:nvPr/>
       </p:nvGrpSpPr>
@@ -9110,9 +9908,7 @@
       <p:sp>
         <p:nvSpPr>
           <p:cNvPr id="114" name="Shape 114"/>
-          <p:cNvSpPr txBox="1">
-            <a:spLocks noGrp="1"/>
-          </p:cNvSpPr>
+          <p:cNvSpPr txBox="1"/>
           <p:nvPr>
             <p:ph type="title"/>
           </p:nvPr>
@@ -9127,7 +9923,7 @@
           </a:prstGeom>
         </p:spPr>
         <p:txBody>
-          <a:bodyPr lIns="91425" tIns="91425" rIns="91425" bIns="91425" anchor="t" anchorCtr="0">
+          <a:bodyPr anchorCtr="0" anchor="t" bIns="91425" lIns="91425" rIns="91425" tIns="91425">
             <a:noAutofit/>
           </a:bodyPr>
           <a:lstStyle/>
@@ -9140,7 +9936,7 @@
             </a:pPr>
             <a:r>
               <a:rPr lang="en"/>
-              <a:t>Let’s see an example</a:t>
+              <a:t>Let’s see an example: JavaScript</a:t>
             </a:r>
           </a:p>
         </p:txBody>
@@ -9148,28 +9944,788 @@
       <p:sp>
         <p:nvSpPr>
           <p:cNvPr id="115" name="Shape 115"/>
-          <p:cNvSpPr txBox="1">
-            <a:spLocks noGrp="1"/>
-          </p:cNvSpPr>
+          <p:cNvSpPr txBox="1"/>
           <p:nvPr>
-            <p:ph type="body" idx="1"/>
+            <p:ph idx="1" type="body"/>
           </p:nvPr>
         </p:nvSpPr>
         <p:spPr>
           <a:xfrm>
             <a:off x="311700" y="1266175"/>
-            <a:ext cx="3999900" cy="3302700"/>
+            <a:ext cx="8520600" cy="3302700"/>
           </a:xfrm>
           <a:prstGeom prst="rect">
             <a:avLst/>
           </a:prstGeom>
         </p:spPr>
         <p:txBody>
-          <a:bodyPr lIns="91425" tIns="91425" rIns="91425" bIns="91425" anchor="t" anchorCtr="0">
+          <a:bodyPr anchorCtr="0" anchor="t" bIns="91425" lIns="91425" rIns="91425" tIns="91425">
             <a:noAutofit/>
           </a:bodyPr>
           <a:lstStyle/>
           <a:p>
+            <a:pPr lvl="0" rtl="0">
+              <a:spcBef>
+                <a:spcPts val="0"/>
+              </a:spcBef>
+              <a:spcAft>
+                <a:spcPts val="0"/>
+              </a:spcAft>
+              <a:buNone/>
+            </a:pPr>
+            <a:r>
+              <a:rPr lang="en" sz="1200">
+                <a:solidFill>
+                  <a:srgbClr val="0000CD"/>
+                </a:solidFill>
+                <a:highlight>
+                  <a:srgbClr val="FFFFFF"/>
+                </a:highlight>
+                <a:latin typeface="Consolas"/>
+                <a:ea typeface="Consolas"/>
+                <a:cs typeface="Consolas"/>
+                <a:sym typeface="Consolas"/>
+              </a:rPr>
+              <a:t>var</a:t>
+            </a:r>
+            <a:r>
+              <a:rPr lang="en" sz="1200">
+                <a:solidFill>
+                  <a:srgbClr val="000000"/>
+                </a:solidFill>
+                <a:highlight>
+                  <a:srgbClr val="FFFFFF"/>
+                </a:highlight>
+                <a:latin typeface="Consolas"/>
+                <a:ea typeface="Consolas"/>
+                <a:cs typeface="Consolas"/>
+                <a:sym typeface="Consolas"/>
+              </a:rPr>
+              <a:t> xhttp = </a:t>
+            </a:r>
+            <a:r>
+              <a:rPr lang="en" sz="1200">
+                <a:solidFill>
+                  <a:srgbClr val="0000CD"/>
+                </a:solidFill>
+                <a:highlight>
+                  <a:srgbClr val="FFFFFF"/>
+                </a:highlight>
+                <a:latin typeface="Consolas"/>
+                <a:ea typeface="Consolas"/>
+                <a:cs typeface="Consolas"/>
+                <a:sym typeface="Consolas"/>
+              </a:rPr>
+              <a:t>new</a:t>
+            </a:r>
+            <a:r>
+              <a:rPr lang="en" sz="1200">
+                <a:solidFill>
+                  <a:srgbClr val="000000"/>
+                </a:solidFill>
+                <a:highlight>
+                  <a:srgbClr val="FFFFFF"/>
+                </a:highlight>
+                <a:latin typeface="Consolas"/>
+                <a:ea typeface="Consolas"/>
+                <a:cs typeface="Consolas"/>
+                <a:sym typeface="Consolas"/>
+              </a:rPr>
+              <a:t> XMLHttpRequest(); </a:t>
+            </a:r>
+            <a:r>
+              <a:rPr lang="en" sz="1100">
+                <a:solidFill>
+                  <a:srgbClr val="999999"/>
+                </a:solidFill>
+                <a:latin typeface="Source Code Pro"/>
+                <a:ea typeface="Source Code Pro"/>
+                <a:cs typeface="Source Code Pro"/>
+                <a:sym typeface="Source Code Pro"/>
+              </a:rPr>
+              <a:t>// XMLHttpRequest object for requesting data from a web server</a:t>
+            </a:r>
+          </a:p>
+          <a:p>
+            <a:pPr lvl="0" rtl="0">
+              <a:spcBef>
+                <a:spcPts val="0"/>
+              </a:spcBef>
+              <a:spcAft>
+                <a:spcPts val="0"/>
+              </a:spcAft>
+              <a:buNone/>
+            </a:pPr>
+            <a:r>
+              <a:t/>
+            </a:r>
+            <a:endParaRPr sz="1200">
+              <a:solidFill>
+                <a:srgbClr val="000000"/>
+              </a:solidFill>
+              <a:highlight>
+                <a:srgbClr val="FFFFFF"/>
+              </a:highlight>
+              <a:latin typeface="Consolas"/>
+              <a:ea typeface="Consolas"/>
+              <a:cs typeface="Consolas"/>
+              <a:sym typeface="Consolas"/>
+            </a:endParaRPr>
+          </a:p>
+          <a:p>
+            <a:pPr lvl="0" rtl="0">
+              <a:spcBef>
+                <a:spcPts val="0"/>
+              </a:spcBef>
+              <a:spcAft>
+                <a:spcPts val="0"/>
+              </a:spcAft>
+              <a:buNone/>
+            </a:pPr>
+            <a:r>
+              <a:rPr lang="en" sz="1100">
+                <a:solidFill>
+                  <a:srgbClr val="999999"/>
+                </a:solidFill>
+                <a:latin typeface="Source Code Pro"/>
+                <a:ea typeface="Source Code Pro"/>
+                <a:cs typeface="Source Code Pro"/>
+                <a:sym typeface="Source Code Pro"/>
+              </a:rPr>
+              <a:t>// Set event handler for when the request’s state changes</a:t>
+            </a:r>
+          </a:p>
+          <a:p>
+            <a:pPr lvl="0" rtl="0">
+              <a:spcBef>
+                <a:spcPts val="0"/>
+              </a:spcBef>
+              <a:spcAft>
+                <a:spcPts val="0"/>
+              </a:spcAft>
+              <a:buNone/>
+            </a:pPr>
+            <a:r>
+              <a:rPr lang="en" sz="1200">
+                <a:solidFill>
+                  <a:srgbClr val="000000"/>
+                </a:solidFill>
+                <a:highlight>
+                  <a:srgbClr val="FFFFFF"/>
+                </a:highlight>
+                <a:latin typeface="Consolas"/>
+                <a:ea typeface="Consolas"/>
+                <a:cs typeface="Consolas"/>
+                <a:sym typeface="Consolas"/>
+              </a:rPr>
+              <a:t>xhttp.onreadystatechange = </a:t>
+            </a:r>
+            <a:r>
+              <a:rPr lang="en" sz="1200">
+                <a:solidFill>
+                  <a:srgbClr val="0000CD"/>
+                </a:solidFill>
+                <a:highlight>
+                  <a:srgbClr val="FFFFFF"/>
+                </a:highlight>
+                <a:latin typeface="Consolas"/>
+                <a:ea typeface="Consolas"/>
+                <a:cs typeface="Consolas"/>
+                <a:sym typeface="Consolas"/>
+              </a:rPr>
+              <a:t>function</a:t>
+            </a:r>
+            <a:r>
+              <a:rPr lang="en" sz="1200">
+                <a:solidFill>
+                  <a:srgbClr val="000000"/>
+                </a:solidFill>
+                <a:highlight>
+                  <a:srgbClr val="FFFFFF"/>
+                </a:highlight>
+                <a:latin typeface="Consolas"/>
+                <a:ea typeface="Consolas"/>
+                <a:cs typeface="Consolas"/>
+                <a:sym typeface="Consolas"/>
+              </a:rPr>
+              <a:t>() {</a:t>
+            </a:r>
+          </a:p>
+          <a:p>
+            <a:pPr lvl="0" rtl="0">
+              <a:spcBef>
+                <a:spcPts val="0"/>
+              </a:spcBef>
+              <a:spcAft>
+                <a:spcPts val="0"/>
+              </a:spcAft>
+              <a:buNone/>
+            </a:pPr>
+            <a:r>
+              <a:rPr lang="en" sz="1200">
+                <a:solidFill>
+                  <a:srgbClr val="0000CD"/>
+                </a:solidFill>
+                <a:highlight>
+                  <a:srgbClr val="FFFFFF"/>
+                </a:highlight>
+                <a:latin typeface="Consolas"/>
+                <a:ea typeface="Consolas"/>
+                <a:cs typeface="Consolas"/>
+                <a:sym typeface="Consolas"/>
+              </a:rPr>
+              <a:t>  if</a:t>
+            </a:r>
+            <a:r>
+              <a:rPr lang="en" sz="1200">
+                <a:solidFill>
+                  <a:srgbClr val="000000"/>
+                </a:solidFill>
+                <a:highlight>
+                  <a:srgbClr val="FFFFFF"/>
+                </a:highlight>
+                <a:latin typeface="Consolas"/>
+                <a:ea typeface="Consolas"/>
+                <a:cs typeface="Consolas"/>
+                <a:sym typeface="Consolas"/>
+              </a:rPr>
+              <a:t> (</a:t>
+            </a:r>
+            <a:r>
+              <a:rPr lang="en" sz="1200">
+                <a:solidFill>
+                  <a:srgbClr val="0000CD"/>
+                </a:solidFill>
+                <a:highlight>
+                  <a:srgbClr val="FFFFFF"/>
+                </a:highlight>
+                <a:latin typeface="Consolas"/>
+                <a:ea typeface="Consolas"/>
+                <a:cs typeface="Consolas"/>
+                <a:sym typeface="Consolas"/>
+              </a:rPr>
+              <a:t>this</a:t>
+            </a:r>
+            <a:r>
+              <a:rPr lang="en" sz="1200">
+                <a:solidFill>
+                  <a:srgbClr val="000000"/>
+                </a:solidFill>
+                <a:highlight>
+                  <a:srgbClr val="FFFFFF"/>
+                </a:highlight>
+                <a:latin typeface="Consolas"/>
+                <a:ea typeface="Consolas"/>
+                <a:cs typeface="Consolas"/>
+                <a:sym typeface="Consolas"/>
+              </a:rPr>
+              <a:t>.readyState == </a:t>
+            </a:r>
+            <a:r>
+              <a:rPr lang="en" sz="1200">
+                <a:solidFill>
+                  <a:srgbClr val="FF0000"/>
+                </a:solidFill>
+                <a:highlight>
+                  <a:srgbClr val="FFFFFF"/>
+                </a:highlight>
+                <a:latin typeface="Consolas"/>
+                <a:ea typeface="Consolas"/>
+                <a:cs typeface="Consolas"/>
+                <a:sym typeface="Consolas"/>
+              </a:rPr>
+              <a:t>4</a:t>
+            </a:r>
+            <a:r>
+              <a:rPr lang="en" sz="1200">
+                <a:solidFill>
+                  <a:srgbClr val="000000"/>
+                </a:solidFill>
+                <a:highlight>
+                  <a:srgbClr val="FFFFFF"/>
+                </a:highlight>
+                <a:latin typeface="Consolas"/>
+                <a:ea typeface="Consolas"/>
+                <a:cs typeface="Consolas"/>
+                <a:sym typeface="Consolas"/>
+              </a:rPr>
+              <a:t> &amp;&amp; </a:t>
+            </a:r>
+            <a:r>
+              <a:rPr lang="en" sz="1200">
+                <a:solidFill>
+                  <a:srgbClr val="0000CD"/>
+                </a:solidFill>
+                <a:highlight>
+                  <a:srgbClr val="FFFFFF"/>
+                </a:highlight>
+                <a:latin typeface="Consolas"/>
+                <a:ea typeface="Consolas"/>
+                <a:cs typeface="Consolas"/>
+                <a:sym typeface="Consolas"/>
+              </a:rPr>
+              <a:t>this</a:t>
+            </a:r>
+            <a:r>
+              <a:rPr lang="en" sz="1200">
+                <a:solidFill>
+                  <a:srgbClr val="000000"/>
+                </a:solidFill>
+                <a:highlight>
+                  <a:srgbClr val="FFFFFF"/>
+                </a:highlight>
+                <a:latin typeface="Consolas"/>
+                <a:ea typeface="Consolas"/>
+                <a:cs typeface="Consolas"/>
+                <a:sym typeface="Consolas"/>
+              </a:rPr>
+              <a:t>.status == </a:t>
+            </a:r>
+            <a:r>
+              <a:rPr lang="en" sz="1200">
+                <a:solidFill>
+                  <a:srgbClr val="FF0000"/>
+                </a:solidFill>
+                <a:highlight>
+                  <a:srgbClr val="FFFFFF"/>
+                </a:highlight>
+                <a:latin typeface="Consolas"/>
+                <a:ea typeface="Consolas"/>
+                <a:cs typeface="Consolas"/>
+                <a:sym typeface="Consolas"/>
+              </a:rPr>
+              <a:t>200</a:t>
+            </a:r>
+            <a:r>
+              <a:rPr lang="en" sz="1200">
+                <a:solidFill>
+                  <a:srgbClr val="000000"/>
+                </a:solidFill>
+                <a:highlight>
+                  <a:srgbClr val="FFFFFF"/>
+                </a:highlight>
+                <a:latin typeface="Consolas"/>
+                <a:ea typeface="Consolas"/>
+                <a:cs typeface="Consolas"/>
+                <a:sym typeface="Consolas"/>
+              </a:rPr>
+              <a:t>) { </a:t>
+            </a:r>
+            <a:r>
+              <a:rPr lang="en" sz="1100">
+                <a:solidFill>
+                  <a:srgbClr val="999999"/>
+                </a:solidFill>
+                <a:latin typeface="Source Code Pro"/>
+                <a:ea typeface="Source Code Pro"/>
+                <a:cs typeface="Source Code Pro"/>
+                <a:sym typeface="Source Code Pro"/>
+              </a:rPr>
+              <a:t>// Request is done and response is good</a:t>
+            </a:r>
+          </a:p>
+          <a:p>
+            <a:pPr indent="0" lvl="0" marL="0" rtl="0">
+              <a:spcBef>
+                <a:spcPts val="0"/>
+              </a:spcBef>
+              <a:spcAft>
+                <a:spcPts val="0"/>
+              </a:spcAft>
+              <a:buNone/>
+            </a:pPr>
+            <a:r>
+              <a:rPr lang="en" sz="1100">
+                <a:solidFill>
+                  <a:srgbClr val="999999"/>
+                </a:solidFill>
+                <a:latin typeface="Source Code Pro"/>
+                <a:ea typeface="Source Code Pro"/>
+                <a:cs typeface="Source Code Pro"/>
+                <a:sym typeface="Source Code Pro"/>
+              </a:rPr>
+              <a:t>    // Display the response text on the page</a:t>
+            </a:r>
+          </a:p>
+          <a:p>
+            <a:pPr lvl="0" rtl="0">
+              <a:spcBef>
+                <a:spcPts val="0"/>
+              </a:spcBef>
+              <a:spcAft>
+                <a:spcPts val="0"/>
+              </a:spcAft>
+              <a:buNone/>
+            </a:pPr>
+            <a:r>
+              <a:rPr lang="en" sz="1200">
+                <a:solidFill>
+                  <a:srgbClr val="000000"/>
+                </a:solidFill>
+                <a:highlight>
+                  <a:srgbClr val="FFFFFF"/>
+                </a:highlight>
+                <a:latin typeface="Consolas"/>
+                <a:ea typeface="Consolas"/>
+                <a:cs typeface="Consolas"/>
+                <a:sym typeface="Consolas"/>
+              </a:rPr>
+              <a:t>    document.getElementById(</a:t>
+            </a:r>
+            <a:r>
+              <a:rPr lang="en" sz="1200">
+                <a:solidFill>
+                  <a:srgbClr val="A52A2A"/>
+                </a:solidFill>
+                <a:highlight>
+                  <a:srgbClr val="FFFFFF"/>
+                </a:highlight>
+                <a:latin typeface="Consolas"/>
+                <a:ea typeface="Consolas"/>
+                <a:cs typeface="Consolas"/>
+                <a:sym typeface="Consolas"/>
+              </a:rPr>
+              <a:t>"demo"</a:t>
+            </a:r>
+            <a:r>
+              <a:rPr lang="en" sz="1200">
+                <a:solidFill>
+                  <a:srgbClr val="000000"/>
+                </a:solidFill>
+                <a:highlight>
+                  <a:srgbClr val="FFFFFF"/>
+                </a:highlight>
+                <a:latin typeface="Consolas"/>
+                <a:ea typeface="Consolas"/>
+                <a:cs typeface="Consolas"/>
+                <a:sym typeface="Consolas"/>
+              </a:rPr>
+              <a:t>).innerHTML = </a:t>
+            </a:r>
+            <a:r>
+              <a:rPr lang="en" sz="1200">
+                <a:solidFill>
+                  <a:srgbClr val="0000CD"/>
+                </a:solidFill>
+                <a:highlight>
+                  <a:srgbClr val="FFFFFF"/>
+                </a:highlight>
+                <a:latin typeface="Consolas"/>
+                <a:ea typeface="Consolas"/>
+                <a:cs typeface="Consolas"/>
+                <a:sym typeface="Consolas"/>
+              </a:rPr>
+              <a:t>this</a:t>
+            </a:r>
+            <a:r>
+              <a:rPr lang="en" sz="1200">
+                <a:solidFill>
+                  <a:srgbClr val="000000"/>
+                </a:solidFill>
+                <a:highlight>
+                  <a:srgbClr val="FFFFFF"/>
+                </a:highlight>
+                <a:latin typeface="Consolas"/>
+                <a:ea typeface="Consolas"/>
+                <a:cs typeface="Consolas"/>
+                <a:sym typeface="Consolas"/>
+              </a:rPr>
+              <a:t>.responseText;</a:t>
+            </a:r>
+          </a:p>
+          <a:p>
+            <a:pPr lvl="0" rtl="0">
+              <a:spcBef>
+                <a:spcPts val="0"/>
+              </a:spcBef>
+              <a:spcAft>
+                <a:spcPts val="0"/>
+              </a:spcAft>
+              <a:buNone/>
+            </a:pPr>
+            <a:r>
+              <a:rPr lang="en" sz="1200">
+                <a:solidFill>
+                  <a:srgbClr val="000000"/>
+                </a:solidFill>
+                <a:highlight>
+                  <a:srgbClr val="FFFFFF"/>
+                </a:highlight>
+                <a:latin typeface="Consolas"/>
+                <a:ea typeface="Consolas"/>
+                <a:cs typeface="Consolas"/>
+                <a:sym typeface="Consolas"/>
+              </a:rPr>
+              <a:t>  }</a:t>
+            </a:r>
+          </a:p>
+          <a:p>
+            <a:pPr lvl="0" rtl="0">
+              <a:spcBef>
+                <a:spcPts val="0"/>
+              </a:spcBef>
+              <a:spcAft>
+                <a:spcPts val="0"/>
+              </a:spcAft>
+              <a:buNone/>
+            </a:pPr>
+            <a:r>
+              <a:rPr lang="en" sz="1200">
+                <a:solidFill>
+                  <a:srgbClr val="000000"/>
+                </a:solidFill>
+                <a:highlight>
+                  <a:srgbClr val="FFFFFF"/>
+                </a:highlight>
+                <a:latin typeface="Consolas"/>
+                <a:ea typeface="Consolas"/>
+                <a:cs typeface="Consolas"/>
+                <a:sym typeface="Consolas"/>
+              </a:rPr>
+              <a:t>};</a:t>
+            </a:r>
+          </a:p>
+          <a:p>
+            <a:pPr lvl="0" rtl="0">
+              <a:spcBef>
+                <a:spcPts val="0"/>
+              </a:spcBef>
+              <a:spcAft>
+                <a:spcPts val="0"/>
+              </a:spcAft>
+              <a:buNone/>
+            </a:pPr>
+            <a:r>
+              <a:t/>
+            </a:r>
+            <a:endParaRPr sz="1200">
+              <a:solidFill>
+                <a:srgbClr val="000000"/>
+              </a:solidFill>
+              <a:highlight>
+                <a:srgbClr val="FFFFFF"/>
+              </a:highlight>
+              <a:latin typeface="Consolas"/>
+              <a:ea typeface="Consolas"/>
+              <a:cs typeface="Consolas"/>
+              <a:sym typeface="Consolas"/>
+            </a:endParaRPr>
+          </a:p>
+          <a:p>
+            <a:pPr lvl="0" rtl="0">
+              <a:spcBef>
+                <a:spcPts val="0"/>
+              </a:spcBef>
+              <a:spcAft>
+                <a:spcPts val="0"/>
+              </a:spcAft>
+              <a:buNone/>
+            </a:pPr>
+            <a:r>
+              <a:rPr lang="en" sz="1100">
+                <a:solidFill>
+                  <a:srgbClr val="999999"/>
+                </a:solidFill>
+                <a:latin typeface="Source Code Pro"/>
+                <a:ea typeface="Source Code Pro"/>
+                <a:cs typeface="Source Code Pro"/>
+                <a:sym typeface="Source Code Pro"/>
+              </a:rPr>
+              <a:t>// Specify request: open(request type, url, asynchronous or not, optional user, optional password)</a:t>
+            </a:r>
+          </a:p>
+          <a:p>
+            <a:pPr lvl="0" rtl="0">
+              <a:spcBef>
+                <a:spcPts val="0"/>
+              </a:spcBef>
+              <a:spcAft>
+                <a:spcPts val="0"/>
+              </a:spcAft>
+              <a:buNone/>
+            </a:pPr>
+            <a:r>
+              <a:rPr lang="en" sz="1200">
+                <a:solidFill>
+                  <a:srgbClr val="000000"/>
+                </a:solidFill>
+                <a:highlight>
+                  <a:srgbClr val="FFFFFF"/>
+                </a:highlight>
+                <a:latin typeface="Consolas"/>
+                <a:ea typeface="Consolas"/>
+                <a:cs typeface="Consolas"/>
+                <a:sym typeface="Consolas"/>
+              </a:rPr>
+              <a:t>xhttp.open(</a:t>
+            </a:r>
+            <a:r>
+              <a:rPr lang="en" sz="1200">
+                <a:solidFill>
+                  <a:srgbClr val="A52A2A"/>
+                </a:solidFill>
+                <a:highlight>
+                  <a:srgbClr val="FFFFFF"/>
+                </a:highlight>
+                <a:latin typeface="Consolas"/>
+                <a:ea typeface="Consolas"/>
+                <a:cs typeface="Consolas"/>
+                <a:sym typeface="Consolas"/>
+              </a:rPr>
+              <a:t>"GET"</a:t>
+            </a:r>
+            <a:r>
+              <a:rPr lang="en" sz="1200">
+                <a:solidFill>
+                  <a:srgbClr val="000000"/>
+                </a:solidFill>
+                <a:highlight>
+                  <a:srgbClr val="FFFFFF"/>
+                </a:highlight>
+                <a:latin typeface="Consolas"/>
+                <a:ea typeface="Consolas"/>
+                <a:cs typeface="Consolas"/>
+                <a:sym typeface="Consolas"/>
+              </a:rPr>
+              <a:t>, </a:t>
+            </a:r>
+            <a:r>
+              <a:rPr lang="en" sz="1200">
+                <a:solidFill>
+                  <a:srgbClr val="A52A2A"/>
+                </a:solidFill>
+                <a:highlight>
+                  <a:srgbClr val="FFFFFF"/>
+                </a:highlight>
+                <a:latin typeface="Consolas"/>
+                <a:ea typeface="Consolas"/>
+                <a:cs typeface="Consolas"/>
+                <a:sym typeface="Consolas"/>
+              </a:rPr>
+              <a:t>"ajax_info.txt"</a:t>
+            </a:r>
+            <a:r>
+              <a:rPr lang="en" sz="1200">
+                <a:solidFill>
+                  <a:srgbClr val="000000"/>
+                </a:solidFill>
+                <a:highlight>
+                  <a:srgbClr val="FFFFFF"/>
+                </a:highlight>
+                <a:latin typeface="Consolas"/>
+                <a:ea typeface="Consolas"/>
+                <a:cs typeface="Consolas"/>
+                <a:sym typeface="Consolas"/>
+              </a:rPr>
+              <a:t>, </a:t>
+            </a:r>
+            <a:r>
+              <a:rPr lang="en" sz="1200">
+                <a:solidFill>
+                  <a:srgbClr val="0000CD"/>
+                </a:solidFill>
+                <a:highlight>
+                  <a:srgbClr val="FFFFFF"/>
+                </a:highlight>
+                <a:latin typeface="Consolas"/>
+                <a:ea typeface="Consolas"/>
+                <a:cs typeface="Consolas"/>
+                <a:sym typeface="Consolas"/>
+              </a:rPr>
+              <a:t>true</a:t>
+            </a:r>
+            <a:r>
+              <a:rPr lang="en" sz="1200">
+                <a:solidFill>
+                  <a:srgbClr val="000000"/>
+                </a:solidFill>
+                <a:highlight>
+                  <a:srgbClr val="FFFFFF"/>
+                </a:highlight>
+                <a:latin typeface="Consolas"/>
+                <a:ea typeface="Consolas"/>
+                <a:cs typeface="Consolas"/>
+                <a:sym typeface="Consolas"/>
+              </a:rPr>
+              <a:t>);</a:t>
+            </a:r>
+          </a:p>
+          <a:p>
+            <a:pPr lvl="0" rtl="0">
+              <a:spcBef>
+                <a:spcPts val="0"/>
+              </a:spcBef>
+              <a:spcAft>
+                <a:spcPts val="0"/>
+              </a:spcAft>
+              <a:buNone/>
+            </a:pPr>
+            <a:r>
+              <a:t/>
+            </a:r>
+            <a:endParaRPr sz="1200">
+              <a:solidFill>
+                <a:srgbClr val="000000"/>
+              </a:solidFill>
+              <a:highlight>
+                <a:srgbClr val="FFFFFF"/>
+              </a:highlight>
+              <a:latin typeface="Consolas"/>
+              <a:ea typeface="Consolas"/>
+              <a:cs typeface="Consolas"/>
+              <a:sym typeface="Consolas"/>
+            </a:endParaRPr>
+          </a:p>
+          <a:p>
+            <a:pPr lvl="0" rtl="0">
+              <a:spcBef>
+                <a:spcPts val="0"/>
+              </a:spcBef>
+              <a:spcAft>
+                <a:spcPts val="0"/>
+              </a:spcAft>
+              <a:buNone/>
+            </a:pPr>
+            <a:r>
+              <a:rPr lang="en" sz="1100">
+                <a:solidFill>
+                  <a:srgbClr val="999999"/>
+                </a:solidFill>
+                <a:latin typeface="Source Code Pro"/>
+                <a:ea typeface="Source Code Pro"/>
+                <a:cs typeface="Source Code Pro"/>
+                <a:sym typeface="Source Code Pro"/>
+              </a:rPr>
+              <a:t>// Send the request</a:t>
+            </a:r>
+          </a:p>
+          <a:p>
+            <a:pPr lvl="0" rtl="0">
+              <a:spcBef>
+                <a:spcPts val="0"/>
+              </a:spcBef>
+              <a:spcAft>
+                <a:spcPts val="0"/>
+              </a:spcAft>
+              <a:buNone/>
+            </a:pPr>
+            <a:r>
+              <a:rPr lang="en" sz="1200">
+                <a:solidFill>
+                  <a:srgbClr val="000000"/>
+                </a:solidFill>
+                <a:highlight>
+                  <a:srgbClr val="FFFFFF"/>
+                </a:highlight>
+                <a:latin typeface="Consolas"/>
+                <a:ea typeface="Consolas"/>
+                <a:cs typeface="Consolas"/>
+                <a:sym typeface="Consolas"/>
+              </a:rPr>
+              <a:t>xhttp.send();</a:t>
+            </a:r>
+          </a:p>
+          <a:p>
             <a:pPr lvl="0">
               <a:spcBef>
                 <a:spcPts val="0"/>
@@ -9177,1197 +10733,17 @@
               <a:buNone/>
             </a:pPr>
             <a:r>
-              <a:rPr lang="en" sz="1100" dirty="0">
-                <a:solidFill>
-                  <a:srgbClr val="000000"/>
-                </a:solidFill>
-                <a:latin typeface="Source Code Pro"/>
-                <a:ea typeface="Source Code Pro"/>
-                <a:cs typeface="Source Code Pro"/>
-                <a:sym typeface="Source Code Pro"/>
-              </a:rPr>
-              <a:t>$.post("/submitForm",</a:t>
-            </a:r>
-            <a:br>
-              <a:rPr lang="en" sz="1100" dirty="0">
-                <a:solidFill>
-                  <a:srgbClr val="000000"/>
-                </a:solidFill>
-                <a:latin typeface="Source Code Pro"/>
-                <a:ea typeface="Source Code Pro"/>
-                <a:cs typeface="Source Code Pro"/>
-                <a:sym typeface="Source Code Pro"/>
-              </a:rPr>
-            </a:br>
-            <a:r>
-              <a:rPr lang="en" sz="1100" dirty="0">
-                <a:solidFill>
-                  <a:srgbClr val="000000"/>
-                </a:solidFill>
-                <a:latin typeface="Source Code Pro"/>
-                <a:ea typeface="Source Code Pro"/>
-                <a:cs typeface="Source Code Pro"/>
-                <a:sym typeface="Source Code Pro"/>
-              </a:rPr>
-              <a:t>  {“username”: “nicole”, “age”: 25},</a:t>
-            </a:r>
-            <a:br>
-              <a:rPr lang="en" sz="1100" dirty="0">
-                <a:solidFill>
-                  <a:srgbClr val="000000"/>
-                </a:solidFill>
-                <a:latin typeface="Source Code Pro"/>
-                <a:ea typeface="Source Code Pro"/>
-                <a:cs typeface="Source Code Pro"/>
-                <a:sym typeface="Source Code Pro"/>
-              </a:rPr>
-            </a:br>
-            <a:r>
-              <a:rPr lang="en" sz="1100" dirty="0">
-                <a:solidFill>
-                  <a:srgbClr val="000000"/>
-                </a:solidFill>
-                <a:latin typeface="Source Code Pro"/>
-                <a:ea typeface="Source Code Pro"/>
-                <a:cs typeface="Source Code Pro"/>
-                <a:sym typeface="Source Code Pro"/>
-              </a:rPr>
-              <a:t>  function(data, status) {</a:t>
-            </a:r>
-            <a:br>
-              <a:rPr lang="en" sz="1100" dirty="0">
-                <a:solidFill>
-                  <a:srgbClr val="000000"/>
-                </a:solidFill>
-                <a:latin typeface="Source Code Pro"/>
-                <a:ea typeface="Source Code Pro"/>
-                <a:cs typeface="Source Code Pro"/>
-                <a:sym typeface="Source Code Pro"/>
-              </a:rPr>
-            </a:br>
-            <a:r>
-              <a:rPr lang="en" sz="1100" dirty="0">
-                <a:solidFill>
-                  <a:srgbClr val="000000"/>
-                </a:solidFill>
-                <a:latin typeface="Source Code Pro"/>
-                <a:ea typeface="Source Code Pro"/>
-                <a:cs typeface="Source Code Pro"/>
-                <a:sym typeface="Source Code Pro"/>
-              </a:rPr>
-              <a:t>    alert("data: "+data+", status: "+status);</a:t>
-            </a:r>
-            <a:br>
-              <a:rPr lang="en" sz="1100" dirty="0">
-                <a:solidFill>
-                  <a:srgbClr val="000000"/>
-                </a:solidFill>
-                <a:latin typeface="Source Code Pro"/>
-                <a:ea typeface="Source Code Pro"/>
-                <a:cs typeface="Source Code Pro"/>
-                <a:sym typeface="Source Code Pro"/>
-              </a:rPr>
-            </a:br>
-            <a:r>
-              <a:rPr lang="en" sz="1100" dirty="0">
-                <a:solidFill>
-                  <a:srgbClr val="000000"/>
-                </a:solidFill>
-                <a:latin typeface="Source Code Pro"/>
-                <a:ea typeface="Source Code Pro"/>
-                <a:cs typeface="Source Code Pro"/>
-                <a:sym typeface="Source Code Pro"/>
-              </a:rPr>
-              <a:t>  },</a:t>
-            </a:r>
-            <a:br>
-              <a:rPr lang="en" sz="1100" dirty="0">
-                <a:solidFill>
-                  <a:srgbClr val="000000"/>
-                </a:solidFill>
-                <a:latin typeface="Source Code Pro"/>
-                <a:ea typeface="Source Code Pro"/>
-                <a:cs typeface="Source Code Pro"/>
-                <a:sym typeface="Source Code Pro"/>
-              </a:rPr>
-            </a:br>
-            <a:r>
-              <a:rPr lang="en" sz="1100" dirty="0">
-                <a:solidFill>
-                  <a:srgbClr val="000000"/>
-                </a:solidFill>
-                <a:latin typeface="Source Code Pro"/>
-                <a:ea typeface="Source Code Pro"/>
-                <a:cs typeface="Source Code Pro"/>
-                <a:sym typeface="Source Code Pro"/>
-              </a:rPr>
-              <a:t>  “json”</a:t>
-            </a:r>
-            <a:br>
-              <a:rPr lang="en" sz="1100" dirty="0">
-                <a:solidFill>
-                  <a:srgbClr val="000000"/>
-                </a:solidFill>
-                <a:latin typeface="Source Code Pro"/>
-                <a:ea typeface="Source Code Pro"/>
-                <a:cs typeface="Source Code Pro"/>
-                <a:sym typeface="Source Code Pro"/>
-              </a:rPr>
-            </a:br>
-            <a:r>
-              <a:rPr lang="en" sz="1100" dirty="0">
-                <a:solidFill>
-                  <a:srgbClr val="000000"/>
-                </a:solidFill>
-                <a:latin typeface="Source Code Pro"/>
-                <a:ea typeface="Source Code Pro"/>
-                <a:cs typeface="Source Code Pro"/>
-                <a:sym typeface="Source Code Pro"/>
-              </a:rPr>
-              <a:t>);</a:t>
-            </a:r>
-            <a:r>
-              <a:rPr lang="en" sz="1200" dirty="0"/>
               <a:t/>
             </a:r>
-            <a:br>
-              <a:rPr lang="en" sz="1200" dirty="0"/>
-            </a:br>
-            <a:r>
-              <a:rPr lang="en" sz="1200" dirty="0"/>
-              <a:t>             Or, equivalently but more clearly:</a:t>
-            </a:r>
-            <a:br>
-              <a:rPr lang="en" sz="1200" dirty="0"/>
-            </a:br>
-            <a:r>
-              <a:rPr lang="en" sz="1100" dirty="0">
-                <a:solidFill>
-                  <a:srgbClr val="000000"/>
-                </a:solidFill>
-                <a:latin typeface="Source Code Pro"/>
-                <a:ea typeface="Source Code Pro"/>
-                <a:cs typeface="Source Code Pro"/>
-                <a:sym typeface="Source Code Pro"/>
-              </a:rPr>
-              <a:t>$.ajax({</a:t>
-            </a:r>
-            <a:br>
-              <a:rPr lang="en" sz="1100" dirty="0">
-                <a:solidFill>
-                  <a:srgbClr val="000000"/>
-                </a:solidFill>
-                <a:latin typeface="Source Code Pro"/>
-                <a:ea typeface="Source Code Pro"/>
-                <a:cs typeface="Source Code Pro"/>
-                <a:sym typeface="Source Code Pro"/>
-              </a:rPr>
-            </a:br>
-            <a:r>
-              <a:rPr lang="en" sz="1100" dirty="0">
-                <a:solidFill>
-                  <a:srgbClr val="000000"/>
-                </a:solidFill>
-                <a:latin typeface="Source Code Pro"/>
-                <a:ea typeface="Source Code Pro"/>
-                <a:cs typeface="Source Code Pro"/>
-                <a:sym typeface="Source Code Pro"/>
-              </a:rPr>
-              <a:t>  type: "POST",</a:t>
-            </a:r>
-            <a:br>
-              <a:rPr lang="en" sz="1100" dirty="0">
-                <a:solidFill>
-                  <a:srgbClr val="000000"/>
-                </a:solidFill>
-                <a:latin typeface="Source Code Pro"/>
-                <a:ea typeface="Source Code Pro"/>
-                <a:cs typeface="Source Code Pro"/>
-                <a:sym typeface="Source Code Pro"/>
-              </a:rPr>
-            </a:br>
-            <a:r>
-              <a:rPr lang="en" sz="1100" dirty="0">
-                <a:solidFill>
-                  <a:srgbClr val="000000"/>
-                </a:solidFill>
-                <a:latin typeface="Source Code Pro"/>
-                <a:ea typeface="Source Code Pro"/>
-                <a:cs typeface="Source Code Pro"/>
-                <a:sym typeface="Source Code Pro"/>
-              </a:rPr>
-              <a:t>  url: “/submitForm”,</a:t>
-            </a:r>
-            <a:br>
-              <a:rPr lang="en" sz="1100" dirty="0">
-                <a:solidFill>
-                  <a:srgbClr val="000000"/>
-                </a:solidFill>
-                <a:latin typeface="Source Code Pro"/>
-                <a:ea typeface="Source Code Pro"/>
-                <a:cs typeface="Source Code Pro"/>
-                <a:sym typeface="Source Code Pro"/>
-              </a:rPr>
-            </a:br>
-            <a:r>
-              <a:rPr lang="en" sz="1100" dirty="0">
-                <a:solidFill>
-                  <a:srgbClr val="000000"/>
-                </a:solidFill>
-                <a:latin typeface="Source Code Pro"/>
-                <a:ea typeface="Source Code Pro"/>
-                <a:cs typeface="Source Code Pro"/>
-                <a:sym typeface="Source Code Pro"/>
-              </a:rPr>
-              <a:t>  data: {“username”: “nicole”, “age”: 25},</a:t>
-            </a:r>
-            <a:br>
-              <a:rPr lang="en" sz="1100" dirty="0">
-                <a:solidFill>
-                  <a:srgbClr val="000000"/>
-                </a:solidFill>
-                <a:latin typeface="Source Code Pro"/>
-                <a:ea typeface="Source Code Pro"/>
-                <a:cs typeface="Source Code Pro"/>
-                <a:sym typeface="Source Code Pro"/>
-              </a:rPr>
-            </a:br>
-            <a:r>
-              <a:rPr lang="en" sz="1100" dirty="0">
-                <a:solidFill>
-                  <a:srgbClr val="000000"/>
-                </a:solidFill>
-                <a:latin typeface="Source Code Pro"/>
-                <a:ea typeface="Source Code Pro"/>
-                <a:cs typeface="Source Code Pro"/>
-                <a:sym typeface="Source Code Pro"/>
-              </a:rPr>
-              <a:t>  success: function(data, status) {</a:t>
-            </a:r>
-            <a:br>
-              <a:rPr lang="en" sz="1100" dirty="0">
-                <a:solidFill>
-                  <a:srgbClr val="000000"/>
-                </a:solidFill>
-                <a:latin typeface="Source Code Pro"/>
-                <a:ea typeface="Source Code Pro"/>
-                <a:cs typeface="Source Code Pro"/>
-                <a:sym typeface="Source Code Pro"/>
-              </a:rPr>
-            </a:br>
-            <a:r>
-              <a:rPr lang="en" sz="1100" dirty="0">
-                <a:solidFill>
-                  <a:srgbClr val="000000"/>
-                </a:solidFill>
-                <a:latin typeface="Source Code Pro"/>
-                <a:ea typeface="Source Code Pro"/>
-                <a:cs typeface="Source Code Pro"/>
-                <a:sym typeface="Source Code Pro"/>
-              </a:rPr>
-              <a:t>    alert("data: "+data+" status: "+status);</a:t>
-            </a:r>
-            <a:br>
-              <a:rPr lang="en" sz="1100" dirty="0">
-                <a:solidFill>
-                  <a:srgbClr val="000000"/>
-                </a:solidFill>
-                <a:latin typeface="Source Code Pro"/>
-                <a:ea typeface="Source Code Pro"/>
-                <a:cs typeface="Source Code Pro"/>
-                <a:sym typeface="Source Code Pro"/>
-              </a:rPr>
-            </a:br>
-            <a:r>
-              <a:rPr lang="en" sz="1100" dirty="0">
-                <a:solidFill>
-                  <a:srgbClr val="000000"/>
-                </a:solidFill>
-                <a:latin typeface="Source Code Pro"/>
-                <a:ea typeface="Source Code Pro"/>
-                <a:cs typeface="Source Code Pro"/>
-                <a:sym typeface="Source Code Pro"/>
-              </a:rPr>
-              <a:t>    },</a:t>
-            </a:r>
-            <a:br>
-              <a:rPr lang="en" sz="1100" dirty="0">
-                <a:solidFill>
-                  <a:srgbClr val="000000"/>
-                </a:solidFill>
-                <a:latin typeface="Source Code Pro"/>
-                <a:ea typeface="Source Code Pro"/>
-                <a:cs typeface="Source Code Pro"/>
-                <a:sym typeface="Source Code Pro"/>
-              </a:rPr>
-            </a:br>
-            <a:r>
-              <a:rPr lang="en" sz="1100" dirty="0">
-                <a:solidFill>
-                  <a:srgbClr val="000000"/>
-                </a:solidFill>
-                <a:latin typeface="Source Code Pro"/>
-                <a:ea typeface="Source Code Pro"/>
-                <a:cs typeface="Source Code Pro"/>
-                <a:sym typeface="Source Code Pro"/>
-              </a:rPr>
-              <a:t>  dataType: “json”</a:t>
-            </a:r>
-            <a:br>
-              <a:rPr lang="en" sz="1100" dirty="0">
-                <a:solidFill>
-                  <a:srgbClr val="000000"/>
-                </a:solidFill>
-                <a:latin typeface="Source Code Pro"/>
-                <a:ea typeface="Source Code Pro"/>
-                <a:cs typeface="Source Code Pro"/>
-                <a:sym typeface="Source Code Pro"/>
-              </a:rPr>
-            </a:br>
-            <a:r>
-              <a:rPr lang="en" sz="1100" dirty="0">
-                <a:solidFill>
-                  <a:srgbClr val="000000"/>
-                </a:solidFill>
-                <a:latin typeface="Source Code Pro"/>
-                <a:ea typeface="Source Code Pro"/>
-                <a:cs typeface="Source Code Pro"/>
-                <a:sym typeface="Source Code Pro"/>
-              </a:rPr>
-              <a:t>});</a:t>
-            </a:r>
-          </a:p>
-          <a:p>
-            <a:pPr lvl="0">
-              <a:spcBef>
-                <a:spcPts val="0"/>
-              </a:spcBef>
-              <a:buNone/>
-            </a:pPr>
-            <a:endParaRPr sz="1200" dirty="0"/>
-          </a:p>
-        </p:txBody>
-      </p:sp>
-      <p:sp>
-        <p:nvSpPr>
-          <p:cNvPr id="116" name="Shape 116"/>
-          <p:cNvSpPr txBox="1">
-            <a:spLocks noGrp="1"/>
-          </p:cNvSpPr>
-          <p:nvPr>
-            <p:ph type="body" idx="2"/>
-          </p:nvPr>
-        </p:nvSpPr>
-        <p:spPr>
-          <a:xfrm>
-            <a:off x="4395350" y="1266175"/>
-            <a:ext cx="4584300" cy="3302700"/>
-          </a:xfrm>
-          <a:prstGeom prst="rect">
-            <a:avLst/>
-          </a:prstGeom>
-        </p:spPr>
-        <p:txBody>
-          <a:bodyPr lIns="91425" tIns="91425" rIns="91425" bIns="91425" anchor="t" anchorCtr="0">
-            <a:noAutofit/>
-          </a:bodyPr>
-          <a:lstStyle/>
-          <a:p>
-            <a:pPr lvl="0">
-              <a:spcBef>
-                <a:spcPts val="0"/>
-              </a:spcBef>
-              <a:buNone/>
-            </a:pPr>
-            <a:r>
-              <a:rPr lang="en" sz="1100">
-                <a:solidFill>
-                  <a:srgbClr val="000000"/>
-                </a:solidFill>
-                <a:latin typeface="Source Code Pro"/>
-                <a:ea typeface="Source Code Pro"/>
-                <a:cs typeface="Source Code Pro"/>
-                <a:sym typeface="Source Code Pro"/>
-              </a:rPr>
-              <a:t>$.post(</a:t>
-            </a:r>
-            <a:br>
-              <a:rPr lang="en" sz="1100">
-                <a:solidFill>
-                  <a:srgbClr val="000000"/>
-                </a:solidFill>
-                <a:latin typeface="Source Code Pro"/>
-                <a:ea typeface="Source Code Pro"/>
-                <a:cs typeface="Source Code Pro"/>
-                <a:sym typeface="Source Code Pro"/>
-              </a:rPr>
-            </a:br>
-            <a:r>
-              <a:rPr lang="en" sz="1100">
-                <a:solidFill>
-                  <a:srgbClr val="000000"/>
-                </a:solidFill>
-                <a:latin typeface="Source Code Pro"/>
-                <a:ea typeface="Source Code Pro"/>
-                <a:cs typeface="Source Code Pro"/>
-                <a:sym typeface="Source Code Pro"/>
-              </a:rPr>
-              <a:t>  </a:t>
-            </a:r>
-            <a:r>
-              <a:rPr lang="en" sz="1100" i="1">
-                <a:solidFill>
-                  <a:srgbClr val="000000"/>
-                </a:solidFill>
-                <a:latin typeface="Source Code Pro"/>
-                <a:ea typeface="Source Code Pro"/>
-                <a:cs typeface="Source Code Pro"/>
-                <a:sym typeface="Source Code Pro"/>
-              </a:rPr>
-              <a:t>url</a:t>
-            </a:r>
-            <a:r>
-              <a:rPr lang="en" sz="1100">
-                <a:solidFill>
-                  <a:srgbClr val="000000"/>
-                </a:solidFill>
-                <a:latin typeface="Source Code Pro"/>
-                <a:ea typeface="Source Code Pro"/>
-                <a:cs typeface="Source Code Pro"/>
-                <a:sym typeface="Source Code Pro"/>
-              </a:rPr>
-              <a:t>,  	</a:t>
-            </a:r>
-            <a:r>
-              <a:rPr lang="en" sz="1100">
-                <a:solidFill>
-                  <a:srgbClr val="999999"/>
-                </a:solidFill>
-                <a:latin typeface="Source Code Pro"/>
-                <a:ea typeface="Source Code Pro"/>
-                <a:cs typeface="Source Code Pro"/>
-                <a:sym typeface="Source Code Pro"/>
-              </a:rPr>
-              <a:t>// endpoint on server to submit data to</a:t>
-            </a:r>
-            <a:r>
-              <a:rPr lang="en" sz="1100">
-                <a:solidFill>
-                  <a:srgbClr val="000000"/>
-                </a:solidFill>
-                <a:latin typeface="Source Code Pro"/>
-                <a:ea typeface="Source Code Pro"/>
-                <a:cs typeface="Source Code Pro"/>
-                <a:sym typeface="Source Code Pro"/>
-              </a:rPr>
-              <a:t/>
-            </a:r>
-            <a:br>
-              <a:rPr lang="en" sz="1100">
-                <a:solidFill>
-                  <a:srgbClr val="000000"/>
-                </a:solidFill>
-                <a:latin typeface="Source Code Pro"/>
-                <a:ea typeface="Source Code Pro"/>
-                <a:cs typeface="Source Code Pro"/>
-                <a:sym typeface="Source Code Pro"/>
-              </a:rPr>
-            </a:br>
-            <a:r>
-              <a:rPr lang="en" sz="1100">
-                <a:solidFill>
-                  <a:srgbClr val="000000"/>
-                </a:solidFill>
-                <a:latin typeface="Source Code Pro"/>
-                <a:ea typeface="Source Code Pro"/>
-                <a:cs typeface="Source Code Pro"/>
-                <a:sym typeface="Source Code Pro"/>
-              </a:rPr>
-              <a:t>  </a:t>
-            </a:r>
-            <a:r>
-              <a:rPr lang="en" sz="1100" i="1">
-                <a:solidFill>
-                  <a:srgbClr val="000000"/>
-                </a:solidFill>
-                <a:latin typeface="Source Code Pro"/>
-                <a:ea typeface="Source Code Pro"/>
-                <a:cs typeface="Source Code Pro"/>
-                <a:sym typeface="Source Code Pro"/>
-              </a:rPr>
-              <a:t>[data]</a:t>
-            </a:r>
-            <a:r>
-              <a:rPr lang="en" sz="1100">
-                <a:solidFill>
-                  <a:srgbClr val="000000"/>
-                </a:solidFill>
-                <a:latin typeface="Source Code Pro"/>
-                <a:ea typeface="Source Code Pro"/>
-                <a:cs typeface="Source Code Pro"/>
-                <a:sym typeface="Source Code Pro"/>
-              </a:rPr>
-              <a:t>,	 </a:t>
-            </a:r>
-            <a:r>
-              <a:rPr lang="en" sz="1100">
-                <a:solidFill>
-                  <a:srgbClr val="999999"/>
-                </a:solidFill>
-                <a:latin typeface="Source Code Pro"/>
-                <a:ea typeface="Source Code Pro"/>
-                <a:cs typeface="Source Code Pro"/>
-                <a:sym typeface="Source Code Pro"/>
-              </a:rPr>
-              <a:t>// data to pass over</a:t>
-            </a:r>
-            <a:r>
-              <a:rPr lang="en" sz="1100">
-                <a:solidFill>
-                  <a:srgbClr val="000000"/>
-                </a:solidFill>
-                <a:latin typeface="Source Code Pro"/>
-                <a:ea typeface="Source Code Pro"/>
-                <a:cs typeface="Source Code Pro"/>
-                <a:sym typeface="Source Code Pro"/>
-              </a:rPr>
-              <a:t/>
-            </a:r>
-            <a:br>
-              <a:rPr lang="en" sz="1100">
-                <a:solidFill>
-                  <a:srgbClr val="000000"/>
-                </a:solidFill>
-                <a:latin typeface="Source Code Pro"/>
-                <a:ea typeface="Source Code Pro"/>
-                <a:cs typeface="Source Code Pro"/>
-                <a:sym typeface="Source Code Pro"/>
-              </a:rPr>
-            </a:br>
-            <a:r>
-              <a:rPr lang="en" sz="1100">
-                <a:solidFill>
-                  <a:srgbClr val="000000"/>
-                </a:solidFill>
-                <a:latin typeface="Source Code Pro"/>
-                <a:ea typeface="Source Code Pro"/>
-                <a:cs typeface="Source Code Pro"/>
-                <a:sym typeface="Source Code Pro"/>
-              </a:rPr>
-              <a:t>  </a:t>
-            </a:r>
-            <a:r>
-              <a:rPr lang="en" sz="1100" i="1">
-                <a:solidFill>
-                  <a:srgbClr val="000000"/>
-                </a:solidFill>
-                <a:latin typeface="Source Code Pro"/>
-                <a:ea typeface="Source Code Pro"/>
-                <a:cs typeface="Source Code Pro"/>
-                <a:sym typeface="Source Code Pro"/>
-              </a:rPr>
-              <a:t>[success]</a:t>
-            </a:r>
-            <a:r>
-              <a:rPr lang="en" sz="1100">
-                <a:solidFill>
-                  <a:srgbClr val="000000"/>
-                </a:solidFill>
-                <a:latin typeface="Source Code Pro"/>
-                <a:ea typeface="Source Code Pro"/>
-                <a:cs typeface="Source Code Pro"/>
-                <a:sym typeface="Source Code Pro"/>
-              </a:rPr>
-              <a:t>,   </a:t>
-            </a:r>
-            <a:r>
-              <a:rPr lang="en" sz="1100">
-                <a:solidFill>
-                  <a:srgbClr val="999999"/>
-                </a:solidFill>
-                <a:latin typeface="Source Code Pro"/>
-                <a:ea typeface="Source Code Pro"/>
-                <a:cs typeface="Source Code Pro"/>
-                <a:sym typeface="Source Code Pro"/>
-              </a:rPr>
-              <a:t>// callback function</a:t>
-            </a:r>
-            <a:r>
-              <a:rPr lang="en" sz="1100">
-                <a:solidFill>
-                  <a:srgbClr val="000000"/>
-                </a:solidFill>
-                <a:latin typeface="Source Code Pro"/>
-                <a:ea typeface="Source Code Pro"/>
-                <a:cs typeface="Source Code Pro"/>
-                <a:sym typeface="Source Code Pro"/>
-              </a:rPr>
-              <a:t/>
-            </a:r>
-            <a:br>
-              <a:rPr lang="en" sz="1100">
-                <a:solidFill>
-                  <a:srgbClr val="000000"/>
-                </a:solidFill>
-                <a:latin typeface="Source Code Pro"/>
-                <a:ea typeface="Source Code Pro"/>
-                <a:cs typeface="Source Code Pro"/>
-                <a:sym typeface="Source Code Pro"/>
-              </a:rPr>
-            </a:br>
-            <a:r>
-              <a:rPr lang="en" sz="1100">
-                <a:solidFill>
-                  <a:srgbClr val="000000"/>
-                </a:solidFill>
-                <a:latin typeface="Source Code Pro"/>
-                <a:ea typeface="Source Code Pro"/>
-                <a:cs typeface="Source Code Pro"/>
-                <a:sym typeface="Source Code Pro"/>
-              </a:rPr>
-              <a:t>  </a:t>
-            </a:r>
-            <a:r>
-              <a:rPr lang="en" sz="1100" i="1">
-                <a:solidFill>
-                  <a:srgbClr val="000000"/>
-                </a:solidFill>
-                <a:latin typeface="Source Code Pro"/>
-                <a:ea typeface="Source Code Pro"/>
-                <a:cs typeface="Source Code Pro"/>
-                <a:sym typeface="Source Code Pro"/>
-              </a:rPr>
-              <a:t>[dataType]</a:t>
-            </a:r>
-            <a:r>
-              <a:rPr lang="en" sz="1100">
-                <a:solidFill>
-                  <a:srgbClr val="000000"/>
-                </a:solidFill>
-                <a:latin typeface="Source Code Pro"/>
-                <a:ea typeface="Source Code Pro"/>
-                <a:cs typeface="Source Code Pro"/>
-                <a:sym typeface="Source Code Pro"/>
-              </a:rPr>
-              <a:t> </a:t>
-            </a:r>
-            <a:r>
-              <a:rPr lang="en" sz="1100">
-                <a:solidFill>
-                  <a:srgbClr val="999999"/>
-                </a:solidFill>
-                <a:latin typeface="Source Code Pro"/>
-                <a:ea typeface="Source Code Pro"/>
-                <a:cs typeface="Source Code Pro"/>
-                <a:sym typeface="Source Code Pro"/>
-              </a:rPr>
-              <a:t>// type of data expected back</a:t>
-            </a:r>
-            <a:r>
-              <a:rPr lang="en" sz="1100">
-                <a:solidFill>
-                  <a:srgbClr val="000000"/>
-                </a:solidFill>
-                <a:latin typeface="Source Code Pro"/>
-                <a:ea typeface="Source Code Pro"/>
-                <a:cs typeface="Source Code Pro"/>
-                <a:sym typeface="Source Code Pro"/>
-              </a:rPr>
-              <a:t/>
-            </a:r>
-            <a:br>
-              <a:rPr lang="en" sz="1100">
-                <a:solidFill>
-                  <a:srgbClr val="000000"/>
-                </a:solidFill>
-                <a:latin typeface="Source Code Pro"/>
-                <a:ea typeface="Source Code Pro"/>
-                <a:cs typeface="Source Code Pro"/>
-                <a:sym typeface="Source Code Pro"/>
-              </a:rPr>
-            </a:br>
-            <a:r>
-              <a:rPr lang="en" sz="1100">
-                <a:solidFill>
-                  <a:srgbClr val="000000"/>
-                </a:solidFill>
-                <a:latin typeface="Source Code Pro"/>
-                <a:ea typeface="Source Code Pro"/>
-                <a:cs typeface="Source Code Pro"/>
-                <a:sym typeface="Source Code Pro"/>
-              </a:rPr>
-              <a:t>);</a:t>
-            </a:r>
-            <a:br>
-              <a:rPr lang="en" sz="1100">
-                <a:solidFill>
-                  <a:srgbClr val="000000"/>
-                </a:solidFill>
-                <a:latin typeface="Source Code Pro"/>
-                <a:ea typeface="Source Code Pro"/>
-                <a:cs typeface="Source Code Pro"/>
-                <a:sym typeface="Source Code Pro"/>
-              </a:rPr>
-            </a:br>
-            <a:r>
-              <a:rPr lang="en" sz="1200"/>
-              <a:t/>
-            </a:r>
-            <a:br>
-              <a:rPr lang="en" sz="1200"/>
-            </a:br>
-            <a:r>
-              <a:rPr lang="en" sz="1200"/>
-              <a:t>                   Or, equivalently but more clearly:</a:t>
-            </a:r>
-            <a:br>
-              <a:rPr lang="en" sz="1200"/>
-            </a:br>
-            <a:r>
-              <a:rPr lang="en" sz="1200"/>
-              <a:t/>
-            </a:r>
-            <a:br>
-              <a:rPr lang="en" sz="1200"/>
-            </a:br>
-            <a:r>
-              <a:rPr lang="en" sz="1100">
-                <a:solidFill>
-                  <a:srgbClr val="000000"/>
-                </a:solidFill>
-                <a:latin typeface="Source Code Pro"/>
-                <a:ea typeface="Source Code Pro"/>
-                <a:cs typeface="Source Code Pro"/>
-                <a:sym typeface="Source Code Pro"/>
-              </a:rPr>
-              <a:t>$.ajax({</a:t>
-            </a:r>
-            <a:br>
-              <a:rPr lang="en" sz="1100">
-                <a:solidFill>
-                  <a:srgbClr val="000000"/>
-                </a:solidFill>
-                <a:latin typeface="Source Code Pro"/>
-                <a:ea typeface="Source Code Pro"/>
-                <a:cs typeface="Source Code Pro"/>
-                <a:sym typeface="Source Code Pro"/>
-              </a:rPr>
-            </a:br>
-            <a:r>
-              <a:rPr lang="en" sz="1100">
-                <a:solidFill>
-                  <a:srgbClr val="000000"/>
-                </a:solidFill>
-                <a:latin typeface="Source Code Pro"/>
-                <a:ea typeface="Source Code Pro"/>
-                <a:cs typeface="Source Code Pro"/>
-                <a:sym typeface="Source Code Pro"/>
-              </a:rPr>
-              <a:t>  type: </a:t>
-            </a:r>
-            <a:r>
-              <a:rPr lang="en" sz="1100" i="1">
-                <a:solidFill>
-                  <a:srgbClr val="000000"/>
-                </a:solidFill>
-                <a:latin typeface="Source Code Pro"/>
-                <a:ea typeface="Source Code Pro"/>
-                <a:cs typeface="Source Code Pro"/>
-                <a:sym typeface="Source Code Pro"/>
-              </a:rPr>
-              <a:t>type</a:t>
-            </a:r>
-            <a:r>
-              <a:rPr lang="en" sz="1100">
-                <a:solidFill>
-                  <a:srgbClr val="000000"/>
-                </a:solidFill>
-                <a:latin typeface="Source Code Pro"/>
-                <a:ea typeface="Source Code Pro"/>
-                <a:cs typeface="Source Code Pro"/>
-                <a:sym typeface="Source Code Pro"/>
-              </a:rPr>
-              <a:t>,   </a:t>
-            </a:r>
-            <a:r>
-              <a:rPr lang="en" sz="1100">
-                <a:solidFill>
-                  <a:srgbClr val="999999"/>
-                </a:solidFill>
-                <a:latin typeface="Source Code Pro"/>
-                <a:ea typeface="Source Code Pro"/>
-                <a:cs typeface="Source Code Pro"/>
-                <a:sym typeface="Source Code Pro"/>
-              </a:rPr>
-              <a:t>// HTTP method, e.g., GET or POST</a:t>
-            </a:r>
-            <a:r>
-              <a:rPr lang="en" sz="1100">
-                <a:solidFill>
-                  <a:srgbClr val="000000"/>
-                </a:solidFill>
-                <a:latin typeface="Source Code Pro"/>
-                <a:ea typeface="Source Code Pro"/>
-                <a:cs typeface="Source Code Pro"/>
-                <a:sym typeface="Source Code Pro"/>
-              </a:rPr>
-              <a:t/>
-            </a:r>
-            <a:br>
-              <a:rPr lang="en" sz="1100">
-                <a:solidFill>
-                  <a:srgbClr val="000000"/>
-                </a:solidFill>
-                <a:latin typeface="Source Code Pro"/>
-                <a:ea typeface="Source Code Pro"/>
-                <a:cs typeface="Source Code Pro"/>
-                <a:sym typeface="Source Code Pro"/>
-              </a:rPr>
-            </a:br>
-            <a:r>
-              <a:rPr lang="en" sz="1100">
-                <a:solidFill>
-                  <a:srgbClr val="000000"/>
-                </a:solidFill>
-                <a:latin typeface="Source Code Pro"/>
-                <a:ea typeface="Source Code Pro"/>
-                <a:cs typeface="Source Code Pro"/>
-                <a:sym typeface="Source Code Pro"/>
-              </a:rPr>
-              <a:t>  url: </a:t>
-            </a:r>
-            <a:r>
-              <a:rPr lang="en" sz="1100" i="1">
-                <a:solidFill>
-                  <a:srgbClr val="000000"/>
-                </a:solidFill>
-                <a:latin typeface="Source Code Pro"/>
-                <a:ea typeface="Source Code Pro"/>
-                <a:cs typeface="Source Code Pro"/>
-                <a:sym typeface="Source Code Pro"/>
-              </a:rPr>
-              <a:t>url</a:t>
-            </a:r>
-            <a:r>
-              <a:rPr lang="en" sz="1100">
-                <a:solidFill>
-                  <a:srgbClr val="000000"/>
-                </a:solidFill>
-                <a:latin typeface="Source Code Pro"/>
-                <a:ea typeface="Source Code Pro"/>
-                <a:cs typeface="Source Code Pro"/>
-                <a:sym typeface="Source Code Pro"/>
-              </a:rPr>
-              <a:t>,     </a:t>
-            </a:r>
-            <a:r>
-              <a:rPr lang="en" sz="1100">
-                <a:solidFill>
-                  <a:srgbClr val="999999"/>
-                </a:solidFill>
-                <a:latin typeface="Source Code Pro"/>
-                <a:ea typeface="Source Code Pro"/>
-                <a:cs typeface="Source Code Pro"/>
-                <a:sym typeface="Source Code Pro"/>
-              </a:rPr>
-              <a:t>// endpoint on server to submit to</a:t>
-            </a:r>
-            <a:r>
-              <a:rPr lang="en" sz="1100">
-                <a:solidFill>
-                  <a:srgbClr val="000000"/>
-                </a:solidFill>
-                <a:latin typeface="Source Code Pro"/>
-                <a:ea typeface="Source Code Pro"/>
-                <a:cs typeface="Source Code Pro"/>
-                <a:sym typeface="Source Code Pro"/>
-              </a:rPr>
-              <a:t/>
-            </a:r>
-            <a:br>
-              <a:rPr lang="en" sz="1100">
-                <a:solidFill>
-                  <a:srgbClr val="000000"/>
-                </a:solidFill>
-                <a:latin typeface="Source Code Pro"/>
-                <a:ea typeface="Source Code Pro"/>
-                <a:cs typeface="Source Code Pro"/>
-                <a:sym typeface="Source Code Pro"/>
-              </a:rPr>
-            </a:br>
-            <a:r>
-              <a:rPr lang="en" sz="1100">
-                <a:solidFill>
-                  <a:srgbClr val="000000"/>
-                </a:solidFill>
-                <a:latin typeface="Source Code Pro"/>
-                <a:ea typeface="Source Code Pro"/>
-                <a:cs typeface="Source Code Pro"/>
-                <a:sym typeface="Source Code Pro"/>
-              </a:rPr>
-              <a:t>  </a:t>
-            </a:r>
-            <a:r>
-              <a:rPr lang="en" sz="1100" i="1">
-                <a:solidFill>
-                  <a:srgbClr val="000000"/>
-                </a:solidFill>
-                <a:latin typeface="Source Code Pro"/>
-                <a:ea typeface="Source Code Pro"/>
-                <a:cs typeface="Source Code Pro"/>
-                <a:sym typeface="Source Code Pro"/>
-              </a:rPr>
-              <a:t>[</a:t>
-            </a:r>
-            <a:r>
-              <a:rPr lang="en" sz="1100">
-                <a:solidFill>
-                  <a:srgbClr val="000000"/>
-                </a:solidFill>
-                <a:latin typeface="Source Code Pro"/>
-                <a:ea typeface="Source Code Pro"/>
-                <a:cs typeface="Source Code Pro"/>
-                <a:sym typeface="Source Code Pro"/>
-              </a:rPr>
-              <a:t>data: </a:t>
-            </a:r>
-            <a:r>
-              <a:rPr lang="en" sz="1100" i="1">
-                <a:solidFill>
-                  <a:srgbClr val="000000"/>
-                </a:solidFill>
-                <a:latin typeface="Source Code Pro"/>
-                <a:ea typeface="Source Code Pro"/>
-                <a:cs typeface="Source Code Pro"/>
-                <a:sym typeface="Source Code Pro"/>
-              </a:rPr>
-              <a:t>data]</a:t>
-            </a:r>
-            <a:r>
-              <a:rPr lang="en" sz="1100">
-                <a:solidFill>
-                  <a:srgbClr val="000000"/>
-                </a:solidFill>
-                <a:latin typeface="Source Code Pro"/>
-                <a:ea typeface="Source Code Pro"/>
-                <a:cs typeface="Source Code Pro"/>
-                <a:sym typeface="Source Code Pro"/>
-              </a:rPr>
-              <a:t>, </a:t>
-            </a:r>
-            <a:r>
-              <a:rPr lang="en" sz="1100">
-                <a:solidFill>
-                  <a:srgbClr val="999999"/>
-                </a:solidFill>
-                <a:latin typeface="Source Code Pro"/>
-                <a:ea typeface="Source Code Pro"/>
-                <a:cs typeface="Source Code Pro"/>
-                <a:sym typeface="Source Code Pro"/>
-              </a:rPr>
-              <a:t>// data to pass over</a:t>
-            </a:r>
-            <a:r>
-              <a:rPr lang="en" sz="1100">
-                <a:solidFill>
-                  <a:srgbClr val="000000"/>
-                </a:solidFill>
-                <a:latin typeface="Source Code Pro"/>
-                <a:ea typeface="Source Code Pro"/>
-                <a:cs typeface="Source Code Pro"/>
-                <a:sym typeface="Source Code Pro"/>
-              </a:rPr>
-              <a:t/>
-            </a:r>
-            <a:br>
-              <a:rPr lang="en" sz="1100">
-                <a:solidFill>
-                  <a:srgbClr val="000000"/>
-                </a:solidFill>
-                <a:latin typeface="Source Code Pro"/>
-                <a:ea typeface="Source Code Pro"/>
-                <a:cs typeface="Source Code Pro"/>
-                <a:sym typeface="Source Code Pro"/>
-              </a:rPr>
-            </a:br>
-            <a:r>
-              <a:rPr lang="en" sz="1100">
-                <a:solidFill>
-                  <a:srgbClr val="000000"/>
-                </a:solidFill>
-                <a:latin typeface="Source Code Pro"/>
-                <a:ea typeface="Source Code Pro"/>
-                <a:cs typeface="Source Code Pro"/>
-                <a:sym typeface="Source Code Pro"/>
-              </a:rPr>
-              <a:t>  </a:t>
-            </a:r>
-            <a:r>
-              <a:rPr lang="en" sz="1100" i="1">
-                <a:solidFill>
-                  <a:srgbClr val="000000"/>
-                </a:solidFill>
-                <a:latin typeface="Source Code Pro"/>
-                <a:ea typeface="Source Code Pro"/>
-                <a:cs typeface="Source Code Pro"/>
-                <a:sym typeface="Source Code Pro"/>
-              </a:rPr>
-              <a:t>[</a:t>
-            </a:r>
-            <a:r>
-              <a:rPr lang="en" sz="1100">
-                <a:solidFill>
-                  <a:srgbClr val="000000"/>
-                </a:solidFill>
-                <a:latin typeface="Source Code Pro"/>
-                <a:ea typeface="Source Code Pro"/>
-                <a:cs typeface="Source Code Pro"/>
-                <a:sym typeface="Source Code Pro"/>
-              </a:rPr>
-              <a:t>success: </a:t>
-            </a:r>
-            <a:r>
-              <a:rPr lang="en" sz="1100" i="1">
-                <a:solidFill>
-                  <a:srgbClr val="000000"/>
-                </a:solidFill>
-                <a:latin typeface="Source Code Pro"/>
-                <a:ea typeface="Source Code Pro"/>
-                <a:cs typeface="Source Code Pro"/>
-                <a:sym typeface="Source Code Pro"/>
-              </a:rPr>
-              <a:t>success]</a:t>
-            </a:r>
-            <a:r>
-              <a:rPr lang="en" sz="1100">
-                <a:solidFill>
-                  <a:srgbClr val="000000"/>
-                </a:solidFill>
-                <a:latin typeface="Source Code Pro"/>
-                <a:ea typeface="Source Code Pro"/>
-                <a:cs typeface="Source Code Pro"/>
-                <a:sym typeface="Source Code Pro"/>
-              </a:rPr>
-              <a:t>,	 </a:t>
-            </a:r>
-            <a:r>
-              <a:rPr lang="en" sz="1100">
-                <a:solidFill>
-                  <a:srgbClr val="999999"/>
-                </a:solidFill>
-                <a:latin typeface="Source Code Pro"/>
-                <a:ea typeface="Source Code Pro"/>
-                <a:cs typeface="Source Code Pro"/>
-                <a:sym typeface="Source Code Pro"/>
-              </a:rPr>
-              <a:t>// callback function</a:t>
-            </a:r>
-            <a:r>
-              <a:rPr lang="en" sz="1100">
-                <a:solidFill>
-                  <a:srgbClr val="000000"/>
-                </a:solidFill>
-                <a:latin typeface="Source Code Pro"/>
-                <a:ea typeface="Source Code Pro"/>
-                <a:cs typeface="Source Code Pro"/>
-                <a:sym typeface="Source Code Pro"/>
-              </a:rPr>
-              <a:t/>
-            </a:r>
-            <a:br>
-              <a:rPr lang="en" sz="1100">
-                <a:solidFill>
-                  <a:srgbClr val="000000"/>
-                </a:solidFill>
-                <a:latin typeface="Source Code Pro"/>
-                <a:ea typeface="Source Code Pro"/>
-                <a:cs typeface="Source Code Pro"/>
-                <a:sym typeface="Source Code Pro"/>
-              </a:rPr>
-            </a:br>
-            <a:r>
-              <a:rPr lang="en" sz="1100">
-                <a:solidFill>
-                  <a:srgbClr val="000000"/>
-                </a:solidFill>
-                <a:latin typeface="Source Code Pro"/>
-                <a:ea typeface="Source Code Pro"/>
-                <a:cs typeface="Source Code Pro"/>
-                <a:sym typeface="Source Code Pro"/>
-              </a:rPr>
-              <a:t>  </a:t>
-            </a:r>
-            <a:r>
-              <a:rPr lang="en" sz="1100" i="1">
-                <a:solidFill>
-                  <a:srgbClr val="000000"/>
-                </a:solidFill>
-                <a:latin typeface="Source Code Pro"/>
-                <a:ea typeface="Source Code Pro"/>
-                <a:cs typeface="Source Code Pro"/>
-                <a:sym typeface="Source Code Pro"/>
-              </a:rPr>
-              <a:t>[</a:t>
-            </a:r>
-            <a:r>
-              <a:rPr lang="en" sz="1100">
-                <a:solidFill>
-                  <a:srgbClr val="000000"/>
-                </a:solidFill>
-                <a:latin typeface="Source Code Pro"/>
-                <a:ea typeface="Source Code Pro"/>
-                <a:cs typeface="Source Code Pro"/>
-                <a:sym typeface="Source Code Pro"/>
-              </a:rPr>
-              <a:t>dataType: </a:t>
-            </a:r>
-            <a:r>
-              <a:rPr lang="en" sz="1100" i="1">
-                <a:solidFill>
-                  <a:srgbClr val="000000"/>
-                </a:solidFill>
-                <a:latin typeface="Source Code Pro"/>
-                <a:ea typeface="Source Code Pro"/>
-                <a:cs typeface="Source Code Pro"/>
-                <a:sym typeface="Source Code Pro"/>
-              </a:rPr>
-              <a:t>dataType] </a:t>
-            </a:r>
-            <a:r>
-              <a:rPr lang="en" sz="1100">
-                <a:solidFill>
-                  <a:srgbClr val="999999"/>
-                </a:solidFill>
-                <a:latin typeface="Source Code Pro"/>
-                <a:ea typeface="Source Code Pro"/>
-                <a:cs typeface="Source Code Pro"/>
-                <a:sym typeface="Source Code Pro"/>
-              </a:rPr>
-              <a:t>// type of data expected back</a:t>
-            </a:r>
-            <a:br>
-              <a:rPr lang="en" sz="1100">
-                <a:solidFill>
-                  <a:srgbClr val="999999"/>
-                </a:solidFill>
-                <a:latin typeface="Source Code Pro"/>
-                <a:ea typeface="Source Code Pro"/>
-                <a:cs typeface="Source Code Pro"/>
-                <a:sym typeface="Source Code Pro"/>
-              </a:rPr>
-            </a:br>
-            <a:r>
-              <a:rPr lang="en" sz="1100">
-                <a:solidFill>
-                  <a:srgbClr val="000000"/>
-                </a:solidFill>
-                <a:latin typeface="Source Code Pro"/>
-                <a:ea typeface="Source Code Pro"/>
-                <a:cs typeface="Source Code Pro"/>
-                <a:sym typeface="Source Code Pro"/>
-              </a:rPr>
-              <a:t>});</a:t>
-            </a:r>
+            <a:endParaRPr sz="1200">
+              <a:solidFill>
+                <a:srgbClr val="000000"/>
+              </a:solidFill>
+              <a:latin typeface="Source Code Pro"/>
+              <a:ea typeface="Source Code Pro"/>
+              <a:cs typeface="Source Code Pro"/>
+              <a:sym typeface="Source Code Pro"/>
+            </a:endParaRPr>
           </a:p>
         </p:txBody>
       </p:sp>
@@ -10380,7 +10756,7 @@
 </file>
 
 <file path=ppt/theme/theme1.xml><?xml version="1.0" encoding="utf-8"?>
-<a:theme xmlns:a="http://schemas.openxmlformats.org/drawingml/2006/main" name="tropic">
+<a:theme xmlns:a="http://schemas.openxmlformats.org/drawingml/2006/main" xmlns:r="http://schemas.openxmlformats.org/officeDocument/2006/relationships" name="tropic">
   <a:themeElements>
     <a:clrScheme name="Tropic">
       <a:dk1>
@@ -10655,13 +11031,11 @@
       </a:bgFillStyleLst>
     </a:fmtScheme>
   </a:themeElements>
-  <a:objectDefaults/>
-  <a:extraClrSchemeLst/>
 </a:theme>
 </file>
 
 <file path=ppt/theme/theme2.xml><?xml version="1.0" encoding="utf-8"?>
-<a:theme xmlns:a="http://schemas.openxmlformats.org/drawingml/2006/main" name="Custom Theme">
+<a:theme xmlns:a="http://schemas.openxmlformats.org/drawingml/2006/main" xmlns:r="http://schemas.openxmlformats.org/officeDocument/2006/relationships" name="Custom Theme">
   <a:themeElements>
     <a:clrScheme name="Default">
       <a:dk1>
@@ -10936,7 +11310,5 @@
       </a:bgFillStyleLst>
     </a:fmtScheme>
   </a:themeElements>
-  <a:objectDefaults/>
-  <a:extraClrSchemeLst/>
 </a:theme>
 </file>